--- a/03 - Logic Gates and Circuits/slides.pptx
+++ b/03 - Logic Gates and Circuits/slides.pptx
@@ -2,31 +2,28 @@
 <file path=ppt/presentation.xml><?xml version="1.0" encoding="utf-8"?>
 <p:presentation xmlns:a="http://schemas.openxmlformats.org/drawingml/2006/main" xmlns:r="http://schemas.openxmlformats.org/officeDocument/2006/relationships" xmlns:p="http://schemas.openxmlformats.org/presentationml/2006/main" strictFirstAndLastChars="0" embedTrueTypeFonts="1" saveSubsetFonts="1" autoCompressPictures="0">
   <p:sldMasterIdLst>
-    <p:sldMasterId id="2147483659" r:id="rId1"/>
+    <p:sldMasterId id="2147483659" r:id="rId4"/>
   </p:sldMasterIdLst>
   <p:notesMasterIdLst>
     <p:notesMasterId r:id="rId21"/>
   </p:notesMasterIdLst>
   <p:sldIdLst>
-    <p:sldId id="256" r:id="rId2"/>
-    <p:sldId id="259" r:id="rId3"/>
-    <p:sldId id="257" r:id="rId4"/>
-    <p:sldId id="260" r:id="rId5"/>
-    <p:sldId id="261" r:id="rId6"/>
-    <p:sldId id="262" r:id="rId7"/>
-    <p:sldId id="263" r:id="rId8"/>
-    <p:sldId id="284" r:id="rId9"/>
-    <p:sldId id="264" r:id="rId10"/>
-    <p:sldId id="265" r:id="rId11"/>
-    <p:sldId id="278" r:id="rId12"/>
-    <p:sldId id="279" r:id="rId13"/>
-    <p:sldId id="280" r:id="rId14"/>
-    <p:sldId id="281" r:id="rId15"/>
-    <p:sldId id="282" r:id="rId16"/>
-    <p:sldId id="283" r:id="rId17"/>
-    <p:sldId id="275" r:id="rId18"/>
-    <p:sldId id="276" r:id="rId19"/>
-    <p:sldId id="277" r:id="rId20"/>
+    <p:sldId id="256" r:id="rId5"/>
+    <p:sldId id="259" r:id="rId6"/>
+    <p:sldId id="257" r:id="rId7"/>
+    <p:sldId id="260" r:id="rId8"/>
+    <p:sldId id="261" r:id="rId9"/>
+    <p:sldId id="262" r:id="rId10"/>
+    <p:sldId id="263" r:id="rId11"/>
+    <p:sldId id="264" r:id="rId12"/>
+    <p:sldId id="284" r:id="rId13"/>
+    <p:sldId id="265" r:id="rId14"/>
+    <p:sldId id="278" r:id="rId15"/>
+    <p:sldId id="280" r:id="rId16"/>
+    <p:sldId id="279" r:id="rId17"/>
+    <p:sldId id="281" r:id="rId18"/>
+    <p:sldId id="282" r:id="rId19"/>
+    <p:sldId id="283" r:id="rId20"/>
   </p:sldIdLst>
   <p:sldSz cx="9144000" cy="6858000" type="screen4x3"/>
   <p:notesSz cx="6858000" cy="9144000"/>
@@ -286,13 +283,770 @@
 <file path=ppt/revisionInfo.xml><?xml version="1.0" encoding="utf-8"?>
 <p1510:revInfo xmlns:a="http://schemas.openxmlformats.org/drawingml/2006/main" xmlns:r="http://schemas.openxmlformats.org/officeDocument/2006/relationships" xmlns:p1510="http://schemas.microsoft.com/office/powerpoint/2015/10/main">
   <p1510:revLst>
-    <p1510:client id="{CF061141-98AB-B84F-BA1A-32879D2AEC16}" v="6" dt="2022-10-06T13:50:38.643"/>
+    <p1510:client id="{433FB62E-B86A-8B4C-B71B-C728D211C5D7}" v="18" dt="2025-09-10T11:55:54.875"/>
   </p1510:revLst>
 </p1510:revInfo>
 </file>
 
 <file path=ppt/changesInfos/changesInfo1.xml><?xml version="1.0" encoding="utf-8"?>
 <pc:chgInfo xmlns:a="http://schemas.openxmlformats.org/drawingml/2006/main" xmlns:r="http://schemas.openxmlformats.org/officeDocument/2006/relationships" xmlns:ac="http://schemas.microsoft.com/office/drawing/2013/main/command" xmlns:pc="http://schemas.microsoft.com/office/powerpoint/2013/main/command">
+  <pc:docChgLst>
+    <pc:chgData name="Riccardo Berta" userId="c8694f89-bba4-4576-b0a8-456619ca5a8c" providerId="ADAL" clId="{FDDBFC5A-5EA9-5330-BEB8-433D7E3B4C4E}"/>
+    <pc:docChg chg="undo custSel delSld modSld sldOrd">
+      <pc:chgData name="Riccardo Berta" userId="c8694f89-bba4-4576-b0a8-456619ca5a8c" providerId="ADAL" clId="{FDDBFC5A-5EA9-5330-BEB8-433D7E3B4C4E}" dt="2025-09-10T12:28:32.611" v="318" actId="14100"/>
+      <pc:docMkLst>
+        <pc:docMk/>
+      </pc:docMkLst>
+      <pc:sldChg chg="modSp mod">
+        <pc:chgData name="Riccardo Berta" userId="c8694f89-bba4-4576-b0a8-456619ca5a8c" providerId="ADAL" clId="{FDDBFC5A-5EA9-5330-BEB8-433D7E3B4C4E}" dt="2025-09-10T12:28:32.611" v="318" actId="14100"/>
+        <pc:sldMkLst>
+          <pc:docMk/>
+          <pc:sldMk cId="3018556184" sldId="259"/>
+        </pc:sldMkLst>
+        <pc:spChg chg="mod">
+          <ac:chgData name="Riccardo Berta" userId="c8694f89-bba4-4576-b0a8-456619ca5a8c" providerId="ADAL" clId="{FDDBFC5A-5EA9-5330-BEB8-433D7E3B4C4E}" dt="2025-09-10T12:28:32.611" v="318" actId="14100"/>
+          <ac:spMkLst>
+            <pc:docMk/>
+            <pc:sldMk cId="3018556184" sldId="259"/>
+            <ac:spMk id="3" creationId="{38BFAA1C-1163-169B-2D77-6FEF73CC8512}"/>
+          </ac:spMkLst>
+        </pc:spChg>
+      </pc:sldChg>
+      <pc:sldChg chg="addSp delSp modSp mod">
+        <pc:chgData name="Riccardo Berta" userId="c8694f89-bba4-4576-b0a8-456619ca5a8c" providerId="ADAL" clId="{FDDBFC5A-5EA9-5330-BEB8-433D7E3B4C4E}" dt="2025-09-10T08:13:35.596" v="58" actId="478"/>
+        <pc:sldMkLst>
+          <pc:docMk/>
+          <pc:sldMk cId="3293491420" sldId="260"/>
+        </pc:sldMkLst>
+        <pc:picChg chg="add del mod">
+          <ac:chgData name="Riccardo Berta" userId="c8694f89-bba4-4576-b0a8-456619ca5a8c" providerId="ADAL" clId="{FDDBFC5A-5EA9-5330-BEB8-433D7E3B4C4E}" dt="2025-09-10T08:13:34.997" v="57"/>
+          <ac:picMkLst>
+            <pc:docMk/>
+            <pc:sldMk cId="3293491420" sldId="260"/>
+            <ac:picMk id="2" creationId="{A74AA411-657F-7CF0-DC0E-6DB39E0837D2}"/>
+          </ac:picMkLst>
+        </pc:picChg>
+        <pc:picChg chg="add del mod">
+          <ac:chgData name="Riccardo Berta" userId="c8694f89-bba4-4576-b0a8-456619ca5a8c" providerId="ADAL" clId="{FDDBFC5A-5EA9-5330-BEB8-433D7E3B4C4E}" dt="2025-09-10T08:13:35.596" v="58" actId="478"/>
+          <ac:picMkLst>
+            <pc:docMk/>
+            <pc:sldMk cId="3293491420" sldId="260"/>
+            <ac:picMk id="5" creationId="{75FC8BD1-FC1F-9B3D-B135-2E4A371BA203}"/>
+          </ac:picMkLst>
+        </pc:picChg>
+      </pc:sldChg>
+      <pc:sldChg chg="addSp delSp modSp mod">
+        <pc:chgData name="Riccardo Berta" userId="c8694f89-bba4-4576-b0a8-456619ca5a8c" providerId="ADAL" clId="{FDDBFC5A-5EA9-5330-BEB8-433D7E3B4C4E}" dt="2025-09-05T15:38:36.610" v="7" actId="1076"/>
+        <pc:sldMkLst>
+          <pc:docMk/>
+          <pc:sldMk cId="3723335191" sldId="261"/>
+        </pc:sldMkLst>
+        <pc:picChg chg="add mod">
+          <ac:chgData name="Riccardo Berta" userId="c8694f89-bba4-4576-b0a8-456619ca5a8c" providerId="ADAL" clId="{FDDBFC5A-5EA9-5330-BEB8-433D7E3B4C4E}" dt="2025-09-05T15:38:36.610" v="7" actId="1076"/>
+          <ac:picMkLst>
+            <pc:docMk/>
+            <pc:sldMk cId="3723335191" sldId="261"/>
+            <ac:picMk id="2" creationId="{CA2E71E3-D5EA-5F4B-68DE-DEBA1926BA4D}"/>
+          </ac:picMkLst>
+        </pc:picChg>
+      </pc:sldChg>
+      <pc:sldChg chg="addSp delSp modSp mod">
+        <pc:chgData name="Riccardo Berta" userId="c8694f89-bba4-4576-b0a8-456619ca5a8c" providerId="ADAL" clId="{FDDBFC5A-5EA9-5330-BEB8-433D7E3B4C4E}" dt="2025-09-05T15:53:00.246" v="42" actId="14100"/>
+        <pc:sldMkLst>
+          <pc:docMk/>
+          <pc:sldMk cId="3290974462" sldId="262"/>
+        </pc:sldMkLst>
+        <pc:spChg chg="mod">
+          <ac:chgData name="Riccardo Berta" userId="c8694f89-bba4-4576-b0a8-456619ca5a8c" providerId="ADAL" clId="{FDDBFC5A-5EA9-5330-BEB8-433D7E3B4C4E}" dt="2025-09-05T15:53:00.246" v="42" actId="14100"/>
+          <ac:spMkLst>
+            <pc:docMk/>
+            <pc:sldMk cId="3290974462" sldId="262"/>
+            <ac:spMk id="84" creationId="{00000000-0000-0000-0000-000000000000}"/>
+          </ac:spMkLst>
+        </pc:spChg>
+        <pc:picChg chg="add mod">
+          <ac:chgData name="Riccardo Berta" userId="c8694f89-bba4-4576-b0a8-456619ca5a8c" providerId="ADAL" clId="{FDDBFC5A-5EA9-5330-BEB8-433D7E3B4C4E}" dt="2025-09-05T15:46:21.539" v="10" actId="1076"/>
+          <ac:picMkLst>
+            <pc:docMk/>
+            <pc:sldMk cId="3290974462" sldId="262"/>
+            <ac:picMk id="2" creationId="{6F7FA7A8-28CA-3ED3-AC0A-A35BEF74E099}"/>
+          </ac:picMkLst>
+        </pc:picChg>
+        <pc:picChg chg="add mod">
+          <ac:chgData name="Riccardo Berta" userId="c8694f89-bba4-4576-b0a8-456619ca5a8c" providerId="ADAL" clId="{FDDBFC5A-5EA9-5330-BEB8-433D7E3B4C4E}" dt="2025-09-05T15:52:54.800" v="39" actId="1076"/>
+          <ac:picMkLst>
+            <pc:docMk/>
+            <pc:sldMk cId="3290974462" sldId="262"/>
+            <ac:picMk id="5" creationId="{993E6F36-804F-251D-752F-83989605AF79}"/>
+          </ac:picMkLst>
+        </pc:picChg>
+      </pc:sldChg>
+      <pc:sldChg chg="addSp delSp modSp mod">
+        <pc:chgData name="Riccardo Berta" userId="c8694f89-bba4-4576-b0a8-456619ca5a8c" providerId="ADAL" clId="{FDDBFC5A-5EA9-5330-BEB8-433D7E3B4C4E}" dt="2025-09-05T15:58:54.505" v="46" actId="1076"/>
+        <pc:sldMkLst>
+          <pc:docMk/>
+          <pc:sldMk cId="1982890869" sldId="263"/>
+        </pc:sldMkLst>
+        <pc:picChg chg="add mod">
+          <ac:chgData name="Riccardo Berta" userId="c8694f89-bba4-4576-b0a8-456619ca5a8c" providerId="ADAL" clId="{FDDBFC5A-5EA9-5330-BEB8-433D7E3B4C4E}" dt="2025-09-05T15:58:54.505" v="46" actId="1076"/>
+          <ac:picMkLst>
+            <pc:docMk/>
+            <pc:sldMk cId="1982890869" sldId="263"/>
+            <ac:picMk id="2" creationId="{41394E81-A42C-18C2-0C2B-FA72A0AE0DE8}"/>
+          </ac:picMkLst>
+        </pc:picChg>
+      </pc:sldChg>
+      <pc:sldChg chg="addSp delSp modSp mod ord">
+        <pc:chgData name="Riccardo Berta" userId="c8694f89-bba4-4576-b0a8-456619ca5a8c" providerId="ADAL" clId="{FDDBFC5A-5EA9-5330-BEB8-433D7E3B4C4E}" dt="2025-09-10T08:30:49.013" v="69" actId="1076"/>
+        <pc:sldMkLst>
+          <pc:docMk/>
+          <pc:sldMk cId="2348870888" sldId="264"/>
+        </pc:sldMkLst>
+        <pc:spChg chg="mod">
+          <ac:chgData name="Riccardo Berta" userId="c8694f89-bba4-4576-b0a8-456619ca5a8c" providerId="ADAL" clId="{FDDBFC5A-5EA9-5330-BEB8-433D7E3B4C4E}" dt="2025-09-10T08:30:40.828" v="66" actId="948"/>
+          <ac:spMkLst>
+            <pc:docMk/>
+            <pc:sldMk cId="2348870888" sldId="264"/>
+            <ac:spMk id="84" creationId="{00000000-0000-0000-0000-000000000000}"/>
+          </ac:spMkLst>
+        </pc:spChg>
+        <pc:picChg chg="add mod">
+          <ac:chgData name="Riccardo Berta" userId="c8694f89-bba4-4576-b0a8-456619ca5a8c" providerId="ADAL" clId="{FDDBFC5A-5EA9-5330-BEB8-433D7E3B4C4E}" dt="2025-09-10T08:30:49.013" v="69" actId="1076"/>
+          <ac:picMkLst>
+            <pc:docMk/>
+            <pc:sldMk cId="2348870888" sldId="264"/>
+            <ac:picMk id="2" creationId="{887260A1-A91D-57EA-3401-5D86E0A6737A}"/>
+          </ac:picMkLst>
+        </pc:picChg>
+        <pc:picChg chg="del">
+          <ac:chgData name="Riccardo Berta" userId="c8694f89-bba4-4576-b0a8-456619ca5a8c" providerId="ADAL" clId="{FDDBFC5A-5EA9-5330-BEB8-433D7E3B4C4E}" dt="2025-09-10T08:30:27.714" v="62" actId="478"/>
+          <ac:picMkLst>
+            <pc:docMk/>
+            <pc:sldMk cId="2348870888" sldId="264"/>
+            <ac:picMk id="3" creationId="{51B95C12-57A6-891A-CC46-32567D243D3C}"/>
+          </ac:picMkLst>
+        </pc:picChg>
+        <pc:picChg chg="del">
+          <ac:chgData name="Riccardo Berta" userId="c8694f89-bba4-4576-b0a8-456619ca5a8c" providerId="ADAL" clId="{FDDBFC5A-5EA9-5330-BEB8-433D7E3B4C4E}" dt="2025-09-10T08:30:25.779" v="61" actId="478"/>
+          <ac:picMkLst>
+            <pc:docMk/>
+            <pc:sldMk cId="2348870888" sldId="264"/>
+            <ac:picMk id="5" creationId="{C1A27034-F2E8-E777-0656-1C6DB876A603}"/>
+          </ac:picMkLst>
+        </pc:picChg>
+        <pc:picChg chg="del">
+          <ac:chgData name="Riccardo Berta" userId="c8694f89-bba4-4576-b0a8-456619ca5a8c" providerId="ADAL" clId="{FDDBFC5A-5EA9-5330-BEB8-433D7E3B4C4E}" dt="2025-09-10T08:30:23.935" v="60" actId="478"/>
+          <ac:picMkLst>
+            <pc:docMk/>
+            <pc:sldMk cId="2348870888" sldId="264"/>
+            <ac:picMk id="7" creationId="{37AC623D-0CBE-154F-9EEF-7DCAC2F40A20}"/>
+          </ac:picMkLst>
+        </pc:picChg>
+      </pc:sldChg>
+      <pc:sldChg chg="addSp delSp modSp mod">
+        <pc:chgData name="Riccardo Berta" userId="c8694f89-bba4-4576-b0a8-456619ca5a8c" providerId="ADAL" clId="{FDDBFC5A-5EA9-5330-BEB8-433D7E3B4C4E}" dt="2025-09-10T09:43:28.405" v="112" actId="1076"/>
+        <pc:sldMkLst>
+          <pc:docMk/>
+          <pc:sldMk cId="2685277896" sldId="265"/>
+        </pc:sldMkLst>
+        <pc:spChg chg="mod">
+          <ac:chgData name="Riccardo Berta" userId="c8694f89-bba4-4576-b0a8-456619ca5a8c" providerId="ADAL" clId="{FDDBFC5A-5EA9-5330-BEB8-433D7E3B4C4E}" dt="2025-09-10T09:43:24.131" v="111" actId="404"/>
+          <ac:spMkLst>
+            <pc:docMk/>
+            <pc:sldMk cId="2685277896" sldId="265"/>
+            <ac:spMk id="84" creationId="{00000000-0000-0000-0000-000000000000}"/>
+          </ac:spMkLst>
+        </pc:spChg>
+        <pc:grpChg chg="del">
+          <ac:chgData name="Riccardo Berta" userId="c8694f89-bba4-4576-b0a8-456619ca5a8c" providerId="ADAL" clId="{FDDBFC5A-5EA9-5330-BEB8-433D7E3B4C4E}" dt="2025-09-10T09:42:21.987" v="71" actId="478"/>
+          <ac:grpSpMkLst>
+            <pc:docMk/>
+            <pc:sldMk cId="2685277896" sldId="265"/>
+            <ac:grpSpMk id="9" creationId="{5B90BE74-FC09-AA59-A59F-23C2772990E2}"/>
+          </ac:grpSpMkLst>
+        </pc:grpChg>
+        <pc:grpChg chg="del">
+          <ac:chgData name="Riccardo Berta" userId="c8694f89-bba4-4576-b0a8-456619ca5a8c" providerId="ADAL" clId="{FDDBFC5A-5EA9-5330-BEB8-433D7E3B4C4E}" dt="2025-09-10T09:42:19.709" v="70" actId="478"/>
+          <ac:grpSpMkLst>
+            <pc:docMk/>
+            <pc:sldMk cId="2685277896" sldId="265"/>
+            <ac:grpSpMk id="14" creationId="{98E9318F-444D-1D61-4A6B-17E8CEC14B85}"/>
+          </ac:grpSpMkLst>
+        </pc:grpChg>
+        <pc:picChg chg="add mod">
+          <ac:chgData name="Riccardo Berta" userId="c8694f89-bba4-4576-b0a8-456619ca5a8c" providerId="ADAL" clId="{FDDBFC5A-5EA9-5330-BEB8-433D7E3B4C4E}" dt="2025-09-10T09:43:15.218" v="104" actId="1076"/>
+          <ac:picMkLst>
+            <pc:docMk/>
+            <pc:sldMk cId="2685277896" sldId="265"/>
+            <ac:picMk id="2" creationId="{91726287-ADDC-4EDF-603C-3DB0F80F223A}"/>
+          </ac:picMkLst>
+        </pc:picChg>
+        <pc:picChg chg="add mod">
+          <ac:chgData name="Riccardo Berta" userId="c8694f89-bba4-4576-b0a8-456619ca5a8c" providerId="ADAL" clId="{FDDBFC5A-5EA9-5330-BEB8-433D7E3B4C4E}" dt="2025-09-10T09:43:28.405" v="112" actId="1076"/>
+          <ac:picMkLst>
+            <pc:docMk/>
+            <pc:sldMk cId="2685277896" sldId="265"/>
+            <ac:picMk id="3" creationId="{866DC63A-5F9A-9673-F9D7-6B5D9C2738DB}"/>
+          </ac:picMkLst>
+        </pc:picChg>
+      </pc:sldChg>
+      <pc:sldChg chg="delSp del mod">
+        <pc:chgData name="Riccardo Berta" userId="c8694f89-bba4-4576-b0a8-456619ca5a8c" providerId="ADAL" clId="{FDDBFC5A-5EA9-5330-BEB8-433D7E3B4C4E}" dt="2025-09-10T12:16:44.232" v="309" actId="2696"/>
+        <pc:sldMkLst>
+          <pc:docMk/>
+          <pc:sldMk cId="97697531" sldId="275"/>
+        </pc:sldMkLst>
+        <pc:picChg chg="del">
+          <ac:chgData name="Riccardo Berta" userId="c8694f89-bba4-4576-b0a8-456619ca5a8c" providerId="ADAL" clId="{FDDBFC5A-5EA9-5330-BEB8-433D7E3B4C4E}" dt="2025-09-10T12:16:41.970" v="308" actId="478"/>
+          <ac:picMkLst>
+            <pc:docMk/>
+            <pc:sldMk cId="97697531" sldId="275"/>
+            <ac:picMk id="3" creationId="{C24425DB-0138-99FE-FAD2-763463941402}"/>
+          </ac:picMkLst>
+        </pc:picChg>
+      </pc:sldChg>
+      <pc:sldChg chg="delSp del mod">
+        <pc:chgData name="Riccardo Berta" userId="c8694f89-bba4-4576-b0a8-456619ca5a8c" providerId="ADAL" clId="{FDDBFC5A-5EA9-5330-BEB8-433D7E3B4C4E}" dt="2025-09-10T12:22:47.964" v="311" actId="2696"/>
+        <pc:sldMkLst>
+          <pc:docMk/>
+          <pc:sldMk cId="1388305878" sldId="276"/>
+        </pc:sldMkLst>
+        <pc:picChg chg="del">
+          <ac:chgData name="Riccardo Berta" userId="c8694f89-bba4-4576-b0a8-456619ca5a8c" providerId="ADAL" clId="{FDDBFC5A-5EA9-5330-BEB8-433D7E3B4C4E}" dt="2025-09-10T12:22:45.725" v="310" actId="478"/>
+          <ac:picMkLst>
+            <pc:docMk/>
+            <pc:sldMk cId="1388305878" sldId="276"/>
+            <ac:picMk id="4" creationId="{B37C8976-E86A-4EAB-21EA-45CA6D160B6E}"/>
+          </ac:picMkLst>
+        </pc:picChg>
+      </pc:sldChg>
+      <pc:sldChg chg="addSp delSp modSp del mod">
+        <pc:chgData name="Riccardo Berta" userId="c8694f89-bba4-4576-b0a8-456619ca5a8c" providerId="ADAL" clId="{FDDBFC5A-5EA9-5330-BEB8-433D7E3B4C4E}" dt="2025-09-10T12:28:17.495" v="313" actId="2696"/>
+        <pc:sldMkLst>
+          <pc:docMk/>
+          <pc:sldMk cId="3188504337" sldId="277"/>
+        </pc:sldMkLst>
+        <pc:spChg chg="add mod">
+          <ac:chgData name="Riccardo Berta" userId="c8694f89-bba4-4576-b0a8-456619ca5a8c" providerId="ADAL" clId="{FDDBFC5A-5EA9-5330-BEB8-433D7E3B4C4E}" dt="2025-09-10T12:28:14.924" v="312" actId="478"/>
+          <ac:spMkLst>
+            <pc:docMk/>
+            <pc:sldMk cId="3188504337" sldId="277"/>
+            <ac:spMk id="4" creationId="{92EF9889-2C7F-0DFC-01DA-A9F30815F9A0}"/>
+          </ac:spMkLst>
+        </pc:spChg>
+        <pc:spChg chg="del">
+          <ac:chgData name="Riccardo Berta" userId="c8694f89-bba4-4576-b0a8-456619ca5a8c" providerId="ADAL" clId="{FDDBFC5A-5EA9-5330-BEB8-433D7E3B4C4E}" dt="2025-09-10T12:28:14.924" v="312" actId="478"/>
+          <ac:spMkLst>
+            <pc:docMk/>
+            <pc:sldMk cId="3188504337" sldId="277"/>
+            <ac:spMk id="84" creationId="{00000000-0000-0000-0000-000000000000}"/>
+          </ac:spMkLst>
+        </pc:spChg>
+      </pc:sldChg>
+      <pc:sldChg chg="addSp delSp modSp mod">
+        <pc:chgData name="Riccardo Berta" userId="c8694f89-bba4-4576-b0a8-456619ca5a8c" providerId="ADAL" clId="{FDDBFC5A-5EA9-5330-BEB8-433D7E3B4C4E}" dt="2025-09-10T10:11:49.270" v="216" actId="1076"/>
+        <pc:sldMkLst>
+          <pc:docMk/>
+          <pc:sldMk cId="0" sldId="278"/>
+        </pc:sldMkLst>
+        <pc:spChg chg="mod">
+          <ac:chgData name="Riccardo Berta" userId="c8694f89-bba4-4576-b0a8-456619ca5a8c" providerId="ADAL" clId="{FDDBFC5A-5EA9-5330-BEB8-433D7E3B4C4E}" dt="2025-09-10T10:11:45.897" v="215" actId="14100"/>
+          <ac:spMkLst>
+            <pc:docMk/>
+            <pc:sldMk cId="0" sldId="278"/>
+            <ac:spMk id="84" creationId="{00000000-0000-0000-0000-000000000000}"/>
+          </ac:spMkLst>
+        </pc:spChg>
+        <pc:picChg chg="add mod">
+          <ac:chgData name="Riccardo Berta" userId="c8694f89-bba4-4576-b0a8-456619ca5a8c" providerId="ADAL" clId="{FDDBFC5A-5EA9-5330-BEB8-433D7E3B4C4E}" dt="2025-09-10T10:10:37.014" v="167" actId="1076"/>
+          <ac:picMkLst>
+            <pc:docMk/>
+            <pc:sldMk cId="0" sldId="278"/>
+            <ac:picMk id="2" creationId="{D9360D86-167D-13AE-28EE-85C46A426E2E}"/>
+          </ac:picMkLst>
+        </pc:picChg>
+        <pc:picChg chg="del">
+          <ac:chgData name="Riccardo Berta" userId="c8694f89-bba4-4576-b0a8-456619ca5a8c" providerId="ADAL" clId="{FDDBFC5A-5EA9-5330-BEB8-433D7E3B4C4E}" dt="2025-09-10T10:08:18.115" v="113" actId="478"/>
+          <ac:picMkLst>
+            <pc:docMk/>
+            <pc:sldMk cId="0" sldId="278"/>
+            <ac:picMk id="3" creationId="{EE0D0F3E-A843-92E5-ABBC-F41E3CA3C922}"/>
+          </ac:picMkLst>
+        </pc:picChg>
+        <pc:picChg chg="add mod">
+          <ac:chgData name="Riccardo Berta" userId="c8694f89-bba4-4576-b0a8-456619ca5a8c" providerId="ADAL" clId="{FDDBFC5A-5EA9-5330-BEB8-433D7E3B4C4E}" dt="2025-09-10T10:11:49.270" v="216" actId="1076"/>
+          <ac:picMkLst>
+            <pc:docMk/>
+            <pc:sldMk cId="0" sldId="278"/>
+            <ac:picMk id="4" creationId="{5B6B9473-FD38-C1F8-33A6-C47AC271ECD3}"/>
+          </ac:picMkLst>
+        </pc:picChg>
+        <pc:picChg chg="del">
+          <ac:chgData name="Riccardo Berta" userId="c8694f89-bba4-4576-b0a8-456619ca5a8c" providerId="ADAL" clId="{FDDBFC5A-5EA9-5330-BEB8-433D7E3B4C4E}" dt="2025-09-10T10:09:57.571" v="161" actId="478"/>
+          <ac:picMkLst>
+            <pc:docMk/>
+            <pc:sldMk cId="0" sldId="278"/>
+            <ac:picMk id="5" creationId="{692F2B73-F6B6-F2AC-BB2A-2B1020944694}"/>
+          </ac:picMkLst>
+        </pc:picChg>
+      </pc:sldChg>
+      <pc:sldChg chg="addSp delSp modSp mod">
+        <pc:chgData name="Riccardo Berta" userId="c8694f89-bba4-4576-b0a8-456619ca5a8c" providerId="ADAL" clId="{FDDBFC5A-5EA9-5330-BEB8-433D7E3B4C4E}" dt="2025-09-10T10:21:08.408" v="265" actId="1076"/>
+        <pc:sldMkLst>
+          <pc:docMk/>
+          <pc:sldMk cId="3692252167" sldId="279"/>
+        </pc:sldMkLst>
+        <pc:spChg chg="mod">
+          <ac:chgData name="Riccardo Berta" userId="c8694f89-bba4-4576-b0a8-456619ca5a8c" providerId="ADAL" clId="{FDDBFC5A-5EA9-5330-BEB8-433D7E3B4C4E}" dt="2025-09-10T10:20:59.093" v="262" actId="20577"/>
+          <ac:spMkLst>
+            <pc:docMk/>
+            <pc:sldMk cId="3692252167" sldId="279"/>
+            <ac:spMk id="84" creationId="{00000000-0000-0000-0000-000000000000}"/>
+          </ac:spMkLst>
+        </pc:spChg>
+        <pc:picChg chg="add mod">
+          <ac:chgData name="Riccardo Berta" userId="c8694f89-bba4-4576-b0a8-456619ca5a8c" providerId="ADAL" clId="{FDDBFC5A-5EA9-5330-BEB8-433D7E3B4C4E}" dt="2025-09-10T10:21:08.408" v="265" actId="1076"/>
+          <ac:picMkLst>
+            <pc:docMk/>
+            <pc:sldMk cId="3692252167" sldId="279"/>
+            <ac:picMk id="2" creationId="{2E231A66-02B1-2C3B-E3EB-8053F93BFC60}"/>
+          </ac:picMkLst>
+        </pc:picChg>
+        <pc:picChg chg="del">
+          <ac:chgData name="Riccardo Berta" userId="c8694f89-bba4-4576-b0a8-456619ca5a8c" providerId="ADAL" clId="{FDDBFC5A-5EA9-5330-BEB8-433D7E3B4C4E}" dt="2025-09-10T10:19:58.132" v="251" actId="478"/>
+          <ac:picMkLst>
+            <pc:docMk/>
+            <pc:sldMk cId="3692252167" sldId="279"/>
+            <ac:picMk id="3" creationId="{26020D26-A3D1-87FF-6D23-30510A8347CA}"/>
+          </ac:picMkLst>
+        </pc:picChg>
+        <pc:picChg chg="del">
+          <ac:chgData name="Riccardo Berta" userId="c8694f89-bba4-4576-b0a8-456619ca5a8c" providerId="ADAL" clId="{FDDBFC5A-5EA9-5330-BEB8-433D7E3B4C4E}" dt="2025-09-10T10:19:57.337" v="250" actId="478"/>
+          <ac:picMkLst>
+            <pc:docMk/>
+            <pc:sldMk cId="3692252167" sldId="279"/>
+            <ac:picMk id="5" creationId="{9FA419C2-E609-741E-D65C-C1D117A7308B}"/>
+          </ac:picMkLst>
+        </pc:picChg>
+        <pc:picChg chg="del">
+          <ac:chgData name="Riccardo Berta" userId="c8694f89-bba4-4576-b0a8-456619ca5a8c" providerId="ADAL" clId="{FDDBFC5A-5EA9-5330-BEB8-433D7E3B4C4E}" dt="2025-09-10T10:19:56.572" v="249" actId="478"/>
+          <ac:picMkLst>
+            <pc:docMk/>
+            <pc:sldMk cId="3692252167" sldId="279"/>
+            <ac:picMk id="7" creationId="{3ECFDE7C-5996-8F77-AAD8-C21E11379B42}"/>
+          </ac:picMkLst>
+        </pc:picChg>
+      </pc:sldChg>
+      <pc:sldChg chg="addSp delSp modSp mod ord">
+        <pc:chgData name="Riccardo Berta" userId="c8694f89-bba4-4576-b0a8-456619ca5a8c" providerId="ADAL" clId="{FDDBFC5A-5EA9-5330-BEB8-433D7E3B4C4E}" dt="2025-09-10T11:25:17.180" v="284" actId="1036"/>
+        <pc:sldMkLst>
+          <pc:docMk/>
+          <pc:sldMk cId="846979211" sldId="280"/>
+        </pc:sldMkLst>
+        <pc:picChg chg="add del mod">
+          <ac:chgData name="Riccardo Berta" userId="c8694f89-bba4-4576-b0a8-456619ca5a8c" providerId="ADAL" clId="{FDDBFC5A-5EA9-5330-BEB8-433D7E3B4C4E}" dt="2025-09-10T11:24:46.219" v="279" actId="478"/>
+          <ac:picMkLst>
+            <pc:docMk/>
+            <pc:sldMk cId="846979211" sldId="280"/>
+            <ac:picMk id="2" creationId="{D7D1718E-C7CA-0FC2-ACDB-601ED9EE9F6D}"/>
+          </ac:picMkLst>
+        </pc:picChg>
+        <pc:picChg chg="del">
+          <ac:chgData name="Riccardo Berta" userId="c8694f89-bba4-4576-b0a8-456619ca5a8c" providerId="ADAL" clId="{FDDBFC5A-5EA9-5330-BEB8-433D7E3B4C4E}" dt="2025-09-10T11:23:28.616" v="266" actId="478"/>
+          <ac:picMkLst>
+            <pc:docMk/>
+            <pc:sldMk cId="846979211" sldId="280"/>
+            <ac:picMk id="3" creationId="{ABE3CA87-0B25-2C79-A596-21112343DAEC}"/>
+          </ac:picMkLst>
+        </pc:picChg>
+        <pc:picChg chg="add mod">
+          <ac:chgData name="Riccardo Berta" userId="c8694f89-bba4-4576-b0a8-456619ca5a8c" providerId="ADAL" clId="{FDDBFC5A-5EA9-5330-BEB8-433D7E3B4C4E}" dt="2025-09-10T11:25:17.180" v="284" actId="1036"/>
+          <ac:picMkLst>
+            <pc:docMk/>
+            <pc:sldMk cId="846979211" sldId="280"/>
+            <ac:picMk id="4" creationId="{CF9EA23D-F201-0209-F112-B8F8D586CB2B}"/>
+          </ac:picMkLst>
+        </pc:picChg>
+      </pc:sldChg>
+      <pc:sldChg chg="addSp delSp modSp mod">
+        <pc:chgData name="Riccardo Berta" userId="c8694f89-bba4-4576-b0a8-456619ca5a8c" providerId="ADAL" clId="{FDDBFC5A-5EA9-5330-BEB8-433D7E3B4C4E}" dt="2025-09-10T11:56:37.347" v="307" actId="1035"/>
+        <pc:sldMkLst>
+          <pc:docMk/>
+          <pc:sldMk cId="11402927" sldId="282"/>
+        </pc:sldMkLst>
+        <pc:spChg chg="add del mod">
+          <ac:chgData name="Riccardo Berta" userId="c8694f89-bba4-4576-b0a8-456619ca5a8c" providerId="ADAL" clId="{FDDBFC5A-5EA9-5330-BEB8-433D7E3B4C4E}" dt="2025-09-10T11:54:52.209" v="295" actId="478"/>
+          <ac:spMkLst>
+            <pc:docMk/>
+            <pc:sldMk cId="11402927" sldId="282"/>
+            <ac:spMk id="4" creationId="{AE45830A-D8AC-A889-4498-0B228445C8D0}"/>
+          </ac:spMkLst>
+        </pc:spChg>
+        <pc:spChg chg="del mod">
+          <ac:chgData name="Riccardo Berta" userId="c8694f89-bba4-4576-b0a8-456619ca5a8c" providerId="ADAL" clId="{FDDBFC5A-5EA9-5330-BEB8-433D7E3B4C4E}" dt="2025-09-10T11:54:48.086" v="293" actId="478"/>
+          <ac:spMkLst>
+            <pc:docMk/>
+            <pc:sldMk cId="11402927" sldId="282"/>
+            <ac:spMk id="84" creationId="{00000000-0000-0000-0000-000000000000}"/>
+          </ac:spMkLst>
+        </pc:spChg>
+        <pc:picChg chg="del">
+          <ac:chgData name="Riccardo Berta" userId="c8694f89-bba4-4576-b0a8-456619ca5a8c" providerId="ADAL" clId="{FDDBFC5A-5EA9-5330-BEB8-433D7E3B4C4E}" dt="2025-09-10T11:33:34.824" v="285" actId="478"/>
+          <ac:picMkLst>
+            <pc:docMk/>
+            <pc:sldMk cId="11402927" sldId="282"/>
+            <ac:picMk id="3" creationId="{F3D401DB-61B8-1C3E-9105-7EC9ACE0FC92}"/>
+          </ac:picMkLst>
+        </pc:picChg>
+        <pc:picChg chg="del">
+          <ac:chgData name="Riccardo Berta" userId="c8694f89-bba4-4576-b0a8-456619ca5a8c" providerId="ADAL" clId="{FDDBFC5A-5EA9-5330-BEB8-433D7E3B4C4E}" dt="2025-09-10T11:33:37.675" v="286" actId="478"/>
+          <ac:picMkLst>
+            <pc:docMk/>
+            <pc:sldMk cId="11402927" sldId="282"/>
+            <ac:picMk id="5" creationId="{5D828C5A-E211-5917-F0A3-478949F392AF}"/>
+          </ac:picMkLst>
+        </pc:picChg>
+        <pc:picChg chg="add mod">
+          <ac:chgData name="Riccardo Berta" userId="c8694f89-bba4-4576-b0a8-456619ca5a8c" providerId="ADAL" clId="{FDDBFC5A-5EA9-5330-BEB8-433D7E3B4C4E}" dt="2025-09-10T11:56:37.347" v="307" actId="1035"/>
+          <ac:picMkLst>
+            <pc:docMk/>
+            <pc:sldMk cId="11402927" sldId="282"/>
+            <ac:picMk id="6" creationId="{35055663-4D13-61F6-DCC0-98E52586F15A}"/>
+          </ac:picMkLst>
+        </pc:picChg>
+        <pc:picChg chg="del">
+          <ac:chgData name="Riccardo Berta" userId="c8694f89-bba4-4576-b0a8-456619ca5a8c" providerId="ADAL" clId="{FDDBFC5A-5EA9-5330-BEB8-433D7E3B4C4E}" dt="2025-09-10T11:39:36.145" v="290" actId="478"/>
+          <ac:picMkLst>
+            <pc:docMk/>
+            <pc:sldMk cId="11402927" sldId="282"/>
+            <ac:picMk id="7" creationId="{0C7BE3E7-6868-19EE-3253-53A71F868074}"/>
+          </ac:picMkLst>
+        </pc:picChg>
+        <pc:picChg chg="add mod">
+          <ac:chgData name="Riccardo Berta" userId="c8694f89-bba4-4576-b0a8-456619ca5a8c" providerId="ADAL" clId="{FDDBFC5A-5EA9-5330-BEB8-433D7E3B4C4E}" dt="2025-09-10T11:56:02.781" v="304" actId="1076"/>
+          <ac:picMkLst>
+            <pc:docMk/>
+            <pc:sldMk cId="11402927" sldId="282"/>
+            <ac:picMk id="8" creationId="{40E6E0F2-ADAE-E704-6DFD-19F53EBD6D5F}"/>
+          </ac:picMkLst>
+        </pc:picChg>
+        <pc:picChg chg="del">
+          <ac:chgData name="Riccardo Berta" userId="c8694f89-bba4-4576-b0a8-456619ca5a8c" providerId="ADAL" clId="{FDDBFC5A-5EA9-5330-BEB8-433D7E3B4C4E}" dt="2025-09-10T11:39:37.962" v="291" actId="478"/>
+          <ac:picMkLst>
+            <pc:docMk/>
+            <pc:sldMk cId="11402927" sldId="282"/>
+            <ac:picMk id="9" creationId="{4FF45D8D-E910-4192-97BD-DEBE87AA0D7F}"/>
+          </ac:picMkLst>
+        </pc:picChg>
+        <pc:picChg chg="del">
+          <ac:chgData name="Riccardo Berta" userId="c8694f89-bba4-4576-b0a8-456619ca5a8c" providerId="ADAL" clId="{FDDBFC5A-5EA9-5330-BEB8-433D7E3B4C4E}" dt="2025-09-10T11:54:54.188" v="296" actId="478"/>
+          <ac:picMkLst>
+            <pc:docMk/>
+            <pc:sldMk cId="11402927" sldId="282"/>
+            <ac:picMk id="11" creationId="{85A08A20-9095-CFB9-3040-825FE39CFB8A}"/>
+          </ac:picMkLst>
+        </pc:picChg>
+      </pc:sldChg>
+    </pc:docChg>
+  </pc:docChgLst>
+  <pc:docChgLst>
+    <pc:chgData name="Riccardo Berta" userId="c8694f89-bba4-4576-b0a8-456619ca5a8c" providerId="ADAL" clId="{35C5D11B-424E-5B41-A9C4-509DD0A59BFD}"/>
+    <pc:docChg chg="custSel delSld modSld sldOrd">
+      <pc:chgData name="Riccardo Berta" userId="c8694f89-bba4-4576-b0a8-456619ca5a8c" providerId="ADAL" clId="{35C5D11B-424E-5B41-A9C4-509DD0A59BFD}" dt="2022-04-01T12:12:56.906" v="135" actId="20577"/>
+      <pc:docMkLst>
+        <pc:docMk/>
+      </pc:docMkLst>
+      <pc:sldChg chg="modSp">
+        <pc:chgData name="Riccardo Berta" userId="c8694f89-bba4-4576-b0a8-456619ca5a8c" providerId="ADAL" clId="{35C5D11B-424E-5B41-A9C4-509DD0A59BFD}" dt="2022-03-22T07:34:03.014" v="5"/>
+        <pc:sldMkLst>
+          <pc:docMk/>
+          <pc:sldMk cId="0" sldId="257"/>
+        </pc:sldMkLst>
+      </pc:sldChg>
+      <pc:sldChg chg="modSp">
+        <pc:chgData name="Riccardo Berta" userId="c8694f89-bba4-4576-b0a8-456619ca5a8c" providerId="ADAL" clId="{35C5D11B-424E-5B41-A9C4-509DD0A59BFD}" dt="2022-03-22T07:34:23.187" v="6"/>
+        <pc:sldMkLst>
+          <pc:docMk/>
+          <pc:sldMk cId="1899110855" sldId="258"/>
+        </pc:sldMkLst>
+      </pc:sldChg>
+      <pc:sldChg chg="modSp">
+        <pc:chgData name="Riccardo Berta" userId="c8694f89-bba4-4576-b0a8-456619ca5a8c" providerId="ADAL" clId="{35C5D11B-424E-5B41-A9C4-509DD0A59BFD}" dt="2022-03-22T07:39:20.191" v="16"/>
+        <pc:sldMkLst>
+          <pc:docMk/>
+          <pc:sldMk cId="3018556184" sldId="259"/>
+        </pc:sldMkLst>
+      </pc:sldChg>
+      <pc:sldChg chg="modSp mod">
+        <pc:chgData name="Riccardo Berta" userId="c8694f89-bba4-4576-b0a8-456619ca5a8c" providerId="ADAL" clId="{35C5D11B-424E-5B41-A9C4-509DD0A59BFD}" dt="2022-03-23T07:58:19.601" v="41" actId="20577"/>
+        <pc:sldMkLst>
+          <pc:docMk/>
+          <pc:sldMk cId="1104208334" sldId="260"/>
+        </pc:sldMkLst>
+      </pc:sldChg>
+      <pc:sldChg chg="modSp">
+        <pc:chgData name="Riccardo Berta" userId="c8694f89-bba4-4576-b0a8-456619ca5a8c" providerId="ADAL" clId="{35C5D11B-424E-5B41-A9C4-509DD0A59BFD}" dt="2022-03-22T07:42:45.729" v="19"/>
+        <pc:sldMkLst>
+          <pc:docMk/>
+          <pc:sldMk cId="1290395919" sldId="261"/>
+        </pc:sldMkLst>
+      </pc:sldChg>
+      <pc:sldChg chg="modSp mod modNotes">
+        <pc:chgData name="Riccardo Berta" userId="c8694f89-bba4-4576-b0a8-456619ca5a8c" providerId="ADAL" clId="{35C5D11B-424E-5B41-A9C4-509DD0A59BFD}" dt="2022-03-25T14:38:53.205" v="88" actId="20577"/>
+        <pc:sldMkLst>
+          <pc:docMk/>
+          <pc:sldMk cId="4130549615" sldId="262"/>
+        </pc:sldMkLst>
+      </pc:sldChg>
+      <pc:sldChg chg="modSp">
+        <pc:chgData name="Riccardo Berta" userId="c8694f89-bba4-4576-b0a8-456619ca5a8c" providerId="ADAL" clId="{35C5D11B-424E-5B41-A9C4-509DD0A59BFD}" dt="2022-03-22T07:43:16.691" v="21"/>
+        <pc:sldMkLst>
+          <pc:docMk/>
+          <pc:sldMk cId="3102138681" sldId="263"/>
+        </pc:sldMkLst>
+      </pc:sldChg>
+      <pc:sldChg chg="modSp mod">
+        <pc:chgData name="Riccardo Berta" userId="c8694f89-bba4-4576-b0a8-456619ca5a8c" providerId="ADAL" clId="{35C5D11B-424E-5B41-A9C4-509DD0A59BFD}" dt="2022-03-25T15:16:54.434" v="126" actId="20577"/>
+        <pc:sldMkLst>
+          <pc:docMk/>
+          <pc:sldMk cId="2113557187" sldId="264"/>
+        </pc:sldMkLst>
+      </pc:sldChg>
+      <pc:sldChg chg="modSp">
+        <pc:chgData name="Riccardo Berta" userId="c8694f89-bba4-4576-b0a8-456619ca5a8c" providerId="ADAL" clId="{35C5D11B-424E-5B41-A9C4-509DD0A59BFD}" dt="2022-03-22T07:44:03.240" v="24"/>
+        <pc:sldMkLst>
+          <pc:docMk/>
+          <pc:sldMk cId="2045385232" sldId="265"/>
+        </pc:sldMkLst>
+      </pc:sldChg>
+      <pc:sldChg chg="modSp">
+        <pc:chgData name="Riccardo Berta" userId="c8694f89-bba4-4576-b0a8-456619ca5a8c" providerId="ADAL" clId="{35C5D11B-424E-5B41-A9C4-509DD0A59BFD}" dt="2022-03-22T07:44:22.734" v="25"/>
+        <pc:sldMkLst>
+          <pc:docMk/>
+          <pc:sldMk cId="4181844165" sldId="266"/>
+        </pc:sldMkLst>
+      </pc:sldChg>
+      <pc:sldChg chg="modSp mod">
+        <pc:chgData name="Riccardo Berta" userId="c8694f89-bba4-4576-b0a8-456619ca5a8c" providerId="ADAL" clId="{35C5D11B-424E-5B41-A9C4-509DD0A59BFD}" dt="2022-04-01T12:12:56.906" v="135" actId="20577"/>
+        <pc:sldMkLst>
+          <pc:docMk/>
+          <pc:sldMk cId="216455838" sldId="267"/>
+        </pc:sldMkLst>
+      </pc:sldChg>
+      <pc:sldChg chg="del">
+        <pc:chgData name="Riccardo Berta" userId="c8694f89-bba4-4576-b0a8-456619ca5a8c" providerId="ADAL" clId="{35C5D11B-424E-5B41-A9C4-509DD0A59BFD}" dt="2022-03-22T07:29:13.529" v="3" actId="2696"/>
+        <pc:sldMkLst>
+          <pc:docMk/>
+          <pc:sldMk cId="925286286" sldId="268"/>
+        </pc:sldMkLst>
+      </pc:sldChg>
+      <pc:sldChg chg="modSp">
+        <pc:chgData name="Riccardo Berta" userId="c8694f89-bba4-4576-b0a8-456619ca5a8c" providerId="ADAL" clId="{35C5D11B-424E-5B41-A9C4-509DD0A59BFD}" dt="2022-03-22T07:44:59.403" v="28"/>
+        <pc:sldMkLst>
+          <pc:docMk/>
+          <pc:sldMk cId="3471997037" sldId="269"/>
+        </pc:sldMkLst>
+      </pc:sldChg>
+      <pc:sldChg chg="modSp mod">
+        <pc:chgData name="Riccardo Berta" userId="c8694f89-bba4-4576-b0a8-456619ca5a8c" providerId="ADAL" clId="{35C5D11B-424E-5B41-A9C4-509DD0A59BFD}" dt="2022-03-22T07:47:03.443" v="33"/>
+        <pc:sldMkLst>
+          <pc:docMk/>
+          <pc:sldMk cId="3130917410" sldId="270"/>
+        </pc:sldMkLst>
+      </pc:sldChg>
+      <pc:sldChg chg="modSp mod">
+        <pc:chgData name="Riccardo Berta" userId="c8694f89-bba4-4576-b0a8-456619ca5a8c" providerId="ADAL" clId="{35C5D11B-424E-5B41-A9C4-509DD0A59BFD}" dt="2022-03-22T07:47:51.976" v="38"/>
+        <pc:sldMkLst>
+          <pc:docMk/>
+          <pc:sldMk cId="2266699268" sldId="271"/>
+        </pc:sldMkLst>
+      </pc:sldChg>
+      <pc:sldChg chg="modSp mod ord">
+        <pc:chgData name="Riccardo Berta" userId="c8694f89-bba4-4576-b0a8-456619ca5a8c" providerId="ADAL" clId="{35C5D11B-424E-5B41-A9C4-509DD0A59BFD}" dt="2022-03-22T07:29:04.952" v="2"/>
+        <pc:sldMkLst>
+          <pc:docMk/>
+          <pc:sldMk cId="993270251" sldId="272"/>
+        </pc:sldMkLst>
+      </pc:sldChg>
+      <pc:sldChg chg="modSp">
+        <pc:chgData name="Riccardo Berta" userId="c8694f89-bba4-4576-b0a8-456619ca5a8c" providerId="ADAL" clId="{35C5D11B-424E-5B41-A9C4-509DD0A59BFD}" dt="2022-03-22T07:48:04.230" v="39"/>
+        <pc:sldMkLst>
+          <pc:docMk/>
+          <pc:sldMk cId="0" sldId="273"/>
+        </pc:sldMkLst>
+      </pc:sldChg>
+      <pc:sldChg chg="modSp">
+        <pc:chgData name="Riccardo Berta" userId="c8694f89-bba4-4576-b0a8-456619ca5a8c" providerId="ADAL" clId="{35C5D11B-424E-5B41-A9C4-509DD0A59BFD}" dt="2022-03-22T07:48:21.111" v="40"/>
+        <pc:sldMkLst>
+          <pc:docMk/>
+          <pc:sldMk cId="97697531" sldId="275"/>
+        </pc:sldMkLst>
+      </pc:sldChg>
+    </pc:docChg>
+  </pc:docChgLst>
+  <pc:docChgLst>
+    <pc:chgData name="Riccardo Berta" userId="c8694f89-bba4-4576-b0a8-456619ca5a8c" providerId="ADAL" clId="{F4AAAA8C-1CB2-214C-996A-F15BCA6CB64E}"/>
+    <pc:docChg chg="undo custSel addSld delSld modSld">
+      <pc:chgData name="Riccardo Berta" userId="c8694f89-bba4-4576-b0a8-456619ca5a8c" providerId="ADAL" clId="{F4AAAA8C-1CB2-214C-996A-F15BCA6CB64E}" dt="2022-07-29T16:21:50.628" v="2975" actId="1076"/>
+      <pc:docMkLst>
+        <pc:docMk/>
+      </pc:docMkLst>
+      <pc:sldChg chg="modSp mod">
+        <pc:chgData name="Riccardo Berta" userId="c8694f89-bba4-4576-b0a8-456619ca5a8c" providerId="ADAL" clId="{F4AAAA8C-1CB2-214C-996A-F15BCA6CB64E}" dt="2022-07-27T13:37:29.445" v="2" actId="20577"/>
+        <pc:sldMkLst>
+          <pc:docMk/>
+          <pc:sldMk cId="0" sldId="256"/>
+        </pc:sldMkLst>
+      </pc:sldChg>
+      <pc:sldChg chg="addSp modSp mod">
+        <pc:chgData name="Riccardo Berta" userId="c8694f89-bba4-4576-b0a8-456619ca5a8c" providerId="ADAL" clId="{F4AAAA8C-1CB2-214C-996A-F15BCA6CB64E}" dt="2022-07-27T13:43:23.760" v="162" actId="20577"/>
+        <pc:sldMkLst>
+          <pc:docMk/>
+          <pc:sldMk cId="0" sldId="257"/>
+        </pc:sldMkLst>
+      </pc:sldChg>
+      <pc:sldChg chg="modSp del">
+        <pc:chgData name="Riccardo Berta" userId="c8694f89-bba4-4576-b0a8-456619ca5a8c" providerId="ADAL" clId="{F4AAAA8C-1CB2-214C-996A-F15BCA6CB64E}" dt="2022-07-27T13:43:43.714" v="164" actId="2696"/>
+        <pc:sldMkLst>
+          <pc:docMk/>
+          <pc:sldMk cId="1899110855" sldId="258"/>
+        </pc:sldMkLst>
+      </pc:sldChg>
+      <pc:sldChg chg="addSp delSp modSp mod">
+        <pc:chgData name="Riccardo Berta" userId="c8694f89-bba4-4576-b0a8-456619ca5a8c" providerId="ADAL" clId="{F4AAAA8C-1CB2-214C-996A-F15BCA6CB64E}" dt="2022-07-29T16:13:43.411" v="2890" actId="20577"/>
+        <pc:sldMkLst>
+          <pc:docMk/>
+          <pc:sldMk cId="3018556184" sldId="259"/>
+        </pc:sldMkLst>
+      </pc:sldChg>
+      <pc:sldChg chg="del">
+        <pc:chgData name="Riccardo Berta" userId="c8694f89-bba4-4576-b0a8-456619ca5a8c" providerId="ADAL" clId="{F4AAAA8C-1CB2-214C-996A-F15BCA6CB64E}" dt="2022-07-27T13:43:45.045" v="165" actId="2696"/>
+        <pc:sldMkLst>
+          <pc:docMk/>
+          <pc:sldMk cId="1104208334" sldId="260"/>
+        </pc:sldMkLst>
+      </pc:sldChg>
+      <pc:sldChg chg="addSp delSp modSp add mod">
+        <pc:chgData name="Riccardo Berta" userId="c8694f89-bba4-4576-b0a8-456619ca5a8c" providerId="ADAL" clId="{F4AAAA8C-1CB2-214C-996A-F15BCA6CB64E}" dt="2022-07-28T05:47:21.216" v="337" actId="1076"/>
+        <pc:sldMkLst>
+          <pc:docMk/>
+          <pc:sldMk cId="2119751735" sldId="260"/>
+        </pc:sldMkLst>
+      </pc:sldChg>
+      <pc:sldChg chg="del">
+        <pc:chgData name="Riccardo Berta" userId="c8694f89-bba4-4576-b0a8-456619ca5a8c" providerId="ADAL" clId="{F4AAAA8C-1CB2-214C-996A-F15BCA6CB64E}" dt="2022-07-27T13:43:46.058" v="166" actId="2696"/>
+        <pc:sldMkLst>
+          <pc:docMk/>
+          <pc:sldMk cId="1290395919" sldId="261"/>
+        </pc:sldMkLst>
+      </pc:sldChg>
+      <pc:sldChg chg="delSp modSp add mod">
+        <pc:chgData name="Riccardo Berta" userId="c8694f89-bba4-4576-b0a8-456619ca5a8c" providerId="ADAL" clId="{F4AAAA8C-1CB2-214C-996A-F15BCA6CB64E}" dt="2022-07-28T06:08:36.900" v="979" actId="20577"/>
+        <pc:sldMkLst>
+          <pc:docMk/>
+          <pc:sldMk cId="2389937581" sldId="261"/>
+        </pc:sldMkLst>
+      </pc:sldChg>
+      <pc:sldChg chg="addSp delSp modSp add mod">
+        <pc:chgData name="Riccardo Berta" userId="c8694f89-bba4-4576-b0a8-456619ca5a8c" providerId="ADAL" clId="{F4AAAA8C-1CB2-214C-996A-F15BCA6CB64E}" dt="2022-07-28T06:20:33.799" v="1324" actId="58"/>
+        <pc:sldMkLst>
+          <pc:docMk/>
+          <pc:sldMk cId="1270389364" sldId="262"/>
+        </pc:sldMkLst>
+      </pc:sldChg>
+      <pc:sldChg chg="del">
+        <pc:chgData name="Riccardo Berta" userId="c8694f89-bba4-4576-b0a8-456619ca5a8c" providerId="ADAL" clId="{F4AAAA8C-1CB2-214C-996A-F15BCA6CB64E}" dt="2022-07-27T13:43:47.251" v="167" actId="2696"/>
+        <pc:sldMkLst>
+          <pc:docMk/>
+          <pc:sldMk cId="4130549615" sldId="262"/>
+        </pc:sldMkLst>
+      </pc:sldChg>
+      <pc:sldChg chg="modSp add mod">
+        <pc:chgData name="Riccardo Berta" userId="c8694f89-bba4-4576-b0a8-456619ca5a8c" providerId="ADAL" clId="{F4AAAA8C-1CB2-214C-996A-F15BCA6CB64E}" dt="2022-07-29T07:18:15.970" v="2126" actId="1076"/>
+        <pc:sldMkLst>
+          <pc:docMk/>
+          <pc:sldMk cId="2644872656" sldId="263"/>
+        </pc:sldMkLst>
+      </pc:sldChg>
+      <pc:sldChg chg="del">
+        <pc:chgData name="Riccardo Berta" userId="c8694f89-bba4-4576-b0a8-456619ca5a8c" providerId="ADAL" clId="{F4AAAA8C-1CB2-214C-996A-F15BCA6CB64E}" dt="2022-07-27T13:43:48.139" v="168" actId="2696"/>
+        <pc:sldMkLst>
+          <pc:docMk/>
+          <pc:sldMk cId="3102138681" sldId="263"/>
+        </pc:sldMkLst>
+      </pc:sldChg>
+      <pc:sldChg chg="modSp add mod">
+        <pc:chgData name="Riccardo Berta" userId="c8694f89-bba4-4576-b0a8-456619ca5a8c" providerId="ADAL" clId="{F4AAAA8C-1CB2-214C-996A-F15BCA6CB64E}" dt="2022-07-28T13:59:43.403" v="1794" actId="20577"/>
+        <pc:sldMkLst>
+          <pc:docMk/>
+          <pc:sldMk cId="1681389695" sldId="264"/>
+        </pc:sldMkLst>
+      </pc:sldChg>
+      <pc:sldChg chg="del">
+        <pc:chgData name="Riccardo Berta" userId="c8694f89-bba4-4576-b0a8-456619ca5a8c" providerId="ADAL" clId="{F4AAAA8C-1CB2-214C-996A-F15BCA6CB64E}" dt="2022-07-27T13:43:49.652" v="169" actId="2696"/>
+        <pc:sldMkLst>
+          <pc:docMk/>
+          <pc:sldMk cId="2113557187" sldId="264"/>
+        </pc:sldMkLst>
+      </pc:sldChg>
+      <pc:sldChg chg="del">
+        <pc:chgData name="Riccardo Berta" userId="c8694f89-bba4-4576-b0a8-456619ca5a8c" providerId="ADAL" clId="{F4AAAA8C-1CB2-214C-996A-F15BCA6CB64E}" dt="2022-07-27T13:43:57.658" v="170" actId="2696"/>
+        <pc:sldMkLst>
+          <pc:docMk/>
+          <pc:sldMk cId="2045385232" sldId="265"/>
+        </pc:sldMkLst>
+      </pc:sldChg>
+      <pc:sldChg chg="addSp modSp add mod">
+        <pc:chgData name="Riccardo Berta" userId="c8694f89-bba4-4576-b0a8-456619ca5a8c" providerId="ADAL" clId="{F4AAAA8C-1CB2-214C-996A-F15BCA6CB64E}" dt="2022-07-29T07:15:19.612" v="2059" actId="1037"/>
+        <pc:sldMkLst>
+          <pc:docMk/>
+          <pc:sldMk cId="2862573505" sldId="265"/>
+        </pc:sldMkLst>
+      </pc:sldChg>
+      <pc:sldChg chg="modSp add mod">
+        <pc:chgData name="Riccardo Berta" userId="c8694f89-bba4-4576-b0a8-456619ca5a8c" providerId="ADAL" clId="{F4AAAA8C-1CB2-214C-996A-F15BCA6CB64E}" dt="2022-07-29T15:42:16.243" v="2364" actId="404"/>
+        <pc:sldMkLst>
+          <pc:docMk/>
+          <pc:sldMk cId="4181844165" sldId="266"/>
+        </pc:sldMkLst>
+      </pc:sldChg>
+      <pc:sldChg chg="addSp delSp modSp add mod">
+        <pc:chgData name="Riccardo Berta" userId="c8694f89-bba4-4576-b0a8-456619ca5a8c" providerId="ADAL" clId="{F4AAAA8C-1CB2-214C-996A-F15BCA6CB64E}" dt="2022-07-29T16:21:50.628" v="2975" actId="1076"/>
+        <pc:sldMkLst>
+          <pc:docMk/>
+          <pc:sldMk cId="216455838" sldId="267"/>
+        </pc:sldMkLst>
+      </pc:sldChg>
+      <pc:sldChg chg="modSp add mod">
+        <pc:chgData name="Riccardo Berta" userId="c8694f89-bba4-4576-b0a8-456619ca5a8c" providerId="ADAL" clId="{F4AAAA8C-1CB2-214C-996A-F15BCA6CB64E}" dt="2022-07-29T16:13:07.544" v="2873" actId="20577"/>
+        <pc:sldMkLst>
+          <pc:docMk/>
+          <pc:sldMk cId="925286286" sldId="268"/>
+        </pc:sldMkLst>
+      </pc:sldChg>
+      <pc:sldChg chg="addSp modSp add mod">
+        <pc:chgData name="Riccardo Berta" userId="c8694f89-bba4-4576-b0a8-456619ca5a8c" providerId="ADAL" clId="{F4AAAA8C-1CB2-214C-996A-F15BCA6CB64E}" dt="2022-07-29T16:20:35.039" v="2951" actId="962"/>
+        <pc:sldMkLst>
+          <pc:docMk/>
+          <pc:sldMk cId="3471997037" sldId="269"/>
+        </pc:sldMkLst>
+      </pc:sldChg>
+      <pc:sldChg chg="add">
+        <pc:chgData name="Riccardo Berta" userId="c8694f89-bba4-4576-b0a8-456619ca5a8c" providerId="ADAL" clId="{F4AAAA8C-1CB2-214C-996A-F15BCA6CB64E}" dt="2022-07-28T14:01:20.148" v="1808"/>
+        <pc:sldMkLst>
+          <pc:docMk/>
+          <pc:sldMk cId="3130917410" sldId="270"/>
+        </pc:sldMkLst>
+      </pc:sldChg>
+      <pc:sldChg chg="add">
+        <pc:chgData name="Riccardo Berta" userId="c8694f89-bba4-4576-b0a8-456619ca5a8c" providerId="ADAL" clId="{F4AAAA8C-1CB2-214C-996A-F15BCA6CB64E}" dt="2022-07-28T14:01:20.483" v="1809"/>
+        <pc:sldMkLst>
+          <pc:docMk/>
+          <pc:sldMk cId="2266699268" sldId="271"/>
+        </pc:sldMkLst>
+      </pc:sldChg>
+    </pc:docChg>
+  </pc:docChgLst>
   <pc:docChgLst>
     <pc:chgData name="Riccardo Berta" userId="c8694f89-bba4-4576-b0a8-456619ca5a8c" providerId="ADAL" clId="{A8290FA7-622A-D149-8650-9DF3F18680D5}"/>
     <pc:docChg chg="undo redo custSel addSld delSld modSld sldOrd modMainMaster">
@@ -306,62 +1060,6 @@
           <pc:docMk/>
           <pc:sldMk cId="0" sldId="256"/>
         </pc:sldMkLst>
-        <pc:spChg chg="mod">
-          <ac:chgData name="Riccardo Berta" userId="c8694f89-bba4-4576-b0a8-456619ca5a8c" providerId="ADAL" clId="{A8290FA7-622A-D149-8650-9DF3F18680D5}" dt="2022-07-27T13:35:14.530" v="2993" actId="20577"/>
-          <ac:spMkLst>
-            <pc:docMk/>
-            <pc:sldMk cId="0" sldId="256"/>
-            <ac:spMk id="62" creationId="{00000000-0000-0000-0000-000000000000}"/>
-          </ac:spMkLst>
-        </pc:spChg>
-        <pc:spChg chg="del">
-          <ac:chgData name="Riccardo Berta" userId="c8694f89-bba4-4576-b0a8-456619ca5a8c" providerId="ADAL" clId="{A8290FA7-622A-D149-8650-9DF3F18680D5}" dt="2022-07-18T11:40:08.016" v="50" actId="478"/>
-          <ac:spMkLst>
-            <pc:docMk/>
-            <pc:sldMk cId="0" sldId="256"/>
-            <ac:spMk id="78" creationId="{00000000-0000-0000-0000-000000000000}"/>
-          </ac:spMkLst>
-        </pc:spChg>
-        <pc:grpChg chg="del">
-          <ac:chgData name="Riccardo Berta" userId="c8694f89-bba4-4576-b0a8-456619ca5a8c" providerId="ADAL" clId="{A8290FA7-622A-D149-8650-9DF3F18680D5}" dt="2022-07-18T11:40:10.605" v="51" actId="478"/>
-          <ac:grpSpMkLst>
-            <pc:docMk/>
-            <pc:sldMk cId="0" sldId="256"/>
-            <ac:grpSpMk id="63" creationId="{00000000-0000-0000-0000-000000000000}"/>
-          </ac:grpSpMkLst>
-        </pc:grpChg>
-        <pc:cxnChg chg="mod">
-          <ac:chgData name="Riccardo Berta" userId="c8694f89-bba4-4576-b0a8-456619ca5a8c" providerId="ADAL" clId="{A8290FA7-622A-D149-8650-9DF3F18680D5}" dt="2022-07-18T11:40:10.605" v="51" actId="478"/>
-          <ac:cxnSpMkLst>
-            <pc:docMk/>
-            <pc:sldMk cId="0" sldId="256"/>
-            <ac:cxnSpMk id="66" creationId="{00000000-0000-0000-0000-000000000000}"/>
-          </ac:cxnSpMkLst>
-        </pc:cxnChg>
-        <pc:cxnChg chg="mod">
-          <ac:chgData name="Riccardo Berta" userId="c8694f89-bba4-4576-b0a8-456619ca5a8c" providerId="ADAL" clId="{A8290FA7-622A-D149-8650-9DF3F18680D5}" dt="2022-07-18T11:40:10.605" v="51" actId="478"/>
-          <ac:cxnSpMkLst>
-            <pc:docMk/>
-            <pc:sldMk cId="0" sldId="256"/>
-            <ac:cxnSpMk id="69" creationId="{00000000-0000-0000-0000-000000000000}"/>
-          </ac:cxnSpMkLst>
-        </pc:cxnChg>
-        <pc:cxnChg chg="mod">
-          <ac:chgData name="Riccardo Berta" userId="c8694f89-bba4-4576-b0a8-456619ca5a8c" providerId="ADAL" clId="{A8290FA7-622A-D149-8650-9DF3F18680D5}" dt="2022-07-18T11:40:10.605" v="51" actId="478"/>
-          <ac:cxnSpMkLst>
-            <pc:docMk/>
-            <pc:sldMk cId="0" sldId="256"/>
-            <ac:cxnSpMk id="74" creationId="{00000000-0000-0000-0000-000000000000}"/>
-          </ac:cxnSpMkLst>
-        </pc:cxnChg>
-        <pc:cxnChg chg="mod">
-          <ac:chgData name="Riccardo Berta" userId="c8694f89-bba4-4576-b0a8-456619ca5a8c" providerId="ADAL" clId="{A8290FA7-622A-D149-8650-9DF3F18680D5}" dt="2022-07-18T11:40:10.605" v="51" actId="478"/>
-          <ac:cxnSpMkLst>
-            <pc:docMk/>
-            <pc:sldMk cId="0" sldId="256"/>
-            <ac:cxnSpMk id="75" creationId="{00000000-0000-0000-0000-000000000000}"/>
-          </ac:cxnSpMkLst>
-        </pc:cxnChg>
       </pc:sldChg>
       <pc:sldChg chg="delSp modSp mod">
         <pc:chgData name="Riccardo Berta" userId="c8694f89-bba4-4576-b0a8-456619ca5a8c" providerId="ADAL" clId="{A8290FA7-622A-D149-8650-9DF3F18680D5}" dt="2022-07-27T08:46:23.569" v="1166" actId="948"/>
@@ -369,30 +1067,6 @@
           <pc:docMk/>
           <pc:sldMk cId="0" sldId="257"/>
         </pc:sldMkLst>
-        <pc:spChg chg="mod">
-          <ac:chgData name="Riccardo Berta" userId="c8694f89-bba4-4576-b0a8-456619ca5a8c" providerId="ADAL" clId="{A8290FA7-622A-D149-8650-9DF3F18680D5}" dt="2022-07-27T07:46:33.325" v="171" actId="20577"/>
-          <ac:spMkLst>
-            <pc:docMk/>
-            <pc:sldMk cId="0" sldId="257"/>
-            <ac:spMk id="83" creationId="{00000000-0000-0000-0000-000000000000}"/>
-          </ac:spMkLst>
-        </pc:spChg>
-        <pc:spChg chg="mod">
-          <ac:chgData name="Riccardo Berta" userId="c8694f89-bba4-4576-b0a8-456619ca5a8c" providerId="ADAL" clId="{A8290FA7-622A-D149-8650-9DF3F18680D5}" dt="2022-07-27T08:46:23.569" v="1166" actId="948"/>
-          <ac:spMkLst>
-            <pc:docMk/>
-            <pc:sldMk cId="0" sldId="257"/>
-            <ac:spMk id="84" creationId="{00000000-0000-0000-0000-000000000000}"/>
-          </ac:spMkLst>
-        </pc:spChg>
-        <pc:picChg chg="del">
-          <ac:chgData name="Riccardo Berta" userId="c8694f89-bba4-4576-b0a8-456619ca5a8c" providerId="ADAL" clId="{A8290FA7-622A-D149-8650-9DF3F18680D5}" dt="2022-07-18T11:39:52.245" v="18" actId="478"/>
-          <ac:picMkLst>
-            <pc:docMk/>
-            <pc:sldMk cId="0" sldId="257"/>
-            <ac:picMk id="85" creationId="{00000000-0000-0000-0000-000000000000}"/>
-          </ac:picMkLst>
-        </pc:picChg>
       </pc:sldChg>
       <pc:sldChg chg="addSp modSp new mod modNotes">
         <pc:chgData name="Riccardo Berta" userId="c8694f89-bba4-4576-b0a8-456619ca5a8c" providerId="ADAL" clId="{A8290FA7-622A-D149-8650-9DF3F18680D5}" dt="2022-07-27T08:52:46.755" v="1313" actId="113"/>
@@ -400,30 +1074,6 @@
           <pc:docMk/>
           <pc:sldMk cId="1899110855" sldId="258"/>
         </pc:sldMkLst>
-        <pc:spChg chg="mod">
-          <ac:chgData name="Riccardo Berta" userId="c8694f89-bba4-4576-b0a8-456619ca5a8c" providerId="ADAL" clId="{A8290FA7-622A-D149-8650-9DF3F18680D5}" dt="2022-07-27T08:44:23.725" v="1124"/>
-          <ac:spMkLst>
-            <pc:docMk/>
-            <pc:sldMk cId="1899110855" sldId="258"/>
-            <ac:spMk id="2" creationId="{9A367158-2E24-E90C-7ECC-502AB323ED05}"/>
-          </ac:spMkLst>
-        </pc:spChg>
-        <pc:spChg chg="mod">
-          <ac:chgData name="Riccardo Berta" userId="c8694f89-bba4-4576-b0a8-456619ca5a8c" providerId="ADAL" clId="{A8290FA7-622A-D149-8650-9DF3F18680D5}" dt="2022-07-27T08:52:46.755" v="1313" actId="113"/>
-          <ac:spMkLst>
-            <pc:docMk/>
-            <pc:sldMk cId="1899110855" sldId="258"/>
-            <ac:spMk id="3" creationId="{3F2C94B7-5C82-7750-8B45-751562B2B6D0}"/>
-          </ac:spMkLst>
-        </pc:spChg>
-        <pc:picChg chg="add mod">
-          <ac:chgData name="Riccardo Berta" userId="c8694f89-bba4-4576-b0a8-456619ca5a8c" providerId="ADAL" clId="{A8290FA7-622A-D149-8650-9DF3F18680D5}" dt="2022-07-27T08:50:59.788" v="1228" actId="1076"/>
-          <ac:picMkLst>
-            <pc:docMk/>
-            <pc:sldMk cId="1899110855" sldId="258"/>
-            <ac:picMk id="4" creationId="{1FB36129-1438-3CA3-2875-A711720E74DA}"/>
-          </ac:picMkLst>
-        </pc:picChg>
       </pc:sldChg>
       <pc:sldChg chg="new del">
         <pc:chgData name="Riccardo Berta" userId="c8694f89-bba4-4576-b0a8-456619ca5a8c" providerId="ADAL" clId="{A8290FA7-622A-D149-8650-9DF3F18680D5}" dt="2022-07-27T07:48:28.832" v="223" actId="2696"/>
@@ -438,22 +1088,6 @@
           <pc:docMk/>
           <pc:sldMk cId="3018556184" sldId="259"/>
         </pc:sldMkLst>
-        <pc:spChg chg="mod">
-          <ac:chgData name="Riccardo Berta" userId="c8694f89-bba4-4576-b0a8-456619ca5a8c" providerId="ADAL" clId="{A8290FA7-622A-D149-8650-9DF3F18680D5}" dt="2022-07-27T08:44:23.725" v="1124"/>
-          <ac:spMkLst>
-            <pc:docMk/>
-            <pc:sldMk cId="3018556184" sldId="259"/>
-            <ac:spMk id="2" creationId="{41268BF7-2F3B-A5C4-4F7E-1982399FCE62}"/>
-          </ac:spMkLst>
-        </pc:spChg>
-        <pc:spChg chg="mod">
-          <ac:chgData name="Riccardo Berta" userId="c8694f89-bba4-4576-b0a8-456619ca5a8c" providerId="ADAL" clId="{A8290FA7-622A-D149-8650-9DF3F18680D5}" dt="2022-07-27T13:36:04.688" v="2998"/>
-          <ac:spMkLst>
-            <pc:docMk/>
-            <pc:sldMk cId="3018556184" sldId="259"/>
-            <ac:spMk id="3" creationId="{38BFAA1C-1163-169B-2D77-6FEF73CC8512}"/>
-          </ac:spMkLst>
-        </pc:spChg>
       </pc:sldChg>
       <pc:sldChg chg="addSp modSp new mod">
         <pc:chgData name="Riccardo Berta" userId="c8694f89-bba4-4576-b0a8-456619ca5a8c" providerId="ADAL" clId="{A8290FA7-622A-D149-8650-9DF3F18680D5}" dt="2022-07-27T08:48:59.292" v="1210" actId="1076"/>
@@ -461,30 +1095,6 @@
           <pc:docMk/>
           <pc:sldMk cId="1104208334" sldId="260"/>
         </pc:sldMkLst>
-        <pc:spChg chg="mod">
-          <ac:chgData name="Riccardo Berta" userId="c8694f89-bba4-4576-b0a8-456619ca5a8c" providerId="ADAL" clId="{A8290FA7-622A-D149-8650-9DF3F18680D5}" dt="2022-07-27T08:44:23.725" v="1124"/>
-          <ac:spMkLst>
-            <pc:docMk/>
-            <pc:sldMk cId="1104208334" sldId="260"/>
-            <ac:spMk id="2" creationId="{BCB44347-B705-702C-8C13-25742F95F00E}"/>
-          </ac:spMkLst>
-        </pc:spChg>
-        <pc:spChg chg="mod">
-          <ac:chgData name="Riccardo Berta" userId="c8694f89-bba4-4576-b0a8-456619ca5a8c" providerId="ADAL" clId="{A8290FA7-622A-D149-8650-9DF3F18680D5}" dt="2022-07-27T08:48:34.600" v="1207" actId="20577"/>
-          <ac:spMkLst>
-            <pc:docMk/>
-            <pc:sldMk cId="1104208334" sldId="260"/>
-            <ac:spMk id="3" creationId="{1C462C8B-759C-C2C7-EA44-1505F85DD073}"/>
-          </ac:spMkLst>
-        </pc:spChg>
-        <pc:picChg chg="add mod">
-          <ac:chgData name="Riccardo Berta" userId="c8694f89-bba4-4576-b0a8-456619ca5a8c" providerId="ADAL" clId="{A8290FA7-622A-D149-8650-9DF3F18680D5}" dt="2022-07-27T08:48:59.292" v="1210" actId="1076"/>
-          <ac:picMkLst>
-            <pc:docMk/>
-            <pc:sldMk cId="1104208334" sldId="260"/>
-            <ac:picMk id="1026" creationId="{B4CA9CEF-2B94-4431-1046-06B5B4A61164}"/>
-          </ac:picMkLst>
-        </pc:picChg>
       </pc:sldChg>
       <pc:sldChg chg="del">
         <pc:chgData name="Riccardo Berta" userId="c8694f89-bba4-4576-b0a8-456619ca5a8c" providerId="ADAL" clId="{A8290FA7-622A-D149-8650-9DF3F18680D5}" dt="2022-07-18T11:39:58.142" v="25" actId="2696"/>
@@ -492,22 +1102,6 @@
           <pc:docMk/>
           <pc:sldMk cId="1290395919" sldId="261"/>
         </pc:sldMkLst>
-        <pc:spChg chg="mod">
-          <ac:chgData name="Riccardo Berta" userId="c8694f89-bba4-4576-b0a8-456619ca5a8c" providerId="ADAL" clId="{A8290FA7-622A-D149-8650-9DF3F18680D5}" dt="2022-07-27T09:02:55.174" v="1405" actId="313"/>
-          <ac:spMkLst>
-            <pc:docMk/>
-            <pc:sldMk cId="1290395919" sldId="261"/>
-            <ac:spMk id="2" creationId="{7ACF5050-2FE7-D51A-3B42-49745B74F8BD}"/>
-          </ac:spMkLst>
-        </pc:spChg>
-        <pc:spChg chg="mod">
-          <ac:chgData name="Riccardo Berta" userId="c8694f89-bba4-4576-b0a8-456619ca5a8c" providerId="ADAL" clId="{A8290FA7-622A-D149-8650-9DF3F18680D5}" dt="2022-07-27T10:13:59.822" v="1768" actId="20577"/>
-          <ac:spMkLst>
-            <pc:docMk/>
-            <pc:sldMk cId="1290395919" sldId="261"/>
-            <ac:spMk id="3" creationId="{443CA410-E246-EACE-351E-80C846A06F66}"/>
-          </ac:spMkLst>
-        </pc:spChg>
       </pc:sldChg>
       <pc:sldChg chg="new del">
         <pc:chgData name="Riccardo Berta" userId="c8694f89-bba4-4576-b0a8-456619ca5a8c" providerId="ADAL" clId="{A8290FA7-622A-D149-8650-9DF3F18680D5}" dt="2022-07-27T10:14:34.151" v="1776" actId="2696"/>
@@ -522,38 +1116,6 @@
           <pc:docMk/>
           <pc:sldMk cId="4130549615" sldId="262"/>
         </pc:sldMkLst>
-        <pc:spChg chg="mod">
-          <ac:chgData name="Riccardo Berta" userId="c8694f89-bba4-4576-b0a8-456619ca5a8c" providerId="ADAL" clId="{A8290FA7-622A-D149-8650-9DF3F18680D5}" dt="2022-07-27T10:14:47.805" v="1801" actId="20577"/>
-          <ac:spMkLst>
-            <pc:docMk/>
-            <pc:sldMk cId="4130549615" sldId="262"/>
-            <ac:spMk id="83" creationId="{00000000-0000-0000-0000-000000000000}"/>
-          </ac:spMkLst>
-        </pc:spChg>
-        <pc:spChg chg="mod">
-          <ac:chgData name="Riccardo Berta" userId="c8694f89-bba4-4576-b0a8-456619ca5a8c" providerId="ADAL" clId="{A8290FA7-622A-D149-8650-9DF3F18680D5}" dt="2022-07-27T10:42:13.820" v="2230" actId="113"/>
-          <ac:spMkLst>
-            <pc:docMk/>
-            <pc:sldMk cId="4130549615" sldId="262"/>
-            <ac:spMk id="84" creationId="{00000000-0000-0000-0000-000000000000}"/>
-          </ac:spMkLst>
-        </pc:spChg>
-        <pc:picChg chg="add mod">
-          <ac:chgData name="Riccardo Berta" userId="c8694f89-bba4-4576-b0a8-456619ca5a8c" providerId="ADAL" clId="{A8290FA7-622A-D149-8650-9DF3F18680D5}" dt="2022-07-27T10:41:57.614" v="2224" actId="1076"/>
-          <ac:picMkLst>
-            <pc:docMk/>
-            <pc:sldMk cId="4130549615" sldId="262"/>
-            <ac:picMk id="2" creationId="{DE7BB65F-08A4-B6D2-CED9-F0FFBD5CDBF9}"/>
-          </ac:picMkLst>
-        </pc:picChg>
-        <pc:picChg chg="add mod">
-          <ac:chgData name="Riccardo Berta" userId="c8694f89-bba4-4576-b0a8-456619ca5a8c" providerId="ADAL" clId="{A8290FA7-622A-D149-8650-9DF3F18680D5}" dt="2022-07-27T10:42:07.380" v="2229" actId="1076"/>
-          <ac:picMkLst>
-            <pc:docMk/>
-            <pc:sldMk cId="4130549615" sldId="262"/>
-            <ac:picMk id="3" creationId="{8F10188F-1192-CC5C-9229-6680F9B1F8A4}"/>
-          </ac:picMkLst>
-        </pc:picChg>
       </pc:sldChg>
       <pc:sldChg chg="new del">
         <pc:chgData name="Riccardo Berta" userId="c8694f89-bba4-4576-b0a8-456619ca5a8c" providerId="ADAL" clId="{A8290FA7-622A-D149-8650-9DF3F18680D5}" dt="2022-07-27T10:14:17.648" v="1770" actId="2696"/>
@@ -568,14 +1130,6 @@
           <pc:docMk/>
           <pc:sldMk cId="2702540954" sldId="263"/>
         </pc:sldMkLst>
-        <pc:spChg chg="add del mod">
-          <ac:chgData name="Riccardo Berta" userId="c8694f89-bba4-4576-b0a8-456619ca5a8c" providerId="ADAL" clId="{A8290FA7-622A-D149-8650-9DF3F18680D5}" dt="2022-07-27T10:14:34.058" v="1775"/>
-          <ac:spMkLst>
-            <pc:docMk/>
-            <pc:sldMk cId="2702540954" sldId="263"/>
-            <ac:spMk id="3" creationId="{3202F38C-70E9-B11B-4CF4-DD7C2BF1118A}"/>
-          </ac:spMkLst>
-        </pc:spChg>
       </pc:sldChg>
       <pc:sldChg chg="del">
         <pc:chgData name="Riccardo Berta" userId="c8694f89-bba4-4576-b0a8-456619ca5a8c" providerId="ADAL" clId="{A8290FA7-622A-D149-8650-9DF3F18680D5}" dt="2022-07-18T11:39:58.451" v="27" actId="2696"/>
@@ -583,94 +1137,6 @@
           <pc:docMk/>
           <pc:sldMk cId="3102138681" sldId="263"/>
         </pc:sldMkLst>
-        <pc:spChg chg="add mod">
-          <ac:chgData name="Riccardo Berta" userId="c8694f89-bba4-4576-b0a8-456619ca5a8c" providerId="ADAL" clId="{A8290FA7-622A-D149-8650-9DF3F18680D5}" dt="2022-07-27T13:25:04.866" v="2759" actId="113"/>
-          <ac:spMkLst>
-            <pc:docMk/>
-            <pc:sldMk cId="3102138681" sldId="263"/>
-            <ac:spMk id="4" creationId="{F4D09BBD-B357-6547-1869-C5A2382FCC8B}"/>
-          </ac:spMkLst>
-        </pc:spChg>
-        <pc:spChg chg="add del mod">
-          <ac:chgData name="Riccardo Berta" userId="c8694f89-bba4-4576-b0a8-456619ca5a8c" providerId="ADAL" clId="{A8290FA7-622A-D149-8650-9DF3F18680D5}" dt="2022-07-27T11:15:39.262" v="2505" actId="478"/>
-          <ac:spMkLst>
-            <pc:docMk/>
-            <pc:sldMk cId="3102138681" sldId="263"/>
-            <ac:spMk id="5" creationId="{23AC3424-715D-3F08-932D-C2CF108A7059}"/>
-          </ac:spMkLst>
-        </pc:spChg>
-        <pc:spChg chg="add mod">
-          <ac:chgData name="Riccardo Berta" userId="c8694f89-bba4-4576-b0a8-456619ca5a8c" providerId="ADAL" clId="{A8290FA7-622A-D149-8650-9DF3F18680D5}" dt="2022-07-27T11:16:53.879" v="2519" actId="1076"/>
-          <ac:spMkLst>
-            <pc:docMk/>
-            <pc:sldMk cId="3102138681" sldId="263"/>
-            <ac:spMk id="6" creationId="{E6A53417-994D-A7A5-6B3C-BE4F99893522}"/>
-          </ac:spMkLst>
-        </pc:spChg>
-        <pc:spChg chg="add mod">
-          <ac:chgData name="Riccardo Berta" userId="c8694f89-bba4-4576-b0a8-456619ca5a8c" providerId="ADAL" clId="{A8290FA7-622A-D149-8650-9DF3F18680D5}" dt="2022-07-27T11:16:53.879" v="2519" actId="1076"/>
-          <ac:spMkLst>
-            <pc:docMk/>
-            <pc:sldMk cId="3102138681" sldId="263"/>
-            <ac:spMk id="7" creationId="{A40D36EA-EE11-0232-DF5A-70C2463FA6D7}"/>
-          </ac:spMkLst>
-        </pc:spChg>
-        <pc:spChg chg="mod">
-          <ac:chgData name="Riccardo Berta" userId="c8694f89-bba4-4576-b0a8-456619ca5a8c" providerId="ADAL" clId="{A8290FA7-622A-D149-8650-9DF3F18680D5}" dt="2022-07-27T10:48:03.941" v="2323" actId="20577"/>
-          <ac:spMkLst>
-            <pc:docMk/>
-            <pc:sldMk cId="3102138681" sldId="263"/>
-            <ac:spMk id="83" creationId="{00000000-0000-0000-0000-000000000000}"/>
-          </ac:spMkLst>
-        </pc:spChg>
-        <pc:spChg chg="mod">
-          <ac:chgData name="Riccardo Berta" userId="c8694f89-bba4-4576-b0a8-456619ca5a8c" providerId="ADAL" clId="{A8290FA7-622A-D149-8650-9DF3F18680D5}" dt="2022-07-27T10:48:06.788" v="2324" actId="20577"/>
-          <ac:spMkLst>
-            <pc:docMk/>
-            <pc:sldMk cId="3102138681" sldId="263"/>
-            <ac:spMk id="84" creationId="{00000000-0000-0000-0000-000000000000}"/>
-          </ac:spMkLst>
-        </pc:spChg>
-        <pc:grpChg chg="add del mod">
-          <ac:chgData name="Riccardo Berta" userId="c8694f89-bba4-4576-b0a8-456619ca5a8c" providerId="ADAL" clId="{A8290FA7-622A-D149-8650-9DF3F18680D5}" dt="2022-07-27T11:18:00.757" v="2523" actId="478"/>
-          <ac:grpSpMkLst>
-            <pc:docMk/>
-            <pc:sldMk cId="3102138681" sldId="263"/>
-            <ac:grpSpMk id="8" creationId="{197E1684-FF9E-2244-C365-B25FF288C192}"/>
-          </ac:grpSpMkLst>
-        </pc:grpChg>
-        <pc:picChg chg="del">
-          <ac:chgData name="Riccardo Berta" userId="c8694f89-bba4-4576-b0a8-456619ca5a8c" providerId="ADAL" clId="{A8290FA7-622A-D149-8650-9DF3F18680D5}" dt="2022-07-27T10:43:13.465" v="2245" actId="478"/>
-          <ac:picMkLst>
-            <pc:docMk/>
-            <pc:sldMk cId="3102138681" sldId="263"/>
-            <ac:picMk id="2" creationId="{DE7BB65F-08A4-B6D2-CED9-F0FFBD5CDBF9}"/>
-          </ac:picMkLst>
-        </pc:picChg>
-        <pc:picChg chg="del">
-          <ac:chgData name="Riccardo Berta" userId="c8694f89-bba4-4576-b0a8-456619ca5a8c" providerId="ADAL" clId="{A8290FA7-622A-D149-8650-9DF3F18680D5}" dt="2022-07-27T10:43:13.005" v="2244" actId="478"/>
-          <ac:picMkLst>
-            <pc:docMk/>
-            <pc:sldMk cId="3102138681" sldId="263"/>
-            <ac:picMk id="3" creationId="{8F10188F-1192-CC5C-9229-6680F9B1F8A4}"/>
-          </ac:picMkLst>
-        </pc:picChg>
-        <pc:picChg chg="add mod">
-          <ac:chgData name="Riccardo Berta" userId="c8694f89-bba4-4576-b0a8-456619ca5a8c" providerId="ADAL" clId="{A8290FA7-622A-D149-8650-9DF3F18680D5}" dt="2022-07-27T13:24:53.552" v="2751" actId="1076"/>
-          <ac:picMkLst>
-            <pc:docMk/>
-            <pc:sldMk cId="3102138681" sldId="263"/>
-            <ac:picMk id="10" creationId="{0E81828B-E89F-25E9-3F87-0F05B85C6E21}"/>
-          </ac:picMkLst>
-        </pc:picChg>
-        <pc:picChg chg="add mod">
-          <ac:chgData name="Riccardo Berta" userId="c8694f89-bba4-4576-b0a8-456619ca5a8c" providerId="ADAL" clId="{A8290FA7-622A-D149-8650-9DF3F18680D5}" dt="2022-07-27T11:16:53.879" v="2519" actId="1076"/>
-          <ac:picMkLst>
-            <pc:docMk/>
-            <pc:sldMk cId="3102138681" sldId="263"/>
-            <ac:picMk id="2050" creationId="{A53CAF74-1BDF-FAC7-6840-B2596884FF7F}"/>
-          </ac:picMkLst>
-        </pc:picChg>
       </pc:sldChg>
       <pc:sldChg chg="addSp modSp add del mod">
         <pc:chgData name="Riccardo Berta" userId="c8694f89-bba4-4576-b0a8-456619ca5a8c" providerId="ADAL" clId="{A8290FA7-622A-D149-8650-9DF3F18680D5}" dt="2022-07-27T10:42:20.886" v="2231" actId="2696"/>
@@ -678,38 +1144,6 @@
           <pc:docMk/>
           <pc:sldMk cId="3911169705" sldId="263"/>
         </pc:sldMkLst>
-        <pc:spChg chg="mod">
-          <ac:chgData name="Riccardo Berta" userId="c8694f89-bba4-4576-b0a8-456619ca5a8c" providerId="ADAL" clId="{A8290FA7-622A-D149-8650-9DF3F18680D5}" dt="2022-07-27T10:33:15.496" v="2048" actId="20577"/>
-          <ac:spMkLst>
-            <pc:docMk/>
-            <pc:sldMk cId="3911169705" sldId="263"/>
-            <ac:spMk id="83" creationId="{00000000-0000-0000-0000-000000000000}"/>
-          </ac:spMkLst>
-        </pc:spChg>
-        <pc:spChg chg="mod">
-          <ac:chgData name="Riccardo Berta" userId="c8694f89-bba4-4576-b0a8-456619ca5a8c" providerId="ADAL" clId="{A8290FA7-622A-D149-8650-9DF3F18680D5}" dt="2022-07-27T10:34:05.441" v="2067" actId="20577"/>
-          <ac:spMkLst>
-            <pc:docMk/>
-            <pc:sldMk cId="3911169705" sldId="263"/>
-            <ac:spMk id="84" creationId="{00000000-0000-0000-0000-000000000000}"/>
-          </ac:spMkLst>
-        </pc:spChg>
-        <pc:picChg chg="add mod">
-          <ac:chgData name="Riccardo Berta" userId="c8694f89-bba4-4576-b0a8-456619ca5a8c" providerId="ADAL" clId="{A8290FA7-622A-D149-8650-9DF3F18680D5}" dt="2022-07-27T10:33:53.682" v="2062" actId="14100"/>
-          <ac:picMkLst>
-            <pc:docMk/>
-            <pc:sldMk cId="3911169705" sldId="263"/>
-            <ac:picMk id="2" creationId="{D4B2A0E7-4B4D-E6BD-CA2B-E156742EB348}"/>
-          </ac:picMkLst>
-        </pc:picChg>
-        <pc:picChg chg="add mod">
-          <ac:chgData name="Riccardo Berta" userId="c8694f89-bba4-4576-b0a8-456619ca5a8c" providerId="ADAL" clId="{A8290FA7-622A-D149-8650-9DF3F18680D5}" dt="2022-07-27T10:34:01.183" v="2064" actId="1076"/>
-          <ac:picMkLst>
-            <pc:docMk/>
-            <pc:sldMk cId="3911169705" sldId="263"/>
-            <ac:picMk id="3" creationId="{DB1314C3-2E54-D0A9-2C2E-0B14369A70D5}"/>
-          </ac:picMkLst>
-        </pc:picChg>
       </pc:sldChg>
       <pc:sldChg chg="del">
         <pc:chgData name="Riccardo Berta" userId="c8694f89-bba4-4576-b0a8-456619ca5a8c" providerId="ADAL" clId="{A8290FA7-622A-D149-8650-9DF3F18680D5}" dt="2022-07-18T11:39:58.616" v="28" actId="2696"/>
@@ -717,46 +1151,6 @@
           <pc:docMk/>
           <pc:sldMk cId="2113557187" sldId="264"/>
         </pc:sldMkLst>
-        <pc:spChg chg="add del">
-          <ac:chgData name="Riccardo Berta" userId="c8694f89-bba4-4576-b0a8-456619ca5a8c" providerId="ADAL" clId="{A8290FA7-622A-D149-8650-9DF3F18680D5}" dt="2022-07-27T11:59:11.727" v="2638" actId="478"/>
-          <ac:spMkLst>
-            <pc:docMk/>
-            <pc:sldMk cId="2113557187" sldId="264"/>
-            <ac:spMk id="3" creationId="{BC1FDF23-921F-5E18-9CFF-ACCFCF450821}"/>
-          </ac:spMkLst>
-        </pc:spChg>
-        <pc:spChg chg="mod">
-          <ac:chgData name="Riccardo Berta" userId="c8694f89-bba4-4576-b0a8-456619ca5a8c" providerId="ADAL" clId="{A8290FA7-622A-D149-8650-9DF3F18680D5}" dt="2022-07-27T11:59:29.324" v="2645" actId="5793"/>
-          <ac:spMkLst>
-            <pc:docMk/>
-            <pc:sldMk cId="2113557187" sldId="264"/>
-            <ac:spMk id="4" creationId="{F4D09BBD-B357-6547-1869-C5A2382FCC8B}"/>
-          </ac:spMkLst>
-        </pc:spChg>
-        <pc:spChg chg="add del">
-          <ac:chgData name="Riccardo Berta" userId="c8694f89-bba4-4576-b0a8-456619ca5a8c" providerId="ADAL" clId="{A8290FA7-622A-D149-8650-9DF3F18680D5}" dt="2022-07-27T11:59:15.052" v="2640" actId="478"/>
-          <ac:spMkLst>
-            <pc:docMk/>
-            <pc:sldMk cId="2113557187" sldId="264"/>
-            <ac:spMk id="6" creationId="{2CCFB366-8A7D-5E7E-B99E-3A97CFF1730F}"/>
-          </ac:spMkLst>
-        </pc:spChg>
-        <pc:picChg chg="del">
-          <ac:chgData name="Riccardo Berta" userId="c8694f89-bba4-4576-b0a8-456619ca5a8c" providerId="ADAL" clId="{A8290FA7-622A-D149-8650-9DF3F18680D5}" dt="2022-07-27T11:59:09.596" v="2636" actId="478"/>
-          <ac:picMkLst>
-            <pc:docMk/>
-            <pc:sldMk cId="2113557187" sldId="264"/>
-            <ac:picMk id="10" creationId="{0E81828B-E89F-25E9-3F87-0F05B85C6E21}"/>
-          </ac:picMkLst>
-        </pc:picChg>
-        <pc:picChg chg="add mod">
-          <ac:chgData name="Riccardo Berta" userId="c8694f89-bba4-4576-b0a8-456619ca5a8c" providerId="ADAL" clId="{A8290FA7-622A-D149-8650-9DF3F18680D5}" dt="2022-07-27T13:22:18.527" v="2647" actId="14100"/>
-          <ac:picMkLst>
-            <pc:docMk/>
-            <pc:sldMk cId="2113557187" sldId="264"/>
-            <ac:picMk id="3074" creationId="{9CA02893-40B1-CBA3-7B52-7B9773D440DD}"/>
-          </ac:picMkLst>
-        </pc:picChg>
       </pc:sldChg>
       <pc:sldChg chg="del">
         <pc:chgData name="Riccardo Berta" userId="c8694f89-bba4-4576-b0a8-456619ca5a8c" providerId="ADAL" clId="{A8290FA7-622A-D149-8650-9DF3F18680D5}" dt="2022-07-18T11:39:58.749" v="29" actId="2696"/>
@@ -764,30 +1158,6 @@
           <pc:docMk/>
           <pc:sldMk cId="2045385232" sldId="265"/>
         </pc:sldMkLst>
-        <pc:spChg chg="mod">
-          <ac:chgData name="Riccardo Berta" userId="c8694f89-bba4-4576-b0a8-456619ca5a8c" providerId="ADAL" clId="{A8290FA7-622A-D149-8650-9DF3F18680D5}" dt="2022-07-27T13:28:40.287" v="2835" actId="20577"/>
-          <ac:spMkLst>
-            <pc:docMk/>
-            <pc:sldMk cId="2045385232" sldId="265"/>
-            <ac:spMk id="2" creationId="{7ACF5050-2FE7-D51A-3B42-49745B74F8BD}"/>
-          </ac:spMkLst>
-        </pc:spChg>
-        <pc:spChg chg="mod">
-          <ac:chgData name="Riccardo Berta" userId="c8694f89-bba4-4576-b0a8-456619ca5a8c" providerId="ADAL" clId="{A8290FA7-622A-D149-8650-9DF3F18680D5}" dt="2022-07-27T13:34:43.252" v="2978" actId="20577"/>
-          <ac:spMkLst>
-            <pc:docMk/>
-            <pc:sldMk cId="2045385232" sldId="265"/>
-            <ac:spMk id="3" creationId="{443CA410-E246-EACE-351E-80C846A06F66}"/>
-          </ac:spMkLst>
-        </pc:spChg>
-        <pc:picChg chg="add mod">
-          <ac:chgData name="Riccardo Berta" userId="c8694f89-bba4-4576-b0a8-456619ca5a8c" providerId="ADAL" clId="{A8290FA7-622A-D149-8650-9DF3F18680D5}" dt="2022-07-27T13:29:04.301" v="2839" actId="1076"/>
-          <ac:picMkLst>
-            <pc:docMk/>
-            <pc:sldMk cId="2045385232" sldId="265"/>
-            <ac:picMk id="5" creationId="{6F2A372C-E4F3-6EB3-7011-0A41077F7959}"/>
-          </ac:picMkLst>
-        </pc:picChg>
       </pc:sldChg>
       <pc:sldChg chg="del">
         <pc:chgData name="Riccardo Berta" userId="c8694f89-bba4-4576-b0a8-456619ca5a8c" providerId="ADAL" clId="{A8290FA7-622A-D149-8650-9DF3F18680D5}" dt="2022-07-18T11:39:58.869" v="30" actId="2696"/>
@@ -858,14 +1228,6 @@
           <pc:docMk/>
           <pc:sldMasterMk cId="0" sldId="2147483659"/>
         </pc:sldMasterMkLst>
-        <pc:spChg chg="mod">
-          <ac:chgData name="Riccardo Berta" userId="c8694f89-bba4-4576-b0a8-456619ca5a8c" providerId="ADAL" clId="{A8290FA7-622A-D149-8650-9DF3F18680D5}" dt="2022-07-27T08:45:00.853" v="1135" actId="20577"/>
-          <ac:spMkLst>
-            <pc:docMk/>
-            <pc:sldMasterMk cId="0" sldId="2147483659"/>
-            <ac:spMk id="7" creationId="{00000000-0000-0000-0000-000000000000}"/>
-          </ac:spMkLst>
-        </pc:spChg>
         <pc:sldLayoutChg chg="del">
           <pc:chgData name="Riccardo Berta" userId="c8694f89-bba4-4576-b0a8-456619ca5a8c" providerId="ADAL" clId="{A8290FA7-622A-D149-8650-9DF3F18680D5}" dt="2022-07-27T07:48:28.832" v="223" actId="2696"/>
           <pc:sldLayoutMkLst>
@@ -881,174 +1243,8 @@
             <pc:sldMasterMk cId="0" sldId="2147483659"/>
             <pc:sldLayoutMk cId="0" sldId="2147483650"/>
           </pc:sldLayoutMkLst>
-          <pc:spChg chg="del">
-            <ac:chgData name="Riccardo Berta" userId="c8694f89-bba4-4576-b0a8-456619ca5a8c" providerId="ADAL" clId="{A8290FA7-622A-D149-8650-9DF3F18680D5}" dt="2022-07-27T08:44:23.725" v="1124"/>
-            <ac:spMkLst>
-              <pc:docMk/>
-              <pc:sldMasterMk cId="0" sldId="2147483659"/>
-              <pc:sldLayoutMk cId="0" sldId="2147483650"/>
-              <ac:spMk id="22" creationId="{00000000-0000-0000-0000-000000000000}"/>
-            </ac:spMkLst>
-          </pc:spChg>
         </pc:sldLayoutChg>
       </pc:sldMasterChg>
-    </pc:docChg>
-  </pc:docChgLst>
-  <pc:docChgLst>
-    <pc:chgData name="Riccardo Berta" userId="c8694f89-bba4-4576-b0a8-456619ca5a8c" providerId="ADAL" clId="{3943615B-4CB7-FC4C-9DE8-9CC727992EE4}"/>
-    <pc:docChg chg="undo custSel addSld modSld">
-      <pc:chgData name="Riccardo Berta" userId="c8694f89-bba4-4576-b0a8-456619ca5a8c" providerId="ADAL" clId="{3943615B-4CB7-FC4C-9DE8-9CC727992EE4}" dt="2022-08-30T14:16:06.747" v="135" actId="20577"/>
-      <pc:docMkLst>
-        <pc:docMk/>
-      </pc:docMkLst>
-      <pc:sldChg chg="modSp mod">
-        <pc:chgData name="Riccardo Berta" userId="c8694f89-bba4-4576-b0a8-456619ca5a8c" providerId="ADAL" clId="{3943615B-4CB7-FC4C-9DE8-9CC727992EE4}" dt="2022-08-30T14:16:06.747" v="135" actId="20577"/>
-        <pc:sldMkLst>
-          <pc:docMk/>
-          <pc:sldMk cId="0" sldId="257"/>
-        </pc:sldMkLst>
-        <pc:spChg chg="mod">
-          <ac:chgData name="Riccardo Berta" userId="c8694f89-bba4-4576-b0a8-456619ca5a8c" providerId="ADAL" clId="{3943615B-4CB7-FC4C-9DE8-9CC727992EE4}" dt="2022-08-30T14:16:06.747" v="135" actId="20577"/>
-          <ac:spMkLst>
-            <pc:docMk/>
-            <pc:sldMk cId="0" sldId="257"/>
-            <ac:spMk id="84" creationId="{00000000-0000-0000-0000-000000000000}"/>
-          </ac:spMkLst>
-        </pc:spChg>
-      </pc:sldChg>
-      <pc:sldChg chg="addSp delSp modSp add mod">
-        <pc:chgData name="Riccardo Berta" userId="c8694f89-bba4-4576-b0a8-456619ca5a8c" providerId="ADAL" clId="{3943615B-4CB7-FC4C-9DE8-9CC727992EE4}" dt="2022-08-26T11:00:53.093" v="42"/>
-        <pc:sldMkLst>
-          <pc:docMk/>
-          <pc:sldMk cId="97697531" sldId="275"/>
-        </pc:sldMkLst>
-        <pc:spChg chg="mod">
-          <ac:chgData name="Riccardo Berta" userId="c8694f89-bba4-4576-b0a8-456619ca5a8c" providerId="ADAL" clId="{3943615B-4CB7-FC4C-9DE8-9CC727992EE4}" dt="2022-08-26T10:59:35.866" v="35" actId="20577"/>
-          <ac:spMkLst>
-            <pc:docMk/>
-            <pc:sldMk cId="97697531" sldId="275"/>
-            <ac:spMk id="84" creationId="{00000000-0000-0000-0000-000000000000}"/>
-          </ac:spMkLst>
-        </pc:spChg>
-        <pc:picChg chg="add mod">
-          <ac:chgData name="Riccardo Berta" userId="c8694f89-bba4-4576-b0a8-456619ca5a8c" providerId="ADAL" clId="{3943615B-4CB7-FC4C-9DE8-9CC727992EE4}" dt="2022-08-26T11:00:40.368" v="40" actId="1076"/>
-          <ac:picMkLst>
-            <pc:docMk/>
-            <pc:sldMk cId="97697531" sldId="275"/>
-            <ac:picMk id="3" creationId="{C24425DB-0138-99FE-FAD2-763463941402}"/>
-          </ac:picMkLst>
-        </pc:picChg>
-        <pc:picChg chg="add del mod">
-          <ac:chgData name="Riccardo Berta" userId="c8694f89-bba4-4576-b0a8-456619ca5a8c" providerId="ADAL" clId="{3943615B-4CB7-FC4C-9DE8-9CC727992EE4}" dt="2022-08-26T11:00:53.093" v="42"/>
-          <ac:picMkLst>
-            <pc:docMk/>
-            <pc:sldMk cId="97697531" sldId="275"/>
-            <ac:picMk id="4" creationId="{FDE442AA-FEA2-9ACC-4D04-39B37A7459FB}"/>
-          </ac:picMkLst>
-        </pc:picChg>
-      </pc:sldChg>
-      <pc:sldChg chg="addSp delSp modSp add mod">
-        <pc:chgData name="Riccardo Berta" userId="c8694f89-bba4-4576-b0a8-456619ca5a8c" providerId="ADAL" clId="{3943615B-4CB7-FC4C-9DE8-9CC727992EE4}" dt="2022-08-26T11:03:05.514" v="74"/>
-        <pc:sldMkLst>
-          <pc:docMk/>
-          <pc:sldMk cId="1388305878" sldId="276"/>
-        </pc:sldMkLst>
-        <pc:spChg chg="mod">
-          <ac:chgData name="Riccardo Berta" userId="c8694f89-bba4-4576-b0a8-456619ca5a8c" providerId="ADAL" clId="{3943615B-4CB7-FC4C-9DE8-9CC727992EE4}" dt="2022-08-26T11:01:00.809" v="45" actId="20577"/>
-          <ac:spMkLst>
-            <pc:docMk/>
-            <pc:sldMk cId="1388305878" sldId="276"/>
-            <ac:spMk id="83" creationId="{00000000-0000-0000-0000-000000000000}"/>
-          </ac:spMkLst>
-        </pc:spChg>
-        <pc:spChg chg="mod">
-          <ac:chgData name="Riccardo Berta" userId="c8694f89-bba4-4576-b0a8-456619ca5a8c" providerId="ADAL" clId="{3943615B-4CB7-FC4C-9DE8-9CC727992EE4}" dt="2022-08-26T11:02:41.707" v="71" actId="20577"/>
-          <ac:spMkLst>
-            <pc:docMk/>
-            <pc:sldMk cId="1388305878" sldId="276"/>
-            <ac:spMk id="84" creationId="{00000000-0000-0000-0000-000000000000}"/>
-          </ac:spMkLst>
-        </pc:spChg>
-        <pc:picChg chg="del">
-          <ac:chgData name="Riccardo Berta" userId="c8694f89-bba4-4576-b0a8-456619ca5a8c" providerId="ADAL" clId="{3943615B-4CB7-FC4C-9DE8-9CC727992EE4}" dt="2022-08-26T11:02:01.677" v="62" actId="478"/>
-          <ac:picMkLst>
-            <pc:docMk/>
-            <pc:sldMk cId="1388305878" sldId="276"/>
-            <ac:picMk id="3" creationId="{C24425DB-0138-99FE-FAD2-763463941402}"/>
-          </ac:picMkLst>
-        </pc:picChg>
-        <pc:picChg chg="add mod modCrop">
-          <ac:chgData name="Riccardo Berta" userId="c8694f89-bba4-4576-b0a8-456619ca5a8c" providerId="ADAL" clId="{3943615B-4CB7-FC4C-9DE8-9CC727992EE4}" dt="2022-08-26T11:02:45.367" v="72" actId="1076"/>
-          <ac:picMkLst>
-            <pc:docMk/>
-            <pc:sldMk cId="1388305878" sldId="276"/>
-            <ac:picMk id="4" creationId="{B37C8976-E86A-4EAB-21EA-45CA6D160B6E}"/>
-          </ac:picMkLst>
-        </pc:picChg>
-        <pc:picChg chg="add del mod">
-          <ac:chgData name="Riccardo Berta" userId="c8694f89-bba4-4576-b0a8-456619ca5a8c" providerId="ADAL" clId="{3943615B-4CB7-FC4C-9DE8-9CC727992EE4}" dt="2022-08-26T11:03:05.514" v="74"/>
-          <ac:picMkLst>
-            <pc:docMk/>
-            <pc:sldMk cId="1388305878" sldId="276"/>
-            <ac:picMk id="5" creationId="{8C98684A-0491-B2DD-1E97-4FD9DA892AE1}"/>
-          </ac:picMkLst>
-        </pc:picChg>
-      </pc:sldChg>
-      <pc:sldChg chg="addSp delSp modSp add mod">
-        <pc:chgData name="Riccardo Berta" userId="c8694f89-bba4-4576-b0a8-456619ca5a8c" providerId="ADAL" clId="{3943615B-4CB7-FC4C-9DE8-9CC727992EE4}" dt="2022-08-26T11:06:03.382" v="133" actId="1076"/>
-        <pc:sldMkLst>
-          <pc:docMk/>
-          <pc:sldMk cId="3188504337" sldId="277"/>
-        </pc:sldMkLst>
-        <pc:spChg chg="mod">
-          <ac:chgData name="Riccardo Berta" userId="c8694f89-bba4-4576-b0a8-456619ca5a8c" providerId="ADAL" clId="{3943615B-4CB7-FC4C-9DE8-9CC727992EE4}" dt="2022-08-26T11:03:10.295" v="77" actId="20577"/>
-          <ac:spMkLst>
-            <pc:docMk/>
-            <pc:sldMk cId="3188504337" sldId="277"/>
-            <ac:spMk id="83" creationId="{00000000-0000-0000-0000-000000000000}"/>
-          </ac:spMkLst>
-        </pc:spChg>
-        <pc:spChg chg="mod">
-          <ac:chgData name="Riccardo Berta" userId="c8694f89-bba4-4576-b0a8-456619ca5a8c" providerId="ADAL" clId="{3943615B-4CB7-FC4C-9DE8-9CC727992EE4}" dt="2022-08-26T11:05:27.517" v="125" actId="20577"/>
-          <ac:spMkLst>
-            <pc:docMk/>
-            <pc:sldMk cId="3188504337" sldId="277"/>
-            <ac:spMk id="84" creationId="{00000000-0000-0000-0000-000000000000}"/>
-          </ac:spMkLst>
-        </pc:spChg>
-        <pc:picChg chg="add mod">
-          <ac:chgData name="Riccardo Berta" userId="c8694f89-bba4-4576-b0a8-456619ca5a8c" providerId="ADAL" clId="{3943615B-4CB7-FC4C-9DE8-9CC727992EE4}" dt="2022-08-26T11:04:15.028" v="92" actId="1076"/>
-          <ac:picMkLst>
-            <pc:docMk/>
-            <pc:sldMk cId="3188504337" sldId="277"/>
-            <ac:picMk id="3" creationId="{5C628457-BFE4-D14C-E20E-25702C3ECC9E}"/>
-          </ac:picMkLst>
-        </pc:picChg>
-        <pc:picChg chg="del">
-          <ac:chgData name="Riccardo Berta" userId="c8694f89-bba4-4576-b0a8-456619ca5a8c" providerId="ADAL" clId="{3943615B-4CB7-FC4C-9DE8-9CC727992EE4}" dt="2022-08-26T11:03:55.080" v="90" actId="478"/>
-          <ac:picMkLst>
-            <pc:docMk/>
-            <pc:sldMk cId="3188504337" sldId="277"/>
-            <ac:picMk id="4" creationId="{B37C8976-E86A-4EAB-21EA-45CA6D160B6E}"/>
-          </ac:picMkLst>
-        </pc:picChg>
-        <pc:picChg chg="add mod">
-          <ac:chgData name="Riccardo Berta" userId="c8694f89-bba4-4576-b0a8-456619ca5a8c" providerId="ADAL" clId="{3943615B-4CB7-FC4C-9DE8-9CC727992EE4}" dt="2022-08-26T11:05:45.131" v="129" actId="14100"/>
-          <ac:picMkLst>
-            <pc:docMk/>
-            <pc:sldMk cId="3188504337" sldId="277"/>
-            <ac:picMk id="6" creationId="{D30940DA-AFF2-81B6-B35F-E7A2B00D97E6}"/>
-          </ac:picMkLst>
-        </pc:picChg>
-        <pc:picChg chg="add mod">
-          <ac:chgData name="Riccardo Berta" userId="c8694f89-bba4-4576-b0a8-456619ca5a8c" providerId="ADAL" clId="{3943615B-4CB7-FC4C-9DE8-9CC727992EE4}" dt="2022-08-26T11:06:03.382" v="133" actId="1076"/>
-          <ac:picMkLst>
-            <pc:docMk/>
-            <pc:sldMk cId="3188504337" sldId="277"/>
-            <ac:picMk id="8" creationId="{BD5E088C-90F4-901C-67BD-EDFBF83A8455}"/>
-          </ac:picMkLst>
-        </pc:picChg>
-      </pc:sldChg>
     </pc:docChg>
   </pc:docChgLst>
   <pc:docChgLst>
@@ -1064,14 +1260,6 @@
           <pc:docMk/>
           <pc:sldMk cId="0" sldId="256"/>
         </pc:sldMkLst>
-        <pc:spChg chg="mod">
-          <ac:chgData name="Riccardo Berta" userId="c8694f89-bba4-4576-b0a8-456619ca5a8c" providerId="ADAL" clId="{CF061141-98AB-B84F-BA1A-32879D2AEC16}" dt="2022-10-06T13:49:21.127" v="47" actId="20577"/>
-          <ac:spMkLst>
-            <pc:docMk/>
-            <pc:sldMk cId="0" sldId="256"/>
-            <ac:spMk id="62" creationId="{00000000-0000-0000-0000-000000000000}"/>
-          </ac:spMkLst>
-        </pc:spChg>
       </pc:sldChg>
       <pc:sldChg chg="modSp mod">
         <pc:chgData name="Riccardo Berta" userId="c8694f89-bba4-4576-b0a8-456619ca5a8c" providerId="ADAL" clId="{CF061141-98AB-B84F-BA1A-32879D2AEC16}" dt="2022-10-06T13:49:32.682" v="71" actId="20577"/>
@@ -1079,14 +1267,6 @@
           <pc:docMk/>
           <pc:sldMk cId="3018556184" sldId="259"/>
         </pc:sldMkLst>
-        <pc:spChg chg="mod">
-          <ac:chgData name="Riccardo Berta" userId="c8694f89-bba4-4576-b0a8-456619ca5a8c" providerId="ADAL" clId="{CF061141-98AB-B84F-BA1A-32879D2AEC16}" dt="2022-10-06T13:49:32.682" v="71" actId="20577"/>
-          <ac:spMkLst>
-            <pc:docMk/>
-            <pc:sldMk cId="3018556184" sldId="259"/>
-            <ac:spMk id="3" creationId="{38BFAA1C-1163-169B-2D77-6FEF73CC8512}"/>
-          </ac:spMkLst>
-        </pc:spChg>
       </pc:sldChg>
       <pc:sldChg chg="modSp mod">
         <pc:chgData name="Riccardo Berta" userId="c8694f89-bba4-4576-b0a8-456619ca5a8c" providerId="ADAL" clId="{CF061141-98AB-B84F-BA1A-32879D2AEC16}" dt="2022-10-04T10:40:47.844" v="0" actId="20577"/>
@@ -1094,14 +1274,6 @@
           <pc:docMk/>
           <pc:sldMk cId="3188504337" sldId="277"/>
         </pc:sldMkLst>
-        <pc:spChg chg="mod">
-          <ac:chgData name="Riccardo Berta" userId="c8694f89-bba4-4576-b0a8-456619ca5a8c" providerId="ADAL" clId="{CF061141-98AB-B84F-BA1A-32879D2AEC16}" dt="2022-10-04T10:40:47.844" v="0" actId="20577"/>
-          <ac:spMkLst>
-            <pc:docMk/>
-            <pc:sldMk cId="3188504337" sldId="277"/>
-            <ac:spMk id="84" creationId="{00000000-0000-0000-0000-000000000000}"/>
-          </ac:spMkLst>
-        </pc:spChg>
       </pc:sldChg>
       <pc:sldChg chg="modSp add mod">
         <pc:chgData name="Riccardo Berta" userId="c8694f89-bba4-4576-b0a8-456619ca5a8c" providerId="ADAL" clId="{CF061141-98AB-B84F-BA1A-32879D2AEC16}" dt="2022-10-06T13:50:03.327" v="87" actId="20577"/>
@@ -1109,14 +1281,6 @@
           <pc:docMk/>
           <pc:sldMk cId="0" sldId="278"/>
         </pc:sldMkLst>
-        <pc:spChg chg="mod">
-          <ac:chgData name="Riccardo Berta" userId="c8694f89-bba4-4576-b0a8-456619ca5a8c" providerId="ADAL" clId="{CF061141-98AB-B84F-BA1A-32879D2AEC16}" dt="2022-10-06T13:50:03.327" v="87" actId="20577"/>
-          <ac:spMkLst>
-            <pc:docMk/>
-            <pc:sldMk cId="0" sldId="278"/>
-            <ac:spMk id="83" creationId="{00000000-0000-0000-0000-000000000000}"/>
-          </ac:spMkLst>
-        </pc:spChg>
       </pc:sldChg>
       <pc:sldChg chg="add">
         <pc:chgData name="Riccardo Berta" userId="c8694f89-bba4-4576-b0a8-456619ca5a8c" providerId="ADAL" clId="{CF061141-98AB-B84F-BA1A-32879D2AEC16}" dt="2022-10-06T13:50:11.140" v="88"/>
@@ -1145,14 +1309,6 @@
           <pc:docMk/>
           <pc:sldMk cId="11402927" sldId="282"/>
         </pc:sldMkLst>
-        <pc:spChg chg="mod">
-          <ac:chgData name="Riccardo Berta" userId="c8694f89-bba4-4576-b0a8-456619ca5a8c" providerId="ADAL" clId="{CF061141-98AB-B84F-BA1A-32879D2AEC16}" dt="2022-10-06T13:51:15.807" v="101" actId="108"/>
-          <ac:spMkLst>
-            <pc:docMk/>
-            <pc:sldMk cId="11402927" sldId="282"/>
-            <ac:spMk id="84" creationId="{00000000-0000-0000-0000-000000000000}"/>
-          </ac:spMkLst>
-        </pc:spChg>
       </pc:sldChg>
       <pc:sldChg chg="add">
         <pc:chgData name="Riccardo Berta" userId="c8694f89-bba4-4576-b0a8-456619ca5a8c" providerId="ADAL" clId="{CF061141-98AB-B84F-BA1A-32879D2AEC16}" dt="2022-10-06T13:50:38.636" v="92"/>
@@ -1164,884 +1320,39 @@
     </pc:docChg>
   </pc:docChgLst>
   <pc:docChgLst>
-    <pc:chgData name="Riccardo Berta" userId="c8694f89-bba4-4576-b0a8-456619ca5a8c" providerId="ADAL" clId="{F4AAAA8C-1CB2-214C-996A-F15BCA6CB64E}"/>
-    <pc:docChg chg="undo custSel addSld delSld modSld">
-      <pc:chgData name="Riccardo Berta" userId="c8694f89-bba4-4576-b0a8-456619ca5a8c" providerId="ADAL" clId="{F4AAAA8C-1CB2-214C-996A-F15BCA6CB64E}" dt="2022-07-29T16:21:50.628" v="2975" actId="1076"/>
+    <pc:chgData name="Riccardo Berta" userId="c8694f89-bba4-4576-b0a8-456619ca5a8c" providerId="ADAL" clId="{3943615B-4CB7-FC4C-9DE8-9CC727992EE4}"/>
+    <pc:docChg chg="undo custSel addSld modSld">
+      <pc:chgData name="Riccardo Berta" userId="c8694f89-bba4-4576-b0a8-456619ca5a8c" providerId="ADAL" clId="{3943615B-4CB7-FC4C-9DE8-9CC727992EE4}" dt="2022-08-30T14:16:06.747" v="135" actId="20577"/>
       <pc:docMkLst>
         <pc:docMk/>
       </pc:docMkLst>
       <pc:sldChg chg="modSp mod">
-        <pc:chgData name="Riccardo Berta" userId="c8694f89-bba4-4576-b0a8-456619ca5a8c" providerId="ADAL" clId="{F4AAAA8C-1CB2-214C-996A-F15BCA6CB64E}" dt="2022-07-27T13:37:29.445" v="2" actId="20577"/>
-        <pc:sldMkLst>
-          <pc:docMk/>
-          <pc:sldMk cId="0" sldId="256"/>
-        </pc:sldMkLst>
-        <pc:spChg chg="mod">
-          <ac:chgData name="Riccardo Berta" userId="c8694f89-bba4-4576-b0a8-456619ca5a8c" providerId="ADAL" clId="{F4AAAA8C-1CB2-214C-996A-F15BCA6CB64E}" dt="2022-07-27T13:37:29.445" v="2" actId="20577"/>
-          <ac:spMkLst>
-            <pc:docMk/>
-            <pc:sldMk cId="0" sldId="256"/>
-            <ac:spMk id="62" creationId="{00000000-0000-0000-0000-000000000000}"/>
-          </ac:spMkLst>
-        </pc:spChg>
-      </pc:sldChg>
-      <pc:sldChg chg="addSp modSp mod">
-        <pc:chgData name="Riccardo Berta" userId="c8694f89-bba4-4576-b0a8-456619ca5a8c" providerId="ADAL" clId="{F4AAAA8C-1CB2-214C-996A-F15BCA6CB64E}" dt="2022-07-27T13:43:23.760" v="162" actId="20577"/>
+        <pc:chgData name="Riccardo Berta" userId="c8694f89-bba4-4576-b0a8-456619ca5a8c" providerId="ADAL" clId="{3943615B-4CB7-FC4C-9DE8-9CC727992EE4}" dt="2022-08-30T14:16:06.747" v="135" actId="20577"/>
         <pc:sldMkLst>
           <pc:docMk/>
           <pc:sldMk cId="0" sldId="257"/>
         </pc:sldMkLst>
-        <pc:spChg chg="mod">
-          <ac:chgData name="Riccardo Berta" userId="c8694f89-bba4-4576-b0a8-456619ca5a8c" providerId="ADAL" clId="{F4AAAA8C-1CB2-214C-996A-F15BCA6CB64E}" dt="2022-07-27T13:38:19.538" v="24" actId="20577"/>
-          <ac:spMkLst>
-            <pc:docMk/>
-            <pc:sldMk cId="0" sldId="257"/>
-            <ac:spMk id="83" creationId="{00000000-0000-0000-0000-000000000000}"/>
-          </ac:spMkLst>
-        </pc:spChg>
-        <pc:spChg chg="mod">
-          <ac:chgData name="Riccardo Berta" userId="c8694f89-bba4-4576-b0a8-456619ca5a8c" providerId="ADAL" clId="{F4AAAA8C-1CB2-214C-996A-F15BCA6CB64E}" dt="2022-07-27T13:43:23.760" v="162" actId="20577"/>
-          <ac:spMkLst>
-            <pc:docMk/>
-            <pc:sldMk cId="0" sldId="257"/>
-            <ac:spMk id="84" creationId="{00000000-0000-0000-0000-000000000000}"/>
-          </ac:spMkLst>
-        </pc:spChg>
-        <pc:picChg chg="add mod">
-          <ac:chgData name="Riccardo Berta" userId="c8694f89-bba4-4576-b0a8-456619ca5a8c" providerId="ADAL" clId="{F4AAAA8C-1CB2-214C-996A-F15BCA6CB64E}" dt="2022-07-27T13:43:02.813" v="153" actId="1076"/>
-          <ac:picMkLst>
-            <pc:docMk/>
-            <pc:sldMk cId="0" sldId="257"/>
-            <ac:picMk id="3" creationId="{E337B85C-FAA8-CC41-92F2-13E0228E3B65}"/>
-          </ac:picMkLst>
-        </pc:picChg>
-      </pc:sldChg>
-      <pc:sldChg chg="modSp del">
-        <pc:chgData name="Riccardo Berta" userId="c8694f89-bba4-4576-b0a8-456619ca5a8c" providerId="ADAL" clId="{F4AAAA8C-1CB2-214C-996A-F15BCA6CB64E}" dt="2022-07-27T13:43:43.714" v="164" actId="2696"/>
-        <pc:sldMkLst>
-          <pc:docMk/>
-          <pc:sldMk cId="1899110855" sldId="258"/>
-        </pc:sldMkLst>
-        <pc:spChg chg="mod">
-          <ac:chgData name="Riccardo Berta" userId="c8694f89-bba4-4576-b0a8-456619ca5a8c" providerId="ADAL" clId="{F4AAAA8C-1CB2-214C-996A-F15BCA6CB64E}" dt="2022-07-27T13:43:40.189" v="163"/>
-          <ac:spMkLst>
-            <pc:docMk/>
-            <pc:sldMk cId="1899110855" sldId="258"/>
-            <ac:spMk id="2" creationId="{9A367158-2E24-E90C-7ECC-502AB323ED05}"/>
-          </ac:spMkLst>
-        </pc:spChg>
-      </pc:sldChg>
-      <pc:sldChg chg="addSp delSp modSp mod">
-        <pc:chgData name="Riccardo Berta" userId="c8694f89-bba4-4576-b0a8-456619ca5a8c" providerId="ADAL" clId="{F4AAAA8C-1CB2-214C-996A-F15BCA6CB64E}" dt="2022-07-29T16:13:43.411" v="2890" actId="20577"/>
-        <pc:sldMkLst>
-          <pc:docMk/>
-          <pc:sldMk cId="3018556184" sldId="259"/>
-        </pc:sldMkLst>
-        <pc:spChg chg="mod">
-          <ac:chgData name="Riccardo Berta" userId="c8694f89-bba4-4576-b0a8-456619ca5a8c" providerId="ADAL" clId="{F4AAAA8C-1CB2-214C-996A-F15BCA6CB64E}" dt="2022-07-29T16:13:43.411" v="2890" actId="20577"/>
-          <ac:spMkLst>
-            <pc:docMk/>
-            <pc:sldMk cId="3018556184" sldId="259"/>
-            <ac:spMk id="3" creationId="{38BFAA1C-1163-169B-2D77-6FEF73CC8512}"/>
-          </ac:spMkLst>
-        </pc:spChg>
-        <pc:picChg chg="add del mod">
-          <ac:chgData name="Riccardo Berta" userId="c8694f89-bba4-4576-b0a8-456619ca5a8c" providerId="ADAL" clId="{F4AAAA8C-1CB2-214C-996A-F15BCA6CB64E}" dt="2022-07-29T07:13:37.040" v="2021" actId="21"/>
-          <ac:picMkLst>
-            <pc:docMk/>
-            <pc:sldMk cId="3018556184" sldId="259"/>
-            <ac:picMk id="5" creationId="{3D57D188-F23C-A5F1-8770-234AC5C0F8CD}"/>
-          </ac:picMkLst>
-        </pc:picChg>
-      </pc:sldChg>
-      <pc:sldChg chg="del">
-        <pc:chgData name="Riccardo Berta" userId="c8694f89-bba4-4576-b0a8-456619ca5a8c" providerId="ADAL" clId="{F4AAAA8C-1CB2-214C-996A-F15BCA6CB64E}" dt="2022-07-27T13:43:45.045" v="165" actId="2696"/>
-        <pc:sldMkLst>
-          <pc:docMk/>
-          <pc:sldMk cId="1104208334" sldId="260"/>
-        </pc:sldMkLst>
       </pc:sldChg>
       <pc:sldChg chg="addSp delSp modSp add mod">
-        <pc:chgData name="Riccardo Berta" userId="c8694f89-bba4-4576-b0a8-456619ca5a8c" providerId="ADAL" clId="{F4AAAA8C-1CB2-214C-996A-F15BCA6CB64E}" dt="2022-07-28T05:47:21.216" v="337" actId="1076"/>
-        <pc:sldMkLst>
-          <pc:docMk/>
-          <pc:sldMk cId="2119751735" sldId="260"/>
-        </pc:sldMkLst>
-        <pc:spChg chg="mod">
-          <ac:chgData name="Riccardo Berta" userId="c8694f89-bba4-4576-b0a8-456619ca5a8c" providerId="ADAL" clId="{F4AAAA8C-1CB2-214C-996A-F15BCA6CB64E}" dt="2022-07-27T13:45:31.917" v="177" actId="20577"/>
-          <ac:spMkLst>
-            <pc:docMk/>
-            <pc:sldMk cId="2119751735" sldId="260"/>
-            <ac:spMk id="83" creationId="{00000000-0000-0000-0000-000000000000}"/>
-          </ac:spMkLst>
-        </pc:spChg>
-        <pc:spChg chg="mod">
-          <ac:chgData name="Riccardo Berta" userId="c8694f89-bba4-4576-b0a8-456619ca5a8c" providerId="ADAL" clId="{F4AAAA8C-1CB2-214C-996A-F15BCA6CB64E}" dt="2022-07-28T05:46:51.692" v="332" actId="20577"/>
-          <ac:spMkLst>
-            <pc:docMk/>
-            <pc:sldMk cId="2119751735" sldId="260"/>
-            <ac:spMk id="84" creationId="{00000000-0000-0000-0000-000000000000}"/>
-          </ac:spMkLst>
-        </pc:spChg>
-        <pc:grpChg chg="add mod">
-          <ac:chgData name="Riccardo Berta" userId="c8694f89-bba4-4576-b0a8-456619ca5a8c" providerId="ADAL" clId="{F4AAAA8C-1CB2-214C-996A-F15BCA6CB64E}" dt="2022-07-28T05:47:21.216" v="337" actId="1076"/>
-          <ac:grpSpMkLst>
-            <pc:docMk/>
-            <pc:sldMk cId="2119751735" sldId="260"/>
-            <ac:grpSpMk id="7" creationId="{489CA0CE-5F21-4BF4-5B0C-E98A8FC5FDD8}"/>
-          </ac:grpSpMkLst>
-        </pc:grpChg>
-        <pc:picChg chg="del">
-          <ac:chgData name="Riccardo Berta" userId="c8694f89-bba4-4576-b0a8-456619ca5a8c" providerId="ADAL" clId="{F4AAAA8C-1CB2-214C-996A-F15BCA6CB64E}" dt="2022-07-27T13:45:46.742" v="181" actId="478"/>
-          <ac:picMkLst>
-            <pc:docMk/>
-            <pc:sldMk cId="2119751735" sldId="260"/>
-            <ac:picMk id="3" creationId="{E337B85C-FAA8-CC41-92F2-13E0228E3B65}"/>
-          </ac:picMkLst>
-        </pc:picChg>
-        <pc:picChg chg="add mod">
-          <ac:chgData name="Riccardo Berta" userId="c8694f89-bba4-4576-b0a8-456619ca5a8c" providerId="ADAL" clId="{F4AAAA8C-1CB2-214C-996A-F15BCA6CB64E}" dt="2022-07-28T05:45:35.354" v="315" actId="164"/>
-          <ac:picMkLst>
-            <pc:docMk/>
-            <pc:sldMk cId="2119751735" sldId="260"/>
-            <ac:picMk id="4" creationId="{BEB555A5-8E8F-EF63-4BD5-BDB8C5B0448C}"/>
-          </ac:picMkLst>
-        </pc:picChg>
-        <pc:picChg chg="add mod">
-          <ac:chgData name="Riccardo Berta" userId="c8694f89-bba4-4576-b0a8-456619ca5a8c" providerId="ADAL" clId="{F4AAAA8C-1CB2-214C-996A-F15BCA6CB64E}" dt="2022-07-28T05:45:35.354" v="315" actId="164"/>
-          <ac:picMkLst>
-            <pc:docMk/>
-            <pc:sldMk cId="2119751735" sldId="260"/>
-            <ac:picMk id="6" creationId="{177C8D6D-02B1-C754-62AE-4DE123A1F0A3}"/>
-          </ac:picMkLst>
-        </pc:picChg>
-        <pc:picChg chg="add mod">
-          <ac:chgData name="Riccardo Berta" userId="c8694f89-bba4-4576-b0a8-456619ca5a8c" providerId="ADAL" clId="{F4AAAA8C-1CB2-214C-996A-F15BCA6CB64E}" dt="2022-07-28T05:47:04.885" v="335" actId="167"/>
-          <ac:picMkLst>
-            <pc:docMk/>
-            <pc:sldMk cId="2119751735" sldId="260"/>
-            <ac:picMk id="9" creationId="{B47B7D50-84FB-AA7F-8A99-66D4AF7E0E9D}"/>
-          </ac:picMkLst>
-        </pc:picChg>
-      </pc:sldChg>
-      <pc:sldChg chg="del">
-        <pc:chgData name="Riccardo Berta" userId="c8694f89-bba4-4576-b0a8-456619ca5a8c" providerId="ADAL" clId="{F4AAAA8C-1CB2-214C-996A-F15BCA6CB64E}" dt="2022-07-27T13:43:46.058" v="166" actId="2696"/>
-        <pc:sldMkLst>
-          <pc:docMk/>
-          <pc:sldMk cId="1290395919" sldId="261"/>
-        </pc:sldMkLst>
-      </pc:sldChg>
-      <pc:sldChg chg="delSp modSp add mod">
-        <pc:chgData name="Riccardo Berta" userId="c8694f89-bba4-4576-b0a8-456619ca5a8c" providerId="ADAL" clId="{F4AAAA8C-1CB2-214C-996A-F15BCA6CB64E}" dt="2022-07-28T06:08:36.900" v="979" actId="20577"/>
-        <pc:sldMkLst>
-          <pc:docMk/>
-          <pc:sldMk cId="2389937581" sldId="261"/>
-        </pc:sldMkLst>
-        <pc:spChg chg="mod">
-          <ac:chgData name="Riccardo Berta" userId="c8694f89-bba4-4576-b0a8-456619ca5a8c" providerId="ADAL" clId="{F4AAAA8C-1CB2-214C-996A-F15BCA6CB64E}" dt="2022-07-28T05:48:31.210" v="384" actId="20577"/>
-          <ac:spMkLst>
-            <pc:docMk/>
-            <pc:sldMk cId="2389937581" sldId="261"/>
-            <ac:spMk id="83" creationId="{00000000-0000-0000-0000-000000000000}"/>
-          </ac:spMkLst>
-        </pc:spChg>
-        <pc:spChg chg="mod">
-          <ac:chgData name="Riccardo Berta" userId="c8694f89-bba4-4576-b0a8-456619ca5a8c" providerId="ADAL" clId="{F4AAAA8C-1CB2-214C-996A-F15BCA6CB64E}" dt="2022-07-28T06:08:36.900" v="979" actId="20577"/>
-          <ac:spMkLst>
-            <pc:docMk/>
-            <pc:sldMk cId="2389937581" sldId="261"/>
-            <ac:spMk id="84" creationId="{00000000-0000-0000-0000-000000000000}"/>
-          </ac:spMkLst>
-        </pc:spChg>
-        <pc:picChg chg="del">
-          <ac:chgData name="Riccardo Berta" userId="c8694f89-bba4-4576-b0a8-456619ca5a8c" providerId="ADAL" clId="{F4AAAA8C-1CB2-214C-996A-F15BCA6CB64E}" dt="2022-07-28T05:48:38.627" v="386" actId="478"/>
-          <ac:picMkLst>
-            <pc:docMk/>
-            <pc:sldMk cId="2389937581" sldId="261"/>
-            <ac:picMk id="3" creationId="{E337B85C-FAA8-CC41-92F2-13E0228E3B65}"/>
-          </ac:picMkLst>
-        </pc:picChg>
-      </pc:sldChg>
-      <pc:sldChg chg="addSp delSp modSp add mod">
-        <pc:chgData name="Riccardo Berta" userId="c8694f89-bba4-4576-b0a8-456619ca5a8c" providerId="ADAL" clId="{F4AAAA8C-1CB2-214C-996A-F15BCA6CB64E}" dt="2022-07-28T06:20:33.799" v="1324" actId="58"/>
-        <pc:sldMkLst>
-          <pc:docMk/>
-          <pc:sldMk cId="1270389364" sldId="262"/>
-        </pc:sldMkLst>
-        <pc:spChg chg="mod">
-          <ac:chgData name="Riccardo Berta" userId="c8694f89-bba4-4576-b0a8-456619ca5a8c" providerId="ADAL" clId="{F4AAAA8C-1CB2-214C-996A-F15BCA6CB64E}" dt="2022-07-28T06:09:05.210" v="991" actId="20577"/>
-          <ac:spMkLst>
-            <pc:docMk/>
-            <pc:sldMk cId="1270389364" sldId="262"/>
-            <ac:spMk id="83" creationId="{00000000-0000-0000-0000-000000000000}"/>
-          </ac:spMkLst>
-        </pc:spChg>
-        <pc:spChg chg="mod">
-          <ac:chgData name="Riccardo Berta" userId="c8694f89-bba4-4576-b0a8-456619ca5a8c" providerId="ADAL" clId="{F4AAAA8C-1CB2-214C-996A-F15BCA6CB64E}" dt="2022-07-28T06:20:33.799" v="1324" actId="58"/>
-          <ac:spMkLst>
-            <pc:docMk/>
-            <pc:sldMk cId="1270389364" sldId="262"/>
-            <ac:spMk id="84" creationId="{00000000-0000-0000-0000-000000000000}"/>
-          </ac:spMkLst>
-        </pc:spChg>
-        <pc:picChg chg="del">
-          <ac:chgData name="Riccardo Berta" userId="c8694f89-bba4-4576-b0a8-456619ca5a8c" providerId="ADAL" clId="{F4AAAA8C-1CB2-214C-996A-F15BCA6CB64E}" dt="2022-07-28T06:09:15.678" v="996" actId="478"/>
-          <ac:picMkLst>
-            <pc:docMk/>
-            <pc:sldMk cId="1270389364" sldId="262"/>
-            <ac:picMk id="3" creationId="{E337B85C-FAA8-CC41-92F2-13E0228E3B65}"/>
-          </ac:picMkLst>
-        </pc:picChg>
-        <pc:picChg chg="add mod">
-          <ac:chgData name="Riccardo Berta" userId="c8694f89-bba4-4576-b0a8-456619ca5a8c" providerId="ADAL" clId="{F4AAAA8C-1CB2-214C-996A-F15BCA6CB64E}" dt="2022-07-28T06:17:50.208" v="1230" actId="1036"/>
-          <ac:picMkLst>
-            <pc:docMk/>
-            <pc:sldMk cId="1270389364" sldId="262"/>
-            <ac:picMk id="4" creationId="{AB9A4B8B-5326-C7E4-06B6-378D995D5B26}"/>
-          </ac:picMkLst>
-        </pc:picChg>
-      </pc:sldChg>
-      <pc:sldChg chg="del">
-        <pc:chgData name="Riccardo Berta" userId="c8694f89-bba4-4576-b0a8-456619ca5a8c" providerId="ADAL" clId="{F4AAAA8C-1CB2-214C-996A-F15BCA6CB64E}" dt="2022-07-27T13:43:47.251" v="167" actId="2696"/>
-        <pc:sldMkLst>
-          <pc:docMk/>
-          <pc:sldMk cId="4130549615" sldId="262"/>
-        </pc:sldMkLst>
-      </pc:sldChg>
-      <pc:sldChg chg="modSp add mod">
-        <pc:chgData name="Riccardo Berta" userId="c8694f89-bba4-4576-b0a8-456619ca5a8c" providerId="ADAL" clId="{F4AAAA8C-1CB2-214C-996A-F15BCA6CB64E}" dt="2022-07-29T07:18:15.970" v="2126" actId="1076"/>
-        <pc:sldMkLst>
-          <pc:docMk/>
-          <pc:sldMk cId="2644872656" sldId="263"/>
-        </pc:sldMkLst>
-        <pc:spChg chg="mod">
-          <ac:chgData name="Riccardo Berta" userId="c8694f89-bba4-4576-b0a8-456619ca5a8c" providerId="ADAL" clId="{F4AAAA8C-1CB2-214C-996A-F15BCA6CB64E}" dt="2022-07-28T13:41:46.191" v="1354" actId="20577"/>
-          <ac:spMkLst>
-            <pc:docMk/>
-            <pc:sldMk cId="2644872656" sldId="263"/>
-            <ac:spMk id="83" creationId="{00000000-0000-0000-0000-000000000000}"/>
-          </ac:spMkLst>
-        </pc:spChg>
-        <pc:spChg chg="mod">
-          <ac:chgData name="Riccardo Berta" userId="c8694f89-bba4-4576-b0a8-456619ca5a8c" providerId="ADAL" clId="{F4AAAA8C-1CB2-214C-996A-F15BCA6CB64E}" dt="2022-07-29T07:18:15.970" v="2126" actId="1076"/>
-          <ac:spMkLst>
-            <pc:docMk/>
-            <pc:sldMk cId="2644872656" sldId="263"/>
-            <ac:spMk id="84" creationId="{00000000-0000-0000-0000-000000000000}"/>
-          </ac:spMkLst>
-        </pc:spChg>
-      </pc:sldChg>
-      <pc:sldChg chg="del">
-        <pc:chgData name="Riccardo Berta" userId="c8694f89-bba4-4576-b0a8-456619ca5a8c" providerId="ADAL" clId="{F4AAAA8C-1CB2-214C-996A-F15BCA6CB64E}" dt="2022-07-27T13:43:48.139" v="168" actId="2696"/>
-        <pc:sldMkLst>
-          <pc:docMk/>
-          <pc:sldMk cId="3102138681" sldId="263"/>
-        </pc:sldMkLst>
-      </pc:sldChg>
-      <pc:sldChg chg="modSp add mod">
-        <pc:chgData name="Riccardo Berta" userId="c8694f89-bba4-4576-b0a8-456619ca5a8c" providerId="ADAL" clId="{F4AAAA8C-1CB2-214C-996A-F15BCA6CB64E}" dt="2022-07-28T13:59:43.403" v="1794" actId="20577"/>
-        <pc:sldMkLst>
-          <pc:docMk/>
-          <pc:sldMk cId="1681389695" sldId="264"/>
-        </pc:sldMkLst>
-        <pc:spChg chg="mod">
-          <ac:chgData name="Riccardo Berta" userId="c8694f89-bba4-4576-b0a8-456619ca5a8c" providerId="ADAL" clId="{F4AAAA8C-1CB2-214C-996A-F15BCA6CB64E}" dt="2022-07-28T13:55:27.771" v="1667" actId="20577"/>
-          <ac:spMkLst>
-            <pc:docMk/>
-            <pc:sldMk cId="1681389695" sldId="264"/>
-            <ac:spMk id="83" creationId="{00000000-0000-0000-0000-000000000000}"/>
-          </ac:spMkLst>
-        </pc:spChg>
-        <pc:spChg chg="mod">
-          <ac:chgData name="Riccardo Berta" userId="c8694f89-bba4-4576-b0a8-456619ca5a8c" providerId="ADAL" clId="{F4AAAA8C-1CB2-214C-996A-F15BCA6CB64E}" dt="2022-07-28T13:59:43.403" v="1794" actId="20577"/>
-          <ac:spMkLst>
-            <pc:docMk/>
-            <pc:sldMk cId="1681389695" sldId="264"/>
-            <ac:spMk id="84" creationId="{00000000-0000-0000-0000-000000000000}"/>
-          </ac:spMkLst>
-        </pc:spChg>
-      </pc:sldChg>
-      <pc:sldChg chg="del">
-        <pc:chgData name="Riccardo Berta" userId="c8694f89-bba4-4576-b0a8-456619ca5a8c" providerId="ADAL" clId="{F4AAAA8C-1CB2-214C-996A-F15BCA6CB64E}" dt="2022-07-27T13:43:49.652" v="169" actId="2696"/>
-        <pc:sldMkLst>
-          <pc:docMk/>
-          <pc:sldMk cId="2113557187" sldId="264"/>
-        </pc:sldMkLst>
-      </pc:sldChg>
-      <pc:sldChg chg="del">
-        <pc:chgData name="Riccardo Berta" userId="c8694f89-bba4-4576-b0a8-456619ca5a8c" providerId="ADAL" clId="{F4AAAA8C-1CB2-214C-996A-F15BCA6CB64E}" dt="2022-07-27T13:43:57.658" v="170" actId="2696"/>
-        <pc:sldMkLst>
-          <pc:docMk/>
-          <pc:sldMk cId="2045385232" sldId="265"/>
-        </pc:sldMkLst>
-      </pc:sldChg>
-      <pc:sldChg chg="addSp modSp add mod">
-        <pc:chgData name="Riccardo Berta" userId="c8694f89-bba4-4576-b0a8-456619ca5a8c" providerId="ADAL" clId="{F4AAAA8C-1CB2-214C-996A-F15BCA6CB64E}" dt="2022-07-29T07:15:19.612" v="2059" actId="1037"/>
-        <pc:sldMkLst>
-          <pc:docMk/>
-          <pc:sldMk cId="2862573505" sldId="265"/>
-        </pc:sldMkLst>
-        <pc:spChg chg="mod">
-          <ac:chgData name="Riccardo Berta" userId="c8694f89-bba4-4576-b0a8-456619ca5a8c" providerId="ADAL" clId="{F4AAAA8C-1CB2-214C-996A-F15BCA6CB64E}" dt="2022-07-28T14:01:34.242" v="1824" actId="20577"/>
-          <ac:spMkLst>
-            <pc:docMk/>
-            <pc:sldMk cId="2862573505" sldId="265"/>
-            <ac:spMk id="83" creationId="{00000000-0000-0000-0000-000000000000}"/>
-          </ac:spMkLst>
-        </pc:spChg>
-        <pc:spChg chg="mod">
-          <ac:chgData name="Riccardo Berta" userId="c8694f89-bba4-4576-b0a8-456619ca5a8c" providerId="ADAL" clId="{F4AAAA8C-1CB2-214C-996A-F15BCA6CB64E}" dt="2022-07-29T07:14:51.920" v="2043" actId="1076"/>
-          <ac:spMkLst>
-            <pc:docMk/>
-            <pc:sldMk cId="2862573505" sldId="265"/>
-            <ac:spMk id="84" creationId="{00000000-0000-0000-0000-000000000000}"/>
-          </ac:spMkLst>
-        </pc:spChg>
-        <pc:picChg chg="add mod">
-          <ac:chgData name="Riccardo Berta" userId="c8694f89-bba4-4576-b0a8-456619ca5a8c" providerId="ADAL" clId="{F4AAAA8C-1CB2-214C-996A-F15BCA6CB64E}" dt="2022-07-29T07:14:07.899" v="2027" actId="1076"/>
-          <ac:picMkLst>
-            <pc:docMk/>
-            <pc:sldMk cId="2862573505" sldId="265"/>
-            <ac:picMk id="3" creationId="{E5BCAA50-F768-A24F-D65F-DC7B97A8A06C}"/>
-          </ac:picMkLst>
-        </pc:picChg>
-        <pc:picChg chg="add mod">
-          <ac:chgData name="Riccardo Berta" userId="c8694f89-bba4-4576-b0a8-456619ca5a8c" providerId="ADAL" clId="{F4AAAA8C-1CB2-214C-996A-F15BCA6CB64E}" dt="2022-07-29T07:15:19.612" v="2059" actId="1037"/>
-          <ac:picMkLst>
-            <pc:docMk/>
-            <pc:sldMk cId="2862573505" sldId="265"/>
-            <ac:picMk id="5" creationId="{743A1BA3-6E04-AB8A-9650-4CD776CB6A72}"/>
-          </ac:picMkLst>
-        </pc:picChg>
-        <pc:picChg chg="add mod">
-          <ac:chgData name="Riccardo Berta" userId="c8694f89-bba4-4576-b0a8-456619ca5a8c" providerId="ADAL" clId="{F4AAAA8C-1CB2-214C-996A-F15BCA6CB64E}" dt="2022-07-29T07:15:08.710" v="2051" actId="1037"/>
-          <ac:picMkLst>
-            <pc:docMk/>
-            <pc:sldMk cId="2862573505" sldId="265"/>
-            <ac:picMk id="6" creationId="{9C1ABB64-8085-F0EF-1388-6AF4DB3909BB}"/>
-          </ac:picMkLst>
-        </pc:picChg>
-      </pc:sldChg>
-      <pc:sldChg chg="modSp add mod">
-        <pc:chgData name="Riccardo Berta" userId="c8694f89-bba4-4576-b0a8-456619ca5a8c" providerId="ADAL" clId="{F4AAAA8C-1CB2-214C-996A-F15BCA6CB64E}" dt="2022-07-29T15:42:16.243" v="2364" actId="404"/>
-        <pc:sldMkLst>
-          <pc:docMk/>
-          <pc:sldMk cId="4181844165" sldId="266"/>
-        </pc:sldMkLst>
-        <pc:spChg chg="mod">
-          <ac:chgData name="Riccardo Berta" userId="c8694f89-bba4-4576-b0a8-456619ca5a8c" providerId="ADAL" clId="{F4AAAA8C-1CB2-214C-996A-F15BCA6CB64E}" dt="2022-07-29T07:11:57.611" v="2016"/>
-          <ac:spMkLst>
-            <pc:docMk/>
-            <pc:sldMk cId="4181844165" sldId="266"/>
-            <ac:spMk id="83" creationId="{00000000-0000-0000-0000-000000000000}"/>
-          </ac:spMkLst>
-        </pc:spChg>
-        <pc:spChg chg="mod">
-          <ac:chgData name="Riccardo Berta" userId="c8694f89-bba4-4576-b0a8-456619ca5a8c" providerId="ADAL" clId="{F4AAAA8C-1CB2-214C-996A-F15BCA6CB64E}" dt="2022-07-29T15:42:16.243" v="2364" actId="404"/>
-          <ac:spMkLst>
-            <pc:docMk/>
-            <pc:sldMk cId="4181844165" sldId="266"/>
-            <ac:spMk id="84" creationId="{00000000-0000-0000-0000-000000000000}"/>
-          </ac:spMkLst>
-        </pc:spChg>
-      </pc:sldChg>
-      <pc:sldChg chg="addSp delSp modSp add mod">
-        <pc:chgData name="Riccardo Berta" userId="c8694f89-bba4-4576-b0a8-456619ca5a8c" providerId="ADAL" clId="{F4AAAA8C-1CB2-214C-996A-F15BCA6CB64E}" dt="2022-07-29T16:21:50.628" v="2975" actId="1076"/>
-        <pc:sldMkLst>
-          <pc:docMk/>
-          <pc:sldMk cId="216455838" sldId="267"/>
-        </pc:sldMkLst>
-        <pc:spChg chg="mod">
-          <ac:chgData name="Riccardo Berta" userId="c8694f89-bba4-4576-b0a8-456619ca5a8c" providerId="ADAL" clId="{F4AAAA8C-1CB2-214C-996A-F15BCA6CB64E}" dt="2022-07-29T16:21:40.165" v="2974" actId="20577"/>
-          <ac:spMkLst>
-            <pc:docMk/>
-            <pc:sldMk cId="216455838" sldId="267"/>
-            <ac:spMk id="83" creationId="{00000000-0000-0000-0000-000000000000}"/>
-          </ac:spMkLst>
-        </pc:spChg>
-        <pc:spChg chg="mod">
-          <ac:chgData name="Riccardo Berta" userId="c8694f89-bba4-4576-b0a8-456619ca5a8c" providerId="ADAL" clId="{F4AAAA8C-1CB2-214C-996A-F15BCA6CB64E}" dt="2022-07-29T16:21:04.813" v="2957" actId="20577"/>
-          <ac:spMkLst>
-            <pc:docMk/>
-            <pc:sldMk cId="216455838" sldId="267"/>
-            <ac:spMk id="84" creationId="{00000000-0000-0000-0000-000000000000}"/>
-          </ac:spMkLst>
-        </pc:spChg>
-        <pc:picChg chg="add del">
-          <ac:chgData name="Riccardo Berta" userId="c8694f89-bba4-4576-b0a8-456619ca5a8c" providerId="ADAL" clId="{F4AAAA8C-1CB2-214C-996A-F15BCA6CB64E}" dt="2022-07-29T15:53:24.645" v="2396" actId="478"/>
-          <ac:picMkLst>
-            <pc:docMk/>
-            <pc:sldMk cId="216455838" sldId="267"/>
-            <ac:picMk id="2" creationId="{F4FCEF60-8194-3CD6-BE60-E133D5DF313E}"/>
-          </ac:picMkLst>
-        </pc:picChg>
-        <pc:picChg chg="add mod">
-          <ac:chgData name="Riccardo Berta" userId="c8694f89-bba4-4576-b0a8-456619ca5a8c" providerId="ADAL" clId="{F4AAAA8C-1CB2-214C-996A-F15BCA6CB64E}" dt="2022-07-29T16:21:09.630" v="2958" actId="1076"/>
-          <ac:picMkLst>
-            <pc:docMk/>
-            <pc:sldMk cId="216455838" sldId="267"/>
-            <ac:picMk id="4" creationId="{E6F64BDC-73CD-7216-BA09-69DDCB93F9D4}"/>
-          </ac:picMkLst>
-        </pc:picChg>
-        <pc:picChg chg="add mod">
-          <ac:chgData name="Riccardo Berta" userId="c8694f89-bba4-4576-b0a8-456619ca5a8c" providerId="ADAL" clId="{F4AAAA8C-1CB2-214C-996A-F15BCA6CB64E}" dt="2022-07-29T16:21:50.628" v="2975" actId="1076"/>
-          <ac:picMkLst>
-            <pc:docMk/>
-            <pc:sldMk cId="216455838" sldId="267"/>
-            <ac:picMk id="5" creationId="{3ACC4B13-0F8B-1CAD-68C4-DF5DFDB1BD88}"/>
-          </ac:picMkLst>
-        </pc:picChg>
-      </pc:sldChg>
-      <pc:sldChg chg="modSp add mod">
-        <pc:chgData name="Riccardo Berta" userId="c8694f89-bba4-4576-b0a8-456619ca5a8c" providerId="ADAL" clId="{F4AAAA8C-1CB2-214C-996A-F15BCA6CB64E}" dt="2022-07-29T16:13:07.544" v="2873" actId="20577"/>
-        <pc:sldMkLst>
-          <pc:docMk/>
-          <pc:sldMk cId="925286286" sldId="268"/>
-        </pc:sldMkLst>
-        <pc:spChg chg="mod">
-          <ac:chgData name="Riccardo Berta" userId="c8694f89-bba4-4576-b0a8-456619ca5a8c" providerId="ADAL" clId="{F4AAAA8C-1CB2-214C-996A-F15BCA6CB64E}" dt="2022-07-29T16:00:31.322" v="2504"/>
-          <ac:spMkLst>
-            <pc:docMk/>
-            <pc:sldMk cId="925286286" sldId="268"/>
-            <ac:spMk id="83" creationId="{00000000-0000-0000-0000-000000000000}"/>
-          </ac:spMkLst>
-        </pc:spChg>
-        <pc:spChg chg="mod">
-          <ac:chgData name="Riccardo Berta" userId="c8694f89-bba4-4576-b0a8-456619ca5a8c" providerId="ADAL" clId="{F4AAAA8C-1CB2-214C-996A-F15BCA6CB64E}" dt="2022-07-29T16:13:07.544" v="2873" actId="20577"/>
-          <ac:spMkLst>
-            <pc:docMk/>
-            <pc:sldMk cId="925286286" sldId="268"/>
-            <ac:spMk id="84" creationId="{00000000-0000-0000-0000-000000000000}"/>
-          </ac:spMkLst>
-        </pc:spChg>
-      </pc:sldChg>
-      <pc:sldChg chg="addSp modSp add mod">
-        <pc:chgData name="Riccardo Berta" userId="c8694f89-bba4-4576-b0a8-456619ca5a8c" providerId="ADAL" clId="{F4AAAA8C-1CB2-214C-996A-F15BCA6CB64E}" dt="2022-07-29T16:20:35.039" v="2951" actId="962"/>
-        <pc:sldMkLst>
-          <pc:docMk/>
-          <pc:sldMk cId="3471997037" sldId="269"/>
-        </pc:sldMkLst>
-        <pc:spChg chg="mod">
-          <ac:chgData name="Riccardo Berta" userId="c8694f89-bba4-4576-b0a8-456619ca5a8c" providerId="ADAL" clId="{F4AAAA8C-1CB2-214C-996A-F15BCA6CB64E}" dt="2022-07-29T16:17:02.750" v="2922" actId="20577"/>
-          <ac:spMkLst>
-            <pc:docMk/>
-            <pc:sldMk cId="3471997037" sldId="269"/>
-            <ac:spMk id="83" creationId="{00000000-0000-0000-0000-000000000000}"/>
-          </ac:spMkLst>
-        </pc:spChg>
-        <pc:spChg chg="mod">
-          <ac:chgData name="Riccardo Berta" userId="c8694f89-bba4-4576-b0a8-456619ca5a8c" providerId="ADAL" clId="{F4AAAA8C-1CB2-214C-996A-F15BCA6CB64E}" dt="2022-07-29T16:18:45.638" v="2948" actId="20577"/>
-          <ac:spMkLst>
-            <pc:docMk/>
-            <pc:sldMk cId="3471997037" sldId="269"/>
-            <ac:spMk id="84" creationId="{00000000-0000-0000-0000-000000000000}"/>
-          </ac:spMkLst>
-        </pc:spChg>
-        <pc:picChg chg="add mod">
-          <ac:chgData name="Riccardo Berta" userId="c8694f89-bba4-4576-b0a8-456619ca5a8c" providerId="ADAL" clId="{F4AAAA8C-1CB2-214C-996A-F15BCA6CB64E}" dt="2022-07-29T16:20:35.039" v="2951" actId="962"/>
-          <ac:picMkLst>
-            <pc:docMk/>
-            <pc:sldMk cId="3471997037" sldId="269"/>
-            <ac:picMk id="3" creationId="{471AFF0B-7713-10C4-E8A3-3EDBC8FE0FD9}"/>
-          </ac:picMkLst>
-        </pc:picChg>
-      </pc:sldChg>
-      <pc:sldChg chg="add">
-        <pc:chgData name="Riccardo Berta" userId="c8694f89-bba4-4576-b0a8-456619ca5a8c" providerId="ADAL" clId="{F4AAAA8C-1CB2-214C-996A-F15BCA6CB64E}" dt="2022-07-28T14:01:20.148" v="1808"/>
-        <pc:sldMkLst>
-          <pc:docMk/>
-          <pc:sldMk cId="3130917410" sldId="270"/>
-        </pc:sldMkLst>
-      </pc:sldChg>
-      <pc:sldChg chg="add">
-        <pc:chgData name="Riccardo Berta" userId="c8694f89-bba4-4576-b0a8-456619ca5a8c" providerId="ADAL" clId="{F4AAAA8C-1CB2-214C-996A-F15BCA6CB64E}" dt="2022-07-28T14:01:20.483" v="1809"/>
-        <pc:sldMkLst>
-          <pc:docMk/>
-          <pc:sldMk cId="2266699268" sldId="271"/>
-        </pc:sldMkLst>
-      </pc:sldChg>
-    </pc:docChg>
-  </pc:docChgLst>
-  <pc:docChgLst>
-    <pc:chgData name="Riccardo Berta" userId="c8694f89-bba4-4576-b0a8-456619ca5a8c" providerId="ADAL" clId="{35C5D11B-424E-5B41-A9C4-509DD0A59BFD}"/>
-    <pc:docChg chg="custSel delSld modSld sldOrd">
-      <pc:chgData name="Riccardo Berta" userId="c8694f89-bba4-4576-b0a8-456619ca5a8c" providerId="ADAL" clId="{35C5D11B-424E-5B41-A9C4-509DD0A59BFD}" dt="2022-04-01T12:12:56.906" v="135" actId="20577"/>
-      <pc:docMkLst>
-        <pc:docMk/>
-      </pc:docMkLst>
-      <pc:sldChg chg="modSp">
-        <pc:chgData name="Riccardo Berta" userId="c8694f89-bba4-4576-b0a8-456619ca5a8c" providerId="ADAL" clId="{35C5D11B-424E-5B41-A9C4-509DD0A59BFD}" dt="2022-03-22T07:34:03.014" v="5"/>
-        <pc:sldMkLst>
-          <pc:docMk/>
-          <pc:sldMk cId="0" sldId="257"/>
-        </pc:sldMkLst>
-        <pc:picChg chg="mod">
-          <ac:chgData name="Riccardo Berta" userId="c8694f89-bba4-4576-b0a8-456619ca5a8c" providerId="ADAL" clId="{35C5D11B-424E-5B41-A9C4-509DD0A59BFD}" dt="2022-03-22T07:34:03.014" v="5"/>
-          <ac:picMkLst>
-            <pc:docMk/>
-            <pc:sldMk cId="0" sldId="257"/>
-            <ac:picMk id="85" creationId="{00000000-0000-0000-0000-000000000000}"/>
-          </ac:picMkLst>
-        </pc:picChg>
-      </pc:sldChg>
-      <pc:sldChg chg="modSp">
-        <pc:chgData name="Riccardo Berta" userId="c8694f89-bba4-4576-b0a8-456619ca5a8c" providerId="ADAL" clId="{35C5D11B-424E-5B41-A9C4-509DD0A59BFD}" dt="2022-03-22T07:34:23.187" v="6"/>
-        <pc:sldMkLst>
-          <pc:docMk/>
-          <pc:sldMk cId="1899110855" sldId="258"/>
-        </pc:sldMkLst>
-        <pc:picChg chg="mod">
-          <ac:chgData name="Riccardo Berta" userId="c8694f89-bba4-4576-b0a8-456619ca5a8c" providerId="ADAL" clId="{35C5D11B-424E-5B41-A9C4-509DD0A59BFD}" dt="2022-03-22T07:34:23.187" v="6"/>
-          <ac:picMkLst>
-            <pc:docMk/>
-            <pc:sldMk cId="1899110855" sldId="258"/>
-            <ac:picMk id="92" creationId="{00000000-0000-0000-0000-000000000000}"/>
-          </ac:picMkLst>
-        </pc:picChg>
-      </pc:sldChg>
-      <pc:sldChg chg="modSp">
-        <pc:chgData name="Riccardo Berta" userId="c8694f89-bba4-4576-b0a8-456619ca5a8c" providerId="ADAL" clId="{35C5D11B-424E-5B41-A9C4-509DD0A59BFD}" dt="2022-03-22T07:39:20.191" v="16"/>
-        <pc:sldMkLst>
-          <pc:docMk/>
-          <pc:sldMk cId="3018556184" sldId="259"/>
-        </pc:sldMkLst>
-        <pc:picChg chg="mod">
-          <ac:chgData name="Riccardo Berta" userId="c8694f89-bba4-4576-b0a8-456619ca5a8c" providerId="ADAL" clId="{35C5D11B-424E-5B41-A9C4-509DD0A59BFD}" dt="2022-03-22T07:38:22.524" v="12"/>
-          <ac:picMkLst>
-            <pc:docMk/>
-            <pc:sldMk cId="3018556184" sldId="259"/>
-            <ac:picMk id="99" creationId="{00000000-0000-0000-0000-000000000000}"/>
-          </ac:picMkLst>
-        </pc:picChg>
-        <pc:picChg chg="mod">
-          <ac:chgData name="Riccardo Berta" userId="c8694f89-bba4-4576-b0a8-456619ca5a8c" providerId="ADAL" clId="{35C5D11B-424E-5B41-A9C4-509DD0A59BFD}" dt="2022-03-22T07:38:34.539" v="13"/>
-          <ac:picMkLst>
-            <pc:docMk/>
-            <pc:sldMk cId="3018556184" sldId="259"/>
-            <ac:picMk id="100" creationId="{00000000-0000-0000-0000-000000000000}"/>
-          </ac:picMkLst>
-        </pc:picChg>
-        <pc:picChg chg="mod">
-          <ac:chgData name="Riccardo Berta" userId="c8694f89-bba4-4576-b0a8-456619ca5a8c" providerId="ADAL" clId="{35C5D11B-424E-5B41-A9C4-509DD0A59BFD}" dt="2022-03-22T07:38:47.480" v="14"/>
-          <ac:picMkLst>
-            <pc:docMk/>
-            <pc:sldMk cId="3018556184" sldId="259"/>
-            <ac:picMk id="101" creationId="{00000000-0000-0000-0000-000000000000}"/>
-          </ac:picMkLst>
-        </pc:picChg>
-        <pc:picChg chg="mod">
-          <ac:chgData name="Riccardo Berta" userId="c8694f89-bba4-4576-b0a8-456619ca5a8c" providerId="ADAL" clId="{35C5D11B-424E-5B41-A9C4-509DD0A59BFD}" dt="2022-03-22T07:38:59.538" v="15"/>
-          <ac:picMkLst>
-            <pc:docMk/>
-            <pc:sldMk cId="3018556184" sldId="259"/>
-            <ac:picMk id="102" creationId="{00000000-0000-0000-0000-000000000000}"/>
-          </ac:picMkLst>
-        </pc:picChg>
-        <pc:picChg chg="mod">
-          <ac:chgData name="Riccardo Berta" userId="c8694f89-bba4-4576-b0a8-456619ca5a8c" providerId="ADAL" clId="{35C5D11B-424E-5B41-A9C4-509DD0A59BFD}" dt="2022-03-22T07:39:20.191" v="16"/>
-          <ac:picMkLst>
-            <pc:docMk/>
-            <pc:sldMk cId="3018556184" sldId="259"/>
-            <ac:picMk id="103" creationId="{00000000-0000-0000-0000-000000000000}"/>
-          </ac:picMkLst>
-        </pc:picChg>
-      </pc:sldChg>
-      <pc:sldChg chg="modSp mod">
-        <pc:chgData name="Riccardo Berta" userId="c8694f89-bba4-4576-b0a8-456619ca5a8c" providerId="ADAL" clId="{35C5D11B-424E-5B41-A9C4-509DD0A59BFD}" dt="2022-03-23T07:58:19.601" v="41" actId="20577"/>
-        <pc:sldMkLst>
-          <pc:docMk/>
-          <pc:sldMk cId="1104208334" sldId="260"/>
-        </pc:sldMkLst>
-        <pc:spChg chg="mod">
-          <ac:chgData name="Riccardo Berta" userId="c8694f89-bba4-4576-b0a8-456619ca5a8c" providerId="ADAL" clId="{35C5D11B-424E-5B41-A9C4-509DD0A59BFD}" dt="2022-03-23T07:58:19.601" v="41" actId="20577"/>
-          <ac:spMkLst>
-            <pc:docMk/>
-            <pc:sldMk cId="1104208334" sldId="260"/>
-            <ac:spMk id="109" creationId="{00000000-0000-0000-0000-000000000000}"/>
-          </ac:spMkLst>
-        </pc:spChg>
-        <pc:picChg chg="mod">
-          <ac:chgData name="Riccardo Berta" userId="c8694f89-bba4-4576-b0a8-456619ca5a8c" providerId="ADAL" clId="{35C5D11B-424E-5B41-A9C4-509DD0A59BFD}" dt="2022-03-22T07:40:02.780" v="18"/>
-          <ac:picMkLst>
-            <pc:docMk/>
-            <pc:sldMk cId="1104208334" sldId="260"/>
-            <ac:picMk id="110" creationId="{00000000-0000-0000-0000-000000000000}"/>
-          </ac:picMkLst>
-        </pc:picChg>
-        <pc:picChg chg="mod">
-          <ac:chgData name="Riccardo Berta" userId="c8694f89-bba4-4576-b0a8-456619ca5a8c" providerId="ADAL" clId="{35C5D11B-424E-5B41-A9C4-509DD0A59BFD}" dt="2022-03-22T07:39:46.143" v="17"/>
-          <ac:picMkLst>
-            <pc:docMk/>
-            <pc:sldMk cId="1104208334" sldId="260"/>
-            <ac:picMk id="111" creationId="{00000000-0000-0000-0000-000000000000}"/>
-          </ac:picMkLst>
-        </pc:picChg>
-      </pc:sldChg>
-      <pc:sldChg chg="modSp">
-        <pc:chgData name="Riccardo Berta" userId="c8694f89-bba4-4576-b0a8-456619ca5a8c" providerId="ADAL" clId="{35C5D11B-424E-5B41-A9C4-509DD0A59BFD}" dt="2022-03-22T07:42:45.729" v="19"/>
-        <pc:sldMkLst>
-          <pc:docMk/>
-          <pc:sldMk cId="1290395919" sldId="261"/>
-        </pc:sldMkLst>
-        <pc:picChg chg="mod">
-          <ac:chgData name="Riccardo Berta" userId="c8694f89-bba4-4576-b0a8-456619ca5a8c" providerId="ADAL" clId="{35C5D11B-424E-5B41-A9C4-509DD0A59BFD}" dt="2022-03-22T07:42:45.729" v="19"/>
-          <ac:picMkLst>
-            <pc:docMk/>
-            <pc:sldMk cId="1290395919" sldId="261"/>
-            <ac:picMk id="119" creationId="{00000000-0000-0000-0000-000000000000}"/>
-          </ac:picMkLst>
-        </pc:picChg>
-      </pc:sldChg>
-      <pc:sldChg chg="modSp mod modNotes">
-        <pc:chgData name="Riccardo Berta" userId="c8694f89-bba4-4576-b0a8-456619ca5a8c" providerId="ADAL" clId="{35C5D11B-424E-5B41-A9C4-509DD0A59BFD}" dt="2022-03-25T14:38:53.205" v="88" actId="20577"/>
-        <pc:sldMkLst>
-          <pc:docMk/>
-          <pc:sldMk cId="4130549615" sldId="262"/>
-        </pc:sldMkLst>
-        <pc:spChg chg="mod">
-          <ac:chgData name="Riccardo Berta" userId="c8694f89-bba4-4576-b0a8-456619ca5a8c" providerId="ADAL" clId="{35C5D11B-424E-5B41-A9C4-509DD0A59BFD}" dt="2022-03-25T14:38:53.205" v="88" actId="20577"/>
-          <ac:spMkLst>
-            <pc:docMk/>
-            <pc:sldMk cId="4130549615" sldId="262"/>
-            <ac:spMk id="125" creationId="{00000000-0000-0000-0000-000000000000}"/>
-          </ac:spMkLst>
-        </pc:spChg>
-        <pc:picChg chg="mod">
-          <ac:chgData name="Riccardo Berta" userId="c8694f89-bba4-4576-b0a8-456619ca5a8c" providerId="ADAL" clId="{35C5D11B-424E-5B41-A9C4-509DD0A59BFD}" dt="2022-03-22T07:43:02.767" v="20"/>
-          <ac:picMkLst>
-            <pc:docMk/>
-            <pc:sldMk cId="4130549615" sldId="262"/>
-            <ac:picMk id="126" creationId="{00000000-0000-0000-0000-000000000000}"/>
-          </ac:picMkLst>
-        </pc:picChg>
-      </pc:sldChg>
-      <pc:sldChg chg="modSp">
-        <pc:chgData name="Riccardo Berta" userId="c8694f89-bba4-4576-b0a8-456619ca5a8c" providerId="ADAL" clId="{35C5D11B-424E-5B41-A9C4-509DD0A59BFD}" dt="2022-03-22T07:43:16.691" v="21"/>
-        <pc:sldMkLst>
-          <pc:docMk/>
-          <pc:sldMk cId="3102138681" sldId="263"/>
-        </pc:sldMkLst>
-        <pc:picChg chg="mod">
-          <ac:chgData name="Riccardo Berta" userId="c8694f89-bba4-4576-b0a8-456619ca5a8c" providerId="ADAL" clId="{35C5D11B-424E-5B41-A9C4-509DD0A59BFD}" dt="2022-03-22T07:43:16.691" v="21"/>
-          <ac:picMkLst>
-            <pc:docMk/>
-            <pc:sldMk cId="3102138681" sldId="263"/>
-            <ac:picMk id="133" creationId="{00000000-0000-0000-0000-000000000000}"/>
-          </ac:picMkLst>
-        </pc:picChg>
-      </pc:sldChg>
-      <pc:sldChg chg="modSp mod">
-        <pc:chgData name="Riccardo Berta" userId="c8694f89-bba4-4576-b0a8-456619ca5a8c" providerId="ADAL" clId="{35C5D11B-424E-5B41-A9C4-509DD0A59BFD}" dt="2022-03-25T15:16:54.434" v="126" actId="20577"/>
-        <pc:sldMkLst>
-          <pc:docMk/>
-          <pc:sldMk cId="2113557187" sldId="264"/>
-        </pc:sldMkLst>
-        <pc:spChg chg="mod">
-          <ac:chgData name="Riccardo Berta" userId="c8694f89-bba4-4576-b0a8-456619ca5a8c" providerId="ADAL" clId="{35C5D11B-424E-5B41-A9C4-509DD0A59BFD}" dt="2022-03-25T15:16:54.434" v="126" actId="20577"/>
-          <ac:spMkLst>
-            <pc:docMk/>
-            <pc:sldMk cId="2113557187" sldId="264"/>
-            <ac:spMk id="139" creationId="{00000000-0000-0000-0000-000000000000}"/>
-          </ac:spMkLst>
-        </pc:spChg>
-        <pc:picChg chg="mod">
-          <ac:chgData name="Riccardo Berta" userId="c8694f89-bba4-4576-b0a8-456619ca5a8c" providerId="ADAL" clId="{35C5D11B-424E-5B41-A9C4-509DD0A59BFD}" dt="2022-03-22T07:43:33.267" v="22"/>
-          <ac:picMkLst>
-            <pc:docMk/>
-            <pc:sldMk cId="2113557187" sldId="264"/>
-            <ac:picMk id="141" creationId="{00000000-0000-0000-0000-000000000000}"/>
-          </ac:picMkLst>
-        </pc:picChg>
-        <pc:picChg chg="mod">
-          <ac:chgData name="Riccardo Berta" userId="c8694f89-bba4-4576-b0a8-456619ca5a8c" providerId="ADAL" clId="{35C5D11B-424E-5B41-A9C4-509DD0A59BFD}" dt="2022-03-22T07:43:50.362" v="23"/>
-          <ac:picMkLst>
-            <pc:docMk/>
-            <pc:sldMk cId="2113557187" sldId="264"/>
-            <ac:picMk id="142" creationId="{00000000-0000-0000-0000-000000000000}"/>
-          </ac:picMkLst>
-        </pc:picChg>
-      </pc:sldChg>
-      <pc:sldChg chg="modSp">
-        <pc:chgData name="Riccardo Berta" userId="c8694f89-bba4-4576-b0a8-456619ca5a8c" providerId="ADAL" clId="{35C5D11B-424E-5B41-A9C4-509DD0A59BFD}" dt="2022-03-22T07:44:03.240" v="24"/>
-        <pc:sldMkLst>
-          <pc:docMk/>
-          <pc:sldMk cId="2045385232" sldId="265"/>
-        </pc:sldMkLst>
-        <pc:picChg chg="mod">
-          <ac:chgData name="Riccardo Berta" userId="c8694f89-bba4-4576-b0a8-456619ca5a8c" providerId="ADAL" clId="{35C5D11B-424E-5B41-A9C4-509DD0A59BFD}" dt="2022-03-22T07:44:03.240" v="24"/>
-          <ac:picMkLst>
-            <pc:docMk/>
-            <pc:sldMk cId="2045385232" sldId="265"/>
-            <ac:picMk id="149" creationId="{00000000-0000-0000-0000-000000000000}"/>
-          </ac:picMkLst>
-        </pc:picChg>
-      </pc:sldChg>
-      <pc:sldChg chg="modSp">
-        <pc:chgData name="Riccardo Berta" userId="c8694f89-bba4-4576-b0a8-456619ca5a8c" providerId="ADAL" clId="{35C5D11B-424E-5B41-A9C4-509DD0A59BFD}" dt="2022-03-22T07:44:22.734" v="25"/>
-        <pc:sldMkLst>
-          <pc:docMk/>
-          <pc:sldMk cId="4181844165" sldId="266"/>
-        </pc:sldMkLst>
-        <pc:picChg chg="mod">
-          <ac:chgData name="Riccardo Berta" userId="c8694f89-bba4-4576-b0a8-456619ca5a8c" providerId="ADAL" clId="{35C5D11B-424E-5B41-A9C4-509DD0A59BFD}" dt="2022-03-22T07:44:22.734" v="25"/>
-          <ac:picMkLst>
-            <pc:docMk/>
-            <pc:sldMk cId="4181844165" sldId="266"/>
-            <ac:picMk id="156" creationId="{00000000-0000-0000-0000-000000000000}"/>
-          </ac:picMkLst>
-        </pc:picChg>
-      </pc:sldChg>
-      <pc:sldChg chg="modSp mod">
-        <pc:chgData name="Riccardo Berta" userId="c8694f89-bba4-4576-b0a8-456619ca5a8c" providerId="ADAL" clId="{35C5D11B-424E-5B41-A9C4-509DD0A59BFD}" dt="2022-04-01T12:12:56.906" v="135" actId="20577"/>
-        <pc:sldMkLst>
-          <pc:docMk/>
-          <pc:sldMk cId="216455838" sldId="267"/>
-        </pc:sldMkLst>
-        <pc:spChg chg="mod">
-          <ac:chgData name="Riccardo Berta" userId="c8694f89-bba4-4576-b0a8-456619ca5a8c" providerId="ADAL" clId="{35C5D11B-424E-5B41-A9C4-509DD0A59BFD}" dt="2022-04-01T12:12:56.906" v="135" actId="20577"/>
-          <ac:spMkLst>
-            <pc:docMk/>
-            <pc:sldMk cId="216455838" sldId="267"/>
-            <ac:spMk id="162" creationId="{00000000-0000-0000-0000-000000000000}"/>
-          </ac:spMkLst>
-        </pc:spChg>
-        <pc:picChg chg="mod">
-          <ac:chgData name="Riccardo Berta" userId="c8694f89-bba4-4576-b0a8-456619ca5a8c" providerId="ADAL" clId="{35C5D11B-424E-5B41-A9C4-509DD0A59BFD}" dt="2022-03-22T07:44:34.392" v="26"/>
-          <ac:picMkLst>
-            <pc:docMk/>
-            <pc:sldMk cId="216455838" sldId="267"/>
-            <ac:picMk id="163" creationId="{00000000-0000-0000-0000-000000000000}"/>
-          </ac:picMkLst>
-        </pc:picChg>
-      </pc:sldChg>
-      <pc:sldChg chg="del">
-        <pc:chgData name="Riccardo Berta" userId="c8694f89-bba4-4576-b0a8-456619ca5a8c" providerId="ADAL" clId="{35C5D11B-424E-5B41-A9C4-509DD0A59BFD}" dt="2022-03-22T07:29:13.529" v="3" actId="2696"/>
-        <pc:sldMkLst>
-          <pc:docMk/>
-          <pc:sldMk cId="925286286" sldId="268"/>
-        </pc:sldMkLst>
-      </pc:sldChg>
-      <pc:sldChg chg="modSp">
-        <pc:chgData name="Riccardo Berta" userId="c8694f89-bba4-4576-b0a8-456619ca5a8c" providerId="ADAL" clId="{35C5D11B-424E-5B41-A9C4-509DD0A59BFD}" dt="2022-03-22T07:44:59.403" v="28"/>
-        <pc:sldMkLst>
-          <pc:docMk/>
-          <pc:sldMk cId="3471997037" sldId="269"/>
-        </pc:sldMkLst>
-        <pc:picChg chg="mod">
-          <ac:chgData name="Riccardo Berta" userId="c8694f89-bba4-4576-b0a8-456619ca5a8c" providerId="ADAL" clId="{35C5D11B-424E-5B41-A9C4-509DD0A59BFD}" dt="2022-03-22T07:44:47.754" v="27"/>
-          <ac:picMkLst>
-            <pc:docMk/>
-            <pc:sldMk cId="3471997037" sldId="269"/>
-            <ac:picMk id="176" creationId="{00000000-0000-0000-0000-000000000000}"/>
-          </ac:picMkLst>
-        </pc:picChg>
-        <pc:picChg chg="mod">
-          <ac:chgData name="Riccardo Berta" userId="c8694f89-bba4-4576-b0a8-456619ca5a8c" providerId="ADAL" clId="{35C5D11B-424E-5B41-A9C4-509DD0A59BFD}" dt="2022-03-22T07:44:59.403" v="28"/>
-          <ac:picMkLst>
-            <pc:docMk/>
-            <pc:sldMk cId="3471997037" sldId="269"/>
-            <ac:picMk id="177" creationId="{00000000-0000-0000-0000-000000000000}"/>
-          </ac:picMkLst>
-        </pc:picChg>
-      </pc:sldChg>
-      <pc:sldChg chg="modSp mod">
-        <pc:chgData name="Riccardo Berta" userId="c8694f89-bba4-4576-b0a8-456619ca5a8c" providerId="ADAL" clId="{35C5D11B-424E-5B41-A9C4-509DD0A59BFD}" dt="2022-03-22T07:47:03.443" v="33"/>
-        <pc:sldMkLst>
-          <pc:docMk/>
-          <pc:sldMk cId="3130917410" sldId="270"/>
-        </pc:sldMkLst>
-        <pc:picChg chg="mod">
-          <ac:chgData name="Riccardo Berta" userId="c8694f89-bba4-4576-b0a8-456619ca5a8c" providerId="ADAL" clId="{35C5D11B-424E-5B41-A9C4-509DD0A59BFD}" dt="2022-03-22T07:46:52.226" v="32"/>
-          <ac:picMkLst>
-            <pc:docMk/>
-            <pc:sldMk cId="3130917410" sldId="270"/>
-            <ac:picMk id="184" creationId="{00000000-0000-0000-0000-000000000000}"/>
-          </ac:picMkLst>
-        </pc:picChg>
-        <pc:picChg chg="mod">
-          <ac:chgData name="Riccardo Berta" userId="c8694f89-bba4-4576-b0a8-456619ca5a8c" providerId="ADAL" clId="{35C5D11B-424E-5B41-A9C4-509DD0A59BFD}" dt="2022-03-22T07:47:03.443" v="33"/>
-          <ac:picMkLst>
-            <pc:docMk/>
-            <pc:sldMk cId="3130917410" sldId="270"/>
-            <ac:picMk id="185" creationId="{00000000-0000-0000-0000-000000000000}"/>
-          </ac:picMkLst>
-        </pc:picChg>
-      </pc:sldChg>
-      <pc:sldChg chg="modSp mod">
-        <pc:chgData name="Riccardo Berta" userId="c8694f89-bba4-4576-b0a8-456619ca5a8c" providerId="ADAL" clId="{35C5D11B-424E-5B41-A9C4-509DD0A59BFD}" dt="2022-03-22T07:47:51.976" v="38"/>
-        <pc:sldMkLst>
-          <pc:docMk/>
-          <pc:sldMk cId="2266699268" sldId="271"/>
-        </pc:sldMkLst>
-        <pc:picChg chg="mod">
-          <ac:chgData name="Riccardo Berta" userId="c8694f89-bba4-4576-b0a8-456619ca5a8c" providerId="ADAL" clId="{35C5D11B-424E-5B41-A9C4-509DD0A59BFD}" dt="2022-03-22T07:47:14.728" v="34"/>
-          <ac:picMkLst>
-            <pc:docMk/>
-            <pc:sldMk cId="2266699268" sldId="271"/>
-            <ac:picMk id="193" creationId="{00000000-0000-0000-0000-000000000000}"/>
-          </ac:picMkLst>
-        </pc:picChg>
-        <pc:picChg chg="mod">
-          <ac:chgData name="Riccardo Berta" userId="c8694f89-bba4-4576-b0a8-456619ca5a8c" providerId="ADAL" clId="{35C5D11B-424E-5B41-A9C4-509DD0A59BFD}" dt="2022-03-22T07:47:31.485" v="36"/>
-          <ac:picMkLst>
-            <pc:docMk/>
-            <pc:sldMk cId="2266699268" sldId="271"/>
-            <ac:picMk id="194" creationId="{00000000-0000-0000-0000-000000000000}"/>
-          </ac:picMkLst>
-        </pc:picChg>
-        <pc:picChg chg="mod">
-          <ac:chgData name="Riccardo Berta" userId="c8694f89-bba4-4576-b0a8-456619ca5a8c" providerId="ADAL" clId="{35C5D11B-424E-5B41-A9C4-509DD0A59BFD}" dt="2022-03-22T07:47:51.976" v="38"/>
-          <ac:picMkLst>
-            <pc:docMk/>
-            <pc:sldMk cId="2266699268" sldId="271"/>
-            <ac:picMk id="195" creationId="{00000000-0000-0000-0000-000000000000}"/>
-          </ac:picMkLst>
-        </pc:picChg>
-      </pc:sldChg>
-      <pc:sldChg chg="modSp mod ord">
-        <pc:chgData name="Riccardo Berta" userId="c8694f89-bba4-4576-b0a8-456619ca5a8c" providerId="ADAL" clId="{35C5D11B-424E-5B41-A9C4-509DD0A59BFD}" dt="2022-03-22T07:29:04.952" v="2"/>
-        <pc:sldMkLst>
-          <pc:docMk/>
-          <pc:sldMk cId="993270251" sldId="272"/>
-        </pc:sldMkLst>
-        <pc:spChg chg="mod">
-          <ac:chgData name="Riccardo Berta" userId="c8694f89-bba4-4576-b0a8-456619ca5a8c" providerId="ADAL" clId="{35C5D11B-424E-5B41-A9C4-509DD0A59BFD}" dt="2022-03-22T07:29:04.952" v="2"/>
-          <ac:spMkLst>
-            <pc:docMk/>
-            <pc:sldMk cId="993270251" sldId="272"/>
-            <ac:spMk id="201" creationId="{00000000-0000-0000-0000-000000000000}"/>
-          </ac:spMkLst>
-        </pc:spChg>
-      </pc:sldChg>
-      <pc:sldChg chg="modSp">
-        <pc:chgData name="Riccardo Berta" userId="c8694f89-bba4-4576-b0a8-456619ca5a8c" providerId="ADAL" clId="{35C5D11B-424E-5B41-A9C4-509DD0A59BFD}" dt="2022-03-22T07:48:04.230" v="39"/>
-        <pc:sldMkLst>
-          <pc:docMk/>
-          <pc:sldMk cId="0" sldId="273"/>
-        </pc:sldMkLst>
-        <pc:picChg chg="mod">
-          <ac:chgData name="Riccardo Berta" userId="c8694f89-bba4-4576-b0a8-456619ca5a8c" providerId="ADAL" clId="{35C5D11B-424E-5B41-A9C4-509DD0A59BFD}" dt="2022-03-22T07:48:04.230" v="39"/>
-          <ac:picMkLst>
-            <pc:docMk/>
-            <pc:sldMk cId="0" sldId="273"/>
-            <ac:picMk id="210" creationId="{00000000-0000-0000-0000-000000000000}"/>
-          </ac:picMkLst>
-        </pc:picChg>
-      </pc:sldChg>
-      <pc:sldChg chg="modSp">
-        <pc:chgData name="Riccardo Berta" userId="c8694f89-bba4-4576-b0a8-456619ca5a8c" providerId="ADAL" clId="{35C5D11B-424E-5B41-A9C4-509DD0A59BFD}" dt="2022-03-22T07:48:21.111" v="40"/>
+        <pc:chgData name="Riccardo Berta" userId="c8694f89-bba4-4576-b0a8-456619ca5a8c" providerId="ADAL" clId="{3943615B-4CB7-FC4C-9DE8-9CC727992EE4}" dt="2022-08-26T11:00:53.093" v="42"/>
         <pc:sldMkLst>
           <pc:docMk/>
           <pc:sldMk cId="97697531" sldId="275"/>
         </pc:sldMkLst>
-        <pc:picChg chg="mod">
-          <ac:chgData name="Riccardo Berta" userId="c8694f89-bba4-4576-b0a8-456619ca5a8c" providerId="ADAL" clId="{35C5D11B-424E-5B41-A9C4-509DD0A59BFD}" dt="2022-03-22T07:48:21.111" v="40"/>
-          <ac:picMkLst>
-            <pc:docMk/>
-            <pc:sldMk cId="97697531" sldId="275"/>
-            <ac:picMk id="224" creationId="{00000000-0000-0000-0000-000000000000}"/>
-          </ac:picMkLst>
-        </pc:picChg>
+      </pc:sldChg>
+      <pc:sldChg chg="addSp delSp modSp add mod">
+        <pc:chgData name="Riccardo Berta" userId="c8694f89-bba4-4576-b0a8-456619ca5a8c" providerId="ADAL" clId="{3943615B-4CB7-FC4C-9DE8-9CC727992EE4}" dt="2022-08-26T11:03:05.514" v="74"/>
+        <pc:sldMkLst>
+          <pc:docMk/>
+          <pc:sldMk cId="1388305878" sldId="276"/>
+        </pc:sldMkLst>
+      </pc:sldChg>
+      <pc:sldChg chg="addSp delSp modSp add mod">
+        <pc:chgData name="Riccardo Berta" userId="c8694f89-bba4-4576-b0a8-456619ca5a8c" providerId="ADAL" clId="{3943615B-4CB7-FC4C-9DE8-9CC727992EE4}" dt="2022-08-26T11:06:03.382" v="133" actId="1076"/>
+        <pc:sldMkLst>
+          <pc:docMk/>
+          <pc:sldMk cId="3188504337" sldId="277"/>
+        </pc:sldMkLst>
       </pc:sldChg>
     </pc:docChg>
   </pc:docChgLst>
@@ -2796,7 +2107,7 @@
     </p:spTree>
     <p:extLst>
       <p:ext uri="{BB962C8B-B14F-4D97-AF65-F5344CB8AC3E}">
-        <p14:creationId xmlns:p14="http://schemas.microsoft.com/office/powerpoint/2010/main" val="3897382348"/>
+        <p14:creationId xmlns:p14="http://schemas.microsoft.com/office/powerpoint/2010/main" val="2153832872"/>
       </p:ext>
     </p:extLst>
   </p:cSld>
@@ -2905,7 +2216,7 @@
     </p:spTree>
     <p:extLst>
       <p:ext uri="{BB962C8B-B14F-4D97-AF65-F5344CB8AC3E}">
-        <p14:creationId xmlns:p14="http://schemas.microsoft.com/office/powerpoint/2010/main" val="2153832872"/>
+        <p14:creationId xmlns:p14="http://schemas.microsoft.com/office/powerpoint/2010/main" val="3897382348"/>
       </p:ext>
     </p:extLst>
   </p:cSld>
@@ -3242,333 +2553,6 @@
 </p:notes>
 </file>
 
-<file path=ppt/notesSlides/notesSlide16.xml><?xml version="1.0" encoding="utf-8"?>
-<p:notes xmlns:a="http://schemas.openxmlformats.org/drawingml/2006/main" xmlns:r="http://schemas.openxmlformats.org/officeDocument/2006/relationships" xmlns:p="http://schemas.openxmlformats.org/presentationml/2006/main" showMasterSp="0" showMasterPhAnim="0">
-  <p:cSld>
-    <p:spTree>
-      <p:nvGrpSpPr>
-        <p:cNvPr id="1" name="Shape 79"/>
-        <p:cNvGrpSpPr/>
-        <p:nvPr/>
-      </p:nvGrpSpPr>
-      <p:grpSpPr>
-        <a:xfrm>
-          <a:off x="0" y="0"/>
-          <a:ext cx="0" cy="0"/>
-          <a:chOff x="0" y="0"/>
-          <a:chExt cx="0" cy="0"/>
-        </a:xfrm>
-      </p:grpSpPr>
-      <p:sp>
-        <p:nvSpPr>
-          <p:cNvPr id="80" name="Google Shape;80;geed6aedbf_0_0:notes"/>
-          <p:cNvSpPr>
-            <a:spLocks noGrp="1" noRot="1" noChangeAspect="1"/>
-          </p:cNvSpPr>
-          <p:nvPr>
-            <p:ph type="sldImg" idx="2"/>
-          </p:nvPr>
-        </p:nvSpPr>
-        <p:spPr>
-          <a:xfrm>
-            <a:off x="1143000" y="685800"/>
-            <a:ext cx="4572000" cy="3429000"/>
-          </a:xfrm>
-          <a:custGeom>
-            <a:avLst/>
-            <a:gdLst/>
-            <a:ahLst/>
-            <a:cxnLst/>
-            <a:rect l="l" t="t" r="r" b="b"/>
-            <a:pathLst>
-              <a:path w="120000" h="120000" extrusionOk="0">
-                <a:moveTo>
-                  <a:pt x="0" y="0"/>
-                </a:moveTo>
-                <a:lnTo>
-                  <a:pt x="120000" y="0"/>
-                </a:lnTo>
-                <a:lnTo>
-                  <a:pt x="120000" y="120000"/>
-                </a:lnTo>
-                <a:lnTo>
-                  <a:pt x="0" y="120000"/>
-                </a:lnTo>
-                <a:close/>
-              </a:path>
-            </a:pathLst>
-          </a:custGeom>
-        </p:spPr>
-      </p:sp>
-      <p:sp>
-        <p:nvSpPr>
-          <p:cNvPr id="81" name="Google Shape;81;geed6aedbf_0_0:notes"/>
-          <p:cNvSpPr txBox="1">
-            <a:spLocks noGrp="1"/>
-          </p:cNvSpPr>
-          <p:nvPr>
-            <p:ph type="body" idx="1"/>
-          </p:nvPr>
-        </p:nvSpPr>
-        <p:spPr>
-          <a:xfrm>
-            <a:off x="685800" y="4343400"/>
-            <a:ext cx="5486400" cy="4114800"/>
-          </a:xfrm>
-          <a:prstGeom prst="rect">
-            <a:avLst/>
-          </a:prstGeom>
-        </p:spPr>
-        <p:txBody>
-          <a:bodyPr spcFirstLastPara="1" wrap="square" lIns="91425" tIns="91425" rIns="91425" bIns="91425" anchor="t" anchorCtr="0">
-            <a:noAutofit/>
-          </a:bodyPr>
-          <a:lstStyle/>
-          <a:p>
-            <a:pPr marL="0" lvl="0" indent="0" algn="l" rtl="0">
-              <a:spcBef>
-                <a:spcPts val="0"/>
-              </a:spcBef>
-              <a:spcAft>
-                <a:spcPts val="0"/>
-              </a:spcAft>
-              <a:buNone/>
-            </a:pPr>
-            <a:endParaRPr/>
-          </a:p>
-        </p:txBody>
-      </p:sp>
-    </p:spTree>
-    <p:extLst>
-      <p:ext uri="{BB962C8B-B14F-4D97-AF65-F5344CB8AC3E}">
-        <p14:creationId xmlns:p14="http://schemas.microsoft.com/office/powerpoint/2010/main" val="4273786252"/>
-      </p:ext>
-    </p:extLst>
-  </p:cSld>
-  <p:clrMapOvr>
-    <a:masterClrMapping/>
-  </p:clrMapOvr>
-</p:notes>
-</file>
-
-<file path=ppt/notesSlides/notesSlide17.xml><?xml version="1.0" encoding="utf-8"?>
-<p:notes xmlns:a="http://schemas.openxmlformats.org/drawingml/2006/main" xmlns:r="http://schemas.openxmlformats.org/officeDocument/2006/relationships" xmlns:p="http://schemas.openxmlformats.org/presentationml/2006/main" showMasterSp="0" showMasterPhAnim="0">
-  <p:cSld>
-    <p:spTree>
-      <p:nvGrpSpPr>
-        <p:cNvPr id="1" name="Shape 79"/>
-        <p:cNvGrpSpPr/>
-        <p:nvPr/>
-      </p:nvGrpSpPr>
-      <p:grpSpPr>
-        <a:xfrm>
-          <a:off x="0" y="0"/>
-          <a:ext cx="0" cy="0"/>
-          <a:chOff x="0" y="0"/>
-          <a:chExt cx="0" cy="0"/>
-        </a:xfrm>
-      </p:grpSpPr>
-      <p:sp>
-        <p:nvSpPr>
-          <p:cNvPr id="80" name="Google Shape;80;geed6aedbf_0_0:notes"/>
-          <p:cNvSpPr>
-            <a:spLocks noGrp="1" noRot="1" noChangeAspect="1"/>
-          </p:cNvSpPr>
-          <p:nvPr>
-            <p:ph type="sldImg" idx="2"/>
-          </p:nvPr>
-        </p:nvSpPr>
-        <p:spPr>
-          <a:xfrm>
-            <a:off x="1143000" y="685800"/>
-            <a:ext cx="4572000" cy="3429000"/>
-          </a:xfrm>
-          <a:custGeom>
-            <a:avLst/>
-            <a:gdLst/>
-            <a:ahLst/>
-            <a:cxnLst/>
-            <a:rect l="l" t="t" r="r" b="b"/>
-            <a:pathLst>
-              <a:path w="120000" h="120000" extrusionOk="0">
-                <a:moveTo>
-                  <a:pt x="0" y="0"/>
-                </a:moveTo>
-                <a:lnTo>
-                  <a:pt x="120000" y="0"/>
-                </a:lnTo>
-                <a:lnTo>
-                  <a:pt x="120000" y="120000"/>
-                </a:lnTo>
-                <a:lnTo>
-                  <a:pt x="0" y="120000"/>
-                </a:lnTo>
-                <a:close/>
-              </a:path>
-            </a:pathLst>
-          </a:custGeom>
-        </p:spPr>
-      </p:sp>
-      <p:sp>
-        <p:nvSpPr>
-          <p:cNvPr id="81" name="Google Shape;81;geed6aedbf_0_0:notes"/>
-          <p:cNvSpPr txBox="1">
-            <a:spLocks noGrp="1"/>
-          </p:cNvSpPr>
-          <p:nvPr>
-            <p:ph type="body" idx="1"/>
-          </p:nvPr>
-        </p:nvSpPr>
-        <p:spPr>
-          <a:xfrm>
-            <a:off x="685800" y="4343400"/>
-            <a:ext cx="5486400" cy="4114800"/>
-          </a:xfrm>
-          <a:prstGeom prst="rect">
-            <a:avLst/>
-          </a:prstGeom>
-        </p:spPr>
-        <p:txBody>
-          <a:bodyPr spcFirstLastPara="1" wrap="square" lIns="91425" tIns="91425" rIns="91425" bIns="91425" anchor="t" anchorCtr="0">
-            <a:noAutofit/>
-          </a:bodyPr>
-          <a:lstStyle/>
-          <a:p>
-            <a:pPr marL="0" lvl="0" indent="0" algn="l" rtl="0">
-              <a:spcBef>
-                <a:spcPts val="0"/>
-              </a:spcBef>
-              <a:spcAft>
-                <a:spcPts val="0"/>
-              </a:spcAft>
-              <a:buNone/>
-            </a:pPr>
-            <a:endParaRPr/>
-          </a:p>
-        </p:txBody>
-      </p:sp>
-    </p:spTree>
-    <p:extLst>
-      <p:ext uri="{BB962C8B-B14F-4D97-AF65-F5344CB8AC3E}">
-        <p14:creationId xmlns:p14="http://schemas.microsoft.com/office/powerpoint/2010/main" val="571397206"/>
-      </p:ext>
-    </p:extLst>
-  </p:cSld>
-  <p:clrMapOvr>
-    <a:masterClrMapping/>
-  </p:clrMapOvr>
-</p:notes>
-</file>
-
-<file path=ppt/notesSlides/notesSlide18.xml><?xml version="1.0" encoding="utf-8"?>
-<p:notes xmlns:a="http://schemas.openxmlformats.org/drawingml/2006/main" xmlns:r="http://schemas.openxmlformats.org/officeDocument/2006/relationships" xmlns:p="http://schemas.openxmlformats.org/presentationml/2006/main" showMasterSp="0" showMasterPhAnim="0">
-  <p:cSld>
-    <p:spTree>
-      <p:nvGrpSpPr>
-        <p:cNvPr id="1" name="Shape 79"/>
-        <p:cNvGrpSpPr/>
-        <p:nvPr/>
-      </p:nvGrpSpPr>
-      <p:grpSpPr>
-        <a:xfrm>
-          <a:off x="0" y="0"/>
-          <a:ext cx="0" cy="0"/>
-          <a:chOff x="0" y="0"/>
-          <a:chExt cx="0" cy="0"/>
-        </a:xfrm>
-      </p:grpSpPr>
-      <p:sp>
-        <p:nvSpPr>
-          <p:cNvPr id="80" name="Google Shape;80;geed6aedbf_0_0:notes"/>
-          <p:cNvSpPr>
-            <a:spLocks noGrp="1" noRot="1" noChangeAspect="1"/>
-          </p:cNvSpPr>
-          <p:nvPr>
-            <p:ph type="sldImg" idx="2"/>
-          </p:nvPr>
-        </p:nvSpPr>
-        <p:spPr>
-          <a:xfrm>
-            <a:off x="1143000" y="685800"/>
-            <a:ext cx="4572000" cy="3429000"/>
-          </a:xfrm>
-          <a:custGeom>
-            <a:avLst/>
-            <a:gdLst/>
-            <a:ahLst/>
-            <a:cxnLst/>
-            <a:rect l="l" t="t" r="r" b="b"/>
-            <a:pathLst>
-              <a:path w="120000" h="120000" extrusionOk="0">
-                <a:moveTo>
-                  <a:pt x="0" y="0"/>
-                </a:moveTo>
-                <a:lnTo>
-                  <a:pt x="120000" y="0"/>
-                </a:lnTo>
-                <a:lnTo>
-                  <a:pt x="120000" y="120000"/>
-                </a:lnTo>
-                <a:lnTo>
-                  <a:pt x="0" y="120000"/>
-                </a:lnTo>
-                <a:close/>
-              </a:path>
-            </a:pathLst>
-          </a:custGeom>
-        </p:spPr>
-      </p:sp>
-      <p:sp>
-        <p:nvSpPr>
-          <p:cNvPr id="81" name="Google Shape;81;geed6aedbf_0_0:notes"/>
-          <p:cNvSpPr txBox="1">
-            <a:spLocks noGrp="1"/>
-          </p:cNvSpPr>
-          <p:nvPr>
-            <p:ph type="body" idx="1"/>
-          </p:nvPr>
-        </p:nvSpPr>
-        <p:spPr>
-          <a:xfrm>
-            <a:off x="685800" y="4343400"/>
-            <a:ext cx="5486400" cy="4114800"/>
-          </a:xfrm>
-          <a:prstGeom prst="rect">
-            <a:avLst/>
-          </a:prstGeom>
-        </p:spPr>
-        <p:txBody>
-          <a:bodyPr spcFirstLastPara="1" wrap="square" lIns="91425" tIns="91425" rIns="91425" bIns="91425" anchor="t" anchorCtr="0">
-            <a:noAutofit/>
-          </a:bodyPr>
-          <a:lstStyle/>
-          <a:p>
-            <a:pPr marL="0" lvl="0" indent="0" algn="l" rtl="0">
-              <a:spcBef>
-                <a:spcPts val="0"/>
-              </a:spcBef>
-              <a:spcAft>
-                <a:spcPts val="0"/>
-              </a:spcAft>
-              <a:buNone/>
-            </a:pPr>
-            <a:endParaRPr/>
-          </a:p>
-        </p:txBody>
-      </p:sp>
-    </p:spTree>
-    <p:extLst>
-      <p:ext uri="{BB962C8B-B14F-4D97-AF65-F5344CB8AC3E}">
-        <p14:creationId xmlns:p14="http://schemas.microsoft.com/office/powerpoint/2010/main" val="121652126"/>
-      </p:ext>
-    </p:extLst>
-  </p:cSld>
-  <p:clrMapOvr>
-    <a:masterClrMapping/>
-  </p:clrMapOvr>
-</p:notes>
-</file>
-
 <file path=ppt/notesSlides/notesSlide2.xml><?xml version="1.0" encoding="utf-8"?>
 <p:notes xmlns:a="http://schemas.openxmlformats.org/drawingml/2006/main" xmlns:r="http://schemas.openxmlformats.org/officeDocument/2006/relationships" xmlns:p="http://schemas.openxmlformats.org/presentationml/2006/main" showMasterSp="0" showMasterPhAnim="0">
   <p:cSld>
@@ -3983,7 +2967,7 @@
               </a:spcAft>
               <a:buNone/>
             </a:pPr>
-            <a:endParaRPr/>
+            <a:endParaRPr dirty="0"/>
           </a:p>
         </p:txBody>
       </p:sp>
@@ -4110,6 +3094,115 @@
 </file>
 
 <file path=ppt/notesSlides/notesSlide7.xml><?xml version="1.0" encoding="utf-8"?>
+<p:notes xmlns:a="http://schemas.openxmlformats.org/drawingml/2006/main" xmlns:r="http://schemas.openxmlformats.org/officeDocument/2006/relationships" xmlns:p="http://schemas.openxmlformats.org/presentationml/2006/main" showMasterSp="0" showMasterPhAnim="0">
+  <p:cSld>
+    <p:spTree>
+      <p:nvGrpSpPr>
+        <p:cNvPr id="1" name="Shape 79"/>
+        <p:cNvGrpSpPr/>
+        <p:nvPr/>
+      </p:nvGrpSpPr>
+      <p:grpSpPr>
+        <a:xfrm>
+          <a:off x="0" y="0"/>
+          <a:ext cx="0" cy="0"/>
+          <a:chOff x="0" y="0"/>
+          <a:chExt cx="0" cy="0"/>
+        </a:xfrm>
+      </p:grpSpPr>
+      <p:sp>
+        <p:nvSpPr>
+          <p:cNvPr id="80" name="Google Shape;80;geed6aedbf_0_0:notes"/>
+          <p:cNvSpPr>
+            <a:spLocks noGrp="1" noRot="1" noChangeAspect="1"/>
+          </p:cNvSpPr>
+          <p:nvPr>
+            <p:ph type="sldImg" idx="2"/>
+          </p:nvPr>
+        </p:nvSpPr>
+        <p:spPr>
+          <a:xfrm>
+            <a:off x="1143000" y="685800"/>
+            <a:ext cx="4572000" cy="3429000"/>
+          </a:xfrm>
+          <a:custGeom>
+            <a:avLst/>
+            <a:gdLst/>
+            <a:ahLst/>
+            <a:cxnLst/>
+            <a:rect l="l" t="t" r="r" b="b"/>
+            <a:pathLst>
+              <a:path w="120000" h="120000" extrusionOk="0">
+                <a:moveTo>
+                  <a:pt x="0" y="0"/>
+                </a:moveTo>
+                <a:lnTo>
+                  <a:pt x="120000" y="0"/>
+                </a:lnTo>
+                <a:lnTo>
+                  <a:pt x="120000" y="120000"/>
+                </a:lnTo>
+                <a:lnTo>
+                  <a:pt x="0" y="120000"/>
+                </a:lnTo>
+                <a:close/>
+              </a:path>
+            </a:pathLst>
+          </a:custGeom>
+        </p:spPr>
+      </p:sp>
+      <p:sp>
+        <p:nvSpPr>
+          <p:cNvPr id="81" name="Google Shape;81;geed6aedbf_0_0:notes"/>
+          <p:cNvSpPr txBox="1">
+            <a:spLocks noGrp="1"/>
+          </p:cNvSpPr>
+          <p:nvPr>
+            <p:ph type="body" idx="1"/>
+          </p:nvPr>
+        </p:nvSpPr>
+        <p:spPr>
+          <a:xfrm>
+            <a:off x="685800" y="4343400"/>
+            <a:ext cx="5486400" cy="4114800"/>
+          </a:xfrm>
+          <a:prstGeom prst="rect">
+            <a:avLst/>
+          </a:prstGeom>
+        </p:spPr>
+        <p:txBody>
+          <a:bodyPr spcFirstLastPara="1" wrap="square" lIns="91425" tIns="91425" rIns="91425" bIns="91425" anchor="t" anchorCtr="0">
+            <a:noAutofit/>
+          </a:bodyPr>
+          <a:lstStyle/>
+          <a:p>
+            <a:pPr marL="0" lvl="0" indent="0" algn="l" rtl="0">
+              <a:spcBef>
+                <a:spcPts val="0"/>
+              </a:spcBef>
+              <a:spcAft>
+                <a:spcPts val="0"/>
+              </a:spcAft>
+              <a:buNone/>
+            </a:pPr>
+            <a:endParaRPr/>
+          </a:p>
+        </p:txBody>
+      </p:sp>
+    </p:spTree>
+    <p:extLst>
+      <p:ext uri="{BB962C8B-B14F-4D97-AF65-F5344CB8AC3E}">
+        <p14:creationId xmlns:p14="http://schemas.microsoft.com/office/powerpoint/2010/main" val="4215467405"/>
+      </p:ext>
+    </p:extLst>
+  </p:cSld>
+  <p:clrMapOvr>
+    <a:masterClrMapping/>
+  </p:clrMapOvr>
+</p:notes>
+</file>
+
+<file path=ppt/notesSlides/notesSlide8.xml><?xml version="1.0" encoding="utf-8"?>
 <p:notes xmlns:a="http://schemas.openxmlformats.org/drawingml/2006/main" xmlns:r="http://schemas.openxmlformats.org/officeDocument/2006/relationships" xmlns:p="http://schemas.openxmlformats.org/presentationml/2006/main" showMasterSp="0" showMasterPhAnim="0">
   <p:cSld>
     <p:spTree>
@@ -4227,115 +3320,6 @@
     <p:extLst>
       <p:ext uri="{BB962C8B-B14F-4D97-AF65-F5344CB8AC3E}">
         <p14:creationId xmlns:p14="http://schemas.microsoft.com/office/powerpoint/2010/main" val="983628660"/>
-      </p:ext>
-    </p:extLst>
-  </p:cSld>
-  <p:clrMapOvr>
-    <a:masterClrMapping/>
-  </p:clrMapOvr>
-</p:notes>
-</file>
-
-<file path=ppt/notesSlides/notesSlide8.xml><?xml version="1.0" encoding="utf-8"?>
-<p:notes xmlns:a="http://schemas.openxmlformats.org/drawingml/2006/main" xmlns:r="http://schemas.openxmlformats.org/officeDocument/2006/relationships" xmlns:p="http://schemas.openxmlformats.org/presentationml/2006/main" showMasterSp="0" showMasterPhAnim="0">
-  <p:cSld>
-    <p:spTree>
-      <p:nvGrpSpPr>
-        <p:cNvPr id="1" name="Shape 79"/>
-        <p:cNvGrpSpPr/>
-        <p:nvPr/>
-      </p:nvGrpSpPr>
-      <p:grpSpPr>
-        <a:xfrm>
-          <a:off x="0" y="0"/>
-          <a:ext cx="0" cy="0"/>
-          <a:chOff x="0" y="0"/>
-          <a:chExt cx="0" cy="0"/>
-        </a:xfrm>
-      </p:grpSpPr>
-      <p:sp>
-        <p:nvSpPr>
-          <p:cNvPr id="80" name="Google Shape;80;geed6aedbf_0_0:notes"/>
-          <p:cNvSpPr>
-            <a:spLocks noGrp="1" noRot="1" noChangeAspect="1"/>
-          </p:cNvSpPr>
-          <p:nvPr>
-            <p:ph type="sldImg" idx="2"/>
-          </p:nvPr>
-        </p:nvSpPr>
-        <p:spPr>
-          <a:xfrm>
-            <a:off x="1143000" y="685800"/>
-            <a:ext cx="4572000" cy="3429000"/>
-          </a:xfrm>
-          <a:custGeom>
-            <a:avLst/>
-            <a:gdLst/>
-            <a:ahLst/>
-            <a:cxnLst/>
-            <a:rect l="l" t="t" r="r" b="b"/>
-            <a:pathLst>
-              <a:path w="120000" h="120000" extrusionOk="0">
-                <a:moveTo>
-                  <a:pt x="0" y="0"/>
-                </a:moveTo>
-                <a:lnTo>
-                  <a:pt x="120000" y="0"/>
-                </a:lnTo>
-                <a:lnTo>
-                  <a:pt x="120000" y="120000"/>
-                </a:lnTo>
-                <a:lnTo>
-                  <a:pt x="0" y="120000"/>
-                </a:lnTo>
-                <a:close/>
-              </a:path>
-            </a:pathLst>
-          </a:custGeom>
-        </p:spPr>
-      </p:sp>
-      <p:sp>
-        <p:nvSpPr>
-          <p:cNvPr id="81" name="Google Shape;81;geed6aedbf_0_0:notes"/>
-          <p:cNvSpPr txBox="1">
-            <a:spLocks noGrp="1"/>
-          </p:cNvSpPr>
-          <p:nvPr>
-            <p:ph type="body" idx="1"/>
-          </p:nvPr>
-        </p:nvSpPr>
-        <p:spPr>
-          <a:xfrm>
-            <a:off x="685800" y="4343400"/>
-            <a:ext cx="5486400" cy="4114800"/>
-          </a:xfrm>
-          <a:prstGeom prst="rect">
-            <a:avLst/>
-          </a:prstGeom>
-        </p:spPr>
-        <p:txBody>
-          <a:bodyPr spcFirstLastPara="1" wrap="square" lIns="91425" tIns="91425" rIns="91425" bIns="91425" anchor="t" anchorCtr="0">
-            <a:noAutofit/>
-          </a:bodyPr>
-          <a:lstStyle/>
-          <a:p>
-            <a:pPr marL="0" lvl="0" indent="0" algn="l" rtl="0">
-              <a:spcBef>
-                <a:spcPts val="0"/>
-              </a:spcBef>
-              <a:spcAft>
-                <a:spcPts val="0"/>
-              </a:spcAft>
-              <a:buNone/>
-            </a:pPr>
-            <a:endParaRPr/>
-          </a:p>
-        </p:txBody>
-      </p:sp>
-    </p:spTree>
-    <p:extLst>
-      <p:ext uri="{BB962C8B-B14F-4D97-AF65-F5344CB8AC3E}">
-        <p14:creationId xmlns:p14="http://schemas.microsoft.com/office/powerpoint/2010/main" val="4215467405"/>
       </p:ext>
     </p:extLst>
   </p:cSld>
@@ -9674,7 +8658,7 @@
         </p:nvSpPr>
         <p:spPr>
           <a:xfrm>
-            <a:off x="162750" y="1212537"/>
+            <a:off x="162750" y="1043733"/>
             <a:ext cx="8818500" cy="5100000"/>
           </a:xfrm>
           <a:prstGeom prst="rect">
@@ -9702,7 +8686,11 @@
             </a:r>
           </a:p>
           <a:p>
-            <a:pPr lvl="1"/>
+            <a:pPr lvl="1">
+              <a:spcBef>
+                <a:spcPts val="0"/>
+              </a:spcBef>
+            </a:pPr>
             <a:r>
               <a:rPr lang="en-GB" dirty="0"/>
               <a:t>an </a:t>
@@ -9721,7 +8709,109 @@
             </a:r>
           </a:p>
           <a:p>
-            <a:pPr lvl="1"/>
+            <a:pPr lvl="1">
+              <a:spcBef>
+                <a:spcPts val="0"/>
+              </a:spcBef>
+            </a:pPr>
+            <a:endParaRPr lang="en-GB" b="1" dirty="0"/>
+          </a:p>
+          <a:p>
+            <a:pPr lvl="1">
+              <a:spcBef>
+                <a:spcPts val="0"/>
+              </a:spcBef>
+            </a:pPr>
+            <a:endParaRPr lang="en-GB" b="1" dirty="0"/>
+          </a:p>
+          <a:p>
+            <a:pPr lvl="1">
+              <a:spcBef>
+                <a:spcPts val="0"/>
+              </a:spcBef>
+            </a:pPr>
+            <a:endParaRPr lang="en-GB" b="1" dirty="0"/>
+          </a:p>
+          <a:p>
+            <a:pPr lvl="1">
+              <a:spcBef>
+                <a:spcPts val="0"/>
+              </a:spcBef>
+            </a:pPr>
+            <a:endParaRPr lang="en-GB" b="1" dirty="0"/>
+          </a:p>
+          <a:p>
+            <a:pPr lvl="1">
+              <a:spcBef>
+                <a:spcPts val="0"/>
+              </a:spcBef>
+            </a:pPr>
+            <a:endParaRPr lang="en-GB" b="1" dirty="0"/>
+          </a:p>
+          <a:p>
+            <a:pPr lvl="1">
+              <a:spcBef>
+                <a:spcPts val="0"/>
+              </a:spcBef>
+            </a:pPr>
+            <a:endParaRPr lang="en-GB" b="1" dirty="0"/>
+          </a:p>
+          <a:p>
+            <a:pPr lvl="1">
+              <a:spcBef>
+                <a:spcPts val="0"/>
+              </a:spcBef>
+            </a:pPr>
+            <a:endParaRPr lang="en-GB" b="1" dirty="0"/>
+          </a:p>
+          <a:p>
+            <a:pPr lvl="1">
+              <a:spcBef>
+                <a:spcPts val="0"/>
+              </a:spcBef>
+            </a:pPr>
+            <a:endParaRPr lang="en-GB" b="1" dirty="0"/>
+          </a:p>
+          <a:p>
+            <a:pPr lvl="1">
+              <a:spcBef>
+                <a:spcPts val="0"/>
+              </a:spcBef>
+            </a:pPr>
+            <a:endParaRPr lang="en-GB" b="1" dirty="0"/>
+          </a:p>
+          <a:p>
+            <a:pPr marL="590550" lvl="1" indent="0">
+              <a:spcBef>
+                <a:spcPts val="0"/>
+              </a:spcBef>
+              <a:buNone/>
+            </a:pPr>
+            <a:endParaRPr lang="en-GB" b="1" dirty="0"/>
+          </a:p>
+          <a:p>
+            <a:pPr marL="590550" lvl="1" indent="0">
+              <a:spcBef>
+                <a:spcPts val="0"/>
+              </a:spcBef>
+              <a:buNone/>
+            </a:pPr>
+            <a:endParaRPr lang="en-GB" b="1" dirty="0"/>
+          </a:p>
+          <a:p>
+            <a:pPr lvl="1">
+              <a:spcBef>
+                <a:spcPts val="0"/>
+              </a:spcBef>
+            </a:pPr>
+            <a:endParaRPr lang="en-GB" sz="800" b="1" dirty="0"/>
+          </a:p>
+          <a:p>
+            <a:pPr lvl="1">
+              <a:spcBef>
+                <a:spcPts val="0"/>
+              </a:spcBef>
+            </a:pPr>
             <a:r>
               <a:rPr lang="en-GB" dirty="0"/>
               <a:t>An </a:t>
@@ -9749,168 +8839,66 @@
           </a:p>
         </p:txBody>
       </p:sp>
-      <p:grpSp>
-        <p:nvGrpSpPr>
-          <p:cNvPr id="9" name="Gruppo 8">
+      <p:pic>
+        <p:nvPicPr>
+          <p:cNvPr id="2" name="Immagine 1">
             <a:extLst>
               <a:ext uri="{FF2B5EF4-FFF2-40B4-BE49-F238E27FC236}">
-                <a16:creationId xmlns:a16="http://schemas.microsoft.com/office/drawing/2014/main" id="{5B90BE74-FC09-AA59-A59F-23C2772990E2}"/>
+                <a16:creationId xmlns:a16="http://schemas.microsoft.com/office/drawing/2014/main" id="{91726287-ADDC-4EDF-603C-3DB0F80F223A}"/>
               </a:ext>
             </a:extLst>
           </p:cNvPr>
-          <p:cNvGrpSpPr/>
+          <p:cNvPicPr>
+            <a:picLocks noChangeAspect="1"/>
+          </p:cNvPicPr>
           <p:nvPr/>
-        </p:nvGrpSpPr>
-        <p:grpSpPr>
+        </p:nvPicPr>
+        <p:blipFill>
+          <a:blip r:embed="rId3"/>
+          <a:stretch>
+            <a:fillRect/>
+          </a:stretch>
+        </p:blipFill>
+        <p:spPr>
           <a:xfrm>
-            <a:off x="1936582" y="3206629"/>
-            <a:ext cx="1549400" cy="2632927"/>
-            <a:chOff x="1109856" y="3226420"/>
-            <a:chExt cx="1549400" cy="2632927"/>
+            <a:off x="1059900" y="1764735"/>
+            <a:ext cx="7772400" cy="2842116"/>
           </a:xfrm>
-        </p:grpSpPr>
-        <p:pic>
-          <p:nvPicPr>
-            <p:cNvPr id="4" name="Immagine 3" descr="Immagine che contiene tavolo&#10;&#10;Descrizione generata automaticamente">
-              <a:extLst>
-                <a:ext uri="{FF2B5EF4-FFF2-40B4-BE49-F238E27FC236}">
-                  <a16:creationId xmlns:a16="http://schemas.microsoft.com/office/drawing/2014/main" id="{9CFDEABD-0184-C4A5-2FEE-C9299D93DFC9}"/>
-                </a:ext>
-              </a:extLst>
-            </p:cNvPr>
-            <p:cNvPicPr>
-              <a:picLocks noChangeAspect="1"/>
-            </p:cNvPicPr>
-            <p:nvPr/>
-          </p:nvPicPr>
-          <p:blipFill>
-            <a:blip r:embed="rId3"/>
-            <a:stretch>
-              <a:fillRect/>
-            </a:stretch>
-          </p:blipFill>
-          <p:spPr>
-            <a:xfrm>
-              <a:off x="1141606" y="3226420"/>
-              <a:ext cx="1485900" cy="2590800"/>
-            </a:xfrm>
-            <a:prstGeom prst="rect">
-              <a:avLst/>
-            </a:prstGeom>
-          </p:spPr>
-        </p:pic>
-        <p:pic>
-          <p:nvPicPr>
-            <p:cNvPr id="8" name="Immagine 7" descr="Immagine che contiene tavolo&#10;&#10;Descrizione generata automaticamente">
-              <a:extLst>
-                <a:ext uri="{FF2B5EF4-FFF2-40B4-BE49-F238E27FC236}">
-                  <a16:creationId xmlns:a16="http://schemas.microsoft.com/office/drawing/2014/main" id="{0C65A5B9-DCD7-5230-27C1-4E830E8AEBEF}"/>
-                </a:ext>
-              </a:extLst>
-            </p:cNvPr>
-            <p:cNvPicPr>
-              <a:picLocks noChangeAspect="1"/>
-            </p:cNvPicPr>
-            <p:nvPr/>
-          </p:nvPicPr>
-          <p:blipFill>
-            <a:blip r:embed="rId4"/>
-            <a:stretch>
-              <a:fillRect/>
-            </a:stretch>
-          </p:blipFill>
-          <p:spPr>
-            <a:xfrm>
-              <a:off x="1109856" y="4233747"/>
-              <a:ext cx="1549400" cy="1625600"/>
-            </a:xfrm>
-            <a:prstGeom prst="rect">
-              <a:avLst/>
-            </a:prstGeom>
-          </p:spPr>
-        </p:pic>
-      </p:grpSp>
-      <p:grpSp>
-        <p:nvGrpSpPr>
-          <p:cNvPr id="14" name="Gruppo 13">
+          <a:prstGeom prst="rect">
+            <a:avLst/>
+          </a:prstGeom>
+        </p:spPr>
+      </p:pic>
+      <p:pic>
+        <p:nvPicPr>
+          <p:cNvPr id="3" name="Immagine 2">
             <a:extLst>
               <a:ext uri="{FF2B5EF4-FFF2-40B4-BE49-F238E27FC236}">
-                <a16:creationId xmlns:a16="http://schemas.microsoft.com/office/drawing/2014/main" id="{98E9318F-444D-1D61-4A6B-17E8CEC14B85}"/>
+                <a16:creationId xmlns:a16="http://schemas.microsoft.com/office/drawing/2014/main" id="{866DC63A-5F9A-9673-F9D7-6B5D9C2738DB}"/>
               </a:ext>
             </a:extLst>
           </p:cNvPr>
-          <p:cNvGrpSpPr/>
+          <p:cNvPicPr>
+            <a:picLocks noChangeAspect="1"/>
+          </p:cNvPicPr>
           <p:nvPr/>
-        </p:nvGrpSpPr>
-        <p:grpSpPr>
+        </p:nvPicPr>
+        <p:blipFill>
+          <a:blip r:embed="rId4"/>
+          <a:stretch>
+            <a:fillRect/>
+          </a:stretch>
+        </p:blipFill>
+        <p:spPr>
           <a:xfrm>
-            <a:off x="5100626" y="2660529"/>
-            <a:ext cx="1866900" cy="3776238"/>
-            <a:chOff x="3606362" y="2949806"/>
-            <a:chExt cx="1866900" cy="3776238"/>
+            <a:off x="1059900" y="5031168"/>
+            <a:ext cx="7772400" cy="1566197"/>
           </a:xfrm>
-        </p:grpSpPr>
-        <p:pic>
-          <p:nvPicPr>
-            <p:cNvPr id="11" name="Immagine 10">
-              <a:extLst>
-                <a:ext uri="{FF2B5EF4-FFF2-40B4-BE49-F238E27FC236}">
-                  <a16:creationId xmlns:a16="http://schemas.microsoft.com/office/drawing/2014/main" id="{7DB1F293-23D8-F837-0072-226601A42BBF}"/>
-                </a:ext>
-              </a:extLst>
-            </p:cNvPr>
-            <p:cNvPicPr>
-              <a:picLocks noChangeAspect="1"/>
-            </p:cNvPicPr>
-            <p:nvPr/>
-          </p:nvPicPr>
-          <p:blipFill>
-            <a:blip r:embed="rId5"/>
-            <a:stretch>
-              <a:fillRect/>
-            </a:stretch>
-          </p:blipFill>
-          <p:spPr>
-            <a:xfrm>
-              <a:off x="3765550" y="2949806"/>
-              <a:ext cx="1612900" cy="1092200"/>
-            </a:xfrm>
-            <a:prstGeom prst="rect">
-              <a:avLst/>
-            </a:prstGeom>
-          </p:spPr>
-        </p:pic>
-        <p:pic>
-          <p:nvPicPr>
-            <p:cNvPr id="13" name="Immagine 12">
-              <a:extLst>
-                <a:ext uri="{FF2B5EF4-FFF2-40B4-BE49-F238E27FC236}">
-                  <a16:creationId xmlns:a16="http://schemas.microsoft.com/office/drawing/2014/main" id="{F27BEBAF-478F-7C53-1955-2EDB0E990E88}"/>
-                </a:ext>
-              </a:extLst>
-            </p:cNvPr>
-            <p:cNvPicPr>
-              <a:picLocks noChangeAspect="1"/>
-            </p:cNvPicPr>
-            <p:nvPr/>
-          </p:nvPicPr>
-          <p:blipFill>
-            <a:blip r:embed="rId6"/>
-            <a:stretch>
-              <a:fillRect/>
-            </a:stretch>
-          </p:blipFill>
-          <p:spPr>
-            <a:xfrm>
-              <a:off x="3606362" y="3919344"/>
-              <a:ext cx="1866900" cy="2806700"/>
-            </a:xfrm>
-            <a:prstGeom prst="rect">
-              <a:avLst/>
-            </a:prstGeom>
-          </p:spPr>
-        </p:pic>
-      </p:grpSp>
+          <a:prstGeom prst="rect">
+            <a:avLst/>
+          </a:prstGeom>
+        </p:spPr>
+      </p:pic>
     </p:spTree>
     <p:extLst>
       <p:ext uri="{BB962C8B-B14F-4D97-AF65-F5344CB8AC3E}">
@@ -9941,36 +8929,6 @@
           <a:chExt cx="0" cy="0"/>
         </a:xfrm>
       </p:grpSpPr>
-      <p:pic>
-        <p:nvPicPr>
-          <p:cNvPr id="5" name="Immagine 4">
-            <a:extLst>
-              <a:ext uri="{FF2B5EF4-FFF2-40B4-BE49-F238E27FC236}">
-                <a16:creationId xmlns:a16="http://schemas.microsoft.com/office/drawing/2014/main" id="{692F2B73-F6B6-F2AC-BB2A-2B1020944694}"/>
-              </a:ext>
-            </a:extLst>
-          </p:cNvPr>
-          <p:cNvPicPr>
-            <a:picLocks noChangeAspect="1"/>
-          </p:cNvPicPr>
-          <p:nvPr/>
-        </p:nvPicPr>
-        <p:blipFill>
-          <a:blip r:embed="rId3"/>
-          <a:stretch>
-            <a:fillRect/>
-          </a:stretch>
-        </p:blipFill>
-        <p:spPr>
-          <a:xfrm>
-            <a:off x="6375400" y="4716222"/>
-            <a:ext cx="2768600" cy="1422400"/>
-          </a:xfrm>
-          <a:prstGeom prst="rect">
-            <a:avLst/>
-          </a:prstGeom>
-        </p:spPr>
-      </p:pic>
       <p:sp>
         <p:nvSpPr>
           <p:cNvPr id="83" name="Google Shape;83;p14"/>
@@ -10025,8 +8983,8 @@
         </p:nvSpPr>
         <p:spPr>
           <a:xfrm>
-            <a:off x="162750" y="1212537"/>
-            <a:ext cx="8818500" cy="5100000"/>
+            <a:off x="162750" y="1101433"/>
+            <a:ext cx="8818500" cy="5465621"/>
           </a:xfrm>
           <a:prstGeom prst="rect">
             <a:avLst/>
@@ -10041,7 +8999,7 @@
             <a:pPr lvl="0"/>
             <a:r>
               <a:rPr lang="en-GB" dirty="0"/>
-              <a:t>In digital electronics, it is a </a:t>
+              <a:t>A </a:t>
             </a:r>
             <a:r>
               <a:rPr lang="en-GB" b="1" dirty="0"/>
@@ -10049,7 +9007,15 @@
             </a:r>
             <a:r>
               <a:rPr lang="en-GB" dirty="0"/>
-              <a:t> that processes boolean variables</a:t>
+              <a:t> that </a:t>
+            </a:r>
+            <a:r>
+              <a:rPr lang="en-GB" b="1" dirty="0"/>
+              <a:t>processes</a:t>
+            </a:r>
+            <a:r>
+              <a:rPr lang="en-GB" dirty="0"/>
+              <a:t> boolean variables</a:t>
             </a:r>
           </a:p>
           <a:p>
@@ -10058,11 +9024,8 @@
                 <a:spcPct val="100000"/>
               </a:lnSpc>
               <a:spcBef>
-                <a:spcPts val="600"/>
-              </a:spcBef>
-              <a:spcAft>
-                <a:spcPts val="600"/>
-              </a:spcAft>
+                <a:spcPts val="0"/>
+              </a:spcBef>
             </a:pPr>
             <a:r>
               <a:rPr lang="en-GB" dirty="0"/>
@@ -10087,11 +9050,8 @@
                 <a:spcPct val="100000"/>
               </a:lnSpc>
               <a:spcBef>
-                <a:spcPts val="600"/>
-              </a:spcBef>
-              <a:spcAft>
-                <a:spcPts val="600"/>
-              </a:spcAft>
+                <a:spcPts val="0"/>
+              </a:spcBef>
             </a:pPr>
             <a:r>
               <a:rPr lang="en-GB" dirty="0"/>
@@ -10112,11 +9072,8 @@
                 <a:spcPct val="100000"/>
               </a:lnSpc>
               <a:spcBef>
-                <a:spcPts val="600"/>
-              </a:spcBef>
-              <a:spcAft>
-                <a:spcPts val="600"/>
-              </a:spcAft>
+                <a:spcPts val="0"/>
+              </a:spcBef>
             </a:pPr>
             <a:r>
               <a:rPr lang="en-GB" dirty="0"/>
@@ -10130,6 +9087,50 @@
               <a:rPr lang="en-GB" dirty="0"/>
               <a:t>describing the delay between inputs changing and outputs responding</a:t>
             </a:r>
+          </a:p>
+          <a:p>
+            <a:pPr lvl="1">
+              <a:lnSpc>
+                <a:spcPct val="100000"/>
+              </a:lnSpc>
+              <a:spcBef>
+                <a:spcPts val="0"/>
+              </a:spcBef>
+            </a:pPr>
+            <a:endParaRPr lang="en-GB" dirty="0"/>
+          </a:p>
+          <a:p>
+            <a:pPr lvl="1">
+              <a:lnSpc>
+                <a:spcPct val="100000"/>
+              </a:lnSpc>
+              <a:spcBef>
+                <a:spcPts val="0"/>
+              </a:spcBef>
+            </a:pPr>
+            <a:endParaRPr lang="en-GB" dirty="0"/>
+          </a:p>
+          <a:p>
+            <a:pPr lvl="1">
+              <a:lnSpc>
+                <a:spcPct val="100000"/>
+              </a:lnSpc>
+              <a:spcBef>
+                <a:spcPts val="0"/>
+              </a:spcBef>
+            </a:pPr>
+            <a:endParaRPr lang="en-GB" dirty="0"/>
+          </a:p>
+          <a:p>
+            <a:pPr lvl="1">
+              <a:lnSpc>
+                <a:spcPct val="100000"/>
+              </a:lnSpc>
+              <a:spcBef>
+                <a:spcPts val="0"/>
+              </a:spcBef>
+            </a:pPr>
+            <a:endParaRPr lang="en-GB" dirty="0"/>
           </a:p>
           <a:p>
             <a:pPr marL="590550" lvl="1" indent="0">
@@ -10137,14 +9138,46 @@
                 <a:spcPct val="100000"/>
               </a:lnSpc>
               <a:spcBef>
-                <a:spcPts val="600"/>
-              </a:spcBef>
-              <a:spcAft>
-                <a:spcPts val="600"/>
-              </a:spcAft>
+                <a:spcPts val="0"/>
+              </a:spcBef>
               <a:buNone/>
             </a:pPr>
             <a:endParaRPr lang="en-GB" dirty="0"/>
+          </a:p>
+          <a:p>
+            <a:pPr marL="590550" lvl="1" indent="0">
+              <a:lnSpc>
+                <a:spcPct val="100000"/>
+              </a:lnSpc>
+              <a:spcBef>
+                <a:spcPts val="0"/>
+              </a:spcBef>
+              <a:buNone/>
+            </a:pPr>
+            <a:endParaRPr lang="en-GB" sz="700" dirty="0"/>
+          </a:p>
+          <a:p>
+            <a:pPr>
+              <a:lnSpc>
+                <a:spcPct val="100000"/>
+              </a:lnSpc>
+            </a:pPr>
+            <a:r>
+              <a:rPr lang="en-GB" dirty="0"/>
+              <a:t>Inside the black box, circuits are composed of </a:t>
+            </a:r>
+            <a:r>
+              <a:rPr lang="en-GB" b="1" dirty="0"/>
+              <a:t>nodes</a:t>
+            </a:r>
+            <a:r>
+              <a:rPr lang="en-GB" dirty="0"/>
+              <a:t> and </a:t>
+            </a:r>
+            <a:r>
+              <a:rPr lang="en-GB" b="1" dirty="0"/>
+              <a:t>elements</a:t>
+            </a:r>
           </a:p>
           <a:p>
             <a:pPr lvl="1">
@@ -10152,11 +9185,52 @@
                 <a:spcPct val="100000"/>
               </a:lnSpc>
               <a:spcBef>
-                <a:spcPts val="600"/>
-              </a:spcBef>
-              <a:spcAft>
-                <a:spcPts val="600"/>
-              </a:spcAft>
+                <a:spcPts val="0"/>
+              </a:spcBef>
+            </a:pPr>
+            <a:r>
+              <a:rPr lang="en-GB" b="1" dirty="0"/>
+              <a:t>elements are circuits </a:t>
+            </a:r>
+            <a:r>
+              <a:rPr lang="en-GB" dirty="0"/>
+              <a:t>with inputs, outputs, and specifications</a:t>
+            </a:r>
+          </a:p>
+          <a:p>
+            <a:pPr lvl="1">
+              <a:lnSpc>
+                <a:spcPct val="100000"/>
+              </a:lnSpc>
+              <a:spcBef>
+                <a:spcPts val="0"/>
+              </a:spcBef>
+            </a:pPr>
+            <a:r>
+              <a:rPr lang="en-GB" b="1" dirty="0"/>
+              <a:t>nodes are wires</a:t>
+            </a:r>
+            <a:r>
+              <a:rPr lang="en-GB" dirty="0"/>
+              <a:t>, whose voltage conveys a </a:t>
+            </a:r>
+            <a:r>
+              <a:rPr lang="en-GB" dirty="0" err="1"/>
+              <a:t>boolean</a:t>
+            </a:r>
+            <a:r>
+              <a:rPr lang="en-GB" dirty="0"/>
+              <a:t> variable</a:t>
+            </a:r>
+          </a:p>
+          <a:p>
+            <a:pPr lvl="1">
+              <a:lnSpc>
+                <a:spcPct val="100000"/>
+              </a:lnSpc>
+              <a:spcBef>
+                <a:spcPts val="0"/>
+              </a:spcBef>
             </a:pPr>
             <a:endParaRPr lang="en-GB" dirty="0"/>
           </a:p>
@@ -10165,85 +9239,29 @@
               <a:lnSpc>
                 <a:spcPct val="100000"/>
               </a:lnSpc>
-              <a:spcBef>
-                <a:spcPts val="600"/>
-              </a:spcBef>
-              <a:spcAft>
-                <a:spcPts val="600"/>
-              </a:spcAft>
             </a:pPr>
             <a:r>
               <a:rPr lang="en-GB" dirty="0"/>
-              <a:t>Inside the black box, circuits are composed of </a:t>
-            </a:r>
-            <a:r>
-              <a:rPr lang="en-GB" b="1" dirty="0"/>
-              <a:t>nodes</a:t>
-            </a:r>
-            <a:r>
-              <a:rPr lang="en-GB" dirty="0"/>
-              <a:t> and </a:t>
-            </a:r>
-            <a:r>
-              <a:rPr lang="en-GB" b="1" dirty="0"/>
-              <a:t>elements</a:t>
+              <a:t>Node types:</a:t>
             </a:r>
           </a:p>
           <a:p>
             <a:pPr lvl="1">
-              <a:lnSpc>
-                <a:spcPct val="100000"/>
-              </a:lnSpc>
-              <a:spcBef>
-                <a:spcPts val="600"/>
-              </a:spcBef>
-              <a:spcAft>
-                <a:spcPts val="600"/>
-              </a:spcAft>
-            </a:pPr>
-            <a:r>
-              <a:rPr lang="en-GB" b="1" dirty="0"/>
-              <a:t>elements are circuits </a:t>
-            </a:r>
-            <a:r>
-              <a:rPr lang="en-GB" dirty="0"/>
-              <a:t>with inputs, outputs, and specifications</a:t>
-            </a:r>
-          </a:p>
-          <a:p>
-            <a:pPr lvl="1">
-              <a:lnSpc>
-                <a:spcPct val="100000"/>
-              </a:lnSpc>
-              <a:spcBef>
-                <a:spcPts val="600"/>
-              </a:spcBef>
-              <a:spcAft>
-                <a:spcPts val="600"/>
-              </a:spcAft>
-            </a:pPr>
-            <a:r>
-              <a:rPr lang="en-GB" b="1" dirty="0"/>
-              <a:t>nodes are wires</a:t>
-            </a:r>
-            <a:r>
-              <a:rPr lang="en-GB" dirty="0"/>
-              <a:t>, whose voltage conveys a boolean variable</a:t>
-            </a:r>
-          </a:p>
-          <a:p>
-            <a:pPr lvl="2">
-              <a:spcBef>
-                <a:spcPts val="400"/>
-              </a:spcBef>
-              <a:spcAft>
-                <a:spcPts val="400"/>
-              </a:spcAft>
+              <a:spcBef>
+                <a:spcPts val="0"/>
+              </a:spcBef>
             </a:pPr>
             <a:r>
               <a:rPr lang="en-GB" b="1" dirty="0"/>
               <a:t>input node </a:t>
             </a:r>
+          </a:p>
+          <a:p>
+            <a:pPr lvl="2">
+              <a:spcBef>
+                <a:spcPts val="0"/>
+              </a:spcBef>
+            </a:pPr>
             <a:r>
               <a:rPr lang="en-GB" dirty="0"/>
               <a:t>receives values </a:t>
@@ -10254,18 +9272,22 @@
             </a:r>
           </a:p>
           <a:p>
-            <a:pPr lvl="2">
-              <a:spcBef>
-                <a:spcPts val="400"/>
-              </a:spcBef>
-              <a:spcAft>
-                <a:spcPts val="400"/>
-              </a:spcAft>
+            <a:pPr lvl="1">
+              <a:spcBef>
+                <a:spcPts val="0"/>
+              </a:spcBef>
             </a:pPr>
             <a:r>
               <a:rPr lang="en-GB" b="1" dirty="0"/>
               <a:t>output node </a:t>
             </a:r>
+          </a:p>
+          <a:p>
+            <a:pPr lvl="2">
+              <a:spcBef>
+                <a:spcPts val="0"/>
+              </a:spcBef>
+            </a:pPr>
             <a:r>
               <a:rPr lang="en-GB" dirty="0"/>
               <a:t>delivers values </a:t>
@@ -10276,18 +9298,22 @@
             </a:r>
           </a:p>
           <a:p>
-            <a:pPr lvl="2">
-              <a:spcBef>
-                <a:spcPts val="400"/>
-              </a:spcBef>
-              <a:spcAft>
-                <a:spcPts val="400"/>
-              </a:spcAft>
+            <a:pPr lvl="1">
+              <a:spcBef>
+                <a:spcPts val="0"/>
+              </a:spcBef>
             </a:pPr>
             <a:r>
               <a:rPr lang="en-GB" b="1" dirty="0"/>
               <a:t>internal node </a:t>
             </a:r>
+          </a:p>
+          <a:p>
+            <a:pPr lvl="3">
+              <a:spcBef>
+                <a:spcPts val="0"/>
+              </a:spcBef>
+            </a:pPr>
             <a:r>
               <a:rPr lang="en-GB" dirty="0"/>
               <a:t>not inputs or outputs</a:t>
@@ -10301,10 +9327,40 @@
       </p:sp>
       <p:pic>
         <p:nvPicPr>
-          <p:cNvPr id="3" name="Immagine 2" descr="Immagine che contiene testo&#10;&#10;Descrizione generata automaticamente">
+          <p:cNvPr id="2" name="Immagine 1">
             <a:extLst>
               <a:ext uri="{FF2B5EF4-FFF2-40B4-BE49-F238E27FC236}">
-                <a16:creationId xmlns:a16="http://schemas.microsoft.com/office/drawing/2014/main" id="{EE0D0F3E-A843-92E5-ABBC-F41E3CA3C922}"/>
+                <a16:creationId xmlns:a16="http://schemas.microsoft.com/office/drawing/2014/main" id="{D9360D86-167D-13AE-28EE-85C46A426E2E}"/>
+              </a:ext>
+            </a:extLst>
+          </p:cNvPr>
+          <p:cNvPicPr>
+            <a:picLocks noChangeAspect="1"/>
+          </p:cNvPicPr>
+          <p:nvPr/>
+        </p:nvPicPr>
+        <p:blipFill>
+          <a:blip r:embed="rId3"/>
+          <a:stretch>
+            <a:fillRect/>
+          </a:stretch>
+        </p:blipFill>
+        <p:spPr>
+          <a:xfrm>
+            <a:off x="2171700" y="2300229"/>
+            <a:ext cx="4530436" cy="1347286"/>
+          </a:xfrm>
+          <a:prstGeom prst="rect">
+            <a:avLst/>
+          </a:prstGeom>
+        </p:spPr>
+      </p:pic>
+      <p:pic>
+        <p:nvPicPr>
+          <p:cNvPr id="4" name="Immagine 3">
+            <a:extLst>
+              <a:ext uri="{FF2B5EF4-FFF2-40B4-BE49-F238E27FC236}">
+                <a16:creationId xmlns:a16="http://schemas.microsoft.com/office/drawing/2014/main" id="{5B6B9473-FD38-C1F8-33A6-C47AC271ECD3}"/>
               </a:ext>
             </a:extLst>
           </p:cNvPr>
@@ -10321,8 +9377,8 @@
         </p:blipFill>
         <p:spPr>
           <a:xfrm>
-            <a:off x="2189155" y="2714598"/>
-            <a:ext cx="3394732" cy="1047939"/>
+            <a:off x="5291746" y="4359875"/>
+            <a:ext cx="3689504" cy="2207179"/>
           </a:xfrm>
           <a:prstGeom prst="rect">
             <a:avLst/>
@@ -10379,10 +9435,18 @@
           </a:bodyPr>
           <a:lstStyle/>
           <a:p>
-            <a:pPr lvl="0"/>
-            <a:r>
-              <a:rPr lang="en-GB" dirty="0"/>
-              <a:t>Combinational or Sequential</a:t>
+            <a:pPr marL="0" lvl="0" indent="0" algn="l" rtl="0">
+              <a:spcBef>
+                <a:spcPts val="0"/>
+              </a:spcBef>
+              <a:spcAft>
+                <a:spcPts val="0"/>
+              </a:spcAft>
+              <a:buNone/>
+            </a:pPr>
+            <a:r>
+              <a:rPr lang="en-GB" dirty="0"/>
+              <a:t>Bus</a:t>
             </a:r>
             <a:endParaRPr dirty="0"/>
           </a:p>
@@ -10413,18 +9477,17 @@
           </a:bodyPr>
           <a:lstStyle/>
           <a:p>
-            <a:pPr lvl="0"/>
+            <a:r>
+              <a:rPr lang="en-GB" dirty="0"/>
+              <a:t>A </a:t>
+            </a:r>
             <a:r>
               <a:rPr lang="en-GB" b="1" dirty="0"/>
-              <a:t>Combinational</a:t>
-            </a:r>
-            <a:r>
-              <a:rPr lang="en-GB" dirty="0"/>
-              <a:t> circuit’s output </a:t>
-            </a:r>
-            <a:r>
-              <a:rPr lang="en-GB" b="1" dirty="0"/>
-              <a:t>depends only on the current values of the inputs</a:t>
+              <a:t>bundle of multiple signals</a:t>
+            </a:r>
+            <a:r>
+              <a:rPr lang="en-GB" dirty="0"/>
+              <a:t>.</a:t>
             </a:r>
           </a:p>
           <a:p>
@@ -10441,125 +9504,22 @@
             </a:pPr>
             <a:r>
               <a:rPr lang="en-GB" dirty="0"/>
-              <a:t>combines the current input values to compute the output</a:t>
-            </a:r>
-          </a:p>
-          <a:p>
-            <a:pPr lvl="1">
-              <a:lnSpc>
-                <a:spcPct val="100000"/>
-              </a:lnSpc>
-              <a:spcBef>
-                <a:spcPts val="600"/>
-              </a:spcBef>
-              <a:spcAft>
-                <a:spcPts val="600"/>
-              </a:spcAft>
-            </a:pPr>
-            <a:r>
-              <a:rPr lang="en-GB" dirty="0"/>
-              <a:t>a logic gate is a combinational circuit</a:t>
-            </a:r>
-          </a:p>
-          <a:p>
-            <a:pPr lvl="1">
-              <a:lnSpc>
-                <a:spcPct val="100000"/>
-              </a:lnSpc>
-              <a:spcBef>
-                <a:spcPts val="600"/>
-              </a:spcBef>
-              <a:spcAft>
-                <a:spcPts val="600"/>
-              </a:spcAft>
-            </a:pPr>
-            <a:r>
-              <a:rPr lang="en-GB" b="1" dirty="0"/>
-              <a:t>memoryless</a:t>
-            </a:r>
-          </a:p>
-          <a:p>
-            <a:r>
-              <a:rPr lang="en-GB" b="1" dirty="0"/>
-              <a:t>Sequential</a:t>
-            </a:r>
-            <a:r>
-              <a:rPr lang="en-GB" dirty="0"/>
-              <a:t> circuit’s output </a:t>
-            </a:r>
-            <a:r>
-              <a:rPr lang="en-GB" b="1" dirty="0"/>
-              <a:t>depends on both current and previous values of the inputs</a:t>
-            </a:r>
-          </a:p>
-          <a:p>
-            <a:pPr lvl="1">
-              <a:lnSpc>
-                <a:spcPct val="100000"/>
-              </a:lnSpc>
-              <a:spcBef>
-                <a:spcPts val="600"/>
-              </a:spcBef>
-              <a:spcAft>
-                <a:spcPts val="600"/>
-              </a:spcAft>
-            </a:pPr>
-            <a:r>
-              <a:rPr lang="en-GB" dirty="0"/>
-              <a:t>depends on the input sequence</a:t>
-            </a:r>
-          </a:p>
-          <a:p>
-            <a:pPr lvl="1">
-              <a:lnSpc>
-                <a:spcPct val="100000"/>
-              </a:lnSpc>
-              <a:spcBef>
-                <a:spcPts val="600"/>
-              </a:spcBef>
-              <a:spcAft>
-                <a:spcPts val="600"/>
-              </a:spcAft>
-            </a:pPr>
-            <a:r>
-              <a:rPr lang="en-GB" dirty="0"/>
-              <a:t>has </a:t>
-            </a:r>
-            <a:r>
-              <a:rPr lang="en-GB" b="1" dirty="0"/>
-              <a:t>memory</a:t>
-            </a:r>
-          </a:p>
-          <a:p>
-            <a:r>
-              <a:rPr lang="en-GB" dirty="0"/>
-              <a:t>There are often many </a:t>
-            </a:r>
-            <a:r>
-              <a:rPr lang="en-GB" b="1" dirty="0"/>
-              <a:t>implementations</a:t>
-            </a:r>
-            <a:r>
-              <a:rPr lang="en-GB" dirty="0"/>
-              <a:t> for a single function</a:t>
-            </a:r>
-          </a:p>
-          <a:p>
-            <a:pPr lvl="1">
-              <a:lnSpc>
-                <a:spcPct val="100000"/>
-              </a:lnSpc>
-              <a:spcBef>
-                <a:spcPts val="600"/>
-              </a:spcBef>
-              <a:spcAft>
-                <a:spcPts val="600"/>
-              </a:spcAft>
-            </a:pPr>
-            <a:r>
-              <a:rPr lang="en-GB" dirty="0"/>
-              <a:t>we choose given the building blocks at our disposal and our design constraints (area, speed, power, etc).</a:t>
-            </a:r>
+              <a:t>a single line with a slash through it and a number next to it</a:t>
+            </a:r>
+          </a:p>
+          <a:p>
+            <a:pPr lvl="1"/>
+            <a:endParaRPr lang="en-GB" dirty="0"/>
+          </a:p>
+          <a:p>
+            <a:pPr lvl="1"/>
+            <a:endParaRPr lang="en-GB" dirty="0"/>
+          </a:p>
+          <a:p>
+            <a:endParaRPr lang="en-GB" dirty="0"/>
+          </a:p>
+          <a:p>
+            <a:endParaRPr lang="en-GB" dirty="0"/>
           </a:p>
           <a:p>
             <a:endParaRPr lang="en-GB" dirty="0"/>
@@ -10568,10 +9528,10 @@
       </p:sp>
       <p:pic>
         <p:nvPicPr>
-          <p:cNvPr id="3" name="Immagine 2">
+          <p:cNvPr id="4" name="Immagine 3">
             <a:extLst>
               <a:ext uri="{FF2B5EF4-FFF2-40B4-BE49-F238E27FC236}">
-                <a16:creationId xmlns:a16="http://schemas.microsoft.com/office/drawing/2014/main" id="{26020D26-A3D1-87FF-6D23-30510A8347CA}"/>
+                <a16:creationId xmlns:a16="http://schemas.microsoft.com/office/drawing/2014/main" id="{CF9EA23D-F201-0209-F112-B8F8D586CB2B}"/>
               </a:ext>
             </a:extLst>
           </p:cNvPr>
@@ -10588,68 +9548,8 @@
         </p:blipFill>
         <p:spPr>
           <a:xfrm>
-            <a:off x="1050998" y="5318514"/>
-            <a:ext cx="1816100" cy="1016000"/>
-          </a:xfrm>
-          <a:prstGeom prst="rect">
-            <a:avLst/>
-          </a:prstGeom>
-        </p:spPr>
-      </p:pic>
-      <p:pic>
-        <p:nvPicPr>
-          <p:cNvPr id="5" name="Immagine 4">
-            <a:extLst>
-              <a:ext uri="{FF2B5EF4-FFF2-40B4-BE49-F238E27FC236}">
-                <a16:creationId xmlns:a16="http://schemas.microsoft.com/office/drawing/2014/main" id="{9FA419C2-E609-741E-D65C-C1D117A7308B}"/>
-              </a:ext>
-            </a:extLst>
-          </p:cNvPr>
-          <p:cNvPicPr>
-            <a:picLocks noChangeAspect="1"/>
-          </p:cNvPicPr>
-          <p:nvPr/>
-        </p:nvPicPr>
-        <p:blipFill>
-          <a:blip r:embed="rId4"/>
-          <a:stretch>
-            <a:fillRect/>
-          </a:stretch>
-        </p:blipFill>
-        <p:spPr>
-          <a:xfrm>
-            <a:off x="3390593" y="5432490"/>
-            <a:ext cx="1079500" cy="495300"/>
-          </a:xfrm>
-          <a:prstGeom prst="rect">
-            <a:avLst/>
-          </a:prstGeom>
-        </p:spPr>
-      </p:pic>
-      <p:pic>
-        <p:nvPicPr>
-          <p:cNvPr id="7" name="Immagine 6">
-            <a:extLst>
-              <a:ext uri="{FF2B5EF4-FFF2-40B4-BE49-F238E27FC236}">
-                <a16:creationId xmlns:a16="http://schemas.microsoft.com/office/drawing/2014/main" id="{3ECFDE7C-5996-8F77-AAD8-C21E11379B42}"/>
-              </a:ext>
-            </a:extLst>
-          </p:cNvPr>
-          <p:cNvPicPr>
-            <a:picLocks noChangeAspect="1"/>
-          </p:cNvPicPr>
-          <p:nvPr/>
-        </p:nvPicPr>
-        <p:blipFill>
-          <a:blip r:embed="rId5"/>
-          <a:stretch>
-            <a:fillRect/>
-          </a:stretch>
-        </p:blipFill>
-        <p:spPr>
-          <a:xfrm>
-            <a:off x="5257109" y="5445192"/>
-            <a:ext cx="1917700" cy="482600"/>
+            <a:off x="403623" y="2273760"/>
+            <a:ext cx="8619451" cy="1778695"/>
           </a:xfrm>
           <a:prstGeom prst="rect">
             <a:avLst/>
@@ -10659,7 +9559,7 @@
     </p:spTree>
     <p:extLst>
       <p:ext uri="{BB962C8B-B14F-4D97-AF65-F5344CB8AC3E}">
-        <p14:creationId xmlns:p14="http://schemas.microsoft.com/office/powerpoint/2010/main" val="3692252167"/>
+        <p14:creationId xmlns:p14="http://schemas.microsoft.com/office/powerpoint/2010/main" val="846979211"/>
       </p:ext>
     </p:extLst>
   </p:cSld>
@@ -10711,18 +9611,10 @@
           </a:bodyPr>
           <a:lstStyle/>
           <a:p>
-            <a:pPr marL="0" lvl="0" indent="0" algn="l" rtl="0">
-              <a:spcBef>
-                <a:spcPts val="0"/>
-              </a:spcBef>
-              <a:spcAft>
-                <a:spcPts val="0"/>
-              </a:spcAft>
-              <a:buNone/>
-            </a:pPr>
-            <a:r>
-              <a:rPr lang="en-GB" dirty="0"/>
-              <a:t>Bus</a:t>
+            <a:pPr lvl="0"/>
+            <a:r>
+              <a:rPr lang="en-GB" dirty="0"/>
+              <a:t>Combinational or Sequential</a:t>
             </a:r>
             <a:endParaRPr dirty="0"/>
           </a:p>
@@ -10740,7 +9632,7 @@
         </p:nvSpPr>
         <p:spPr>
           <a:xfrm>
-            <a:off x="162750" y="1212537"/>
+            <a:off x="162750" y="1043733"/>
             <a:ext cx="8818500" cy="5100000"/>
           </a:xfrm>
           <a:prstGeom prst="rect">
@@ -10753,17 +9645,18 @@
           </a:bodyPr>
           <a:lstStyle/>
           <a:p>
-            <a:r>
-              <a:rPr lang="en-GB" dirty="0"/>
-              <a:t>A </a:t>
-            </a:r>
+            <a:pPr lvl="0"/>
             <a:r>
               <a:rPr lang="en-GB" b="1" dirty="0"/>
-              <a:t>bundle of multiple signals</a:t>
-            </a:r>
-            <a:r>
-              <a:rPr lang="en-GB" dirty="0"/>
-              <a:t>.</a:t>
+              <a:t>Combinational</a:t>
+            </a:r>
+            <a:r>
+              <a:rPr lang="en-GB" dirty="0"/>
+              <a:t> circuit: output </a:t>
+            </a:r>
+            <a:r>
+              <a:rPr lang="en-GB" b="1" dirty="0"/>
+              <a:t>depends only on the current values of the inputs</a:t>
             </a:r>
           </a:p>
           <a:p>
@@ -10772,7 +9665,24 @@
                 <a:spcPct val="100000"/>
               </a:lnSpc>
               <a:spcBef>
+                <a:spcPts val="0"/>
+              </a:spcBef>
+              <a:spcAft>
                 <a:spcPts val="600"/>
+              </a:spcAft>
+            </a:pPr>
+            <a:r>
+              <a:rPr lang="en-GB" dirty="0"/>
+              <a:t>combines the current input values to compute the output</a:t>
+            </a:r>
+          </a:p>
+          <a:p>
+            <a:pPr lvl="1">
+              <a:lnSpc>
+                <a:spcPct val="100000"/>
+              </a:lnSpc>
+              <a:spcBef>
+                <a:spcPts val="0"/>
               </a:spcBef>
               <a:spcAft>
                 <a:spcPts val="600"/>
@@ -10780,22 +9690,108 @@
             </a:pPr>
             <a:r>
               <a:rPr lang="en-GB" dirty="0"/>
-              <a:t>a single line with a slash through it and a number next to it</a:t>
-            </a:r>
-          </a:p>
-          <a:p>
-            <a:pPr lvl="1"/>
-            <a:endParaRPr lang="en-GB" dirty="0"/>
-          </a:p>
-          <a:p>
-            <a:pPr lvl="1"/>
-            <a:endParaRPr lang="en-GB" dirty="0"/>
-          </a:p>
-          <a:p>
-            <a:endParaRPr lang="en-GB" dirty="0"/>
-          </a:p>
-          <a:p>
-            <a:endParaRPr lang="en-GB" dirty="0"/>
+              <a:t>a logic gate is a combinational circuit</a:t>
+            </a:r>
+          </a:p>
+          <a:p>
+            <a:pPr lvl="1">
+              <a:lnSpc>
+                <a:spcPct val="100000"/>
+              </a:lnSpc>
+              <a:spcBef>
+                <a:spcPts val="0"/>
+              </a:spcBef>
+              <a:spcAft>
+                <a:spcPts val="600"/>
+              </a:spcAft>
+            </a:pPr>
+            <a:r>
+              <a:rPr lang="en-GB" b="1" dirty="0"/>
+              <a:t>memoryless</a:t>
+            </a:r>
+          </a:p>
+          <a:p>
+            <a:r>
+              <a:rPr lang="en-GB" b="1" dirty="0"/>
+              <a:t>Sequential</a:t>
+            </a:r>
+            <a:r>
+              <a:rPr lang="en-GB" dirty="0"/>
+              <a:t> circuit: output </a:t>
+            </a:r>
+            <a:r>
+              <a:rPr lang="en-GB" b="1" dirty="0"/>
+              <a:t>depends on both current and previous values of the inputs</a:t>
+            </a:r>
+          </a:p>
+          <a:p>
+            <a:pPr lvl="1">
+              <a:lnSpc>
+                <a:spcPct val="100000"/>
+              </a:lnSpc>
+              <a:spcBef>
+                <a:spcPts val="0"/>
+              </a:spcBef>
+              <a:spcAft>
+                <a:spcPts val="600"/>
+              </a:spcAft>
+            </a:pPr>
+            <a:r>
+              <a:rPr lang="en-GB" dirty="0"/>
+              <a:t>depends on the input sequence</a:t>
+            </a:r>
+          </a:p>
+          <a:p>
+            <a:pPr lvl="1">
+              <a:lnSpc>
+                <a:spcPct val="100000"/>
+              </a:lnSpc>
+              <a:spcBef>
+                <a:spcPts val="0"/>
+              </a:spcBef>
+              <a:spcAft>
+                <a:spcPts val="600"/>
+              </a:spcAft>
+            </a:pPr>
+            <a:r>
+              <a:rPr lang="en-GB" dirty="0"/>
+              <a:t>has </a:t>
+            </a:r>
+            <a:r>
+              <a:rPr lang="en-GB" b="1" dirty="0"/>
+              <a:t>memory</a:t>
+            </a:r>
+          </a:p>
+          <a:p>
+            <a:r>
+              <a:rPr lang="en-GB" dirty="0"/>
+              <a:t>There are often many </a:t>
+            </a:r>
+            <a:r>
+              <a:rPr lang="en-GB" b="1" dirty="0"/>
+              <a:t>implementations</a:t>
+            </a:r>
+            <a:r>
+              <a:rPr lang="en-GB" dirty="0"/>
+              <a:t> for a single function</a:t>
+            </a:r>
+          </a:p>
+          <a:p>
+            <a:pPr lvl="1">
+              <a:lnSpc>
+                <a:spcPct val="100000"/>
+              </a:lnSpc>
+              <a:spcBef>
+                <a:spcPts val="0"/>
+              </a:spcBef>
+              <a:spcAft>
+                <a:spcPts val="600"/>
+              </a:spcAft>
+            </a:pPr>
+            <a:r>
+              <a:rPr lang="en-GB" dirty="0"/>
+              <a:t>we choose given the building blocks at our disposal and our design constraints (area, speed, power, etc).</a:t>
+            </a:r>
           </a:p>
           <a:p>
             <a:endParaRPr lang="en-GB" dirty="0"/>
@@ -10804,10 +9800,10 @@
       </p:sp>
       <p:pic>
         <p:nvPicPr>
-          <p:cNvPr id="3" name="Immagine 2">
+          <p:cNvPr id="2" name="Immagine 1">
             <a:extLst>
               <a:ext uri="{FF2B5EF4-FFF2-40B4-BE49-F238E27FC236}">
-                <a16:creationId xmlns:a16="http://schemas.microsoft.com/office/drawing/2014/main" id="{ABE3CA87-0B25-2C79-A596-21112343DAEC}"/>
+                <a16:creationId xmlns:a16="http://schemas.microsoft.com/office/drawing/2014/main" id="{2E231A66-02B1-2C3B-E3EB-8053F93BFC60}"/>
               </a:ext>
             </a:extLst>
           </p:cNvPr>
@@ -10824,8 +9820,8 @@
         </p:blipFill>
         <p:spPr>
           <a:xfrm>
-            <a:off x="870854" y="2026492"/>
-            <a:ext cx="1519190" cy="751764"/>
+            <a:off x="924791" y="4648923"/>
+            <a:ext cx="6774873" cy="1961789"/>
           </a:xfrm>
           <a:prstGeom prst="rect">
             <a:avLst/>
@@ -10835,7 +9831,7 @@
     </p:spTree>
     <p:extLst>
       <p:ext uri="{BB962C8B-B14F-4D97-AF65-F5344CB8AC3E}">
-        <p14:creationId xmlns:p14="http://schemas.microsoft.com/office/powerpoint/2010/main" val="846979211"/>
+        <p14:creationId xmlns:p14="http://schemas.microsoft.com/office/powerpoint/2010/main" val="3692252167"/>
       </p:ext>
     </p:extLst>
   </p:cSld>
@@ -11134,195 +10130,12 @@
           </a:p>
         </p:txBody>
       </p:sp>
-      <p:sp>
-        <p:nvSpPr>
-          <p:cNvPr id="84" name="Google Shape;84;p14"/>
-          <p:cNvSpPr txBox="1">
-            <a:spLocks noGrp="1"/>
-          </p:cNvSpPr>
-          <p:nvPr>
-            <p:ph type="body" idx="1"/>
-          </p:nvPr>
-        </p:nvSpPr>
-        <p:spPr>
-          <a:xfrm>
-            <a:off x="2155323" y="1212537"/>
-            <a:ext cx="6811256" cy="5100000"/>
-          </a:xfrm>
-          <a:prstGeom prst="rect">
-            <a:avLst/>
-          </a:prstGeom>
-        </p:spPr>
-        <p:txBody>
-          <a:bodyPr spcFirstLastPara="1" wrap="square" lIns="91425" tIns="91425" rIns="91425" bIns="91425" anchor="t" anchorCtr="0">
-            <a:noAutofit/>
-          </a:bodyPr>
-          <a:lstStyle/>
-          <a:p>
-            <a:r>
-              <a:rPr lang="en-GB" b="1" dirty="0"/>
-              <a:t>It is </a:t>
-            </a:r>
-            <a:r>
-              <a:rPr lang="en-GB" dirty="0"/>
-              <a:t>combinational circuit</a:t>
-            </a:r>
-          </a:p>
-          <a:p>
-            <a:endParaRPr lang="en-GB" sz="1100" dirty="0"/>
-          </a:p>
-          <a:p>
-            <a:endParaRPr lang="en-GB" sz="500" dirty="0"/>
-          </a:p>
-          <a:p>
-            <a:r>
-              <a:rPr lang="en-GB" b="1" dirty="0"/>
-              <a:t>It is not </a:t>
-            </a:r>
-            <a:r>
-              <a:rPr lang="en-GB" dirty="0"/>
-              <a:t>combinational</a:t>
-            </a:r>
-          </a:p>
-          <a:p>
-            <a:pPr lvl="1">
-              <a:lnSpc>
-                <a:spcPct val="100000"/>
-              </a:lnSpc>
-              <a:spcBef>
-                <a:spcPts val="600"/>
-              </a:spcBef>
-              <a:spcAft>
-                <a:spcPts val="600"/>
-              </a:spcAft>
-            </a:pPr>
-            <a:r>
-              <a:rPr lang="en-GB" dirty="0"/>
-              <a:t>there is a cyclic path</a:t>
-            </a:r>
-          </a:p>
-          <a:p>
-            <a:pPr lvl="1"/>
-            <a:endParaRPr lang="en-GB" sz="500" dirty="0"/>
-          </a:p>
-          <a:p>
-            <a:r>
-              <a:rPr lang="en-GB" b="1" dirty="0"/>
-              <a:t>It is not </a:t>
-            </a:r>
-            <a:r>
-              <a:rPr lang="en-GB" dirty="0"/>
-              <a:t>combinational</a:t>
-            </a:r>
-          </a:p>
-          <a:p>
-            <a:pPr lvl="1">
-              <a:lnSpc>
-                <a:spcPct val="100000"/>
-              </a:lnSpc>
-              <a:spcBef>
-                <a:spcPts val="600"/>
-              </a:spcBef>
-              <a:spcAft>
-                <a:spcPts val="600"/>
-              </a:spcAft>
-            </a:pPr>
-            <a:r>
-              <a:rPr lang="en-GB" dirty="0"/>
-              <a:t>node n6 connects to the output of both I3 and I4	</a:t>
-            </a:r>
-          </a:p>
-          <a:p>
-            <a:pPr lvl="1"/>
-            <a:endParaRPr lang="en-GB" sz="500" dirty="0"/>
-          </a:p>
-          <a:p>
-            <a:r>
-              <a:rPr lang="en-GB" b="1" dirty="0"/>
-              <a:t>It is </a:t>
-            </a:r>
-            <a:r>
-              <a:rPr lang="en-GB" dirty="0"/>
-              <a:t>combinational</a:t>
-            </a:r>
-          </a:p>
-          <a:p>
-            <a:pPr lvl="1">
-              <a:lnSpc>
-                <a:spcPct val="100000"/>
-              </a:lnSpc>
-              <a:spcBef>
-                <a:spcPts val="600"/>
-              </a:spcBef>
-              <a:spcAft>
-                <a:spcPts val="600"/>
-              </a:spcAft>
-            </a:pPr>
-            <a:r>
-              <a:rPr lang="en-GB" dirty="0"/>
-              <a:t>two combinational circuits connected to form a larger combinational circuit</a:t>
-            </a:r>
-          </a:p>
-          <a:p>
-            <a:pPr lvl="1"/>
-            <a:endParaRPr lang="en-GB" sz="600" dirty="0"/>
-          </a:p>
-          <a:p>
-            <a:r>
-              <a:rPr lang="en-GB" b="1" dirty="0"/>
-              <a:t>It does not obey the rules</a:t>
-            </a:r>
-          </a:p>
-          <a:p>
-            <a:pPr lvl="1">
-              <a:lnSpc>
-                <a:spcPct val="100000"/>
-              </a:lnSpc>
-              <a:spcBef>
-                <a:spcPts val="600"/>
-              </a:spcBef>
-              <a:spcAft>
-                <a:spcPts val="600"/>
-              </a:spcAft>
-            </a:pPr>
-            <a:r>
-              <a:rPr lang="en-GB" dirty="0"/>
-              <a:t>it has a cyclic path through the two elements </a:t>
-            </a:r>
-          </a:p>
-          <a:p>
-            <a:pPr lvl="1">
-              <a:lnSpc>
-                <a:spcPct val="100000"/>
-              </a:lnSpc>
-              <a:spcBef>
-                <a:spcPts val="600"/>
-              </a:spcBef>
-              <a:spcAft>
-                <a:spcPts val="600"/>
-              </a:spcAft>
-            </a:pPr>
-            <a:r>
-              <a:rPr lang="en-GB" dirty="0"/>
-              <a:t>depending on the functions of the elements, it may or may not be a combinational circuit</a:t>
-            </a:r>
-          </a:p>
-          <a:p>
-            <a:pPr lvl="0"/>
-            <a:endParaRPr lang="en-GB" dirty="0"/>
-          </a:p>
-          <a:p>
-            <a:pPr lvl="1"/>
-            <a:endParaRPr lang="en-GB" dirty="0"/>
-          </a:p>
-        </p:txBody>
-      </p:sp>
       <p:pic>
         <p:nvPicPr>
-          <p:cNvPr id="3" name="Immagine 2" descr="Immagine che contiene testo, orologio, antenna, calibro&#10;&#10;Descrizione generata automaticamente">
+          <p:cNvPr id="6" name="Immagine 5">
             <a:extLst>
               <a:ext uri="{FF2B5EF4-FFF2-40B4-BE49-F238E27FC236}">
-                <a16:creationId xmlns:a16="http://schemas.microsoft.com/office/drawing/2014/main" id="{F3D401DB-61B8-1C3E-9105-7EC9ACE0FC92}"/>
+                <a16:creationId xmlns:a16="http://schemas.microsoft.com/office/drawing/2014/main" id="{35055663-4D13-61F6-DCC0-98E52586F15A}"/>
               </a:ext>
             </a:extLst>
           </p:cNvPr>
@@ -11339,8 +10152,8 @@
         </p:blipFill>
         <p:spPr>
           <a:xfrm>
-            <a:off x="311700" y="1212537"/>
-            <a:ext cx="1549400" cy="596900"/>
+            <a:off x="532145" y="1109390"/>
+            <a:ext cx="7772400" cy="2477792"/>
           </a:xfrm>
           <a:prstGeom prst="rect">
             <a:avLst/>
@@ -11349,10 +10162,10 @@
       </p:pic>
       <p:pic>
         <p:nvPicPr>
-          <p:cNvPr id="5" name="Immagine 4">
+          <p:cNvPr id="8" name="Immagine 7">
             <a:extLst>
               <a:ext uri="{FF2B5EF4-FFF2-40B4-BE49-F238E27FC236}">
-                <a16:creationId xmlns:a16="http://schemas.microsoft.com/office/drawing/2014/main" id="{5D828C5A-E211-5917-F0A3-478949F392AF}"/>
+                <a16:creationId xmlns:a16="http://schemas.microsoft.com/office/drawing/2014/main" id="{40E6E0F2-ADAE-E704-6DFD-19F53EBD6D5F}"/>
               </a:ext>
             </a:extLst>
           </p:cNvPr>
@@ -11369,98 +10182,8 @@
         </p:blipFill>
         <p:spPr>
           <a:xfrm>
-            <a:off x="311700" y="2006596"/>
-            <a:ext cx="1181100" cy="520700"/>
-          </a:xfrm>
-          <a:prstGeom prst="rect">
-            <a:avLst/>
-          </a:prstGeom>
-        </p:spPr>
-      </p:pic>
-      <p:pic>
-        <p:nvPicPr>
-          <p:cNvPr id="7" name="Immagine 6" descr="Immagine che contiene testo, orologio, antenna&#10;&#10;Descrizione generata automaticamente">
-            <a:extLst>
-              <a:ext uri="{FF2B5EF4-FFF2-40B4-BE49-F238E27FC236}">
-                <a16:creationId xmlns:a16="http://schemas.microsoft.com/office/drawing/2014/main" id="{0C7BE3E7-6868-19EE-3253-53A71F868074}"/>
-              </a:ext>
-            </a:extLst>
-          </p:cNvPr>
-          <p:cNvPicPr>
-            <a:picLocks noChangeAspect="1"/>
-          </p:cNvPicPr>
-          <p:nvPr/>
-        </p:nvPicPr>
-        <p:blipFill>
-          <a:blip r:embed="rId5"/>
-          <a:stretch>
-            <a:fillRect/>
-          </a:stretch>
-        </p:blipFill>
-        <p:spPr>
-          <a:xfrm>
-            <a:off x="311700" y="2775864"/>
-            <a:ext cx="1447800" cy="876300"/>
-          </a:xfrm>
-          <a:prstGeom prst="rect">
-            <a:avLst/>
-          </a:prstGeom>
-        </p:spPr>
-      </p:pic>
-      <p:pic>
-        <p:nvPicPr>
-          <p:cNvPr id="9" name="Immagine 8">
-            <a:extLst>
-              <a:ext uri="{FF2B5EF4-FFF2-40B4-BE49-F238E27FC236}">
-                <a16:creationId xmlns:a16="http://schemas.microsoft.com/office/drawing/2014/main" id="{4FF45D8D-E910-4192-97BD-DEBE87AA0D7F}"/>
-              </a:ext>
-            </a:extLst>
-          </p:cNvPr>
-          <p:cNvPicPr>
-            <a:picLocks noChangeAspect="1"/>
-          </p:cNvPicPr>
-          <p:nvPr/>
-        </p:nvPicPr>
-        <p:blipFill>
-          <a:blip r:embed="rId6"/>
-          <a:stretch>
-            <a:fillRect/>
-          </a:stretch>
-        </p:blipFill>
-        <p:spPr>
-          <a:xfrm>
-            <a:off x="313520" y="3849323"/>
-            <a:ext cx="1905000" cy="711200"/>
-          </a:xfrm>
-          <a:prstGeom prst="rect">
-            <a:avLst/>
-          </a:prstGeom>
-        </p:spPr>
-      </p:pic>
-      <p:pic>
-        <p:nvPicPr>
-          <p:cNvPr id="11" name="Immagine 10">
-            <a:extLst>
-              <a:ext uri="{FF2B5EF4-FFF2-40B4-BE49-F238E27FC236}">
-                <a16:creationId xmlns:a16="http://schemas.microsoft.com/office/drawing/2014/main" id="{85A08A20-9095-CFB9-3040-825FE39CFB8A}"/>
-              </a:ext>
-            </a:extLst>
-          </p:cNvPr>
-          <p:cNvPicPr>
-            <a:picLocks noChangeAspect="1"/>
-          </p:cNvPicPr>
-          <p:nvPr/>
-        </p:nvPicPr>
-        <p:blipFill>
-          <a:blip r:embed="rId7"/>
-          <a:stretch>
-            <a:fillRect/>
-          </a:stretch>
-        </p:blipFill>
-        <p:spPr>
-          <a:xfrm>
-            <a:off x="311700" y="5210571"/>
-            <a:ext cx="1968500" cy="787400"/>
+            <a:off x="415636" y="3673622"/>
+            <a:ext cx="8005419" cy="3049296"/>
           </a:xfrm>
           <a:prstGeom prst="rect">
             <a:avLst/>
@@ -11677,641 +10400,6 @@
 </p:sld>
 </file>
 
-<file path=ppt/slides/slide17.xml><?xml version="1.0" encoding="utf-8"?>
-<p:sld xmlns:a="http://schemas.openxmlformats.org/drawingml/2006/main" xmlns:r="http://schemas.openxmlformats.org/officeDocument/2006/relationships" xmlns:p="http://schemas.openxmlformats.org/presentationml/2006/main">
-  <p:cSld>
-    <p:spTree>
-      <p:nvGrpSpPr>
-        <p:cNvPr id="1" name="Shape 82"/>
-        <p:cNvGrpSpPr/>
-        <p:nvPr/>
-      </p:nvGrpSpPr>
-      <p:grpSpPr>
-        <a:xfrm>
-          <a:off x="0" y="0"/>
-          <a:ext cx="0" cy="0"/>
-          <a:chOff x="0" y="0"/>
-          <a:chExt cx="0" cy="0"/>
-        </a:xfrm>
-      </p:grpSpPr>
-      <p:sp>
-        <p:nvSpPr>
-          <p:cNvPr id="83" name="Google Shape;83;p14"/>
-          <p:cNvSpPr txBox="1">
-            <a:spLocks noGrp="1"/>
-          </p:cNvSpPr>
-          <p:nvPr>
-            <p:ph type="title" idx="4294967295"/>
-          </p:nvPr>
-        </p:nvSpPr>
-        <p:spPr>
-          <a:xfrm>
-            <a:off x="311700" y="421233"/>
-            <a:ext cx="8520600" cy="622500"/>
-          </a:xfrm>
-          <a:prstGeom prst="rect">
-            <a:avLst/>
-          </a:prstGeom>
-        </p:spPr>
-        <p:txBody>
-          <a:bodyPr spcFirstLastPara="1" wrap="square" lIns="91425" tIns="91425" rIns="91425" bIns="91425" anchor="b" anchorCtr="0">
-            <a:noAutofit/>
-          </a:bodyPr>
-          <a:lstStyle/>
-          <a:p>
-            <a:pPr marL="0" lvl="0" indent="0" algn="l" rtl="0">
-              <a:spcBef>
-                <a:spcPts val="0"/>
-              </a:spcBef>
-              <a:spcAft>
-                <a:spcPts val="0"/>
-              </a:spcAft>
-              <a:buNone/>
-            </a:pPr>
-            <a:r>
-              <a:rPr lang="en-GB" dirty="0"/>
-              <a:t>Exercises (1)</a:t>
-            </a:r>
-            <a:endParaRPr dirty="0"/>
-          </a:p>
-        </p:txBody>
-      </p:sp>
-      <p:sp>
-        <p:nvSpPr>
-          <p:cNvPr id="84" name="Google Shape;84;p14"/>
-          <p:cNvSpPr txBox="1">
-            <a:spLocks noGrp="1"/>
-          </p:cNvSpPr>
-          <p:nvPr>
-            <p:ph type="body" idx="1"/>
-          </p:nvPr>
-        </p:nvSpPr>
-        <p:spPr>
-          <a:xfrm>
-            <a:off x="162750" y="1192659"/>
-            <a:ext cx="8818500" cy="5387046"/>
-          </a:xfrm>
-          <a:prstGeom prst="rect">
-            <a:avLst/>
-          </a:prstGeom>
-        </p:spPr>
-        <p:txBody>
-          <a:bodyPr spcFirstLastPara="1" wrap="square" lIns="91425" tIns="91425" rIns="91425" bIns="91425" anchor="t" anchorCtr="0">
-            <a:noAutofit/>
-          </a:bodyPr>
-          <a:lstStyle/>
-          <a:p>
-            <a:r>
-              <a:rPr lang="en-GB" dirty="0"/>
-              <a:t>Ex3.1: </a:t>
-            </a:r>
-            <a:r>
-              <a:rPr lang="en-GB" b="1" dirty="0"/>
-              <a:t>Draw the symbol, boolean equation, and truth table for (a) a three-input OR gate; (b) a three-input exclusive OR (XOR) gate; (c) a four-input XNOR gate</a:t>
-            </a:r>
-          </a:p>
-          <a:p>
-            <a:pPr lvl="1">
-              <a:lnSpc>
-                <a:spcPct val="100000"/>
-              </a:lnSpc>
-              <a:spcBef>
-                <a:spcPts val="600"/>
-              </a:spcBef>
-              <a:spcAft>
-                <a:spcPts val="600"/>
-              </a:spcAft>
-            </a:pPr>
-            <a:r>
-              <a:rPr lang="en-GB" dirty="0"/>
-              <a:t>Solution:</a:t>
-            </a:r>
-          </a:p>
-          <a:p>
-            <a:pPr lvl="1">
-              <a:lnSpc>
-                <a:spcPct val="100000"/>
-              </a:lnSpc>
-              <a:spcBef>
-                <a:spcPts val="600"/>
-              </a:spcBef>
-              <a:spcAft>
-                <a:spcPts val="600"/>
-              </a:spcAft>
-            </a:pPr>
-            <a:endParaRPr lang="en-GB" sz="100" dirty="0"/>
-          </a:p>
-        </p:txBody>
-      </p:sp>
-      <p:pic>
-        <p:nvPicPr>
-          <p:cNvPr id="3" name="Immagine 2" descr="Immagine che contiene tavolo&#10;&#10;Descrizione generata automaticamente">
-            <a:extLst>
-              <a:ext uri="{FF2B5EF4-FFF2-40B4-BE49-F238E27FC236}">
-                <a16:creationId xmlns:a16="http://schemas.microsoft.com/office/drawing/2014/main" id="{C24425DB-0138-99FE-FAD2-763463941402}"/>
-              </a:ext>
-            </a:extLst>
-          </p:cNvPr>
-          <p:cNvPicPr>
-            <a:picLocks noChangeAspect="1"/>
-          </p:cNvPicPr>
-          <p:nvPr/>
-        </p:nvPicPr>
-        <p:blipFill>
-          <a:blip r:embed="rId3"/>
-          <a:stretch>
-            <a:fillRect/>
-          </a:stretch>
-        </p:blipFill>
-        <p:spPr>
-          <a:xfrm>
-            <a:off x="1943100" y="2487067"/>
-            <a:ext cx="5257800" cy="3949700"/>
-          </a:xfrm>
-          <a:prstGeom prst="rect">
-            <a:avLst/>
-          </a:prstGeom>
-        </p:spPr>
-      </p:pic>
-    </p:spTree>
-    <p:extLst>
-      <p:ext uri="{BB962C8B-B14F-4D97-AF65-F5344CB8AC3E}">
-        <p14:creationId xmlns:p14="http://schemas.microsoft.com/office/powerpoint/2010/main" val="97697531"/>
-      </p:ext>
-    </p:extLst>
-  </p:cSld>
-  <p:clrMapOvr>
-    <a:masterClrMapping/>
-  </p:clrMapOvr>
-</p:sld>
-</file>
-
-<file path=ppt/slides/slide18.xml><?xml version="1.0" encoding="utf-8"?>
-<p:sld xmlns:a="http://schemas.openxmlformats.org/drawingml/2006/main" xmlns:r="http://schemas.openxmlformats.org/officeDocument/2006/relationships" xmlns:p="http://schemas.openxmlformats.org/presentationml/2006/main">
-  <p:cSld>
-    <p:spTree>
-      <p:nvGrpSpPr>
-        <p:cNvPr id="1" name="Shape 82"/>
-        <p:cNvGrpSpPr/>
-        <p:nvPr/>
-      </p:nvGrpSpPr>
-      <p:grpSpPr>
-        <a:xfrm>
-          <a:off x="0" y="0"/>
-          <a:ext cx="0" cy="0"/>
-          <a:chOff x="0" y="0"/>
-          <a:chExt cx="0" cy="0"/>
-        </a:xfrm>
-      </p:grpSpPr>
-      <p:sp>
-        <p:nvSpPr>
-          <p:cNvPr id="83" name="Google Shape;83;p14"/>
-          <p:cNvSpPr txBox="1">
-            <a:spLocks noGrp="1"/>
-          </p:cNvSpPr>
-          <p:nvPr>
-            <p:ph type="title" idx="4294967295"/>
-          </p:nvPr>
-        </p:nvSpPr>
-        <p:spPr>
-          <a:xfrm>
-            <a:off x="311700" y="421233"/>
-            <a:ext cx="8520600" cy="622500"/>
-          </a:xfrm>
-          <a:prstGeom prst="rect">
-            <a:avLst/>
-          </a:prstGeom>
-        </p:spPr>
-        <p:txBody>
-          <a:bodyPr spcFirstLastPara="1" wrap="square" lIns="91425" tIns="91425" rIns="91425" bIns="91425" anchor="b" anchorCtr="0">
-            <a:noAutofit/>
-          </a:bodyPr>
-          <a:lstStyle/>
-          <a:p>
-            <a:pPr marL="0" lvl="0" indent="0" algn="l" rtl="0">
-              <a:spcBef>
-                <a:spcPts val="0"/>
-              </a:spcBef>
-              <a:spcAft>
-                <a:spcPts val="0"/>
-              </a:spcAft>
-              <a:buNone/>
-            </a:pPr>
-            <a:r>
-              <a:rPr lang="en-GB" dirty="0"/>
-              <a:t>Exercises (2)</a:t>
-            </a:r>
-            <a:endParaRPr dirty="0"/>
-          </a:p>
-        </p:txBody>
-      </p:sp>
-      <p:sp>
-        <p:nvSpPr>
-          <p:cNvPr id="84" name="Google Shape;84;p14"/>
-          <p:cNvSpPr txBox="1">
-            <a:spLocks noGrp="1"/>
-          </p:cNvSpPr>
-          <p:nvPr>
-            <p:ph type="body" idx="1"/>
-          </p:nvPr>
-        </p:nvSpPr>
-        <p:spPr>
-          <a:xfrm>
-            <a:off x="162750" y="1192659"/>
-            <a:ext cx="8818500" cy="5387046"/>
-          </a:xfrm>
-          <a:prstGeom prst="rect">
-            <a:avLst/>
-          </a:prstGeom>
-        </p:spPr>
-        <p:txBody>
-          <a:bodyPr spcFirstLastPara="1" wrap="square" lIns="91425" tIns="91425" rIns="91425" bIns="91425" anchor="t" anchorCtr="0">
-            <a:noAutofit/>
-          </a:bodyPr>
-          <a:lstStyle/>
-          <a:p>
-            <a:r>
-              <a:rPr lang="en-GB" dirty="0"/>
-              <a:t>Ex3.2: </a:t>
-            </a:r>
-            <a:r>
-              <a:rPr lang="en-GB" b="1" dirty="0"/>
-              <a:t>Draw the symbol, boolean equation, and truth table for (a) a four-input OR gate; (b) a three-input XNOR gate</a:t>
-            </a:r>
-          </a:p>
-          <a:p>
-            <a:pPr lvl="1">
-              <a:lnSpc>
-                <a:spcPct val="100000"/>
-              </a:lnSpc>
-              <a:spcBef>
-                <a:spcPts val="600"/>
-              </a:spcBef>
-              <a:spcAft>
-                <a:spcPts val="600"/>
-              </a:spcAft>
-            </a:pPr>
-            <a:r>
-              <a:rPr lang="en-GB" dirty="0"/>
-              <a:t>Solution:</a:t>
-            </a:r>
-          </a:p>
-          <a:p>
-            <a:pPr lvl="1">
-              <a:lnSpc>
-                <a:spcPct val="100000"/>
-              </a:lnSpc>
-              <a:spcBef>
-                <a:spcPts val="600"/>
-              </a:spcBef>
-              <a:spcAft>
-                <a:spcPts val="600"/>
-              </a:spcAft>
-            </a:pPr>
-            <a:endParaRPr lang="en-GB" sz="100" dirty="0"/>
-          </a:p>
-        </p:txBody>
-      </p:sp>
-      <p:pic>
-        <p:nvPicPr>
-          <p:cNvPr id="4" name="Immagine 3" descr="Immagine che contiene tavolo&#10;&#10;Descrizione generata automaticamente">
-            <a:extLst>
-              <a:ext uri="{FF2B5EF4-FFF2-40B4-BE49-F238E27FC236}">
-                <a16:creationId xmlns:a16="http://schemas.microsoft.com/office/drawing/2014/main" id="{B37C8976-E86A-4EAB-21EA-45CA6D160B6E}"/>
-              </a:ext>
-            </a:extLst>
-          </p:cNvPr>
-          <p:cNvPicPr>
-            <a:picLocks noChangeAspect="1"/>
-          </p:cNvPicPr>
-          <p:nvPr/>
-        </p:nvPicPr>
-        <p:blipFill rotWithShape="1">
-          <a:blip r:embed="rId3"/>
-          <a:srcRect r="36155" b="37955"/>
-          <a:stretch/>
-        </p:blipFill>
-        <p:spPr>
-          <a:xfrm>
-            <a:off x="2588986" y="2135415"/>
-            <a:ext cx="3681186" cy="4018643"/>
-          </a:xfrm>
-          <a:prstGeom prst="rect">
-            <a:avLst/>
-          </a:prstGeom>
-        </p:spPr>
-      </p:pic>
-    </p:spTree>
-    <p:extLst>
-      <p:ext uri="{BB962C8B-B14F-4D97-AF65-F5344CB8AC3E}">
-        <p14:creationId xmlns:p14="http://schemas.microsoft.com/office/powerpoint/2010/main" val="1388305878"/>
-      </p:ext>
-    </p:extLst>
-  </p:cSld>
-  <p:clrMapOvr>
-    <a:masterClrMapping/>
-  </p:clrMapOvr>
-</p:sld>
-</file>
-
-<file path=ppt/slides/slide19.xml><?xml version="1.0" encoding="utf-8"?>
-<p:sld xmlns:a="http://schemas.openxmlformats.org/drawingml/2006/main" xmlns:r="http://schemas.openxmlformats.org/officeDocument/2006/relationships" xmlns:p="http://schemas.openxmlformats.org/presentationml/2006/main">
-  <p:cSld>
-    <p:spTree>
-      <p:nvGrpSpPr>
-        <p:cNvPr id="1" name="Shape 82"/>
-        <p:cNvGrpSpPr/>
-        <p:nvPr/>
-      </p:nvGrpSpPr>
-      <p:grpSpPr>
-        <a:xfrm>
-          <a:off x="0" y="0"/>
-          <a:ext cx="0" cy="0"/>
-          <a:chOff x="0" y="0"/>
-          <a:chExt cx="0" cy="0"/>
-        </a:xfrm>
-      </p:grpSpPr>
-      <p:sp>
-        <p:nvSpPr>
-          <p:cNvPr id="83" name="Google Shape;83;p14"/>
-          <p:cNvSpPr txBox="1">
-            <a:spLocks noGrp="1"/>
-          </p:cNvSpPr>
-          <p:nvPr>
-            <p:ph type="title" idx="4294967295"/>
-          </p:nvPr>
-        </p:nvSpPr>
-        <p:spPr>
-          <a:xfrm>
-            <a:off x="311700" y="421233"/>
-            <a:ext cx="8520600" cy="622500"/>
-          </a:xfrm>
-          <a:prstGeom prst="rect">
-            <a:avLst/>
-          </a:prstGeom>
-        </p:spPr>
-        <p:txBody>
-          <a:bodyPr spcFirstLastPara="1" wrap="square" lIns="91425" tIns="91425" rIns="91425" bIns="91425" anchor="b" anchorCtr="0">
-            <a:noAutofit/>
-          </a:bodyPr>
-          <a:lstStyle/>
-          <a:p>
-            <a:pPr marL="0" lvl="0" indent="0" algn="l" rtl="0">
-              <a:spcBef>
-                <a:spcPts val="0"/>
-              </a:spcBef>
-              <a:spcAft>
-                <a:spcPts val="0"/>
-              </a:spcAft>
-              <a:buNone/>
-            </a:pPr>
-            <a:r>
-              <a:rPr lang="en-GB" dirty="0"/>
-              <a:t>Exercises (3)</a:t>
-            </a:r>
-            <a:endParaRPr dirty="0"/>
-          </a:p>
-        </p:txBody>
-      </p:sp>
-      <p:sp>
-        <p:nvSpPr>
-          <p:cNvPr id="84" name="Google Shape;84;p14"/>
-          <p:cNvSpPr txBox="1">
-            <a:spLocks noGrp="1"/>
-          </p:cNvSpPr>
-          <p:nvPr>
-            <p:ph type="body" idx="1"/>
-          </p:nvPr>
-        </p:nvSpPr>
-        <p:spPr>
-          <a:xfrm>
-            <a:off x="162750" y="1192659"/>
-            <a:ext cx="8818500" cy="5387046"/>
-          </a:xfrm>
-          <a:prstGeom prst="rect">
-            <a:avLst/>
-          </a:prstGeom>
-        </p:spPr>
-        <p:txBody>
-          <a:bodyPr spcFirstLastPara="1" wrap="square" lIns="91425" tIns="91425" rIns="91425" bIns="91425" anchor="t" anchorCtr="0">
-            <a:noAutofit/>
-          </a:bodyPr>
-          <a:lstStyle/>
-          <a:p>
-            <a:r>
-              <a:rPr lang="en-GB" dirty="0"/>
-              <a:t>Ex3.3: </a:t>
-            </a:r>
-            <a:r>
-              <a:rPr lang="en-GB" b="1" dirty="0"/>
-              <a:t>A majority gate produces a TRUE output if and only if more than half of its inputs are TRUE. Complete a truth table for a three-input majority gate.</a:t>
-            </a:r>
-          </a:p>
-          <a:p>
-            <a:pPr lvl="1">
-              <a:lnSpc>
-                <a:spcPct val="100000"/>
-              </a:lnSpc>
-              <a:spcBef>
-                <a:spcPts val="600"/>
-              </a:spcBef>
-              <a:spcAft>
-                <a:spcPts val="600"/>
-              </a:spcAft>
-            </a:pPr>
-            <a:r>
-              <a:rPr lang="en-GB" dirty="0"/>
-              <a:t>Solution:</a:t>
-            </a:r>
-          </a:p>
-          <a:p>
-            <a:pPr lvl="1">
-              <a:lnSpc>
-                <a:spcPct val="100000"/>
-              </a:lnSpc>
-              <a:spcBef>
-                <a:spcPts val="600"/>
-              </a:spcBef>
-              <a:spcAft>
-                <a:spcPts val="600"/>
-              </a:spcAft>
-            </a:pPr>
-            <a:endParaRPr lang="en-GB" dirty="0"/>
-          </a:p>
-          <a:p>
-            <a:pPr lvl="1">
-              <a:lnSpc>
-                <a:spcPct val="100000"/>
-              </a:lnSpc>
-              <a:spcBef>
-                <a:spcPts val="600"/>
-              </a:spcBef>
-              <a:spcAft>
-                <a:spcPts val="600"/>
-              </a:spcAft>
-            </a:pPr>
-            <a:endParaRPr lang="en-GB" dirty="0"/>
-          </a:p>
-          <a:p>
-            <a:pPr marL="590550" lvl="1" indent="0">
-              <a:lnSpc>
-                <a:spcPct val="100000"/>
-              </a:lnSpc>
-              <a:spcBef>
-                <a:spcPts val="600"/>
-              </a:spcBef>
-              <a:spcAft>
-                <a:spcPts val="600"/>
-              </a:spcAft>
-              <a:buNone/>
-            </a:pPr>
-            <a:endParaRPr lang="en-GB" dirty="0"/>
-          </a:p>
-          <a:p>
-            <a:pPr marL="590550" lvl="1" indent="0">
-              <a:lnSpc>
-                <a:spcPct val="100000"/>
-              </a:lnSpc>
-              <a:spcBef>
-                <a:spcPts val="600"/>
-              </a:spcBef>
-              <a:spcAft>
-                <a:spcPts val="600"/>
-              </a:spcAft>
-              <a:buNone/>
-            </a:pPr>
-            <a:endParaRPr lang="en-GB" sz="800" dirty="0"/>
-          </a:p>
-          <a:p>
-            <a:r>
-              <a:rPr lang="en-GB" dirty="0"/>
-              <a:t>Ex3.4: </a:t>
-            </a:r>
-            <a:r>
-              <a:rPr lang="en-GB" b="1" dirty="0"/>
-              <a:t>A three-input AND-OR gate produces a TRUE output if both A and B are TRUE or if C is TRUE. Complete a truth table for the gate.</a:t>
-            </a:r>
-          </a:p>
-          <a:p>
-            <a:pPr lvl="1">
-              <a:lnSpc>
-                <a:spcPct val="100000"/>
-              </a:lnSpc>
-              <a:spcBef>
-                <a:spcPts val="600"/>
-              </a:spcBef>
-              <a:spcAft>
-                <a:spcPts val="600"/>
-              </a:spcAft>
-            </a:pPr>
-            <a:r>
-              <a:rPr lang="en-GB" dirty="0"/>
-              <a:t>Solution:</a:t>
-            </a:r>
-          </a:p>
-          <a:p>
-            <a:pPr lvl="1">
-              <a:lnSpc>
-                <a:spcPct val="100000"/>
-              </a:lnSpc>
-              <a:spcBef>
-                <a:spcPts val="600"/>
-              </a:spcBef>
-              <a:spcAft>
-                <a:spcPts val="600"/>
-              </a:spcAft>
-            </a:pPr>
-            <a:endParaRPr lang="en-GB" dirty="0"/>
-          </a:p>
-          <a:p>
-            <a:pPr lvl="1">
-              <a:lnSpc>
-                <a:spcPct val="100000"/>
-              </a:lnSpc>
-              <a:spcBef>
-                <a:spcPts val="600"/>
-              </a:spcBef>
-              <a:spcAft>
-                <a:spcPts val="600"/>
-              </a:spcAft>
-            </a:pPr>
-            <a:endParaRPr lang="en-GB" sz="100" dirty="0"/>
-          </a:p>
-        </p:txBody>
-      </p:sp>
-      <p:pic>
-        <p:nvPicPr>
-          <p:cNvPr id="3" name="Immagine 2">
-            <a:extLst>
-              <a:ext uri="{FF2B5EF4-FFF2-40B4-BE49-F238E27FC236}">
-                <a16:creationId xmlns:a16="http://schemas.microsoft.com/office/drawing/2014/main" id="{5C628457-BFE4-D14C-E20E-25702C3ECC9E}"/>
-              </a:ext>
-            </a:extLst>
-          </p:cNvPr>
-          <p:cNvPicPr>
-            <a:picLocks noChangeAspect="1"/>
-          </p:cNvPicPr>
-          <p:nvPr/>
-        </p:nvPicPr>
-        <p:blipFill>
-          <a:blip r:embed="rId3"/>
-          <a:stretch>
-            <a:fillRect/>
-          </a:stretch>
-        </p:blipFill>
-        <p:spPr>
-          <a:xfrm>
-            <a:off x="2182586" y="2178957"/>
-            <a:ext cx="1498600" cy="1600200"/>
-          </a:xfrm>
-          <a:prstGeom prst="rect">
-            <a:avLst/>
-          </a:prstGeom>
-        </p:spPr>
-      </p:pic>
-      <p:pic>
-        <p:nvPicPr>
-          <p:cNvPr id="8" name="Immagine 7" descr="Immagine che contiene tavolo&#10;&#10;Descrizione generata automaticamente">
-            <a:extLst>
-              <a:ext uri="{FF2B5EF4-FFF2-40B4-BE49-F238E27FC236}">
-                <a16:creationId xmlns:a16="http://schemas.microsoft.com/office/drawing/2014/main" id="{BD5E088C-90F4-901C-67BD-EDFBF83A8455}"/>
-              </a:ext>
-            </a:extLst>
-          </p:cNvPr>
-          <p:cNvPicPr>
-            <a:picLocks noChangeAspect="1"/>
-          </p:cNvPicPr>
-          <p:nvPr/>
-        </p:nvPicPr>
-        <p:blipFill>
-          <a:blip r:embed="rId4"/>
-          <a:stretch>
-            <a:fillRect/>
-          </a:stretch>
-        </p:blipFill>
-        <p:spPr>
-          <a:xfrm>
-            <a:off x="2207986" y="4730239"/>
-            <a:ext cx="1447800" cy="1587500"/>
-          </a:xfrm>
-          <a:prstGeom prst="rect">
-            <a:avLst/>
-          </a:prstGeom>
-        </p:spPr>
-      </p:pic>
-    </p:spTree>
-    <p:extLst>
-      <p:ext uri="{BB962C8B-B14F-4D97-AF65-F5344CB8AC3E}">
-        <p14:creationId xmlns:p14="http://schemas.microsoft.com/office/powerpoint/2010/main" val="3188504337"/>
-      </p:ext>
-    </p:extLst>
-  </p:cSld>
-  <p:clrMapOvr>
-    <a:masterClrMapping/>
-  </p:clrMapOvr>
-</p:sld>
-</file>
-
 <file path=ppt/slides/slide2.xml><?xml version="1.0" encoding="utf-8"?>
 <p:sld xmlns:a="http://schemas.openxmlformats.org/drawingml/2006/main" xmlns:r="http://schemas.openxmlformats.org/officeDocument/2006/relationships" xmlns:p="http://schemas.openxmlformats.org/presentationml/2006/main">
   <p:cSld>
@@ -12380,8 +10468,8 @@
         </p:nvSpPr>
         <p:spPr>
           <a:xfrm>
-            <a:off x="311700" y="1452106"/>
-            <a:ext cx="8818500" cy="5113200"/>
+            <a:off x="325500" y="1171552"/>
+            <a:ext cx="8257391" cy="5113200"/>
           </a:xfrm>
         </p:spPr>
         <p:txBody>
@@ -12390,80 +10478,144 @@
           <a:p>
             <a:r>
               <a:rPr lang="en-GB" dirty="0"/>
-              <a:t>Logic Gate Definition</a:t>
-            </a:r>
-          </a:p>
-          <a:p>
+              <a:t>Logic Gates</a:t>
+            </a:r>
+          </a:p>
+          <a:p>
+            <a:pPr lvl="1">
+              <a:spcBef>
+                <a:spcPts val="0"/>
+              </a:spcBef>
+            </a:pPr>
             <a:r>
               <a:rPr lang="en-GB" dirty="0"/>
               <a:t>NOT gate</a:t>
             </a:r>
           </a:p>
           <a:p>
+            <a:pPr lvl="1">
+              <a:spcBef>
+                <a:spcPts val="0"/>
+              </a:spcBef>
+            </a:pPr>
             <a:r>
               <a:rPr lang="en-GB" dirty="0"/>
               <a:t>BUFFER gate</a:t>
             </a:r>
           </a:p>
           <a:p>
+            <a:pPr lvl="1">
+              <a:spcBef>
+                <a:spcPts val="0"/>
+              </a:spcBef>
+            </a:pPr>
             <a:r>
               <a:rPr lang="en-GB" dirty="0"/>
               <a:t>AND gate</a:t>
             </a:r>
           </a:p>
           <a:p>
+            <a:pPr lvl="1">
+              <a:spcBef>
+                <a:spcPts val="0"/>
+              </a:spcBef>
+            </a:pPr>
             <a:r>
               <a:rPr lang="en-GB" dirty="0"/>
               <a:t>OR gate</a:t>
             </a:r>
           </a:p>
           <a:p>
+            <a:pPr lvl="1">
+              <a:spcBef>
+                <a:spcPts val="0"/>
+              </a:spcBef>
+            </a:pPr>
+            <a:r>
+              <a:rPr lang="en-GB" dirty="0"/>
+              <a:t>XOR, NAND, NOR gates</a:t>
+            </a:r>
+          </a:p>
+          <a:p>
+            <a:pPr lvl="1">
+              <a:spcBef>
+                <a:spcPts val="0"/>
+              </a:spcBef>
+            </a:pPr>
+            <a:endParaRPr lang="en-GB" dirty="0"/>
+          </a:p>
+          <a:p>
             <a:r>
               <a:rPr lang="en-GB" dirty="0"/>
               <a:t>Boolean Algebra</a:t>
             </a:r>
           </a:p>
           <a:p>
-            <a:r>
-              <a:rPr lang="en-GB" dirty="0"/>
-              <a:t>XOR, NAND, NOR gates</a:t>
-            </a:r>
-          </a:p>
-          <a:p>
+            <a:pPr lvl="1">
+              <a:spcBef>
+                <a:spcPts val="0"/>
+              </a:spcBef>
+            </a:pPr>
             <a:r>
               <a:rPr lang="en-GB" dirty="0"/>
               <a:t>Multiple inputs gates</a:t>
             </a:r>
           </a:p>
           <a:p>
+            <a:endParaRPr lang="en-GB" dirty="0"/>
+          </a:p>
+          <a:p>
             <a:r>
               <a:rPr lang="en-GB" dirty="0"/>
               <a:t>Definition of digital circuits</a:t>
             </a:r>
           </a:p>
           <a:p>
+            <a:pPr lvl="1">
+              <a:spcBef>
+                <a:spcPts val="0"/>
+              </a:spcBef>
+            </a:pPr>
+            <a:r>
+              <a:rPr lang="en-GB" dirty="0"/>
+              <a:t>Bus</a:t>
+            </a:r>
+          </a:p>
+          <a:p>
+            <a:pPr lvl="1">
+              <a:spcBef>
+                <a:spcPts val="0"/>
+              </a:spcBef>
+            </a:pPr>
             <a:r>
               <a:rPr lang="en-GB" dirty="0"/>
               <a:t>Combinational or Sequential</a:t>
             </a:r>
           </a:p>
           <a:p>
-            <a:r>
-              <a:rPr lang="en-GB" dirty="0"/>
-              <a:t>Bus</a:t>
-            </a:r>
-          </a:p>
-          <a:p>
+            <a:pPr lvl="1">
+              <a:spcBef>
+                <a:spcPts val="0"/>
+              </a:spcBef>
+            </a:pPr>
             <a:r>
               <a:rPr lang="en-GB" dirty="0"/>
               <a:t>Rules of combinational composition</a:t>
             </a:r>
           </a:p>
           <a:p>
+            <a:pPr lvl="1">
+              <a:spcBef>
+                <a:spcPts val="0"/>
+              </a:spcBef>
+            </a:pPr>
             <a:r>
               <a:rPr lang="en-GB" dirty="0"/>
               <a:t>Examples</a:t>
             </a:r>
+          </a:p>
+          <a:p>
+            <a:endParaRPr lang="en-GB" dirty="0"/>
           </a:p>
           <a:p>
             <a:r>
@@ -12846,10 +10998,10 @@
       </p:sp>
       <p:pic>
         <p:nvPicPr>
-          <p:cNvPr id="3" name="Immagine 2" descr="Immagine che contiene testo, orologio, antenna&#10;&#10;Descrizione generata automaticamente">
+          <p:cNvPr id="5" name="Immagine 4">
             <a:extLst>
               <a:ext uri="{FF2B5EF4-FFF2-40B4-BE49-F238E27FC236}">
-                <a16:creationId xmlns:a16="http://schemas.microsoft.com/office/drawing/2014/main" id="{ACFD70D7-071D-9453-7D63-7E81730297D0}"/>
+                <a16:creationId xmlns:a16="http://schemas.microsoft.com/office/drawing/2014/main" id="{75FC8BD1-FC1F-9B3D-B135-2E4A371BA203}"/>
               </a:ext>
             </a:extLst>
           </p:cNvPr>
@@ -12866,8 +11018,8 @@
         </p:blipFill>
         <p:spPr>
           <a:xfrm>
-            <a:off x="1760652" y="3292450"/>
-            <a:ext cx="1552653" cy="2144902"/>
+            <a:off x="806450" y="3579283"/>
+            <a:ext cx="7531100" cy="1358900"/>
           </a:xfrm>
           <a:prstGeom prst="rect">
             <a:avLst/>
@@ -13135,10 +11287,10 @@
       </p:sp>
       <p:pic>
         <p:nvPicPr>
-          <p:cNvPr id="3" name="Immagine 2" descr="Immagine che contiene testo, antenna&#10;&#10;Descrizione generata automaticamente">
+          <p:cNvPr id="2" name="Immagine 1">
             <a:extLst>
               <a:ext uri="{FF2B5EF4-FFF2-40B4-BE49-F238E27FC236}">
-                <a16:creationId xmlns:a16="http://schemas.microsoft.com/office/drawing/2014/main" id="{BA476F59-1884-B3C2-2486-C462599803E6}"/>
+                <a16:creationId xmlns:a16="http://schemas.microsoft.com/office/drawing/2014/main" id="{CA2E71E3-D5EA-5F4B-68DE-DEBA1926BA4D}"/>
               </a:ext>
             </a:extLst>
           </p:cNvPr>
@@ -13155,8 +11307,8 @@
         </p:blipFill>
         <p:spPr>
           <a:xfrm>
-            <a:off x="1725566" y="1385041"/>
-            <a:ext cx="1552893" cy="1959962"/>
+            <a:off x="768350" y="1775356"/>
+            <a:ext cx="7607300" cy="1358900"/>
           </a:xfrm>
           <a:prstGeom prst="rect">
             <a:avLst/>
@@ -13247,8 +11399,8 @@
         </p:nvSpPr>
         <p:spPr>
           <a:xfrm>
-            <a:off x="162750" y="1212537"/>
-            <a:ext cx="8818500" cy="5100000"/>
+            <a:off x="162750" y="1212536"/>
+            <a:ext cx="8818500" cy="5391463"/>
           </a:xfrm>
           <a:prstGeom prst="rect">
             <a:avLst/>
@@ -13311,41 +11463,16 @@
             <a:endParaRPr lang="en-GB" dirty="0"/>
           </a:p>
           <a:p>
+            <a:pPr marL="120650" lvl="0" indent="0">
+              <a:buNone/>
+            </a:pPr>
+            <a:endParaRPr lang="en-GB" dirty="0"/>
+          </a:p>
+          <a:p>
             <a:pPr lvl="0"/>
-            <a:endParaRPr lang="en-GB" dirty="0"/>
-          </a:p>
-          <a:p>
-            <a:pPr lvl="0"/>
-            <a:endParaRPr lang="en-GB" dirty="0"/>
-          </a:p>
-          <a:p>
-            <a:pPr lvl="0"/>
             <a:r>
               <a:rPr lang="en-GB" dirty="0"/>
               <a:t>The boolean equation can be written in several ways: </a:t>
-            </a:r>
-          </a:p>
-          <a:p>
-            <a:pPr lvl="1"/>
-            <a:r>
-              <a:rPr lang="en-GB" b="1" dirty="0"/>
-              <a:t>Y=A•B</a:t>
-            </a:r>
-            <a:r>
-              <a:rPr lang="en-GB" dirty="0"/>
-              <a:t>, </a:t>
-            </a:r>
-            <a:r>
-              <a:rPr lang="en-GB" b="1" dirty="0"/>
-              <a:t>Y=AB</a:t>
-            </a:r>
-            <a:r>
-              <a:rPr lang="en-GB" dirty="0"/>
-              <a:t>, or </a:t>
-            </a:r>
-            <a:r>
-              <a:rPr lang="en-GB" b="1" dirty="0"/>
-              <a:t>Y=A∩B</a:t>
             </a:r>
           </a:p>
           <a:p>
@@ -13360,10 +11487,7 @@
                 <a:spcPts val="600"/>
               </a:spcAft>
             </a:pPr>
-            <a:r>
-              <a:rPr lang="en-GB" dirty="0"/>
-              <a:t>∩ is pronounced “intersection” and it is preferred by logicians</a:t>
-            </a:r>
+            <a:endParaRPr lang="en-GB" dirty="0"/>
           </a:p>
           <a:p>
             <a:pPr lvl="1">
@@ -13377,23 +11501,64 @@
                 <a:spcPts val="600"/>
               </a:spcAft>
             </a:pPr>
-            <a:r>
-              <a:rPr lang="en-GB" dirty="0"/>
-              <a:t>digital designers use Y=AB, read “Y equals A and B”</a:t>
-            </a:r>
-          </a:p>
-          <a:p>
-            <a:pPr lvl="1"/>
             <a:endParaRPr lang="en-GB" dirty="0"/>
+          </a:p>
+          <a:p>
+            <a:pPr lvl="1">
+              <a:lnSpc>
+                <a:spcPct val="100000"/>
+              </a:lnSpc>
+              <a:spcBef>
+                <a:spcPts val="600"/>
+              </a:spcBef>
+              <a:spcAft>
+                <a:spcPts val="600"/>
+              </a:spcAft>
+            </a:pPr>
+            <a:endParaRPr lang="en-GB" dirty="0"/>
+          </a:p>
+          <a:p>
+            <a:pPr lvl="1">
+              <a:lnSpc>
+                <a:spcPct val="100000"/>
+              </a:lnSpc>
+              <a:spcBef>
+                <a:spcPts val="600"/>
+              </a:spcBef>
+              <a:spcAft>
+                <a:spcPts val="600"/>
+              </a:spcAft>
+            </a:pPr>
+            <a:r>
+              <a:rPr lang="en-GB" dirty="0"/>
+              <a:t>the “intersection”  is preferred by logicians</a:t>
+            </a:r>
+          </a:p>
+          <a:p>
+            <a:pPr lvl="1">
+              <a:lnSpc>
+                <a:spcPct val="100000"/>
+              </a:lnSpc>
+              <a:spcBef>
+                <a:spcPts val="600"/>
+              </a:spcBef>
+              <a:spcAft>
+                <a:spcPts val="600"/>
+              </a:spcAft>
+            </a:pPr>
+            <a:r>
+              <a:rPr lang="en-GB" dirty="0"/>
+              <a:t>digital designers use the dot or simple juxtaposition</a:t>
+            </a:r>
           </a:p>
         </p:txBody>
       </p:sp>
       <p:pic>
         <p:nvPicPr>
-          <p:cNvPr id="3" name="Immagine 2" descr="Immagine che contiene testo, orologio&#10;&#10;Descrizione generata automaticamente">
+          <p:cNvPr id="2" name="Immagine 1">
             <a:extLst>
               <a:ext uri="{FF2B5EF4-FFF2-40B4-BE49-F238E27FC236}">
-                <a16:creationId xmlns:a16="http://schemas.microsoft.com/office/drawing/2014/main" id="{70F896D3-90C4-73AF-B41F-D9FA6D04E551}"/>
+                <a16:creationId xmlns:a16="http://schemas.microsoft.com/office/drawing/2014/main" id="{6F7FA7A8-28CA-3ED3-AC0A-A35BEF74E099}"/>
               </a:ext>
             </a:extLst>
           </p:cNvPr>
@@ -13410,8 +11575,38 @@
         </p:blipFill>
         <p:spPr>
           <a:xfrm>
-            <a:off x="1560552" y="2075608"/>
-            <a:ext cx="1472580" cy="2287199"/>
+            <a:off x="677334" y="2224617"/>
+            <a:ext cx="7518400" cy="1866900"/>
+          </a:xfrm>
+          <a:prstGeom prst="rect">
+            <a:avLst/>
+          </a:prstGeom>
+        </p:spPr>
+      </p:pic>
+      <p:pic>
+        <p:nvPicPr>
+          <p:cNvPr id="5" name="Immagine 4" descr="Immagine che contiene testo, Carattere, tipografia, bianco&#10;&#10;Il contenuto generato dall'IA potrebbe non essere corretto.">
+            <a:extLst>
+              <a:ext uri="{FF2B5EF4-FFF2-40B4-BE49-F238E27FC236}">
+                <a16:creationId xmlns:a16="http://schemas.microsoft.com/office/drawing/2014/main" id="{993E6F36-804F-251D-752F-83989605AF79}"/>
+              </a:ext>
+            </a:extLst>
+          </p:cNvPr>
+          <p:cNvPicPr>
+            <a:picLocks noChangeAspect="1"/>
+          </p:cNvPicPr>
+          <p:nvPr/>
+        </p:nvPicPr>
+        <p:blipFill>
+          <a:blip r:embed="rId4"/>
+          <a:stretch>
+            <a:fillRect/>
+          </a:stretch>
+        </p:blipFill>
+        <p:spPr>
+          <a:xfrm>
+            <a:off x="762000" y="4595597"/>
+            <a:ext cx="1485900" cy="1016000"/>
           </a:xfrm>
           <a:prstGeom prst="rect">
             <a:avLst/>
@@ -13629,10 +11824,10 @@
       </p:sp>
       <p:pic>
         <p:nvPicPr>
-          <p:cNvPr id="3" name="Immagine 2">
+          <p:cNvPr id="2" name="Immagine 1">
             <a:extLst>
               <a:ext uri="{FF2B5EF4-FFF2-40B4-BE49-F238E27FC236}">
-                <a16:creationId xmlns:a16="http://schemas.microsoft.com/office/drawing/2014/main" id="{EEB3D07E-0128-421F-F13E-D1AF1A584358}"/>
+                <a16:creationId xmlns:a16="http://schemas.microsoft.com/office/drawing/2014/main" id="{41394E81-A42C-18C2-0C2B-FA72A0AE0DE8}"/>
               </a:ext>
             </a:extLst>
           </p:cNvPr>
@@ -13649,8 +11844,8 @@
         </p:blipFill>
         <p:spPr>
           <a:xfrm>
-            <a:off x="1520437" y="1672063"/>
-            <a:ext cx="1613055" cy="2380431"/>
+            <a:off x="844550" y="1767416"/>
+            <a:ext cx="7454900" cy="1866900"/>
           </a:xfrm>
           <a:prstGeom prst="rect">
             <a:avLst/>
@@ -13671,6 +11866,221 @@
 </file>
 
 <file path=ppt/slides/slide8.xml><?xml version="1.0" encoding="utf-8"?>
+<p:sld xmlns:a="http://schemas.openxmlformats.org/drawingml/2006/main" xmlns:r="http://schemas.openxmlformats.org/officeDocument/2006/relationships" xmlns:p="http://schemas.openxmlformats.org/presentationml/2006/main">
+  <p:cSld>
+    <p:spTree>
+      <p:nvGrpSpPr>
+        <p:cNvPr id="1" name="Shape 82"/>
+        <p:cNvGrpSpPr/>
+        <p:nvPr/>
+      </p:nvGrpSpPr>
+      <p:grpSpPr>
+        <a:xfrm>
+          <a:off x="0" y="0"/>
+          <a:ext cx="0" cy="0"/>
+          <a:chOff x="0" y="0"/>
+          <a:chExt cx="0" cy="0"/>
+        </a:xfrm>
+      </p:grpSpPr>
+      <p:sp>
+        <p:nvSpPr>
+          <p:cNvPr id="83" name="Google Shape;83;p14"/>
+          <p:cNvSpPr txBox="1">
+            <a:spLocks noGrp="1"/>
+          </p:cNvSpPr>
+          <p:nvPr>
+            <p:ph type="title" idx="4294967295"/>
+          </p:nvPr>
+        </p:nvSpPr>
+        <p:spPr>
+          <a:xfrm>
+            <a:off x="311700" y="421233"/>
+            <a:ext cx="8520600" cy="622500"/>
+          </a:xfrm>
+          <a:prstGeom prst="rect">
+            <a:avLst/>
+          </a:prstGeom>
+        </p:spPr>
+        <p:txBody>
+          <a:bodyPr spcFirstLastPara="1" wrap="square" lIns="91425" tIns="91425" rIns="91425" bIns="91425" anchor="b" anchorCtr="0">
+            <a:noAutofit/>
+          </a:bodyPr>
+          <a:lstStyle/>
+          <a:p>
+            <a:pPr marL="0" lvl="0" indent="0" algn="l" rtl="0">
+              <a:spcBef>
+                <a:spcPts val="0"/>
+              </a:spcBef>
+              <a:spcAft>
+                <a:spcPts val="0"/>
+              </a:spcAft>
+              <a:buNone/>
+            </a:pPr>
+            <a:r>
+              <a:rPr lang="en-GB" dirty="0"/>
+              <a:t>XOR, NAND, NOR gates</a:t>
+            </a:r>
+            <a:endParaRPr dirty="0"/>
+          </a:p>
+        </p:txBody>
+      </p:sp>
+      <p:sp>
+        <p:nvSpPr>
+          <p:cNvPr id="84" name="Google Shape;84;p14"/>
+          <p:cNvSpPr txBox="1">
+            <a:spLocks noGrp="1"/>
+          </p:cNvSpPr>
+          <p:nvPr>
+            <p:ph type="body" idx="1"/>
+          </p:nvPr>
+        </p:nvSpPr>
+        <p:spPr>
+          <a:xfrm>
+            <a:off x="162750" y="1212537"/>
+            <a:ext cx="8818500" cy="5100000"/>
+          </a:xfrm>
+          <a:prstGeom prst="rect">
+            <a:avLst/>
+          </a:prstGeom>
+        </p:spPr>
+        <p:txBody>
+          <a:bodyPr spcFirstLastPara="1" wrap="square" lIns="91425" tIns="91425" rIns="91425" bIns="91425" anchor="t" anchorCtr="0">
+            <a:noAutofit/>
+          </a:bodyPr>
+          <a:lstStyle/>
+          <a:p>
+            <a:pPr lvl="0"/>
+            <a:r>
+              <a:rPr lang="en-GB" dirty="0"/>
+              <a:t>Other common two-input logic gates are:</a:t>
+            </a:r>
+          </a:p>
+          <a:p>
+            <a:pPr lvl="1">
+              <a:spcBef>
+                <a:spcPts val="0"/>
+              </a:spcBef>
+            </a:pPr>
+            <a:r>
+              <a:rPr lang="en-GB" b="1" dirty="0"/>
+              <a:t>XOR</a:t>
+            </a:r>
+            <a:r>
+              <a:rPr lang="en-GB" dirty="0"/>
+              <a:t> (exclusive OR, pronounced “ex-OR”) is </a:t>
+            </a:r>
+            <a:r>
+              <a:rPr lang="en-GB" b="1" dirty="0"/>
+              <a:t>TRUE if A or B, but not both, are TRUE</a:t>
+            </a:r>
+          </a:p>
+          <a:p>
+            <a:pPr lvl="2">
+              <a:spcBef>
+                <a:spcPts val="0"/>
+              </a:spcBef>
+            </a:pPr>
+            <a:r>
+              <a:rPr lang="en-GB" dirty="0"/>
+              <a:t>it is indicated by ⊕ (a plus sign with a circle around it) </a:t>
+            </a:r>
+          </a:p>
+          <a:p>
+            <a:pPr lvl="1">
+              <a:spcBef>
+                <a:spcPts val="0"/>
+              </a:spcBef>
+            </a:pPr>
+            <a:r>
+              <a:rPr lang="en-GB" b="1" dirty="0"/>
+              <a:t>NAND</a:t>
+            </a:r>
+            <a:r>
+              <a:rPr lang="en-GB" dirty="0"/>
+              <a:t> gate performs NOT AND. Its </a:t>
+            </a:r>
+            <a:r>
+              <a:rPr lang="en-GB" b="1" dirty="0"/>
+              <a:t>output is TRUE unless both inputs are TRUE</a:t>
+            </a:r>
+            <a:r>
+              <a:rPr lang="en-GB" dirty="0"/>
+              <a:t> </a:t>
+            </a:r>
+          </a:p>
+          <a:p>
+            <a:pPr lvl="1">
+              <a:spcBef>
+                <a:spcPts val="0"/>
+              </a:spcBef>
+            </a:pPr>
+            <a:r>
+              <a:rPr lang="en-GB" b="1" dirty="0"/>
+              <a:t>NOR</a:t>
+            </a:r>
+            <a:r>
+              <a:rPr lang="en-GB" dirty="0"/>
+              <a:t> gate performs NOT OR. Its </a:t>
+            </a:r>
+            <a:r>
+              <a:rPr lang="en-GB" b="1" dirty="0"/>
+              <a:t>output is TRUE if neither A nor B are TRUE</a:t>
+            </a:r>
+            <a:r>
+              <a:rPr lang="en-GB" dirty="0"/>
+              <a:t> </a:t>
+            </a:r>
+          </a:p>
+          <a:p>
+            <a:pPr lvl="1"/>
+            <a:endParaRPr lang="en-GB" dirty="0"/>
+          </a:p>
+        </p:txBody>
+      </p:sp>
+      <p:pic>
+        <p:nvPicPr>
+          <p:cNvPr id="2" name="Immagine 1">
+            <a:extLst>
+              <a:ext uri="{FF2B5EF4-FFF2-40B4-BE49-F238E27FC236}">
+                <a16:creationId xmlns:a16="http://schemas.microsoft.com/office/drawing/2014/main" id="{887260A1-A91D-57EA-3401-5D86E0A6737A}"/>
+              </a:ext>
+            </a:extLst>
+          </p:cNvPr>
+          <p:cNvPicPr>
+            <a:picLocks noChangeAspect="1"/>
+          </p:cNvPicPr>
+          <p:nvPr/>
+        </p:nvPicPr>
+        <p:blipFill>
+          <a:blip r:embed="rId3"/>
+          <a:stretch>
+            <a:fillRect/>
+          </a:stretch>
+        </p:blipFill>
+        <p:spPr>
+          <a:xfrm>
+            <a:off x="446380" y="2834361"/>
+            <a:ext cx="8251239" cy="3478176"/>
+          </a:xfrm>
+          <a:prstGeom prst="rect">
+            <a:avLst/>
+          </a:prstGeom>
+        </p:spPr>
+      </p:pic>
+    </p:spTree>
+    <p:extLst>
+      <p:ext uri="{BB962C8B-B14F-4D97-AF65-F5344CB8AC3E}">
+        <p14:creationId xmlns:p14="http://schemas.microsoft.com/office/powerpoint/2010/main" val="2348870888"/>
+      </p:ext>
+    </p:extLst>
+  </p:cSld>
+  <p:clrMapOvr>
+    <a:masterClrMapping/>
+  </p:clrMapOvr>
+</p:sld>
+</file>
+
+<file path=ppt/slides/slide9.xml><?xml version="1.0" encoding="utf-8"?>
 <p:sld xmlns:a="http://schemas.openxmlformats.org/drawingml/2006/main" xmlns:r="http://schemas.openxmlformats.org/officeDocument/2006/relationships" xmlns:p="http://schemas.openxmlformats.org/presentationml/2006/main">
   <p:cSld>
     <p:spTree>
@@ -13958,265 +12368,6 @@
     <p:extLst>
       <p:ext uri="{BB962C8B-B14F-4D97-AF65-F5344CB8AC3E}">
         <p14:creationId xmlns:p14="http://schemas.microsoft.com/office/powerpoint/2010/main" val="2011826885"/>
-      </p:ext>
-    </p:extLst>
-  </p:cSld>
-  <p:clrMapOvr>
-    <a:masterClrMapping/>
-  </p:clrMapOvr>
-</p:sld>
-</file>
-
-<file path=ppt/slides/slide9.xml><?xml version="1.0" encoding="utf-8"?>
-<p:sld xmlns:a="http://schemas.openxmlformats.org/drawingml/2006/main" xmlns:r="http://schemas.openxmlformats.org/officeDocument/2006/relationships" xmlns:p="http://schemas.openxmlformats.org/presentationml/2006/main">
-  <p:cSld>
-    <p:spTree>
-      <p:nvGrpSpPr>
-        <p:cNvPr id="1" name="Shape 82"/>
-        <p:cNvGrpSpPr/>
-        <p:nvPr/>
-      </p:nvGrpSpPr>
-      <p:grpSpPr>
-        <a:xfrm>
-          <a:off x="0" y="0"/>
-          <a:ext cx="0" cy="0"/>
-          <a:chOff x="0" y="0"/>
-          <a:chExt cx="0" cy="0"/>
-        </a:xfrm>
-      </p:grpSpPr>
-      <p:sp>
-        <p:nvSpPr>
-          <p:cNvPr id="83" name="Google Shape;83;p14"/>
-          <p:cNvSpPr txBox="1">
-            <a:spLocks noGrp="1"/>
-          </p:cNvSpPr>
-          <p:nvPr>
-            <p:ph type="title" idx="4294967295"/>
-          </p:nvPr>
-        </p:nvSpPr>
-        <p:spPr>
-          <a:xfrm>
-            <a:off x="311700" y="421233"/>
-            <a:ext cx="8520600" cy="622500"/>
-          </a:xfrm>
-          <a:prstGeom prst="rect">
-            <a:avLst/>
-          </a:prstGeom>
-        </p:spPr>
-        <p:txBody>
-          <a:bodyPr spcFirstLastPara="1" wrap="square" lIns="91425" tIns="91425" rIns="91425" bIns="91425" anchor="b" anchorCtr="0">
-            <a:noAutofit/>
-          </a:bodyPr>
-          <a:lstStyle/>
-          <a:p>
-            <a:pPr marL="0" lvl="0" indent="0" algn="l" rtl="0">
-              <a:spcBef>
-                <a:spcPts val="0"/>
-              </a:spcBef>
-              <a:spcAft>
-                <a:spcPts val="0"/>
-              </a:spcAft>
-              <a:buNone/>
-            </a:pPr>
-            <a:r>
-              <a:rPr lang="en-GB" dirty="0"/>
-              <a:t>XOR, NAND, NOR gates</a:t>
-            </a:r>
-            <a:endParaRPr dirty="0"/>
-          </a:p>
-        </p:txBody>
-      </p:sp>
-      <p:sp>
-        <p:nvSpPr>
-          <p:cNvPr id="84" name="Google Shape;84;p14"/>
-          <p:cNvSpPr txBox="1">
-            <a:spLocks noGrp="1"/>
-          </p:cNvSpPr>
-          <p:nvPr>
-            <p:ph type="body" idx="1"/>
-          </p:nvPr>
-        </p:nvSpPr>
-        <p:spPr>
-          <a:xfrm>
-            <a:off x="162750" y="1212537"/>
-            <a:ext cx="8818500" cy="5100000"/>
-          </a:xfrm>
-          <a:prstGeom prst="rect">
-            <a:avLst/>
-          </a:prstGeom>
-        </p:spPr>
-        <p:txBody>
-          <a:bodyPr spcFirstLastPara="1" wrap="square" lIns="91425" tIns="91425" rIns="91425" bIns="91425" anchor="t" anchorCtr="0">
-            <a:noAutofit/>
-          </a:bodyPr>
-          <a:lstStyle/>
-          <a:p>
-            <a:pPr lvl="0"/>
-            <a:r>
-              <a:rPr lang="en-GB" dirty="0"/>
-              <a:t>Other common two-input logic gates are:</a:t>
-            </a:r>
-          </a:p>
-          <a:p>
-            <a:pPr lvl="1"/>
-            <a:r>
-              <a:rPr lang="en-GB" b="1" dirty="0"/>
-              <a:t>XOR</a:t>
-            </a:r>
-            <a:r>
-              <a:rPr lang="en-GB" dirty="0"/>
-              <a:t> (exclusive OR, pronounced “ex-OR”) is </a:t>
-            </a:r>
-            <a:r>
-              <a:rPr lang="en-GB" b="1" dirty="0"/>
-              <a:t>TRUE if A or B, but not both, are TRUE</a:t>
-            </a:r>
-          </a:p>
-          <a:p>
-            <a:pPr lvl="2"/>
-            <a:r>
-              <a:rPr lang="en-GB" dirty="0"/>
-              <a:t>it is indicated by ⊕ (a plus sign with a circle around it) </a:t>
-            </a:r>
-          </a:p>
-          <a:p>
-            <a:pPr lvl="1"/>
-            <a:r>
-              <a:rPr lang="en-GB" b="1" dirty="0"/>
-              <a:t>NAND</a:t>
-            </a:r>
-            <a:r>
-              <a:rPr lang="en-GB" dirty="0"/>
-              <a:t> gate performs NOT AND. Its </a:t>
-            </a:r>
-            <a:r>
-              <a:rPr lang="en-GB" b="1" dirty="0"/>
-              <a:t>output is TRUE unless both inputs are TRUE</a:t>
-            </a:r>
-            <a:r>
-              <a:rPr lang="en-GB" dirty="0"/>
-              <a:t> </a:t>
-            </a:r>
-          </a:p>
-          <a:p>
-            <a:pPr lvl="1"/>
-            <a:r>
-              <a:rPr lang="en-GB" b="1" dirty="0"/>
-              <a:t>NOR</a:t>
-            </a:r>
-            <a:r>
-              <a:rPr lang="en-GB" dirty="0"/>
-              <a:t> gate performs NOT OR. Its </a:t>
-            </a:r>
-            <a:r>
-              <a:rPr lang="en-GB" b="1" dirty="0"/>
-              <a:t>output is TRUE if neither A nor B are TRUE</a:t>
-            </a:r>
-            <a:r>
-              <a:rPr lang="en-GB" dirty="0"/>
-              <a:t> </a:t>
-            </a:r>
-          </a:p>
-          <a:p>
-            <a:pPr lvl="1"/>
-            <a:endParaRPr lang="en-GB" dirty="0"/>
-          </a:p>
-        </p:txBody>
-      </p:sp>
-      <p:pic>
-        <p:nvPicPr>
-          <p:cNvPr id="3" name="Immagine 2" descr="Immagine che contiene testo&#10;&#10;Descrizione generata automaticamente">
-            <a:extLst>
-              <a:ext uri="{FF2B5EF4-FFF2-40B4-BE49-F238E27FC236}">
-                <a16:creationId xmlns:a16="http://schemas.microsoft.com/office/drawing/2014/main" id="{51B95C12-57A6-891A-CC46-32567D243D3C}"/>
-              </a:ext>
-            </a:extLst>
-          </p:cNvPr>
-          <p:cNvPicPr>
-            <a:picLocks noChangeAspect="1"/>
-          </p:cNvPicPr>
-          <p:nvPr/>
-        </p:nvPicPr>
-        <p:blipFill>
-          <a:blip r:embed="rId3"/>
-          <a:stretch>
-            <a:fillRect/>
-          </a:stretch>
-        </p:blipFill>
-        <p:spPr>
-          <a:xfrm>
-            <a:off x="1045480" y="3765663"/>
-            <a:ext cx="1708870" cy="2546874"/>
-          </a:xfrm>
-          <a:prstGeom prst="rect">
-            <a:avLst/>
-          </a:prstGeom>
-        </p:spPr>
-      </p:pic>
-      <p:pic>
-        <p:nvPicPr>
-          <p:cNvPr id="5" name="Immagine 4">
-            <a:extLst>
-              <a:ext uri="{FF2B5EF4-FFF2-40B4-BE49-F238E27FC236}">
-                <a16:creationId xmlns:a16="http://schemas.microsoft.com/office/drawing/2014/main" id="{C1A27034-F2E8-E777-0656-1C6DB876A603}"/>
-              </a:ext>
-            </a:extLst>
-          </p:cNvPr>
-          <p:cNvPicPr>
-            <a:picLocks noChangeAspect="1"/>
-          </p:cNvPicPr>
-          <p:nvPr/>
-        </p:nvPicPr>
-        <p:blipFill>
-          <a:blip r:embed="rId4"/>
-          <a:stretch>
-            <a:fillRect/>
-          </a:stretch>
-        </p:blipFill>
-        <p:spPr>
-          <a:xfrm>
-            <a:off x="3666581" y="3750975"/>
-            <a:ext cx="1592766" cy="2561562"/>
-          </a:xfrm>
-          <a:prstGeom prst="rect">
-            <a:avLst/>
-          </a:prstGeom>
-        </p:spPr>
-      </p:pic>
-      <p:pic>
-        <p:nvPicPr>
-          <p:cNvPr id="7" name="Immagine 6">
-            <a:extLst>
-              <a:ext uri="{FF2B5EF4-FFF2-40B4-BE49-F238E27FC236}">
-                <a16:creationId xmlns:a16="http://schemas.microsoft.com/office/drawing/2014/main" id="{37AC623D-0CBE-154F-9EEF-7DCAC2F40A20}"/>
-              </a:ext>
-            </a:extLst>
-          </p:cNvPr>
-          <p:cNvPicPr>
-            <a:picLocks noChangeAspect="1"/>
-          </p:cNvPicPr>
-          <p:nvPr/>
-        </p:nvPicPr>
-        <p:blipFill>
-          <a:blip r:embed="rId5"/>
-          <a:stretch>
-            <a:fillRect/>
-          </a:stretch>
-        </p:blipFill>
-        <p:spPr>
-          <a:xfrm>
-            <a:off x="6171578" y="3798733"/>
-            <a:ext cx="1697218" cy="2513804"/>
-          </a:xfrm>
-          <a:prstGeom prst="rect">
-            <a:avLst/>
-          </a:prstGeom>
-        </p:spPr>
-      </p:pic>
-    </p:spTree>
-    <p:extLst>
-      <p:ext uri="{BB962C8B-B14F-4D97-AF65-F5344CB8AC3E}">
-        <p14:creationId xmlns:p14="http://schemas.microsoft.com/office/powerpoint/2010/main" val="2348870888"/>
       </p:ext>
     </p:extLst>
   </p:cSld>
@@ -14789,6 +12940,17 @@
 </file>
 
 <file path=customXml/item1.xml><?xml version="1.0" encoding="utf-8"?>
+<p:properties xmlns:p="http://schemas.microsoft.com/office/2006/metadata/properties" xmlns:xsi="http://www.w3.org/2001/XMLSchema-instance" xmlns:pc="http://schemas.microsoft.com/office/infopath/2007/PartnerControls">
+  <documentManagement>
+    <TaxCatchAll xmlns="e9b5433c-2372-4cb7-8bab-09518096b29b" xsi:nil="true"/>
+    <lcf76f155ced4ddcb4097134ff3c332f xmlns="3bd0d43f-5e5b-43cd-b6fc-691bd77672c6">
+      <Terms xmlns="http://schemas.microsoft.com/office/infopath/2007/PartnerControls"/>
+    </lcf76f155ced4ddcb4097134ff3c332f>
+  </documentManagement>
+</p:properties>
+</file>
+
+<file path=customXml/item2.xml><?xml version="1.0" encoding="utf-8"?>
 <ct:contentTypeSchema xmlns:ct="http://schemas.microsoft.com/office/2006/metadata/contentType" xmlns:ma="http://schemas.microsoft.com/office/2006/metadata/properties/metaAttributes" ct:_="" ma:_="" ma:contentTypeName="Documento" ma:contentTypeID="0x010100B8FA822B18A0634FB7342CF29752587A" ma:contentTypeVersion="12" ma:contentTypeDescription="Creare un nuovo documento." ma:contentTypeScope="" ma:versionID="4c8b1e8002f5a6c880c83187af115cef">
   <xsd:schema xmlns:xsd="http://www.w3.org/2001/XMLSchema" xmlns:xs="http://www.w3.org/2001/XMLSchema" xmlns:p="http://schemas.microsoft.com/office/2006/metadata/properties" xmlns:ns2="3bd0d43f-5e5b-43cd-b6fc-691bd77672c6" xmlns:ns3="e9b5433c-2372-4cb7-8bab-09518096b29b" targetNamespace="http://schemas.microsoft.com/office/2006/metadata/properties" ma:root="true" ma:fieldsID="618b708abf3b656f834d84e193700042" ns2:_="" ns3:_="">
     <xsd:import namespace="3bd0d43f-5e5b-43cd-b6fc-691bd77672c6"/>
@@ -14989,7 +13151,7 @@
 </ct:contentTypeSchema>
 </file>
 
-<file path=customXml/item2.xml><?xml version="1.0" encoding="utf-8"?>
+<file path=customXml/item3.xml><?xml version="1.0" encoding="utf-8"?>
 <?mso-contentType ?>
 <FormTemplates xmlns="http://schemas.microsoft.com/sharepoint/v3/contenttype/forms">
   <Display>DocumentLibraryForm</Display>
@@ -14998,25 +13160,46 @@
 </FormTemplates>
 </file>
 
-<file path=customXml/item3.xml><?xml version="1.0" encoding="utf-8"?>
-<p:properties xmlns:p="http://schemas.microsoft.com/office/2006/metadata/properties" xmlns:xsi="http://www.w3.org/2001/XMLSchema-instance" xmlns:pc="http://schemas.microsoft.com/office/infopath/2007/PartnerControls">
-  <documentManagement>
-    <TaxCatchAll xmlns="e9b5433c-2372-4cb7-8bab-09518096b29b" xsi:nil="true"/>
-    <lcf76f155ced4ddcb4097134ff3c332f xmlns="3bd0d43f-5e5b-43cd-b6fc-691bd77672c6">
-      <Terms xmlns="http://schemas.microsoft.com/office/infopath/2007/PartnerControls"/>
-    </lcf76f155ced4ddcb4097134ff3c332f>
-  </documentManagement>
-</p:properties>
-</file>
-
 <file path=customXml/itemProps1.xml><?xml version="1.0" encoding="utf-8"?>
-<ds:datastoreItem xmlns:ds="http://schemas.openxmlformats.org/officeDocument/2006/customXml" ds:itemID="{E2B3472A-EF56-49B9-A348-BAF44BBAD7D8}"/>
+<ds:datastoreItem xmlns:ds="http://schemas.openxmlformats.org/officeDocument/2006/customXml" ds:itemID="{5050C20A-3C88-462F-A38E-6E748FF1CEAD}">
+  <ds:schemaRefs>
+    <ds:schemaRef ds:uri="http://purl.org/dc/dcmitype/"/>
+    <ds:schemaRef ds:uri="http://schemas.openxmlformats.org/package/2006/metadata/core-properties"/>
+    <ds:schemaRef ds:uri="http://schemas.microsoft.com/office/2006/documentManagement/types"/>
+    <ds:schemaRef ds:uri="http://schemas.microsoft.com/office/infopath/2007/PartnerControls"/>
+    <ds:schemaRef ds:uri="e9b5433c-2372-4cb7-8bab-09518096b29b"/>
+    <ds:schemaRef ds:uri="http://purl.org/dc/elements/1.1/"/>
+    <ds:schemaRef ds:uri="http://purl.org/dc/terms/"/>
+    <ds:schemaRef ds:uri="http://www.w3.org/XML/1998/namespace"/>
+    <ds:schemaRef ds:uri="3bd0d43f-5e5b-43cd-b6fc-691bd77672c6"/>
+    <ds:schemaRef ds:uri="http://schemas.microsoft.com/office/2006/metadata/properties"/>
+  </ds:schemaRefs>
+</ds:datastoreItem>
 </file>
 
 <file path=customXml/itemProps2.xml><?xml version="1.0" encoding="utf-8"?>
-<ds:datastoreItem xmlns:ds="http://schemas.openxmlformats.org/officeDocument/2006/customXml" ds:itemID="{3350DDC4-6AF7-418C-A870-CE2A12430908}"/>
+<ds:datastoreItem xmlns:ds="http://schemas.openxmlformats.org/officeDocument/2006/customXml" ds:itemID="{E2B3472A-EF56-49B9-A348-BAF44BBAD7D8}">
+  <ds:schemaRefs>
+    <ds:schemaRef ds:uri="http://schemas.microsoft.com/office/2006/metadata/contentType"/>
+    <ds:schemaRef ds:uri="http://schemas.microsoft.com/office/2006/metadata/properties/metaAttributes"/>
+    <ds:schemaRef ds:uri="http://www.w3.org/2001/XMLSchema"/>
+    <ds:schemaRef ds:uri="http://schemas.microsoft.com/office/2006/metadata/properties"/>
+    <ds:schemaRef ds:uri="3bd0d43f-5e5b-43cd-b6fc-691bd77672c6"/>
+    <ds:schemaRef ds:uri="e9b5433c-2372-4cb7-8bab-09518096b29b"/>
+    <ds:schemaRef ds:uri="http://schemas.microsoft.com/office/2006/documentManagement/types"/>
+    <ds:schemaRef ds:uri="http://schemas.microsoft.com/office/infopath/2007/PartnerControls"/>
+    <ds:schemaRef ds:uri="http://schemas.openxmlformats.org/package/2006/metadata/core-properties"/>
+    <ds:schemaRef ds:uri="http://purl.org/dc/elements/1.1/"/>
+    <ds:schemaRef ds:uri="http://purl.org/dc/terms/"/>
+    <ds:schemaRef ds:uri="http://schemas.microsoft.com/internal/obd"/>
+  </ds:schemaRefs>
+</ds:datastoreItem>
 </file>
 
 <file path=customXml/itemProps3.xml><?xml version="1.0" encoding="utf-8"?>
-<ds:datastoreItem xmlns:ds="http://schemas.openxmlformats.org/officeDocument/2006/customXml" ds:itemID="{5050C20A-3C88-462F-A38E-6E748FF1CEAD}"/>
+<ds:datastoreItem xmlns:ds="http://schemas.openxmlformats.org/officeDocument/2006/customXml" ds:itemID="{3350DDC4-6AF7-418C-A870-CE2A12430908}">
+  <ds:schemaRefs>
+    <ds:schemaRef ds:uri="http://schemas.microsoft.com/sharepoint/v3/contenttype/forms"/>
+  </ds:schemaRefs>
+</ds:datastoreItem>
 </file>
--- a/03 - Logic Gates and Circuits/slides.pptx
+++ b/03 - Logic Gates and Circuits/slides.pptx
@@ -5,7 +5,7 @@
     <p:sldMasterId id="2147483659" r:id="rId4"/>
   </p:sldMasterIdLst>
   <p:notesMasterIdLst>
-    <p:notesMasterId r:id="rId21"/>
+    <p:notesMasterId r:id="rId23"/>
   </p:notesMasterIdLst>
   <p:sldIdLst>
     <p:sldId id="256" r:id="rId5"/>
@@ -24,23 +24,25 @@
     <p:sldId id="281" r:id="rId18"/>
     <p:sldId id="282" r:id="rId19"/>
     <p:sldId id="283" r:id="rId20"/>
+    <p:sldId id="285" r:id="rId21"/>
+    <p:sldId id="286" r:id="rId22"/>
   </p:sldIdLst>
   <p:sldSz cx="9144000" cy="6858000" type="screen4x3"/>
   <p:notesSz cx="6858000" cy="9144000"/>
   <p:embeddedFontLst>
     <p:embeddedFont>
       <p:font typeface="Economica" panose="02000506040000020004" pitchFamily="2" charset="77"/>
-      <p:regular r:id="rId22"/>
-      <p:bold r:id="rId23"/>
-      <p:italic r:id="rId24"/>
-      <p:boldItalic r:id="rId25"/>
+      <p:regular r:id="rId24"/>
+      <p:bold r:id="rId25"/>
+      <p:italic r:id="rId26"/>
+      <p:boldItalic r:id="rId27"/>
     </p:embeddedFont>
     <p:embeddedFont>
       <p:font typeface="Open Sans" panose="020B0606030504020204" pitchFamily="34" charset="0"/>
-      <p:regular r:id="rId26"/>
-      <p:bold r:id="rId27"/>
-      <p:italic r:id="rId28"/>
-      <p:boldItalic r:id="rId29"/>
+      <p:regular r:id="rId28"/>
+      <p:bold r:id="rId29"/>
+      <p:italic r:id="rId30"/>
+      <p:boldItalic r:id="rId31"/>
     </p:embeddedFont>
   </p:embeddedFontLst>
   <p:defaultTextStyle>
@@ -283,7 +285,7 @@
 <file path=ppt/revisionInfo.xml><?xml version="1.0" encoding="utf-8"?>
 <p1510:revInfo xmlns:a="http://schemas.openxmlformats.org/drawingml/2006/main" xmlns:r="http://schemas.openxmlformats.org/officeDocument/2006/relationships" xmlns:p1510="http://schemas.microsoft.com/office/powerpoint/2015/10/main">
   <p1510:revLst>
-    <p1510:client id="{433FB62E-B86A-8B4C-B71B-C728D211C5D7}" v="18" dt="2025-09-10T11:55:54.875"/>
+    <p1510:client id="{433FB62E-B86A-8B4C-B71B-C728D211C5D7}" v="23" dt="2025-09-10T16:02:58.025"/>
   </p1510:revLst>
 </p1510:revInfo>
 </file>
@@ -292,19 +294,19 @@
 <pc:chgInfo xmlns:a="http://schemas.openxmlformats.org/drawingml/2006/main" xmlns:r="http://schemas.openxmlformats.org/officeDocument/2006/relationships" xmlns:ac="http://schemas.microsoft.com/office/drawing/2013/main/command" xmlns:pc="http://schemas.microsoft.com/office/powerpoint/2013/main/command">
   <pc:docChgLst>
     <pc:chgData name="Riccardo Berta" userId="c8694f89-bba4-4576-b0a8-456619ca5a8c" providerId="ADAL" clId="{FDDBFC5A-5EA9-5330-BEB8-433D7E3B4C4E}"/>
-    <pc:docChg chg="undo custSel delSld modSld sldOrd">
-      <pc:chgData name="Riccardo Berta" userId="c8694f89-bba4-4576-b0a8-456619ca5a8c" providerId="ADAL" clId="{FDDBFC5A-5EA9-5330-BEB8-433D7E3B4C4E}" dt="2025-09-10T12:28:32.611" v="318" actId="14100"/>
+    <pc:docChg chg="undo custSel addSld delSld modSld sldOrd">
+      <pc:chgData name="Riccardo Berta" userId="c8694f89-bba4-4576-b0a8-456619ca5a8c" providerId="ADAL" clId="{FDDBFC5A-5EA9-5330-BEB8-433D7E3B4C4E}" dt="2025-09-10T16:03:00.163" v="394" actId="1076"/>
       <pc:docMkLst>
         <pc:docMk/>
       </pc:docMkLst>
       <pc:sldChg chg="modSp mod">
-        <pc:chgData name="Riccardo Berta" userId="c8694f89-bba4-4576-b0a8-456619ca5a8c" providerId="ADAL" clId="{FDDBFC5A-5EA9-5330-BEB8-433D7E3B4C4E}" dt="2025-09-10T12:28:32.611" v="318" actId="14100"/>
+        <pc:chgData name="Riccardo Berta" userId="c8694f89-bba4-4576-b0a8-456619ca5a8c" providerId="ADAL" clId="{FDDBFC5A-5EA9-5330-BEB8-433D7E3B4C4E}" dt="2025-09-10T15:52:32.964" v="331" actId="14100"/>
         <pc:sldMkLst>
           <pc:docMk/>
           <pc:sldMk cId="3018556184" sldId="259"/>
         </pc:sldMkLst>
         <pc:spChg chg="mod">
-          <ac:chgData name="Riccardo Berta" userId="c8694f89-bba4-4576-b0a8-456619ca5a8c" providerId="ADAL" clId="{FDDBFC5A-5EA9-5330-BEB8-433D7E3B4C4E}" dt="2025-09-10T12:28:32.611" v="318" actId="14100"/>
+          <ac:chgData name="Riccardo Berta" userId="c8694f89-bba4-4576-b0a8-456619ca5a8c" providerId="ADAL" clId="{FDDBFC5A-5EA9-5330-BEB8-433D7E3B4C4E}" dt="2025-09-10T15:52:32.964" v="331" actId="14100"/>
           <ac:spMkLst>
             <pc:docMk/>
             <pc:sldMk cId="3018556184" sldId="259"/>
@@ -744,6 +746,84 @@
             <pc:docMk/>
             <pc:sldMk cId="11402927" sldId="282"/>
             <ac:picMk id="11" creationId="{85A08A20-9095-CFB9-3040-825FE39CFB8A}"/>
+          </ac:picMkLst>
+        </pc:picChg>
+      </pc:sldChg>
+      <pc:sldChg chg="addSp modSp add mod">
+        <pc:chgData name="Riccardo Berta" userId="c8694f89-bba4-4576-b0a8-456619ca5a8c" providerId="ADAL" clId="{FDDBFC5A-5EA9-5330-BEB8-433D7E3B4C4E}" dt="2025-09-10T16:02:43.061" v="390" actId="113"/>
+        <pc:sldMkLst>
+          <pc:docMk/>
+          <pc:sldMk cId="4035617616" sldId="285"/>
+        </pc:sldMkLst>
+        <pc:spChg chg="mod">
+          <ac:chgData name="Riccardo Berta" userId="c8694f89-bba4-4576-b0a8-456619ca5a8c" providerId="ADAL" clId="{FDDBFC5A-5EA9-5330-BEB8-433D7E3B4C4E}" dt="2025-09-10T16:02:26.312" v="384" actId="20577"/>
+          <ac:spMkLst>
+            <pc:docMk/>
+            <pc:sldMk cId="4035617616" sldId="285"/>
+            <ac:spMk id="83" creationId="{046C34AF-6330-55DE-A019-E4A5CA75E4FD}"/>
+          </ac:spMkLst>
+        </pc:spChg>
+        <pc:spChg chg="mod">
+          <ac:chgData name="Riccardo Berta" userId="c8694f89-bba4-4576-b0a8-456619ca5a8c" providerId="ADAL" clId="{FDDBFC5A-5EA9-5330-BEB8-433D7E3B4C4E}" dt="2025-09-10T16:02:43.061" v="390" actId="113"/>
+          <ac:spMkLst>
+            <pc:docMk/>
+            <pc:sldMk cId="4035617616" sldId="285"/>
+            <ac:spMk id="84" creationId="{9C458440-8EE4-0D6F-E7AD-83C5BD2C1F33}"/>
+          </ac:spMkLst>
+        </pc:spChg>
+        <pc:picChg chg="add mod">
+          <ac:chgData name="Riccardo Berta" userId="c8694f89-bba4-4576-b0a8-456619ca5a8c" providerId="ADAL" clId="{FDDBFC5A-5EA9-5330-BEB8-433D7E3B4C4E}" dt="2025-09-10T16:02:23.760" v="380" actId="1076"/>
+          <ac:picMkLst>
+            <pc:docMk/>
+            <pc:sldMk cId="4035617616" sldId="285"/>
+            <ac:picMk id="2" creationId="{ACE95838-F570-B82E-54CF-33215E1B6313}"/>
+          </ac:picMkLst>
+        </pc:picChg>
+      </pc:sldChg>
+      <pc:sldChg chg="addSp delSp modSp add mod">
+        <pc:chgData name="Riccardo Berta" userId="c8694f89-bba4-4576-b0a8-456619ca5a8c" providerId="ADAL" clId="{FDDBFC5A-5EA9-5330-BEB8-433D7E3B4C4E}" dt="2025-09-10T16:03:00.163" v="394" actId="1076"/>
+        <pc:sldMkLst>
+          <pc:docMk/>
+          <pc:sldMk cId="4061118125" sldId="286"/>
+        </pc:sldMkLst>
+        <pc:spChg chg="mod">
+          <ac:chgData name="Riccardo Berta" userId="c8694f89-bba4-4576-b0a8-456619ca5a8c" providerId="ADAL" clId="{FDDBFC5A-5EA9-5330-BEB8-433D7E3B4C4E}" dt="2025-09-10T16:02:34.179" v="387" actId="20577"/>
+          <ac:spMkLst>
+            <pc:docMk/>
+            <pc:sldMk cId="4061118125" sldId="286"/>
+            <ac:spMk id="83" creationId="{3A0DFD77-F039-28F1-0678-8212ADE34844}"/>
+          </ac:spMkLst>
+        </pc:spChg>
+        <pc:spChg chg="mod">
+          <ac:chgData name="Riccardo Berta" userId="c8694f89-bba4-4576-b0a8-456619ca5a8c" providerId="ADAL" clId="{FDDBFC5A-5EA9-5330-BEB8-433D7E3B4C4E}" dt="2025-09-10T16:02:39.753" v="389" actId="20577"/>
+          <ac:spMkLst>
+            <pc:docMk/>
+            <pc:sldMk cId="4061118125" sldId="286"/>
+            <ac:spMk id="84" creationId="{F19ECCF5-3F71-19BE-5622-A641C19CCDD2}"/>
+          </ac:spMkLst>
+        </pc:spChg>
+        <pc:picChg chg="del">
+          <ac:chgData name="Riccardo Berta" userId="c8694f89-bba4-4576-b0a8-456619ca5a8c" providerId="ADAL" clId="{FDDBFC5A-5EA9-5330-BEB8-433D7E3B4C4E}" dt="2025-09-10T16:02:36.679" v="388" actId="478"/>
+          <ac:picMkLst>
+            <pc:docMk/>
+            <pc:sldMk cId="4061118125" sldId="286"/>
+            <ac:picMk id="2" creationId="{27FE9A14-91CE-D894-660F-86EAF993CA3C}"/>
+          </ac:picMkLst>
+        </pc:picChg>
+        <pc:picChg chg="add mod">
+          <ac:chgData name="Riccardo Berta" userId="c8694f89-bba4-4576-b0a8-456619ca5a8c" providerId="ADAL" clId="{FDDBFC5A-5EA9-5330-BEB8-433D7E3B4C4E}" dt="2025-09-10T16:02:52.456" v="392" actId="1076"/>
+          <ac:picMkLst>
+            <pc:docMk/>
+            <pc:sldMk cId="4061118125" sldId="286"/>
+            <ac:picMk id="3" creationId="{5DD17A48-62CC-3479-9517-CE92FC01B512}"/>
+          </ac:picMkLst>
+        </pc:picChg>
+        <pc:picChg chg="add mod">
+          <ac:chgData name="Riccardo Berta" userId="c8694f89-bba4-4576-b0a8-456619ca5a8c" providerId="ADAL" clId="{FDDBFC5A-5EA9-5330-BEB8-433D7E3B4C4E}" dt="2025-09-10T16:03:00.163" v="394" actId="1076"/>
+          <ac:picMkLst>
+            <pc:docMk/>
+            <pc:sldMk cId="4061118125" sldId="286"/>
+            <ac:picMk id="4" creationId="{367C1817-4826-8E4C-A491-01088CFB3BBA}"/>
           </ac:picMkLst>
         </pc:picChg>
       </pc:sldChg>
@@ -2544,6 +2624,260 @@
     <p:extLst>
       <p:ext uri="{BB962C8B-B14F-4D97-AF65-F5344CB8AC3E}">
         <p14:creationId xmlns:p14="http://schemas.microsoft.com/office/powerpoint/2010/main" val="929206250"/>
+      </p:ext>
+    </p:extLst>
+  </p:cSld>
+  <p:clrMapOvr>
+    <a:masterClrMapping/>
+  </p:clrMapOvr>
+</p:notes>
+</file>
+
+<file path=ppt/notesSlides/notesSlide16.xml><?xml version="1.0" encoding="utf-8"?>
+<p:notes xmlns:a="http://schemas.openxmlformats.org/drawingml/2006/main" xmlns:r="http://schemas.openxmlformats.org/officeDocument/2006/relationships" xmlns:p="http://schemas.openxmlformats.org/presentationml/2006/main" showMasterSp="0" showMasterPhAnim="0">
+  <p:cSld>
+    <p:spTree>
+      <p:nvGrpSpPr>
+        <p:cNvPr id="1" name="Shape 79">
+          <a:extLst>
+            <a:ext uri="{FF2B5EF4-FFF2-40B4-BE49-F238E27FC236}">
+              <a16:creationId xmlns:a16="http://schemas.microsoft.com/office/drawing/2014/main" id="{F1B55692-FAD4-EF7E-0E85-F3AF99C699A5}"/>
+            </a:ext>
+          </a:extLst>
+        </p:cNvPr>
+        <p:cNvGrpSpPr/>
+        <p:nvPr/>
+      </p:nvGrpSpPr>
+      <p:grpSpPr>
+        <a:xfrm>
+          <a:off x="0" y="0"/>
+          <a:ext cx="0" cy="0"/>
+          <a:chOff x="0" y="0"/>
+          <a:chExt cx="0" cy="0"/>
+        </a:xfrm>
+      </p:grpSpPr>
+      <p:sp>
+        <p:nvSpPr>
+          <p:cNvPr id="80" name="Google Shape;80;geed6aedbf_0_0:notes">
+            <a:extLst>
+              <a:ext uri="{FF2B5EF4-FFF2-40B4-BE49-F238E27FC236}">
+                <a16:creationId xmlns:a16="http://schemas.microsoft.com/office/drawing/2014/main" id="{F0CA4C13-B714-211C-3106-9485999716FE}"/>
+              </a:ext>
+            </a:extLst>
+          </p:cNvPr>
+          <p:cNvSpPr>
+            <a:spLocks noGrp="1" noRot="1" noChangeAspect="1"/>
+          </p:cNvSpPr>
+          <p:nvPr>
+            <p:ph type="sldImg" idx="2"/>
+          </p:nvPr>
+        </p:nvSpPr>
+        <p:spPr>
+          <a:xfrm>
+            <a:off x="1143000" y="685800"/>
+            <a:ext cx="4572000" cy="3429000"/>
+          </a:xfrm>
+          <a:custGeom>
+            <a:avLst/>
+            <a:gdLst/>
+            <a:ahLst/>
+            <a:cxnLst/>
+            <a:rect l="l" t="t" r="r" b="b"/>
+            <a:pathLst>
+              <a:path w="120000" h="120000" extrusionOk="0">
+                <a:moveTo>
+                  <a:pt x="0" y="0"/>
+                </a:moveTo>
+                <a:lnTo>
+                  <a:pt x="120000" y="0"/>
+                </a:lnTo>
+                <a:lnTo>
+                  <a:pt x="120000" y="120000"/>
+                </a:lnTo>
+                <a:lnTo>
+                  <a:pt x="0" y="120000"/>
+                </a:lnTo>
+                <a:close/>
+              </a:path>
+            </a:pathLst>
+          </a:custGeom>
+        </p:spPr>
+      </p:sp>
+      <p:sp>
+        <p:nvSpPr>
+          <p:cNvPr id="81" name="Google Shape;81;geed6aedbf_0_0:notes">
+            <a:extLst>
+              <a:ext uri="{FF2B5EF4-FFF2-40B4-BE49-F238E27FC236}">
+                <a16:creationId xmlns:a16="http://schemas.microsoft.com/office/drawing/2014/main" id="{A7679667-B5CA-BCD8-2B4C-DF84ECB4503C}"/>
+              </a:ext>
+            </a:extLst>
+          </p:cNvPr>
+          <p:cNvSpPr txBox="1">
+            <a:spLocks noGrp="1"/>
+          </p:cNvSpPr>
+          <p:nvPr>
+            <p:ph type="body" idx="1"/>
+          </p:nvPr>
+        </p:nvSpPr>
+        <p:spPr>
+          <a:xfrm>
+            <a:off x="685800" y="4343400"/>
+            <a:ext cx="5486400" cy="4114800"/>
+          </a:xfrm>
+          <a:prstGeom prst="rect">
+            <a:avLst/>
+          </a:prstGeom>
+        </p:spPr>
+        <p:txBody>
+          <a:bodyPr spcFirstLastPara="1" wrap="square" lIns="91425" tIns="91425" rIns="91425" bIns="91425" anchor="t" anchorCtr="0">
+            <a:noAutofit/>
+          </a:bodyPr>
+          <a:lstStyle/>
+          <a:p>
+            <a:pPr marL="0" lvl="0" indent="0" algn="l" rtl="0">
+              <a:spcBef>
+                <a:spcPts val="0"/>
+              </a:spcBef>
+              <a:spcAft>
+                <a:spcPts val="0"/>
+              </a:spcAft>
+              <a:buNone/>
+            </a:pPr>
+            <a:endParaRPr/>
+          </a:p>
+        </p:txBody>
+      </p:sp>
+    </p:spTree>
+    <p:extLst>
+      <p:ext uri="{BB962C8B-B14F-4D97-AF65-F5344CB8AC3E}">
+        <p14:creationId xmlns:p14="http://schemas.microsoft.com/office/powerpoint/2010/main" val="3177351371"/>
+      </p:ext>
+    </p:extLst>
+  </p:cSld>
+  <p:clrMapOvr>
+    <a:masterClrMapping/>
+  </p:clrMapOvr>
+</p:notes>
+</file>
+
+<file path=ppt/notesSlides/notesSlide17.xml><?xml version="1.0" encoding="utf-8"?>
+<p:notes xmlns:a="http://schemas.openxmlformats.org/drawingml/2006/main" xmlns:r="http://schemas.openxmlformats.org/officeDocument/2006/relationships" xmlns:p="http://schemas.openxmlformats.org/presentationml/2006/main" showMasterSp="0" showMasterPhAnim="0">
+  <p:cSld>
+    <p:spTree>
+      <p:nvGrpSpPr>
+        <p:cNvPr id="1" name="Shape 79">
+          <a:extLst>
+            <a:ext uri="{FF2B5EF4-FFF2-40B4-BE49-F238E27FC236}">
+              <a16:creationId xmlns:a16="http://schemas.microsoft.com/office/drawing/2014/main" id="{8AF9E301-B547-AFAD-E29D-C4214AAF4A44}"/>
+            </a:ext>
+          </a:extLst>
+        </p:cNvPr>
+        <p:cNvGrpSpPr/>
+        <p:nvPr/>
+      </p:nvGrpSpPr>
+      <p:grpSpPr>
+        <a:xfrm>
+          <a:off x="0" y="0"/>
+          <a:ext cx="0" cy="0"/>
+          <a:chOff x="0" y="0"/>
+          <a:chExt cx="0" cy="0"/>
+        </a:xfrm>
+      </p:grpSpPr>
+      <p:sp>
+        <p:nvSpPr>
+          <p:cNvPr id="80" name="Google Shape;80;geed6aedbf_0_0:notes">
+            <a:extLst>
+              <a:ext uri="{FF2B5EF4-FFF2-40B4-BE49-F238E27FC236}">
+                <a16:creationId xmlns:a16="http://schemas.microsoft.com/office/drawing/2014/main" id="{B75B8024-543B-6BA8-FAF0-5D44A863A3CF}"/>
+              </a:ext>
+            </a:extLst>
+          </p:cNvPr>
+          <p:cNvSpPr>
+            <a:spLocks noGrp="1" noRot="1" noChangeAspect="1"/>
+          </p:cNvSpPr>
+          <p:nvPr>
+            <p:ph type="sldImg" idx="2"/>
+          </p:nvPr>
+        </p:nvSpPr>
+        <p:spPr>
+          <a:xfrm>
+            <a:off x="1143000" y="685800"/>
+            <a:ext cx="4572000" cy="3429000"/>
+          </a:xfrm>
+          <a:custGeom>
+            <a:avLst/>
+            <a:gdLst/>
+            <a:ahLst/>
+            <a:cxnLst/>
+            <a:rect l="l" t="t" r="r" b="b"/>
+            <a:pathLst>
+              <a:path w="120000" h="120000" extrusionOk="0">
+                <a:moveTo>
+                  <a:pt x="0" y="0"/>
+                </a:moveTo>
+                <a:lnTo>
+                  <a:pt x="120000" y="0"/>
+                </a:lnTo>
+                <a:lnTo>
+                  <a:pt x="120000" y="120000"/>
+                </a:lnTo>
+                <a:lnTo>
+                  <a:pt x="0" y="120000"/>
+                </a:lnTo>
+                <a:close/>
+              </a:path>
+            </a:pathLst>
+          </a:custGeom>
+        </p:spPr>
+      </p:sp>
+      <p:sp>
+        <p:nvSpPr>
+          <p:cNvPr id="81" name="Google Shape;81;geed6aedbf_0_0:notes">
+            <a:extLst>
+              <a:ext uri="{FF2B5EF4-FFF2-40B4-BE49-F238E27FC236}">
+                <a16:creationId xmlns:a16="http://schemas.microsoft.com/office/drawing/2014/main" id="{AE617CB1-69BE-B6D3-B7D3-853A0C0A03BE}"/>
+              </a:ext>
+            </a:extLst>
+          </p:cNvPr>
+          <p:cNvSpPr txBox="1">
+            <a:spLocks noGrp="1"/>
+          </p:cNvSpPr>
+          <p:nvPr>
+            <p:ph type="body" idx="1"/>
+          </p:nvPr>
+        </p:nvSpPr>
+        <p:spPr>
+          <a:xfrm>
+            <a:off x="685800" y="4343400"/>
+            <a:ext cx="5486400" cy="4114800"/>
+          </a:xfrm>
+          <a:prstGeom prst="rect">
+            <a:avLst/>
+          </a:prstGeom>
+        </p:spPr>
+        <p:txBody>
+          <a:bodyPr spcFirstLastPara="1" wrap="square" lIns="91425" tIns="91425" rIns="91425" bIns="91425" anchor="t" anchorCtr="0">
+            <a:noAutofit/>
+          </a:bodyPr>
+          <a:lstStyle/>
+          <a:p>
+            <a:pPr marL="0" lvl="0" indent="0" algn="l" rtl="0">
+              <a:spcBef>
+                <a:spcPts val="0"/>
+              </a:spcBef>
+              <a:spcAft>
+                <a:spcPts val="0"/>
+              </a:spcAft>
+              <a:buNone/>
+            </a:pPr>
+            <a:endParaRPr/>
+          </a:p>
+        </p:txBody>
+      </p:sp>
+    </p:spTree>
+    <p:extLst>
+      <p:ext uri="{BB962C8B-B14F-4D97-AF65-F5344CB8AC3E}">
+        <p14:creationId xmlns:p14="http://schemas.microsoft.com/office/powerpoint/2010/main" val="2730702184"/>
       </p:ext>
     </p:extLst>
   </p:cSld>
@@ -10400,6 +10734,388 @@
 </p:sld>
 </file>
 
+<file path=ppt/slides/slide17.xml><?xml version="1.0" encoding="utf-8"?>
+<p:sld xmlns:a="http://schemas.openxmlformats.org/drawingml/2006/main" xmlns:r="http://schemas.openxmlformats.org/officeDocument/2006/relationships" xmlns:p="http://schemas.openxmlformats.org/presentationml/2006/main">
+  <p:cSld>
+    <p:spTree>
+      <p:nvGrpSpPr>
+        <p:cNvPr id="1" name="Shape 82">
+          <a:extLst>
+            <a:ext uri="{FF2B5EF4-FFF2-40B4-BE49-F238E27FC236}">
+              <a16:creationId xmlns:a16="http://schemas.microsoft.com/office/drawing/2014/main" id="{50AA736A-03A8-FF6C-FC4F-B2E032F9321E}"/>
+            </a:ext>
+          </a:extLst>
+        </p:cNvPr>
+        <p:cNvGrpSpPr/>
+        <p:nvPr/>
+      </p:nvGrpSpPr>
+      <p:grpSpPr>
+        <a:xfrm>
+          <a:off x="0" y="0"/>
+          <a:ext cx="0" cy="0"/>
+          <a:chOff x="0" y="0"/>
+          <a:chExt cx="0" cy="0"/>
+        </a:xfrm>
+      </p:grpSpPr>
+      <p:sp>
+        <p:nvSpPr>
+          <p:cNvPr id="83" name="Google Shape;83;p14">
+            <a:extLst>
+              <a:ext uri="{FF2B5EF4-FFF2-40B4-BE49-F238E27FC236}">
+                <a16:creationId xmlns:a16="http://schemas.microsoft.com/office/drawing/2014/main" id="{046C34AF-6330-55DE-A019-E4A5CA75E4FD}"/>
+              </a:ext>
+            </a:extLst>
+          </p:cNvPr>
+          <p:cNvSpPr txBox="1">
+            <a:spLocks noGrp="1"/>
+          </p:cNvSpPr>
+          <p:nvPr>
+            <p:ph type="title" idx="4294967295"/>
+          </p:nvPr>
+        </p:nvSpPr>
+        <p:spPr>
+          <a:xfrm>
+            <a:off x="311700" y="421233"/>
+            <a:ext cx="8520600" cy="622500"/>
+          </a:xfrm>
+          <a:prstGeom prst="rect">
+            <a:avLst/>
+          </a:prstGeom>
+        </p:spPr>
+        <p:txBody>
+          <a:bodyPr spcFirstLastPara="1" wrap="square" lIns="91425" tIns="91425" rIns="91425" bIns="91425" anchor="b" anchorCtr="0">
+            <a:noAutofit/>
+          </a:bodyPr>
+          <a:lstStyle/>
+          <a:p>
+            <a:pPr marL="0" lvl="0" indent="0" algn="l" rtl="0">
+              <a:spcBef>
+                <a:spcPts val="0"/>
+              </a:spcBef>
+              <a:spcAft>
+                <a:spcPts val="0"/>
+              </a:spcAft>
+              <a:buNone/>
+            </a:pPr>
+            <a:r>
+              <a:rPr lang="en-GB" dirty="0"/>
+              <a:t>Simulation (1)</a:t>
+            </a:r>
+            <a:endParaRPr dirty="0"/>
+          </a:p>
+        </p:txBody>
+      </p:sp>
+      <p:sp>
+        <p:nvSpPr>
+          <p:cNvPr id="84" name="Google Shape;84;p14">
+            <a:extLst>
+              <a:ext uri="{FF2B5EF4-FFF2-40B4-BE49-F238E27FC236}">
+                <a16:creationId xmlns:a16="http://schemas.microsoft.com/office/drawing/2014/main" id="{9C458440-8EE4-0D6F-E7AD-83C5BD2C1F33}"/>
+              </a:ext>
+            </a:extLst>
+          </p:cNvPr>
+          <p:cNvSpPr txBox="1">
+            <a:spLocks noGrp="1"/>
+          </p:cNvSpPr>
+          <p:nvPr>
+            <p:ph type="body" idx="1"/>
+          </p:nvPr>
+        </p:nvSpPr>
+        <p:spPr>
+          <a:xfrm>
+            <a:off x="162750" y="1336767"/>
+            <a:ext cx="8818500" cy="5100000"/>
+          </a:xfrm>
+          <a:prstGeom prst="rect">
+            <a:avLst/>
+          </a:prstGeom>
+        </p:spPr>
+        <p:txBody>
+          <a:bodyPr spcFirstLastPara="1" wrap="square" lIns="91425" tIns="91425" rIns="91425" bIns="91425" anchor="t" anchorCtr="0">
+            <a:noAutofit/>
+          </a:bodyPr>
+          <a:lstStyle/>
+          <a:p>
+            <a:r>
+              <a:rPr lang="en-GB" dirty="0"/>
+              <a:t>Verify correctness</a:t>
+            </a:r>
+          </a:p>
+          <a:p>
+            <a:pPr lvl="1">
+              <a:spcBef>
+                <a:spcPts val="0"/>
+              </a:spcBef>
+            </a:pPr>
+            <a:r>
+              <a:rPr lang="en-GB" dirty="0"/>
+              <a:t>check that the circuit produces the expected outputs for all possible inputs.</a:t>
+            </a:r>
+          </a:p>
+          <a:p>
+            <a:r>
+              <a:rPr lang="en-GB" dirty="0"/>
+              <a:t>Explore behaviour over time </a:t>
+            </a:r>
+          </a:p>
+          <a:p>
+            <a:pPr lvl="1">
+              <a:spcBef>
+                <a:spcPts val="0"/>
+              </a:spcBef>
+            </a:pPr>
+            <a:r>
+              <a:rPr lang="en-GB" dirty="0"/>
+              <a:t>visualize how signals change, and how propagation delays affect the output.</a:t>
+            </a:r>
+          </a:p>
+          <a:p>
+            <a:r>
+              <a:rPr lang="en-GB" dirty="0"/>
+              <a:t>Experiment freely</a:t>
+            </a:r>
+          </a:p>
+          <a:p>
+            <a:pPr lvl="1">
+              <a:spcBef>
+                <a:spcPts val="0"/>
+              </a:spcBef>
+            </a:pPr>
+            <a:r>
+              <a:rPr lang="en-GB" dirty="0"/>
+              <a:t>try variations, optimize the design, and gain intuition about circuit behaviour without worrying about damaging components</a:t>
+            </a:r>
+          </a:p>
+          <a:p>
+            <a:r>
+              <a:rPr lang="en-GB" b="1" dirty="0"/>
+              <a:t>Deeds</a:t>
+            </a:r>
+          </a:p>
+        </p:txBody>
+      </p:sp>
+      <p:pic>
+        <p:nvPicPr>
+          <p:cNvPr id="2" name="Immagine 1">
+            <a:extLst>
+              <a:ext uri="{FF2B5EF4-FFF2-40B4-BE49-F238E27FC236}">
+                <a16:creationId xmlns:a16="http://schemas.microsoft.com/office/drawing/2014/main" id="{ACE95838-F570-B82E-54CF-33215E1B6313}"/>
+              </a:ext>
+            </a:extLst>
+          </p:cNvPr>
+          <p:cNvPicPr>
+            <a:picLocks noChangeAspect="1"/>
+          </p:cNvPicPr>
+          <p:nvPr/>
+        </p:nvPicPr>
+        <p:blipFill>
+          <a:blip r:embed="rId3"/>
+          <a:stretch>
+            <a:fillRect/>
+          </a:stretch>
+        </p:blipFill>
+        <p:spPr>
+          <a:xfrm>
+            <a:off x="516467" y="4202002"/>
+            <a:ext cx="7772400" cy="1614886"/>
+          </a:xfrm>
+          <a:prstGeom prst="rect">
+            <a:avLst/>
+          </a:prstGeom>
+        </p:spPr>
+      </p:pic>
+    </p:spTree>
+    <p:extLst>
+      <p:ext uri="{BB962C8B-B14F-4D97-AF65-F5344CB8AC3E}">
+        <p14:creationId xmlns:p14="http://schemas.microsoft.com/office/powerpoint/2010/main" val="4035617616"/>
+      </p:ext>
+    </p:extLst>
+  </p:cSld>
+  <p:clrMapOvr>
+    <a:masterClrMapping/>
+  </p:clrMapOvr>
+</p:sld>
+</file>
+
+<file path=ppt/slides/slide18.xml><?xml version="1.0" encoding="utf-8"?>
+<p:sld xmlns:a="http://schemas.openxmlformats.org/drawingml/2006/main" xmlns:r="http://schemas.openxmlformats.org/officeDocument/2006/relationships" xmlns:p="http://schemas.openxmlformats.org/presentationml/2006/main">
+  <p:cSld>
+    <p:spTree>
+      <p:nvGrpSpPr>
+        <p:cNvPr id="1" name="Shape 82">
+          <a:extLst>
+            <a:ext uri="{FF2B5EF4-FFF2-40B4-BE49-F238E27FC236}">
+              <a16:creationId xmlns:a16="http://schemas.microsoft.com/office/drawing/2014/main" id="{FA604889-CA65-1E00-CC36-B1688E9CB475}"/>
+            </a:ext>
+          </a:extLst>
+        </p:cNvPr>
+        <p:cNvGrpSpPr/>
+        <p:nvPr/>
+      </p:nvGrpSpPr>
+      <p:grpSpPr>
+        <a:xfrm>
+          <a:off x="0" y="0"/>
+          <a:ext cx="0" cy="0"/>
+          <a:chOff x="0" y="0"/>
+          <a:chExt cx="0" cy="0"/>
+        </a:xfrm>
+      </p:grpSpPr>
+      <p:sp>
+        <p:nvSpPr>
+          <p:cNvPr id="83" name="Google Shape;83;p14">
+            <a:extLst>
+              <a:ext uri="{FF2B5EF4-FFF2-40B4-BE49-F238E27FC236}">
+                <a16:creationId xmlns:a16="http://schemas.microsoft.com/office/drawing/2014/main" id="{3A0DFD77-F039-28F1-0678-8212ADE34844}"/>
+              </a:ext>
+            </a:extLst>
+          </p:cNvPr>
+          <p:cNvSpPr txBox="1">
+            <a:spLocks noGrp="1"/>
+          </p:cNvSpPr>
+          <p:nvPr>
+            <p:ph type="title" idx="4294967295"/>
+          </p:nvPr>
+        </p:nvSpPr>
+        <p:spPr>
+          <a:xfrm>
+            <a:off x="311700" y="421233"/>
+            <a:ext cx="8520600" cy="622500"/>
+          </a:xfrm>
+          <a:prstGeom prst="rect">
+            <a:avLst/>
+          </a:prstGeom>
+        </p:spPr>
+        <p:txBody>
+          <a:bodyPr spcFirstLastPara="1" wrap="square" lIns="91425" tIns="91425" rIns="91425" bIns="91425" anchor="b" anchorCtr="0">
+            <a:noAutofit/>
+          </a:bodyPr>
+          <a:lstStyle/>
+          <a:p>
+            <a:pPr marL="0" lvl="0" indent="0" algn="l" rtl="0">
+              <a:spcBef>
+                <a:spcPts val="0"/>
+              </a:spcBef>
+              <a:spcAft>
+                <a:spcPts val="0"/>
+              </a:spcAft>
+              <a:buNone/>
+            </a:pPr>
+            <a:r>
+              <a:rPr lang="en-GB" dirty="0"/>
+              <a:t>Simulation (2)</a:t>
+            </a:r>
+            <a:endParaRPr dirty="0"/>
+          </a:p>
+        </p:txBody>
+      </p:sp>
+      <p:sp>
+        <p:nvSpPr>
+          <p:cNvPr id="84" name="Google Shape;84;p14">
+            <a:extLst>
+              <a:ext uri="{FF2B5EF4-FFF2-40B4-BE49-F238E27FC236}">
+                <a16:creationId xmlns:a16="http://schemas.microsoft.com/office/drawing/2014/main" id="{F19ECCF5-3F71-19BE-5622-A641C19CCDD2}"/>
+              </a:ext>
+            </a:extLst>
+          </p:cNvPr>
+          <p:cNvSpPr txBox="1">
+            <a:spLocks noGrp="1"/>
+          </p:cNvSpPr>
+          <p:nvPr>
+            <p:ph type="body" idx="1"/>
+          </p:nvPr>
+        </p:nvSpPr>
+        <p:spPr>
+          <a:xfrm>
+            <a:off x="162750" y="1336767"/>
+            <a:ext cx="8818500" cy="5100000"/>
+          </a:xfrm>
+          <a:prstGeom prst="rect">
+            <a:avLst/>
+          </a:prstGeom>
+        </p:spPr>
+        <p:txBody>
+          <a:bodyPr spcFirstLastPara="1" wrap="square" lIns="91425" tIns="91425" rIns="91425" bIns="91425" anchor="t" anchorCtr="0">
+            <a:noAutofit/>
+          </a:bodyPr>
+          <a:lstStyle/>
+          <a:p>
+            <a:endParaRPr lang="en-GB" dirty="0"/>
+          </a:p>
+        </p:txBody>
+      </p:sp>
+      <p:pic>
+        <p:nvPicPr>
+          <p:cNvPr id="3" name="Immagine 2">
+            <a:extLst>
+              <a:ext uri="{FF2B5EF4-FFF2-40B4-BE49-F238E27FC236}">
+                <a16:creationId xmlns:a16="http://schemas.microsoft.com/office/drawing/2014/main" id="{5DD17A48-62CC-3479-9517-CE92FC01B512}"/>
+              </a:ext>
+            </a:extLst>
+          </p:cNvPr>
+          <p:cNvPicPr>
+            <a:picLocks noChangeAspect="1"/>
+          </p:cNvPicPr>
+          <p:nvPr/>
+        </p:nvPicPr>
+        <p:blipFill>
+          <a:blip r:embed="rId3"/>
+          <a:stretch>
+            <a:fillRect/>
+          </a:stretch>
+        </p:blipFill>
+        <p:spPr>
+          <a:xfrm>
+            <a:off x="539044" y="2606238"/>
+            <a:ext cx="7772400" cy="1984192"/>
+          </a:xfrm>
+          <a:prstGeom prst="rect">
+            <a:avLst/>
+          </a:prstGeom>
+        </p:spPr>
+      </p:pic>
+      <p:pic>
+        <p:nvPicPr>
+          <p:cNvPr id="4" name="Immagine 3">
+            <a:extLst>
+              <a:ext uri="{FF2B5EF4-FFF2-40B4-BE49-F238E27FC236}">
+                <a16:creationId xmlns:a16="http://schemas.microsoft.com/office/drawing/2014/main" id="{367C1817-4826-8E4C-A491-01088CFB3BBA}"/>
+              </a:ext>
+            </a:extLst>
+          </p:cNvPr>
+          <p:cNvPicPr>
+            <a:picLocks noChangeAspect="1"/>
+          </p:cNvPicPr>
+          <p:nvPr/>
+        </p:nvPicPr>
+        <p:blipFill>
+          <a:blip r:embed="rId4"/>
+          <a:stretch>
+            <a:fillRect/>
+          </a:stretch>
+        </p:blipFill>
+        <p:spPr>
+          <a:xfrm>
+            <a:off x="539044" y="4711608"/>
+            <a:ext cx="7772400" cy="1619250"/>
+          </a:xfrm>
+          <a:prstGeom prst="rect">
+            <a:avLst/>
+          </a:prstGeom>
+        </p:spPr>
+      </p:pic>
+    </p:spTree>
+    <p:extLst>
+      <p:ext uri="{BB962C8B-B14F-4D97-AF65-F5344CB8AC3E}">
+        <p14:creationId xmlns:p14="http://schemas.microsoft.com/office/powerpoint/2010/main" val="4061118125"/>
+      </p:ext>
+    </p:extLst>
+  </p:cSld>
+  <p:clrMapOvr>
+    <a:masterClrMapping/>
+  </p:clrMapOvr>
+</p:sld>
+</file>
+
 <file path=ppt/slides/slide2.xml><?xml version="1.0" encoding="utf-8"?>
 <p:sld xmlns:a="http://schemas.openxmlformats.org/drawingml/2006/main" xmlns:r="http://schemas.openxmlformats.org/officeDocument/2006/relationships" xmlns:p="http://schemas.openxmlformats.org/presentationml/2006/main">
   <p:cSld>
@@ -10469,7 +11185,7 @@
         <p:spPr>
           <a:xfrm>
             <a:off x="325500" y="1171552"/>
-            <a:ext cx="8257391" cy="5113200"/>
+            <a:ext cx="8257391" cy="5387292"/>
           </a:xfrm>
         </p:spPr>
         <p:txBody>
@@ -10621,6 +11337,15 @@
             <a:r>
               <a:rPr lang="en-GB" dirty="0"/>
               <a:t>Complexity</a:t>
+            </a:r>
+          </a:p>
+          <a:p>
+            <a:endParaRPr lang="en-GB" dirty="0"/>
+          </a:p>
+          <a:p>
+            <a:r>
+              <a:rPr lang="en-GB" dirty="0"/>
+              <a:t>Simulation</a:t>
             </a:r>
           </a:p>
           <a:p>
@@ -12951,6 +13676,15 @@
 </file>
 
 <file path=customXml/item2.xml><?xml version="1.0" encoding="utf-8"?>
+<?mso-contentType ?>
+<FormTemplates xmlns="http://schemas.microsoft.com/sharepoint/v3/contenttype/forms">
+  <Display>DocumentLibraryForm</Display>
+  <Edit>DocumentLibraryForm</Edit>
+  <New>DocumentLibraryForm</New>
+</FormTemplates>
+</file>
+
+<file path=customXml/item3.xml><?xml version="1.0" encoding="utf-8"?>
 <ct:contentTypeSchema xmlns:ct="http://schemas.microsoft.com/office/2006/metadata/contentType" xmlns:ma="http://schemas.microsoft.com/office/2006/metadata/properties/metaAttributes" ct:_="" ma:_="" ma:contentTypeName="Documento" ma:contentTypeID="0x010100B8FA822B18A0634FB7342CF29752587A" ma:contentTypeVersion="12" ma:contentTypeDescription="Creare un nuovo documento." ma:contentTypeScope="" ma:versionID="4c8b1e8002f5a6c880c83187af115cef">
   <xsd:schema xmlns:xsd="http://www.w3.org/2001/XMLSchema" xmlns:xs="http://www.w3.org/2001/XMLSchema" xmlns:p="http://schemas.microsoft.com/office/2006/metadata/properties" xmlns:ns2="3bd0d43f-5e5b-43cd-b6fc-691bd77672c6" xmlns:ns3="e9b5433c-2372-4cb7-8bab-09518096b29b" targetNamespace="http://schemas.microsoft.com/office/2006/metadata/properties" ma:root="true" ma:fieldsID="618b708abf3b656f834d84e193700042" ns2:_="" ns3:_="">
     <xsd:import namespace="3bd0d43f-5e5b-43cd-b6fc-691bd77672c6"/>
@@ -13151,33 +13885,32 @@
 </ct:contentTypeSchema>
 </file>
 
-<file path=customXml/item3.xml><?xml version="1.0" encoding="utf-8"?>
-<?mso-contentType ?>
-<FormTemplates xmlns="http://schemas.microsoft.com/sharepoint/v3/contenttype/forms">
-  <Display>DocumentLibraryForm</Display>
-  <Edit>DocumentLibraryForm</Edit>
-  <New>DocumentLibraryForm</New>
-</FormTemplates>
-</file>
-
 <file path=customXml/itemProps1.xml><?xml version="1.0" encoding="utf-8"?>
 <ds:datastoreItem xmlns:ds="http://schemas.openxmlformats.org/officeDocument/2006/customXml" ds:itemID="{5050C20A-3C88-462F-A38E-6E748FF1CEAD}">
   <ds:schemaRefs>
-    <ds:schemaRef ds:uri="http://purl.org/dc/dcmitype/"/>
-    <ds:schemaRef ds:uri="http://schemas.openxmlformats.org/package/2006/metadata/core-properties"/>
-    <ds:schemaRef ds:uri="http://schemas.microsoft.com/office/2006/documentManagement/types"/>
-    <ds:schemaRef ds:uri="http://schemas.microsoft.com/office/infopath/2007/PartnerControls"/>
-    <ds:schemaRef ds:uri="e9b5433c-2372-4cb7-8bab-09518096b29b"/>
-    <ds:schemaRef ds:uri="http://purl.org/dc/elements/1.1/"/>
+    <ds:schemaRef ds:uri="3bd0d43f-5e5b-43cd-b6fc-691bd77672c6"/>
     <ds:schemaRef ds:uri="http://purl.org/dc/terms/"/>
     <ds:schemaRef ds:uri="http://www.w3.org/XML/1998/namespace"/>
-    <ds:schemaRef ds:uri="3bd0d43f-5e5b-43cd-b6fc-691bd77672c6"/>
+    <ds:schemaRef ds:uri="http://schemas.microsoft.com/office/2006/documentManagement/types"/>
+    <ds:schemaRef ds:uri="http://purl.org/dc/elements/1.1/"/>
+    <ds:schemaRef ds:uri="http://purl.org/dc/dcmitype/"/>
+    <ds:schemaRef ds:uri="http://schemas.microsoft.com/office/infopath/2007/PartnerControls"/>
+    <ds:schemaRef ds:uri="http://schemas.openxmlformats.org/package/2006/metadata/core-properties"/>
+    <ds:schemaRef ds:uri="e9b5433c-2372-4cb7-8bab-09518096b29b"/>
     <ds:schemaRef ds:uri="http://schemas.microsoft.com/office/2006/metadata/properties"/>
   </ds:schemaRefs>
 </ds:datastoreItem>
 </file>
 
 <file path=customXml/itemProps2.xml><?xml version="1.0" encoding="utf-8"?>
+<ds:datastoreItem xmlns:ds="http://schemas.openxmlformats.org/officeDocument/2006/customXml" ds:itemID="{3350DDC4-6AF7-418C-A870-CE2A12430908}">
+  <ds:schemaRefs>
+    <ds:schemaRef ds:uri="http://schemas.microsoft.com/sharepoint/v3/contenttype/forms"/>
+  </ds:schemaRefs>
+</ds:datastoreItem>
+</file>
+
+<file path=customXml/itemProps3.xml><?xml version="1.0" encoding="utf-8"?>
 <ds:datastoreItem xmlns:ds="http://schemas.openxmlformats.org/officeDocument/2006/customXml" ds:itemID="{E2B3472A-EF56-49B9-A348-BAF44BBAD7D8}">
   <ds:schemaRefs>
     <ds:schemaRef ds:uri="http://schemas.microsoft.com/office/2006/metadata/contentType"/>
@@ -13194,12 +13927,4 @@
     <ds:schemaRef ds:uri="http://schemas.microsoft.com/internal/obd"/>
   </ds:schemaRefs>
 </ds:datastoreItem>
-</file>
-
-<file path=customXml/itemProps3.xml><?xml version="1.0" encoding="utf-8"?>
-<ds:datastoreItem xmlns:ds="http://schemas.openxmlformats.org/officeDocument/2006/customXml" ds:itemID="{3350DDC4-6AF7-418C-A870-CE2A12430908}">
-  <ds:schemaRefs>
-    <ds:schemaRef ds:uri="http://schemas.microsoft.com/sharepoint/v3/contenttype/forms"/>
-  </ds:schemaRefs>
-</ds:datastoreItem>
 </file>
--- a/03 - Logic Gates and Circuits/slides.pptx
+++ b/03 - Logic Gates and Circuits/slides.pptx
@@ -295,7 +295,7 @@
   <pc:docChgLst>
     <pc:chgData name="Riccardo Berta" userId="c8694f89-bba4-4576-b0a8-456619ca5a8c" providerId="ADAL" clId="{FDDBFC5A-5EA9-5330-BEB8-433D7E3B4C4E}"/>
     <pc:docChg chg="undo custSel addSld delSld modSld sldOrd">
-      <pc:chgData name="Riccardo Berta" userId="c8694f89-bba4-4576-b0a8-456619ca5a8c" providerId="ADAL" clId="{FDDBFC5A-5EA9-5330-BEB8-433D7E3B4C4E}" dt="2025-09-10T16:03:00.163" v="394" actId="1076"/>
+      <pc:chgData name="Riccardo Berta" userId="c8694f89-bba4-4576-b0a8-456619ca5a8c" providerId="ADAL" clId="{FDDBFC5A-5EA9-5330-BEB8-433D7E3B4C4E}" dt="2025-09-15T14:56:30.617" v="402" actId="1076"/>
       <pc:docMkLst>
         <pc:docMk/>
       </pc:docMkLst>
@@ -320,14 +320,6 @@
           <pc:docMk/>
           <pc:sldMk cId="3293491420" sldId="260"/>
         </pc:sldMkLst>
-        <pc:picChg chg="add del mod">
-          <ac:chgData name="Riccardo Berta" userId="c8694f89-bba4-4576-b0a8-456619ca5a8c" providerId="ADAL" clId="{FDDBFC5A-5EA9-5330-BEB8-433D7E3B4C4E}" dt="2025-09-10T08:13:34.997" v="57"/>
-          <ac:picMkLst>
-            <pc:docMk/>
-            <pc:sldMk cId="3293491420" sldId="260"/>
-            <ac:picMk id="2" creationId="{A74AA411-657F-7CF0-DC0E-6DB39E0837D2}"/>
-          </ac:picMkLst>
-        </pc:picChg>
         <pc:picChg chg="add del mod">
           <ac:chgData name="Riccardo Berta" userId="c8694f89-bba4-4576-b0a8-456619ca5a8c" providerId="ADAL" clId="{FDDBFC5A-5EA9-5330-BEB8-433D7E3B4C4E}" dt="2025-09-10T08:13:35.596" v="58" actId="478"/>
           <ac:picMkLst>
@@ -420,30 +412,6 @@
             <ac:picMk id="2" creationId="{887260A1-A91D-57EA-3401-5D86E0A6737A}"/>
           </ac:picMkLst>
         </pc:picChg>
-        <pc:picChg chg="del">
-          <ac:chgData name="Riccardo Berta" userId="c8694f89-bba4-4576-b0a8-456619ca5a8c" providerId="ADAL" clId="{FDDBFC5A-5EA9-5330-BEB8-433D7E3B4C4E}" dt="2025-09-10T08:30:27.714" v="62" actId="478"/>
-          <ac:picMkLst>
-            <pc:docMk/>
-            <pc:sldMk cId="2348870888" sldId="264"/>
-            <ac:picMk id="3" creationId="{51B95C12-57A6-891A-CC46-32567D243D3C}"/>
-          </ac:picMkLst>
-        </pc:picChg>
-        <pc:picChg chg="del">
-          <ac:chgData name="Riccardo Berta" userId="c8694f89-bba4-4576-b0a8-456619ca5a8c" providerId="ADAL" clId="{FDDBFC5A-5EA9-5330-BEB8-433D7E3B4C4E}" dt="2025-09-10T08:30:25.779" v="61" actId="478"/>
-          <ac:picMkLst>
-            <pc:docMk/>
-            <pc:sldMk cId="2348870888" sldId="264"/>
-            <ac:picMk id="5" creationId="{C1A27034-F2E8-E777-0656-1C6DB876A603}"/>
-          </ac:picMkLst>
-        </pc:picChg>
-        <pc:picChg chg="del">
-          <ac:chgData name="Riccardo Berta" userId="c8694f89-bba4-4576-b0a8-456619ca5a8c" providerId="ADAL" clId="{FDDBFC5A-5EA9-5330-BEB8-433D7E3B4C4E}" dt="2025-09-10T08:30:23.935" v="60" actId="478"/>
-          <ac:picMkLst>
-            <pc:docMk/>
-            <pc:sldMk cId="2348870888" sldId="264"/>
-            <ac:picMk id="7" creationId="{37AC623D-0CBE-154F-9EEF-7DCAC2F40A20}"/>
-          </ac:picMkLst>
-        </pc:picChg>
       </pc:sldChg>
       <pc:sldChg chg="addSp delSp modSp mod">
         <pc:chgData name="Riccardo Berta" userId="c8694f89-bba4-4576-b0a8-456619ca5a8c" providerId="ADAL" clId="{FDDBFC5A-5EA9-5330-BEB8-433D7E3B4C4E}" dt="2025-09-10T09:43:28.405" v="112" actId="1076"/>
@@ -459,22 +427,6 @@
             <ac:spMk id="84" creationId="{00000000-0000-0000-0000-000000000000}"/>
           </ac:spMkLst>
         </pc:spChg>
-        <pc:grpChg chg="del">
-          <ac:chgData name="Riccardo Berta" userId="c8694f89-bba4-4576-b0a8-456619ca5a8c" providerId="ADAL" clId="{FDDBFC5A-5EA9-5330-BEB8-433D7E3B4C4E}" dt="2025-09-10T09:42:21.987" v="71" actId="478"/>
-          <ac:grpSpMkLst>
-            <pc:docMk/>
-            <pc:sldMk cId="2685277896" sldId="265"/>
-            <ac:grpSpMk id="9" creationId="{5B90BE74-FC09-AA59-A59F-23C2772990E2}"/>
-          </ac:grpSpMkLst>
-        </pc:grpChg>
-        <pc:grpChg chg="del">
-          <ac:chgData name="Riccardo Berta" userId="c8694f89-bba4-4576-b0a8-456619ca5a8c" providerId="ADAL" clId="{FDDBFC5A-5EA9-5330-BEB8-433D7E3B4C4E}" dt="2025-09-10T09:42:19.709" v="70" actId="478"/>
-          <ac:grpSpMkLst>
-            <pc:docMk/>
-            <pc:sldMk cId="2685277896" sldId="265"/>
-            <ac:grpSpMk id="14" creationId="{98E9318F-444D-1D61-4A6B-17E8CEC14B85}"/>
-          </ac:grpSpMkLst>
-        </pc:grpChg>
         <pc:picChg chg="add mod">
           <ac:chgData name="Riccardo Berta" userId="c8694f89-bba4-4576-b0a8-456619ca5a8c" providerId="ADAL" clId="{FDDBFC5A-5EA9-5330-BEB8-433D7E3B4C4E}" dt="2025-09-10T09:43:15.218" v="104" actId="1076"/>
           <ac:picMkLst>
@@ -498,14 +450,6 @@
           <pc:docMk/>
           <pc:sldMk cId="97697531" sldId="275"/>
         </pc:sldMkLst>
-        <pc:picChg chg="del">
-          <ac:chgData name="Riccardo Berta" userId="c8694f89-bba4-4576-b0a8-456619ca5a8c" providerId="ADAL" clId="{FDDBFC5A-5EA9-5330-BEB8-433D7E3B4C4E}" dt="2025-09-10T12:16:41.970" v="308" actId="478"/>
-          <ac:picMkLst>
-            <pc:docMk/>
-            <pc:sldMk cId="97697531" sldId="275"/>
-            <ac:picMk id="3" creationId="{C24425DB-0138-99FE-FAD2-763463941402}"/>
-          </ac:picMkLst>
-        </pc:picChg>
       </pc:sldChg>
       <pc:sldChg chg="delSp del mod">
         <pc:chgData name="Riccardo Berta" userId="c8694f89-bba4-4576-b0a8-456619ca5a8c" providerId="ADAL" clId="{FDDBFC5A-5EA9-5330-BEB8-433D7E3B4C4E}" dt="2025-09-10T12:22:47.964" v="311" actId="2696"/>
@@ -513,14 +457,6 @@
           <pc:docMk/>
           <pc:sldMk cId="1388305878" sldId="276"/>
         </pc:sldMkLst>
-        <pc:picChg chg="del">
-          <ac:chgData name="Riccardo Berta" userId="c8694f89-bba4-4576-b0a8-456619ca5a8c" providerId="ADAL" clId="{FDDBFC5A-5EA9-5330-BEB8-433D7E3B4C4E}" dt="2025-09-10T12:22:45.725" v="310" actId="478"/>
-          <ac:picMkLst>
-            <pc:docMk/>
-            <pc:sldMk cId="1388305878" sldId="276"/>
-            <ac:picMk id="4" creationId="{B37C8976-E86A-4EAB-21EA-45CA6D160B6E}"/>
-          </ac:picMkLst>
-        </pc:picChg>
       </pc:sldChg>
       <pc:sldChg chg="addSp delSp modSp del mod">
         <pc:chgData name="Riccardo Berta" userId="c8694f89-bba4-4576-b0a8-456619ca5a8c" providerId="ADAL" clId="{FDDBFC5A-5EA9-5330-BEB8-433D7E3B4C4E}" dt="2025-09-10T12:28:17.495" v="313" actId="2696"/>
@@ -528,22 +464,6 @@
           <pc:docMk/>
           <pc:sldMk cId="3188504337" sldId="277"/>
         </pc:sldMkLst>
-        <pc:spChg chg="add mod">
-          <ac:chgData name="Riccardo Berta" userId="c8694f89-bba4-4576-b0a8-456619ca5a8c" providerId="ADAL" clId="{FDDBFC5A-5EA9-5330-BEB8-433D7E3B4C4E}" dt="2025-09-10T12:28:14.924" v="312" actId="478"/>
-          <ac:spMkLst>
-            <pc:docMk/>
-            <pc:sldMk cId="3188504337" sldId="277"/>
-            <ac:spMk id="4" creationId="{92EF9889-2C7F-0DFC-01DA-A9F30815F9A0}"/>
-          </ac:spMkLst>
-        </pc:spChg>
-        <pc:spChg chg="del">
-          <ac:chgData name="Riccardo Berta" userId="c8694f89-bba4-4576-b0a8-456619ca5a8c" providerId="ADAL" clId="{FDDBFC5A-5EA9-5330-BEB8-433D7E3B4C4E}" dt="2025-09-10T12:28:14.924" v="312" actId="478"/>
-          <ac:spMkLst>
-            <pc:docMk/>
-            <pc:sldMk cId="3188504337" sldId="277"/>
-            <ac:spMk id="84" creationId="{00000000-0000-0000-0000-000000000000}"/>
-          </ac:spMkLst>
-        </pc:spChg>
       </pc:sldChg>
       <pc:sldChg chg="addSp delSp modSp mod">
         <pc:chgData name="Riccardo Berta" userId="c8694f89-bba4-4576-b0a8-456619ca5a8c" providerId="ADAL" clId="{FDDBFC5A-5EA9-5330-BEB8-433D7E3B4C4E}" dt="2025-09-10T10:11:49.270" v="216" actId="1076"/>
@@ -567,28 +487,12 @@
             <ac:picMk id="2" creationId="{D9360D86-167D-13AE-28EE-85C46A426E2E}"/>
           </ac:picMkLst>
         </pc:picChg>
-        <pc:picChg chg="del">
-          <ac:chgData name="Riccardo Berta" userId="c8694f89-bba4-4576-b0a8-456619ca5a8c" providerId="ADAL" clId="{FDDBFC5A-5EA9-5330-BEB8-433D7E3B4C4E}" dt="2025-09-10T10:08:18.115" v="113" actId="478"/>
-          <ac:picMkLst>
-            <pc:docMk/>
-            <pc:sldMk cId="0" sldId="278"/>
-            <ac:picMk id="3" creationId="{EE0D0F3E-A843-92E5-ABBC-F41E3CA3C922}"/>
-          </ac:picMkLst>
-        </pc:picChg>
         <pc:picChg chg="add mod">
           <ac:chgData name="Riccardo Berta" userId="c8694f89-bba4-4576-b0a8-456619ca5a8c" providerId="ADAL" clId="{FDDBFC5A-5EA9-5330-BEB8-433D7E3B4C4E}" dt="2025-09-10T10:11:49.270" v="216" actId="1076"/>
           <ac:picMkLst>
             <pc:docMk/>
             <pc:sldMk cId="0" sldId="278"/>
             <ac:picMk id="4" creationId="{5B6B9473-FD38-C1F8-33A6-C47AC271ECD3}"/>
-          </ac:picMkLst>
-        </pc:picChg>
-        <pc:picChg chg="del">
-          <ac:chgData name="Riccardo Berta" userId="c8694f89-bba4-4576-b0a8-456619ca5a8c" providerId="ADAL" clId="{FDDBFC5A-5EA9-5330-BEB8-433D7E3B4C4E}" dt="2025-09-10T10:09:57.571" v="161" actId="478"/>
-          <ac:picMkLst>
-            <pc:docMk/>
-            <pc:sldMk cId="0" sldId="278"/>
-            <ac:picMk id="5" creationId="{692F2B73-F6B6-F2AC-BB2A-2B1020944694}"/>
           </ac:picMkLst>
         </pc:picChg>
       </pc:sldChg>
@@ -614,30 +518,6 @@
             <ac:picMk id="2" creationId="{2E231A66-02B1-2C3B-E3EB-8053F93BFC60}"/>
           </ac:picMkLst>
         </pc:picChg>
-        <pc:picChg chg="del">
-          <ac:chgData name="Riccardo Berta" userId="c8694f89-bba4-4576-b0a8-456619ca5a8c" providerId="ADAL" clId="{FDDBFC5A-5EA9-5330-BEB8-433D7E3B4C4E}" dt="2025-09-10T10:19:58.132" v="251" actId="478"/>
-          <ac:picMkLst>
-            <pc:docMk/>
-            <pc:sldMk cId="3692252167" sldId="279"/>
-            <ac:picMk id="3" creationId="{26020D26-A3D1-87FF-6D23-30510A8347CA}"/>
-          </ac:picMkLst>
-        </pc:picChg>
-        <pc:picChg chg="del">
-          <ac:chgData name="Riccardo Berta" userId="c8694f89-bba4-4576-b0a8-456619ca5a8c" providerId="ADAL" clId="{FDDBFC5A-5EA9-5330-BEB8-433D7E3B4C4E}" dt="2025-09-10T10:19:57.337" v="250" actId="478"/>
-          <ac:picMkLst>
-            <pc:docMk/>
-            <pc:sldMk cId="3692252167" sldId="279"/>
-            <ac:picMk id="5" creationId="{9FA419C2-E609-741E-D65C-C1D117A7308B}"/>
-          </ac:picMkLst>
-        </pc:picChg>
-        <pc:picChg chg="del">
-          <ac:chgData name="Riccardo Berta" userId="c8694f89-bba4-4576-b0a8-456619ca5a8c" providerId="ADAL" clId="{FDDBFC5A-5EA9-5330-BEB8-433D7E3B4C4E}" dt="2025-09-10T10:19:56.572" v="249" actId="478"/>
-          <ac:picMkLst>
-            <pc:docMk/>
-            <pc:sldMk cId="3692252167" sldId="279"/>
-            <ac:picMk id="7" creationId="{3ECFDE7C-5996-8F77-AAD8-C21E11379B42}"/>
-          </ac:picMkLst>
-        </pc:picChg>
       </pc:sldChg>
       <pc:sldChg chg="addSp delSp modSp mod ord">
         <pc:chgData name="Riccardo Berta" userId="c8694f89-bba4-4576-b0a8-456619ca5a8c" providerId="ADAL" clId="{FDDBFC5A-5EA9-5330-BEB8-433D7E3B4C4E}" dt="2025-09-10T11:25:17.180" v="284" actId="1036"/>
@@ -645,22 +525,6 @@
           <pc:docMk/>
           <pc:sldMk cId="846979211" sldId="280"/>
         </pc:sldMkLst>
-        <pc:picChg chg="add del mod">
-          <ac:chgData name="Riccardo Berta" userId="c8694f89-bba4-4576-b0a8-456619ca5a8c" providerId="ADAL" clId="{FDDBFC5A-5EA9-5330-BEB8-433D7E3B4C4E}" dt="2025-09-10T11:24:46.219" v="279" actId="478"/>
-          <ac:picMkLst>
-            <pc:docMk/>
-            <pc:sldMk cId="846979211" sldId="280"/>
-            <ac:picMk id="2" creationId="{D7D1718E-C7CA-0FC2-ACDB-601ED9EE9F6D}"/>
-          </ac:picMkLst>
-        </pc:picChg>
-        <pc:picChg chg="del">
-          <ac:chgData name="Riccardo Berta" userId="c8694f89-bba4-4576-b0a8-456619ca5a8c" providerId="ADAL" clId="{FDDBFC5A-5EA9-5330-BEB8-433D7E3B4C4E}" dt="2025-09-10T11:23:28.616" v="266" actId="478"/>
-          <ac:picMkLst>
-            <pc:docMk/>
-            <pc:sldMk cId="846979211" sldId="280"/>
-            <ac:picMk id="3" creationId="{ABE3CA87-0B25-2C79-A596-21112343DAEC}"/>
-          </ac:picMkLst>
-        </pc:picChg>
         <pc:picChg chg="add mod">
           <ac:chgData name="Riccardo Berta" userId="c8694f89-bba4-4576-b0a8-456619ca5a8c" providerId="ADAL" clId="{FDDBFC5A-5EA9-5330-BEB8-433D7E3B4C4E}" dt="2025-09-10T11:25:17.180" v="284" actId="1036"/>
           <ac:picMkLst>
@@ -676,38 +540,6 @@
           <pc:docMk/>
           <pc:sldMk cId="11402927" sldId="282"/>
         </pc:sldMkLst>
-        <pc:spChg chg="add del mod">
-          <ac:chgData name="Riccardo Berta" userId="c8694f89-bba4-4576-b0a8-456619ca5a8c" providerId="ADAL" clId="{FDDBFC5A-5EA9-5330-BEB8-433D7E3B4C4E}" dt="2025-09-10T11:54:52.209" v="295" actId="478"/>
-          <ac:spMkLst>
-            <pc:docMk/>
-            <pc:sldMk cId="11402927" sldId="282"/>
-            <ac:spMk id="4" creationId="{AE45830A-D8AC-A889-4498-0B228445C8D0}"/>
-          </ac:spMkLst>
-        </pc:spChg>
-        <pc:spChg chg="del mod">
-          <ac:chgData name="Riccardo Berta" userId="c8694f89-bba4-4576-b0a8-456619ca5a8c" providerId="ADAL" clId="{FDDBFC5A-5EA9-5330-BEB8-433D7E3B4C4E}" dt="2025-09-10T11:54:48.086" v="293" actId="478"/>
-          <ac:spMkLst>
-            <pc:docMk/>
-            <pc:sldMk cId="11402927" sldId="282"/>
-            <ac:spMk id="84" creationId="{00000000-0000-0000-0000-000000000000}"/>
-          </ac:spMkLst>
-        </pc:spChg>
-        <pc:picChg chg="del">
-          <ac:chgData name="Riccardo Berta" userId="c8694f89-bba4-4576-b0a8-456619ca5a8c" providerId="ADAL" clId="{FDDBFC5A-5EA9-5330-BEB8-433D7E3B4C4E}" dt="2025-09-10T11:33:34.824" v="285" actId="478"/>
-          <ac:picMkLst>
-            <pc:docMk/>
-            <pc:sldMk cId="11402927" sldId="282"/>
-            <ac:picMk id="3" creationId="{F3D401DB-61B8-1C3E-9105-7EC9ACE0FC92}"/>
-          </ac:picMkLst>
-        </pc:picChg>
-        <pc:picChg chg="del">
-          <ac:chgData name="Riccardo Berta" userId="c8694f89-bba4-4576-b0a8-456619ca5a8c" providerId="ADAL" clId="{FDDBFC5A-5EA9-5330-BEB8-433D7E3B4C4E}" dt="2025-09-10T11:33:37.675" v="286" actId="478"/>
-          <ac:picMkLst>
-            <pc:docMk/>
-            <pc:sldMk cId="11402927" sldId="282"/>
-            <ac:picMk id="5" creationId="{5D828C5A-E211-5917-F0A3-478949F392AF}"/>
-          </ac:picMkLst>
-        </pc:picChg>
         <pc:picChg chg="add mod">
           <ac:chgData name="Riccardo Berta" userId="c8694f89-bba4-4576-b0a8-456619ca5a8c" providerId="ADAL" clId="{FDDBFC5A-5EA9-5330-BEB8-433D7E3B4C4E}" dt="2025-09-10T11:56:37.347" v="307" actId="1035"/>
           <ac:picMkLst>
@@ -716,36 +548,12 @@
             <ac:picMk id="6" creationId="{35055663-4D13-61F6-DCC0-98E52586F15A}"/>
           </ac:picMkLst>
         </pc:picChg>
-        <pc:picChg chg="del">
-          <ac:chgData name="Riccardo Berta" userId="c8694f89-bba4-4576-b0a8-456619ca5a8c" providerId="ADAL" clId="{FDDBFC5A-5EA9-5330-BEB8-433D7E3B4C4E}" dt="2025-09-10T11:39:36.145" v="290" actId="478"/>
-          <ac:picMkLst>
-            <pc:docMk/>
-            <pc:sldMk cId="11402927" sldId="282"/>
-            <ac:picMk id="7" creationId="{0C7BE3E7-6868-19EE-3253-53A71F868074}"/>
-          </ac:picMkLst>
-        </pc:picChg>
         <pc:picChg chg="add mod">
           <ac:chgData name="Riccardo Berta" userId="c8694f89-bba4-4576-b0a8-456619ca5a8c" providerId="ADAL" clId="{FDDBFC5A-5EA9-5330-BEB8-433D7E3B4C4E}" dt="2025-09-10T11:56:02.781" v="304" actId="1076"/>
           <ac:picMkLst>
             <pc:docMk/>
             <pc:sldMk cId="11402927" sldId="282"/>
             <ac:picMk id="8" creationId="{40E6E0F2-ADAE-E704-6DFD-19F53EBD6D5F}"/>
-          </ac:picMkLst>
-        </pc:picChg>
-        <pc:picChg chg="del">
-          <ac:chgData name="Riccardo Berta" userId="c8694f89-bba4-4576-b0a8-456619ca5a8c" providerId="ADAL" clId="{FDDBFC5A-5EA9-5330-BEB8-433D7E3B4C4E}" dt="2025-09-10T11:39:37.962" v="291" actId="478"/>
-          <ac:picMkLst>
-            <pc:docMk/>
-            <pc:sldMk cId="11402927" sldId="282"/>
-            <ac:picMk id="9" creationId="{4FF45D8D-E910-4192-97BD-DEBE87AA0D7F}"/>
-          </ac:picMkLst>
-        </pc:picChg>
-        <pc:picChg chg="del">
-          <ac:chgData name="Riccardo Berta" userId="c8694f89-bba4-4576-b0a8-456619ca5a8c" providerId="ADAL" clId="{FDDBFC5A-5EA9-5330-BEB8-433D7E3B4C4E}" dt="2025-09-10T11:54:54.188" v="296" actId="478"/>
-          <ac:picMkLst>
-            <pc:docMk/>
-            <pc:sldMk cId="11402927" sldId="282"/>
-            <ac:picMk id="11" creationId="{85A08A20-9095-CFB9-3040-825FE39CFB8A}"/>
           </ac:picMkLst>
         </pc:picChg>
       </pc:sldChg>
@@ -781,7 +589,7 @@
         </pc:picChg>
       </pc:sldChg>
       <pc:sldChg chg="addSp delSp modSp add mod">
-        <pc:chgData name="Riccardo Berta" userId="c8694f89-bba4-4576-b0a8-456619ca5a8c" providerId="ADAL" clId="{FDDBFC5A-5EA9-5330-BEB8-433D7E3B4C4E}" dt="2025-09-10T16:03:00.163" v="394" actId="1076"/>
+        <pc:chgData name="Riccardo Berta" userId="c8694f89-bba4-4576-b0a8-456619ca5a8c" providerId="ADAL" clId="{FDDBFC5A-5EA9-5330-BEB8-433D7E3B4C4E}" dt="2025-09-15T14:56:30.617" v="402" actId="1076"/>
         <pc:sldMkLst>
           <pc:docMk/>
           <pc:sldMk cId="4061118125" sldId="286"/>
@@ -795,23 +603,15 @@
           </ac:spMkLst>
         </pc:spChg>
         <pc:spChg chg="mod">
-          <ac:chgData name="Riccardo Berta" userId="c8694f89-bba4-4576-b0a8-456619ca5a8c" providerId="ADAL" clId="{FDDBFC5A-5EA9-5330-BEB8-433D7E3B4C4E}" dt="2025-09-10T16:02:39.753" v="389" actId="20577"/>
+          <ac:chgData name="Riccardo Berta" userId="c8694f89-bba4-4576-b0a8-456619ca5a8c" providerId="ADAL" clId="{FDDBFC5A-5EA9-5330-BEB8-433D7E3B4C4E}" dt="2025-09-15T14:56:23.021" v="400" actId="20577"/>
           <ac:spMkLst>
             <pc:docMk/>
             <pc:sldMk cId="4061118125" sldId="286"/>
             <ac:spMk id="84" creationId="{F19ECCF5-3F71-19BE-5622-A641C19CCDD2}"/>
           </ac:spMkLst>
         </pc:spChg>
-        <pc:picChg chg="del">
-          <ac:chgData name="Riccardo Berta" userId="c8694f89-bba4-4576-b0a8-456619ca5a8c" providerId="ADAL" clId="{FDDBFC5A-5EA9-5330-BEB8-433D7E3B4C4E}" dt="2025-09-10T16:02:36.679" v="388" actId="478"/>
-          <ac:picMkLst>
-            <pc:docMk/>
-            <pc:sldMk cId="4061118125" sldId="286"/>
-            <ac:picMk id="2" creationId="{27FE9A14-91CE-D894-660F-86EAF993CA3C}"/>
-          </ac:picMkLst>
-        </pc:picChg>
         <pc:picChg chg="add mod">
-          <ac:chgData name="Riccardo Berta" userId="c8694f89-bba4-4576-b0a8-456619ca5a8c" providerId="ADAL" clId="{FDDBFC5A-5EA9-5330-BEB8-433D7E3B4C4E}" dt="2025-09-10T16:02:52.456" v="392" actId="1076"/>
+          <ac:chgData name="Riccardo Berta" userId="c8694f89-bba4-4576-b0a8-456619ca5a8c" providerId="ADAL" clId="{FDDBFC5A-5EA9-5330-BEB8-433D7E3B4C4E}" dt="2025-09-15T14:56:29.517" v="401" actId="1076"/>
           <ac:picMkLst>
             <pc:docMk/>
             <pc:sldMk cId="4061118125" sldId="286"/>
@@ -819,7 +619,7 @@
           </ac:picMkLst>
         </pc:picChg>
         <pc:picChg chg="add mod">
-          <ac:chgData name="Riccardo Berta" userId="c8694f89-bba4-4576-b0a8-456619ca5a8c" providerId="ADAL" clId="{FDDBFC5A-5EA9-5330-BEB8-433D7E3B4C4E}" dt="2025-09-10T16:03:00.163" v="394" actId="1076"/>
+          <ac:chgData name="Riccardo Berta" userId="c8694f89-bba4-4576-b0a8-456619ca5a8c" providerId="ADAL" clId="{FDDBFC5A-5EA9-5330-BEB8-433D7E3B4C4E}" dt="2025-09-15T14:56:30.617" v="402" actId="1076"/>
           <ac:picMkLst>
             <pc:docMk/>
             <pc:sldMk cId="4061118125" sldId="286"/>
@@ -11039,7 +10839,24 @@
           </a:bodyPr>
           <a:lstStyle/>
           <a:p>
-            <a:endParaRPr lang="en-GB" dirty="0"/>
+            <a:r>
+              <a:rPr lang="en-GB" dirty="0"/>
+              <a:t>A </a:t>
+            </a:r>
+            <a:r>
+              <a:rPr lang="en-GB" b="1" dirty="0"/>
+              <a:t>timing diagram</a:t>
+            </a:r>
+            <a:r>
+              <a:rPr lang="en-GB" dirty="0"/>
+              <a:t> is a graphical representation of how signals change over time </a:t>
+            </a:r>
+          </a:p>
+          <a:p>
+            <a:r>
+              <a:rPr lang="en-GB" dirty="0"/>
+              <a:t>It shows the relationship between input and output signals, helping us understand when the output becomes high or low depending on the inputs</a:t>
+            </a:r>
           </a:p>
         </p:txBody>
       </p:sp>
@@ -11065,7 +10882,7 @@
         </p:blipFill>
         <p:spPr>
           <a:xfrm>
-            <a:off x="539044" y="2606238"/>
+            <a:off x="539044" y="2580899"/>
             <a:ext cx="7772400" cy="1984192"/>
           </a:xfrm>
           <a:prstGeom prst="rect">
@@ -11095,7 +10912,7 @@
         </p:blipFill>
         <p:spPr>
           <a:xfrm>
-            <a:off x="539044" y="4711608"/>
+            <a:off x="539044" y="4817517"/>
             <a:ext cx="7772400" cy="1619250"/>
           </a:xfrm>
           <a:prstGeom prst="rect">

--- a/03 - Logic Gates and Circuits/slides.pptx
+++ b/03 - Logic Gates and Circuits/slides.pptx
@@ -5,7 +5,7 @@
     <p:sldMasterId id="2147483659" r:id="rId4"/>
   </p:sldMasterIdLst>
   <p:notesMasterIdLst>
-    <p:notesMasterId r:id="rId23"/>
+    <p:notesMasterId r:id="rId24"/>
   </p:notesMasterIdLst>
   <p:sldIdLst>
     <p:sldId id="256" r:id="rId5"/>
@@ -16,33 +16,34 @@
     <p:sldId id="262" r:id="rId10"/>
     <p:sldId id="263" r:id="rId11"/>
     <p:sldId id="264" r:id="rId12"/>
-    <p:sldId id="284" r:id="rId13"/>
-    <p:sldId id="265" r:id="rId14"/>
-    <p:sldId id="278" r:id="rId15"/>
+    <p:sldId id="265" r:id="rId13"/>
+    <p:sldId id="278" r:id="rId14"/>
+    <p:sldId id="287" r:id="rId15"/>
     <p:sldId id="280" r:id="rId16"/>
-    <p:sldId id="279" r:id="rId17"/>
-    <p:sldId id="281" r:id="rId18"/>
-    <p:sldId id="282" r:id="rId19"/>
-    <p:sldId id="283" r:id="rId20"/>
-    <p:sldId id="285" r:id="rId21"/>
-    <p:sldId id="286" r:id="rId22"/>
+    <p:sldId id="284" r:id="rId17"/>
+    <p:sldId id="279" r:id="rId18"/>
+    <p:sldId id="281" r:id="rId19"/>
+    <p:sldId id="282" r:id="rId20"/>
+    <p:sldId id="283" r:id="rId21"/>
+    <p:sldId id="285" r:id="rId22"/>
+    <p:sldId id="286" r:id="rId23"/>
   </p:sldIdLst>
   <p:sldSz cx="9144000" cy="6858000" type="screen4x3"/>
   <p:notesSz cx="6858000" cy="9144000"/>
   <p:embeddedFontLst>
     <p:embeddedFont>
       <p:font typeface="Economica" panose="02000506040000020004" pitchFamily="2" charset="77"/>
-      <p:regular r:id="rId24"/>
-      <p:bold r:id="rId25"/>
-      <p:italic r:id="rId26"/>
-      <p:boldItalic r:id="rId27"/>
+      <p:regular r:id="rId25"/>
+      <p:bold r:id="rId26"/>
+      <p:italic r:id="rId27"/>
+      <p:boldItalic r:id="rId28"/>
     </p:embeddedFont>
     <p:embeddedFont>
       <p:font typeface="Open Sans" panose="020B0606030504020204" pitchFamily="34" charset="0"/>
-      <p:regular r:id="rId28"/>
-      <p:bold r:id="rId29"/>
-      <p:italic r:id="rId30"/>
-      <p:boldItalic r:id="rId31"/>
+      <p:regular r:id="rId29"/>
+      <p:bold r:id="rId30"/>
+      <p:italic r:id="rId31"/>
+      <p:boldItalic r:id="rId32"/>
     </p:embeddedFont>
   </p:embeddedFontLst>
   <p:defaultTextStyle>
@@ -285,7 +286,7 @@
 <file path=ppt/revisionInfo.xml><?xml version="1.0" encoding="utf-8"?>
 <p1510:revInfo xmlns:a="http://schemas.openxmlformats.org/drawingml/2006/main" xmlns:r="http://schemas.openxmlformats.org/officeDocument/2006/relationships" xmlns:p1510="http://schemas.microsoft.com/office/powerpoint/2015/10/main">
   <p1510:revLst>
-    <p1510:client id="{433FB62E-B86A-8B4C-B71B-C728D211C5D7}" v="23" dt="2025-09-10T16:02:58.025"/>
+    <p1510:client id="{15C6529F-E7AC-2C44-9134-0ECB433F9E0D}" v="6" dt="2025-10-13T08:07:39.322"/>
   </p1510:revLst>
 </p1510:revInfo>
 </file>
@@ -295,7 +296,7 @@
   <pc:docChgLst>
     <pc:chgData name="Riccardo Berta" userId="c8694f89-bba4-4576-b0a8-456619ca5a8c" providerId="ADAL" clId="{FDDBFC5A-5EA9-5330-BEB8-433D7E3B4C4E}"/>
     <pc:docChg chg="undo custSel addSld delSld modSld sldOrd">
-      <pc:chgData name="Riccardo Berta" userId="c8694f89-bba4-4576-b0a8-456619ca5a8c" providerId="ADAL" clId="{FDDBFC5A-5EA9-5330-BEB8-433D7E3B4C4E}" dt="2025-09-15T14:56:30.617" v="402" actId="1076"/>
+      <pc:chgData name="Riccardo Berta" userId="c8694f89-bba4-4576-b0a8-456619ca5a8c" providerId="ADAL" clId="{FDDBFC5A-5EA9-5330-BEB8-433D7E3B4C4E}" dt="2025-10-13T08:10:30.213" v="553" actId="2696"/>
       <pc:docMkLst>
         <pc:docMk/>
       </pc:docMkLst>
@@ -305,14 +306,6 @@
           <pc:docMk/>
           <pc:sldMk cId="3018556184" sldId="259"/>
         </pc:sldMkLst>
-        <pc:spChg chg="mod">
-          <ac:chgData name="Riccardo Berta" userId="c8694f89-bba4-4576-b0a8-456619ca5a8c" providerId="ADAL" clId="{FDDBFC5A-5EA9-5330-BEB8-433D7E3B4C4E}" dt="2025-09-10T15:52:32.964" v="331" actId="14100"/>
-          <ac:spMkLst>
-            <pc:docMk/>
-            <pc:sldMk cId="3018556184" sldId="259"/>
-            <ac:spMk id="3" creationId="{38BFAA1C-1163-169B-2D77-6FEF73CC8512}"/>
-          </ac:spMkLst>
-        </pc:spChg>
       </pc:sldChg>
       <pc:sldChg chg="addSp delSp modSp mod">
         <pc:chgData name="Riccardo Berta" userId="c8694f89-bba4-4576-b0a8-456619ca5a8c" providerId="ADAL" clId="{FDDBFC5A-5EA9-5330-BEB8-433D7E3B4C4E}" dt="2025-09-10T08:13:35.596" v="58" actId="478"/>
@@ -320,14 +313,6 @@
           <pc:docMk/>
           <pc:sldMk cId="3293491420" sldId="260"/>
         </pc:sldMkLst>
-        <pc:picChg chg="add del mod">
-          <ac:chgData name="Riccardo Berta" userId="c8694f89-bba4-4576-b0a8-456619ca5a8c" providerId="ADAL" clId="{FDDBFC5A-5EA9-5330-BEB8-433D7E3B4C4E}" dt="2025-09-10T08:13:35.596" v="58" actId="478"/>
-          <ac:picMkLst>
-            <pc:docMk/>
-            <pc:sldMk cId="3293491420" sldId="260"/>
-            <ac:picMk id="5" creationId="{75FC8BD1-FC1F-9B3D-B135-2E4A371BA203}"/>
-          </ac:picMkLst>
-        </pc:picChg>
       </pc:sldChg>
       <pc:sldChg chg="addSp delSp modSp mod">
         <pc:chgData name="Riccardo Berta" userId="c8694f89-bba4-4576-b0a8-456619ca5a8c" providerId="ADAL" clId="{FDDBFC5A-5EA9-5330-BEB8-433D7E3B4C4E}" dt="2025-09-05T15:38:36.610" v="7" actId="1076"/>
@@ -335,14 +320,6 @@
           <pc:docMk/>
           <pc:sldMk cId="3723335191" sldId="261"/>
         </pc:sldMkLst>
-        <pc:picChg chg="add mod">
-          <ac:chgData name="Riccardo Berta" userId="c8694f89-bba4-4576-b0a8-456619ca5a8c" providerId="ADAL" clId="{FDDBFC5A-5EA9-5330-BEB8-433D7E3B4C4E}" dt="2025-09-05T15:38:36.610" v="7" actId="1076"/>
-          <ac:picMkLst>
-            <pc:docMk/>
-            <pc:sldMk cId="3723335191" sldId="261"/>
-            <ac:picMk id="2" creationId="{CA2E71E3-D5EA-5F4B-68DE-DEBA1926BA4D}"/>
-          </ac:picMkLst>
-        </pc:picChg>
       </pc:sldChg>
       <pc:sldChg chg="addSp delSp modSp mod">
         <pc:chgData name="Riccardo Berta" userId="c8694f89-bba4-4576-b0a8-456619ca5a8c" providerId="ADAL" clId="{FDDBFC5A-5EA9-5330-BEB8-433D7E3B4C4E}" dt="2025-09-05T15:53:00.246" v="42" actId="14100"/>
@@ -350,30 +327,6 @@
           <pc:docMk/>
           <pc:sldMk cId="3290974462" sldId="262"/>
         </pc:sldMkLst>
-        <pc:spChg chg="mod">
-          <ac:chgData name="Riccardo Berta" userId="c8694f89-bba4-4576-b0a8-456619ca5a8c" providerId="ADAL" clId="{FDDBFC5A-5EA9-5330-BEB8-433D7E3B4C4E}" dt="2025-09-05T15:53:00.246" v="42" actId="14100"/>
-          <ac:spMkLst>
-            <pc:docMk/>
-            <pc:sldMk cId="3290974462" sldId="262"/>
-            <ac:spMk id="84" creationId="{00000000-0000-0000-0000-000000000000}"/>
-          </ac:spMkLst>
-        </pc:spChg>
-        <pc:picChg chg="add mod">
-          <ac:chgData name="Riccardo Berta" userId="c8694f89-bba4-4576-b0a8-456619ca5a8c" providerId="ADAL" clId="{FDDBFC5A-5EA9-5330-BEB8-433D7E3B4C4E}" dt="2025-09-05T15:46:21.539" v="10" actId="1076"/>
-          <ac:picMkLst>
-            <pc:docMk/>
-            <pc:sldMk cId="3290974462" sldId="262"/>
-            <ac:picMk id="2" creationId="{6F7FA7A8-28CA-3ED3-AC0A-A35BEF74E099}"/>
-          </ac:picMkLst>
-        </pc:picChg>
-        <pc:picChg chg="add mod">
-          <ac:chgData name="Riccardo Berta" userId="c8694f89-bba4-4576-b0a8-456619ca5a8c" providerId="ADAL" clId="{FDDBFC5A-5EA9-5330-BEB8-433D7E3B4C4E}" dt="2025-09-05T15:52:54.800" v="39" actId="1076"/>
-          <ac:picMkLst>
-            <pc:docMk/>
-            <pc:sldMk cId="3290974462" sldId="262"/>
-            <ac:picMk id="5" creationId="{993E6F36-804F-251D-752F-83989605AF79}"/>
-          </ac:picMkLst>
-        </pc:picChg>
       </pc:sldChg>
       <pc:sldChg chg="addSp delSp modSp mod">
         <pc:chgData name="Riccardo Berta" userId="c8694f89-bba4-4576-b0a8-456619ca5a8c" providerId="ADAL" clId="{FDDBFC5A-5EA9-5330-BEB8-433D7E3B4C4E}" dt="2025-09-05T15:58:54.505" v="46" actId="1076"/>
@@ -381,14 +334,6 @@
           <pc:docMk/>
           <pc:sldMk cId="1982890869" sldId="263"/>
         </pc:sldMkLst>
-        <pc:picChg chg="add mod">
-          <ac:chgData name="Riccardo Berta" userId="c8694f89-bba4-4576-b0a8-456619ca5a8c" providerId="ADAL" clId="{FDDBFC5A-5EA9-5330-BEB8-433D7E3B4C4E}" dt="2025-09-05T15:58:54.505" v="46" actId="1076"/>
-          <ac:picMkLst>
-            <pc:docMk/>
-            <pc:sldMk cId="1982890869" sldId="263"/>
-            <ac:picMk id="2" creationId="{41394E81-A42C-18C2-0C2B-FA72A0AE0DE8}"/>
-          </ac:picMkLst>
-        </pc:picChg>
       </pc:sldChg>
       <pc:sldChg chg="addSp delSp modSp mod ord">
         <pc:chgData name="Riccardo Berta" userId="c8694f89-bba4-4576-b0a8-456619ca5a8c" providerId="ADAL" clId="{FDDBFC5A-5EA9-5330-BEB8-433D7E3B4C4E}" dt="2025-09-10T08:30:49.013" v="69" actId="1076"/>
@@ -396,22 +341,6 @@
           <pc:docMk/>
           <pc:sldMk cId="2348870888" sldId="264"/>
         </pc:sldMkLst>
-        <pc:spChg chg="mod">
-          <ac:chgData name="Riccardo Berta" userId="c8694f89-bba4-4576-b0a8-456619ca5a8c" providerId="ADAL" clId="{FDDBFC5A-5EA9-5330-BEB8-433D7E3B4C4E}" dt="2025-09-10T08:30:40.828" v="66" actId="948"/>
-          <ac:spMkLst>
-            <pc:docMk/>
-            <pc:sldMk cId="2348870888" sldId="264"/>
-            <ac:spMk id="84" creationId="{00000000-0000-0000-0000-000000000000}"/>
-          </ac:spMkLst>
-        </pc:spChg>
-        <pc:picChg chg="add mod">
-          <ac:chgData name="Riccardo Berta" userId="c8694f89-bba4-4576-b0a8-456619ca5a8c" providerId="ADAL" clId="{FDDBFC5A-5EA9-5330-BEB8-433D7E3B4C4E}" dt="2025-09-10T08:30:49.013" v="69" actId="1076"/>
-          <ac:picMkLst>
-            <pc:docMk/>
-            <pc:sldMk cId="2348870888" sldId="264"/>
-            <ac:picMk id="2" creationId="{887260A1-A91D-57EA-3401-5D86E0A6737A}"/>
-          </ac:picMkLst>
-        </pc:picChg>
       </pc:sldChg>
       <pc:sldChg chg="addSp delSp modSp mod">
         <pc:chgData name="Riccardo Berta" userId="c8694f89-bba4-4576-b0a8-456619ca5a8c" providerId="ADAL" clId="{FDDBFC5A-5EA9-5330-BEB8-433D7E3B4C4E}" dt="2025-09-10T09:43:28.405" v="112" actId="1076"/>
@@ -419,30 +348,6 @@
           <pc:docMk/>
           <pc:sldMk cId="2685277896" sldId="265"/>
         </pc:sldMkLst>
-        <pc:spChg chg="mod">
-          <ac:chgData name="Riccardo Berta" userId="c8694f89-bba4-4576-b0a8-456619ca5a8c" providerId="ADAL" clId="{FDDBFC5A-5EA9-5330-BEB8-433D7E3B4C4E}" dt="2025-09-10T09:43:24.131" v="111" actId="404"/>
-          <ac:spMkLst>
-            <pc:docMk/>
-            <pc:sldMk cId="2685277896" sldId="265"/>
-            <ac:spMk id="84" creationId="{00000000-0000-0000-0000-000000000000}"/>
-          </ac:spMkLst>
-        </pc:spChg>
-        <pc:picChg chg="add mod">
-          <ac:chgData name="Riccardo Berta" userId="c8694f89-bba4-4576-b0a8-456619ca5a8c" providerId="ADAL" clId="{FDDBFC5A-5EA9-5330-BEB8-433D7E3B4C4E}" dt="2025-09-10T09:43:15.218" v="104" actId="1076"/>
-          <ac:picMkLst>
-            <pc:docMk/>
-            <pc:sldMk cId="2685277896" sldId="265"/>
-            <ac:picMk id="2" creationId="{91726287-ADDC-4EDF-603C-3DB0F80F223A}"/>
-          </ac:picMkLst>
-        </pc:picChg>
-        <pc:picChg chg="add mod">
-          <ac:chgData name="Riccardo Berta" userId="c8694f89-bba4-4576-b0a8-456619ca5a8c" providerId="ADAL" clId="{FDDBFC5A-5EA9-5330-BEB8-433D7E3B4C4E}" dt="2025-09-10T09:43:28.405" v="112" actId="1076"/>
-          <ac:picMkLst>
-            <pc:docMk/>
-            <pc:sldMk cId="2685277896" sldId="265"/>
-            <ac:picMk id="3" creationId="{866DC63A-5F9A-9673-F9D7-6B5D9C2738DB}"/>
-          </ac:picMkLst>
-        </pc:picChg>
       </pc:sldChg>
       <pc:sldChg chg="delSp del mod">
         <pc:chgData name="Riccardo Berta" userId="c8694f89-bba4-4576-b0a8-456619ca5a8c" providerId="ADAL" clId="{FDDBFC5A-5EA9-5330-BEB8-433D7E3B4C4E}" dt="2025-09-10T12:16:44.232" v="309" actId="2696"/>
@@ -471,30 +376,6 @@
           <pc:docMk/>
           <pc:sldMk cId="0" sldId="278"/>
         </pc:sldMkLst>
-        <pc:spChg chg="mod">
-          <ac:chgData name="Riccardo Berta" userId="c8694f89-bba4-4576-b0a8-456619ca5a8c" providerId="ADAL" clId="{FDDBFC5A-5EA9-5330-BEB8-433D7E3B4C4E}" dt="2025-09-10T10:11:45.897" v="215" actId="14100"/>
-          <ac:spMkLst>
-            <pc:docMk/>
-            <pc:sldMk cId="0" sldId="278"/>
-            <ac:spMk id="84" creationId="{00000000-0000-0000-0000-000000000000}"/>
-          </ac:spMkLst>
-        </pc:spChg>
-        <pc:picChg chg="add mod">
-          <ac:chgData name="Riccardo Berta" userId="c8694f89-bba4-4576-b0a8-456619ca5a8c" providerId="ADAL" clId="{FDDBFC5A-5EA9-5330-BEB8-433D7E3B4C4E}" dt="2025-09-10T10:10:37.014" v="167" actId="1076"/>
-          <ac:picMkLst>
-            <pc:docMk/>
-            <pc:sldMk cId="0" sldId="278"/>
-            <ac:picMk id="2" creationId="{D9360D86-167D-13AE-28EE-85C46A426E2E}"/>
-          </ac:picMkLst>
-        </pc:picChg>
-        <pc:picChg chg="add mod">
-          <ac:chgData name="Riccardo Berta" userId="c8694f89-bba4-4576-b0a8-456619ca5a8c" providerId="ADAL" clId="{FDDBFC5A-5EA9-5330-BEB8-433D7E3B4C4E}" dt="2025-09-10T10:11:49.270" v="216" actId="1076"/>
-          <ac:picMkLst>
-            <pc:docMk/>
-            <pc:sldMk cId="0" sldId="278"/>
-            <ac:picMk id="4" creationId="{5B6B9473-FD38-C1F8-33A6-C47AC271ECD3}"/>
-          </ac:picMkLst>
-        </pc:picChg>
       </pc:sldChg>
       <pc:sldChg chg="addSp delSp modSp mod">
         <pc:chgData name="Riccardo Berta" userId="c8694f89-bba4-4576-b0a8-456619ca5a8c" providerId="ADAL" clId="{FDDBFC5A-5EA9-5330-BEB8-433D7E3B4C4E}" dt="2025-09-10T10:21:08.408" v="265" actId="1076"/>
@@ -502,22 +383,6 @@
           <pc:docMk/>
           <pc:sldMk cId="3692252167" sldId="279"/>
         </pc:sldMkLst>
-        <pc:spChg chg="mod">
-          <ac:chgData name="Riccardo Berta" userId="c8694f89-bba4-4576-b0a8-456619ca5a8c" providerId="ADAL" clId="{FDDBFC5A-5EA9-5330-BEB8-433D7E3B4C4E}" dt="2025-09-10T10:20:59.093" v="262" actId="20577"/>
-          <ac:spMkLst>
-            <pc:docMk/>
-            <pc:sldMk cId="3692252167" sldId="279"/>
-            <ac:spMk id="84" creationId="{00000000-0000-0000-0000-000000000000}"/>
-          </ac:spMkLst>
-        </pc:spChg>
-        <pc:picChg chg="add mod">
-          <ac:chgData name="Riccardo Berta" userId="c8694f89-bba4-4576-b0a8-456619ca5a8c" providerId="ADAL" clId="{FDDBFC5A-5EA9-5330-BEB8-433D7E3B4C4E}" dt="2025-09-10T10:21:08.408" v="265" actId="1076"/>
-          <ac:picMkLst>
-            <pc:docMk/>
-            <pc:sldMk cId="3692252167" sldId="279"/>
-            <ac:picMk id="2" creationId="{2E231A66-02B1-2C3B-E3EB-8053F93BFC60}"/>
-          </ac:picMkLst>
-        </pc:picChg>
       </pc:sldChg>
       <pc:sldChg chg="addSp delSp modSp mod ord">
         <pc:chgData name="Riccardo Berta" userId="c8694f89-bba4-4576-b0a8-456619ca5a8c" providerId="ADAL" clId="{FDDBFC5A-5EA9-5330-BEB8-433D7E3B4C4E}" dt="2025-09-10T11:25:17.180" v="284" actId="1036"/>
@@ -525,14 +390,6 @@
           <pc:docMk/>
           <pc:sldMk cId="846979211" sldId="280"/>
         </pc:sldMkLst>
-        <pc:picChg chg="add mod">
-          <ac:chgData name="Riccardo Berta" userId="c8694f89-bba4-4576-b0a8-456619ca5a8c" providerId="ADAL" clId="{FDDBFC5A-5EA9-5330-BEB8-433D7E3B4C4E}" dt="2025-09-10T11:25:17.180" v="284" actId="1036"/>
-          <ac:picMkLst>
-            <pc:docMk/>
-            <pc:sldMk cId="846979211" sldId="280"/>
-            <ac:picMk id="4" creationId="{CF9EA23D-F201-0209-F112-B8F8D586CB2B}"/>
-          </ac:picMkLst>
-        </pc:picChg>
       </pc:sldChg>
       <pc:sldChg chg="addSp delSp modSp mod">
         <pc:chgData name="Riccardo Berta" userId="c8694f89-bba4-4576-b0a8-456619ca5a8c" providerId="ADAL" clId="{FDDBFC5A-5EA9-5330-BEB8-433D7E3B4C4E}" dt="2025-09-10T11:56:37.347" v="307" actId="1035"/>
@@ -540,22 +397,6 @@
           <pc:docMk/>
           <pc:sldMk cId="11402927" sldId="282"/>
         </pc:sldMkLst>
-        <pc:picChg chg="add mod">
-          <ac:chgData name="Riccardo Berta" userId="c8694f89-bba4-4576-b0a8-456619ca5a8c" providerId="ADAL" clId="{FDDBFC5A-5EA9-5330-BEB8-433D7E3B4C4E}" dt="2025-09-10T11:56:37.347" v="307" actId="1035"/>
-          <ac:picMkLst>
-            <pc:docMk/>
-            <pc:sldMk cId="11402927" sldId="282"/>
-            <ac:picMk id="6" creationId="{35055663-4D13-61F6-DCC0-98E52586F15A}"/>
-          </ac:picMkLst>
-        </pc:picChg>
-        <pc:picChg chg="add mod">
-          <ac:chgData name="Riccardo Berta" userId="c8694f89-bba4-4576-b0a8-456619ca5a8c" providerId="ADAL" clId="{FDDBFC5A-5EA9-5330-BEB8-433D7E3B4C4E}" dt="2025-09-10T11:56:02.781" v="304" actId="1076"/>
-          <ac:picMkLst>
-            <pc:docMk/>
-            <pc:sldMk cId="11402927" sldId="282"/>
-            <ac:picMk id="8" creationId="{40E6E0F2-ADAE-E704-6DFD-19F53EBD6D5F}"/>
-          </ac:picMkLst>
-        </pc:picChg>
       </pc:sldChg>
       <pc:sldChg chg="addSp modSp add mod">
         <pc:chgData name="Riccardo Berta" userId="c8694f89-bba4-4576-b0a8-456619ca5a8c" providerId="ADAL" clId="{FDDBFC5A-5EA9-5330-BEB8-433D7E3B4C4E}" dt="2025-09-10T16:02:43.061" v="390" actId="113"/>
@@ -563,30 +404,6 @@
           <pc:docMk/>
           <pc:sldMk cId="4035617616" sldId="285"/>
         </pc:sldMkLst>
-        <pc:spChg chg="mod">
-          <ac:chgData name="Riccardo Berta" userId="c8694f89-bba4-4576-b0a8-456619ca5a8c" providerId="ADAL" clId="{FDDBFC5A-5EA9-5330-BEB8-433D7E3B4C4E}" dt="2025-09-10T16:02:26.312" v="384" actId="20577"/>
-          <ac:spMkLst>
-            <pc:docMk/>
-            <pc:sldMk cId="4035617616" sldId="285"/>
-            <ac:spMk id="83" creationId="{046C34AF-6330-55DE-A019-E4A5CA75E4FD}"/>
-          </ac:spMkLst>
-        </pc:spChg>
-        <pc:spChg chg="mod">
-          <ac:chgData name="Riccardo Berta" userId="c8694f89-bba4-4576-b0a8-456619ca5a8c" providerId="ADAL" clId="{FDDBFC5A-5EA9-5330-BEB8-433D7E3B4C4E}" dt="2025-09-10T16:02:43.061" v="390" actId="113"/>
-          <ac:spMkLst>
-            <pc:docMk/>
-            <pc:sldMk cId="4035617616" sldId="285"/>
-            <ac:spMk id="84" creationId="{9C458440-8EE4-0D6F-E7AD-83C5BD2C1F33}"/>
-          </ac:spMkLst>
-        </pc:spChg>
-        <pc:picChg chg="add mod">
-          <ac:chgData name="Riccardo Berta" userId="c8694f89-bba4-4576-b0a8-456619ca5a8c" providerId="ADAL" clId="{FDDBFC5A-5EA9-5330-BEB8-433D7E3B4C4E}" dt="2025-09-10T16:02:23.760" v="380" actId="1076"/>
-          <ac:picMkLst>
-            <pc:docMk/>
-            <pc:sldMk cId="4035617616" sldId="285"/>
-            <ac:picMk id="2" creationId="{ACE95838-F570-B82E-54CF-33215E1B6313}"/>
-          </ac:picMkLst>
-        </pc:picChg>
       </pc:sldChg>
       <pc:sldChg chg="addSp delSp modSp add mod">
         <pc:chgData name="Riccardo Berta" userId="c8694f89-bba4-4576-b0a8-456619ca5a8c" providerId="ADAL" clId="{FDDBFC5A-5EA9-5330-BEB8-433D7E3B4C4E}" dt="2025-09-15T14:56:30.617" v="402" actId="1076"/>
@@ -594,14 +411,6 @@
           <pc:docMk/>
           <pc:sldMk cId="4061118125" sldId="286"/>
         </pc:sldMkLst>
-        <pc:spChg chg="mod">
-          <ac:chgData name="Riccardo Berta" userId="c8694f89-bba4-4576-b0a8-456619ca5a8c" providerId="ADAL" clId="{FDDBFC5A-5EA9-5330-BEB8-433D7E3B4C4E}" dt="2025-09-10T16:02:34.179" v="387" actId="20577"/>
-          <ac:spMkLst>
-            <pc:docMk/>
-            <pc:sldMk cId="4061118125" sldId="286"/>
-            <ac:spMk id="83" creationId="{3A0DFD77-F039-28F1-0678-8212ADE34844}"/>
-          </ac:spMkLst>
-        </pc:spChg>
         <pc:spChg chg="mod">
           <ac:chgData name="Riccardo Berta" userId="c8694f89-bba4-4576-b0a8-456619ca5a8c" providerId="ADAL" clId="{FDDBFC5A-5EA9-5330-BEB8-433D7E3B4C4E}" dt="2025-09-15T14:56:23.021" v="400" actId="20577"/>
           <ac:spMkLst>
@@ -626,6 +435,21 @@
             <ac:picMk id="4" creationId="{367C1817-4826-8E4C-A491-01088CFB3BBA}"/>
           </ac:picMkLst>
         </pc:picChg>
+      </pc:sldChg>
+      <pc:sldChg chg="modSp new del mod">
+        <pc:chgData name="Riccardo Berta" userId="c8694f89-bba4-4576-b0a8-456619ca5a8c" providerId="ADAL" clId="{FDDBFC5A-5EA9-5330-BEB8-433D7E3B4C4E}" dt="2025-10-13T08:10:30.213" v="553" actId="2696"/>
+        <pc:sldMkLst>
+          <pc:docMk/>
+          <pc:sldMk cId="2612909286" sldId="288"/>
+        </pc:sldMkLst>
+        <pc:spChg chg="mod">
+          <ac:chgData name="Riccardo Berta" userId="c8694f89-bba4-4576-b0a8-456619ca5a8c" providerId="ADAL" clId="{FDDBFC5A-5EA9-5330-BEB8-433D7E3B4C4E}" dt="2025-10-13T08:08:09.236" v="552" actId="20577"/>
+          <ac:spMkLst>
+            <pc:docMk/>
+            <pc:sldMk cId="2612909286" sldId="288"/>
+            <ac:spMk id="2" creationId="{15993CE5-5006-14F6-11FE-CDF60A52B96D}"/>
+          </ac:spMkLst>
+        </pc:spChg>
       </pc:sldChg>
     </pc:docChg>
   </pc:docChgLst>
@@ -1789,7 +1613,13 @@
   <p:cSld>
     <p:spTree>
       <p:nvGrpSpPr>
-        <p:cNvPr id="1" name="Shape 79"/>
+        <p:cNvPr id="1" name="Shape 79">
+          <a:extLst>
+            <a:ext uri="{FF2B5EF4-FFF2-40B4-BE49-F238E27FC236}">
+              <a16:creationId xmlns:a16="http://schemas.microsoft.com/office/drawing/2014/main" id="{A24BD596-90E3-6832-F056-3FC611FE6BE4}"/>
+            </a:ext>
+          </a:extLst>
+        </p:cNvPr>
         <p:cNvGrpSpPr/>
         <p:nvPr/>
       </p:nvGrpSpPr>
@@ -1803,7 +1633,13 @@
       </p:grpSpPr>
       <p:sp>
         <p:nvSpPr>
-          <p:cNvPr id="80" name="Google Shape;80;geed6aedbf_0_0:notes"/>
+          <p:cNvPr id="80" name="Google Shape;80;geed6aedbf_0_0:notes">
+            <a:extLst>
+              <a:ext uri="{FF2B5EF4-FFF2-40B4-BE49-F238E27FC236}">
+                <a16:creationId xmlns:a16="http://schemas.microsoft.com/office/drawing/2014/main" id="{DD60C4F3-DDE6-8E74-4A32-CB54680815CA}"/>
+              </a:ext>
+            </a:extLst>
+          </p:cNvPr>
           <p:cNvSpPr>
             <a:spLocks noGrp="1" noRot="1" noChangeAspect="1"/>
           </p:cNvSpPr>
@@ -1844,7 +1680,13 @@
       </p:sp>
       <p:sp>
         <p:nvSpPr>
-          <p:cNvPr id="81" name="Google Shape;81;geed6aedbf_0_0:notes"/>
+          <p:cNvPr id="81" name="Google Shape;81;geed6aedbf_0_0:notes">
+            <a:extLst>
+              <a:ext uri="{FF2B5EF4-FFF2-40B4-BE49-F238E27FC236}">
+                <a16:creationId xmlns:a16="http://schemas.microsoft.com/office/drawing/2014/main" id="{E74BF72E-2C9A-7EF4-FE10-E73FBB63DFAE}"/>
+              </a:ext>
+            </a:extLst>
+          </p:cNvPr>
           <p:cNvSpPr txBox="1">
             <a:spLocks noGrp="1"/>
           </p:cNvSpPr>
@@ -1881,6 +1723,11 @@
         </p:txBody>
       </p:sp>
     </p:spTree>
+    <p:extLst>
+      <p:ext uri="{BB962C8B-B14F-4D97-AF65-F5344CB8AC3E}">
+        <p14:creationId xmlns:p14="http://schemas.microsoft.com/office/powerpoint/2010/main" val="3697277755"/>
+      </p:ext>
+    </p:extLst>
   </p:cSld>
   <p:clrMapOvr>
     <a:masterClrMapping/>
@@ -2002,7 +1849,13 @@
   <p:cSld>
     <p:spTree>
       <p:nvGrpSpPr>
-        <p:cNvPr id="1" name="Shape 79"/>
+        <p:cNvPr id="1" name="Shape 79">
+          <a:extLst>
+            <a:ext uri="{FF2B5EF4-FFF2-40B4-BE49-F238E27FC236}">
+              <a16:creationId xmlns:a16="http://schemas.microsoft.com/office/drawing/2014/main" id="{5CEC694F-0123-C88A-454F-5B2C08AD667D}"/>
+            </a:ext>
+          </a:extLst>
+        </p:cNvPr>
         <p:cNvGrpSpPr/>
         <p:nvPr/>
       </p:nvGrpSpPr>
@@ -2016,7 +1869,13 @@
       </p:grpSpPr>
       <p:sp>
         <p:nvSpPr>
-          <p:cNvPr id="80" name="Google Shape;80;geed6aedbf_0_0:notes"/>
+          <p:cNvPr id="80" name="Google Shape;80;geed6aedbf_0_0:notes">
+            <a:extLst>
+              <a:ext uri="{FF2B5EF4-FFF2-40B4-BE49-F238E27FC236}">
+                <a16:creationId xmlns:a16="http://schemas.microsoft.com/office/drawing/2014/main" id="{7266874D-A86C-3107-699D-338189A112D7}"/>
+              </a:ext>
+            </a:extLst>
+          </p:cNvPr>
           <p:cNvSpPr>
             <a:spLocks noGrp="1" noRot="1" noChangeAspect="1"/>
           </p:cNvSpPr>
@@ -2057,7 +1916,13 @@
       </p:sp>
       <p:sp>
         <p:nvSpPr>
-          <p:cNvPr id="81" name="Google Shape;81;geed6aedbf_0_0:notes"/>
+          <p:cNvPr id="81" name="Google Shape;81;geed6aedbf_0_0:notes">
+            <a:extLst>
+              <a:ext uri="{FF2B5EF4-FFF2-40B4-BE49-F238E27FC236}">
+                <a16:creationId xmlns:a16="http://schemas.microsoft.com/office/drawing/2014/main" id="{9021568D-DC76-6B77-B679-5422C0F6621A}"/>
+              </a:ext>
+            </a:extLst>
+          </p:cNvPr>
           <p:cNvSpPr txBox="1">
             <a:spLocks noGrp="1"/>
           </p:cNvSpPr>
@@ -2096,7 +1961,7 @@
     </p:spTree>
     <p:extLst>
       <p:ext uri="{BB962C8B-B14F-4D97-AF65-F5344CB8AC3E}">
-        <p14:creationId xmlns:p14="http://schemas.microsoft.com/office/powerpoint/2010/main" val="3897382348"/>
+        <p14:creationId xmlns:p14="http://schemas.microsoft.com/office/powerpoint/2010/main" val="983628660"/>
       </p:ext>
     </p:extLst>
   </p:cSld>
@@ -2205,7 +2070,7 @@
     </p:spTree>
     <p:extLst>
       <p:ext uri="{BB962C8B-B14F-4D97-AF65-F5344CB8AC3E}">
-        <p14:creationId xmlns:p14="http://schemas.microsoft.com/office/powerpoint/2010/main" val="4133671645"/>
+        <p14:creationId xmlns:p14="http://schemas.microsoft.com/office/powerpoint/2010/main" val="3897382348"/>
       </p:ext>
     </p:extLst>
   </p:cSld>
@@ -2314,7 +2179,7 @@
     </p:spTree>
     <p:extLst>
       <p:ext uri="{BB962C8B-B14F-4D97-AF65-F5344CB8AC3E}">
-        <p14:creationId xmlns:p14="http://schemas.microsoft.com/office/powerpoint/2010/main" val="1161966847"/>
+        <p14:creationId xmlns:p14="http://schemas.microsoft.com/office/powerpoint/2010/main" val="4133671645"/>
       </p:ext>
     </p:extLst>
   </p:cSld>
@@ -2423,6 +2288,115 @@
     </p:spTree>
     <p:extLst>
       <p:ext uri="{BB962C8B-B14F-4D97-AF65-F5344CB8AC3E}">
+        <p14:creationId xmlns:p14="http://schemas.microsoft.com/office/powerpoint/2010/main" val="1161966847"/>
+      </p:ext>
+    </p:extLst>
+  </p:cSld>
+  <p:clrMapOvr>
+    <a:masterClrMapping/>
+  </p:clrMapOvr>
+</p:notes>
+</file>
+
+<file path=ppt/notesSlides/notesSlide16.xml><?xml version="1.0" encoding="utf-8"?>
+<p:notes xmlns:a="http://schemas.openxmlformats.org/drawingml/2006/main" xmlns:r="http://schemas.openxmlformats.org/officeDocument/2006/relationships" xmlns:p="http://schemas.openxmlformats.org/presentationml/2006/main" showMasterSp="0" showMasterPhAnim="0">
+  <p:cSld>
+    <p:spTree>
+      <p:nvGrpSpPr>
+        <p:cNvPr id="1" name="Shape 79"/>
+        <p:cNvGrpSpPr/>
+        <p:nvPr/>
+      </p:nvGrpSpPr>
+      <p:grpSpPr>
+        <a:xfrm>
+          <a:off x="0" y="0"/>
+          <a:ext cx="0" cy="0"/>
+          <a:chOff x="0" y="0"/>
+          <a:chExt cx="0" cy="0"/>
+        </a:xfrm>
+      </p:grpSpPr>
+      <p:sp>
+        <p:nvSpPr>
+          <p:cNvPr id="80" name="Google Shape;80;geed6aedbf_0_0:notes"/>
+          <p:cNvSpPr>
+            <a:spLocks noGrp="1" noRot="1" noChangeAspect="1"/>
+          </p:cNvSpPr>
+          <p:nvPr>
+            <p:ph type="sldImg" idx="2"/>
+          </p:nvPr>
+        </p:nvSpPr>
+        <p:spPr>
+          <a:xfrm>
+            <a:off x="1143000" y="685800"/>
+            <a:ext cx="4572000" cy="3429000"/>
+          </a:xfrm>
+          <a:custGeom>
+            <a:avLst/>
+            <a:gdLst/>
+            <a:ahLst/>
+            <a:cxnLst/>
+            <a:rect l="l" t="t" r="r" b="b"/>
+            <a:pathLst>
+              <a:path w="120000" h="120000" extrusionOk="0">
+                <a:moveTo>
+                  <a:pt x="0" y="0"/>
+                </a:moveTo>
+                <a:lnTo>
+                  <a:pt x="120000" y="0"/>
+                </a:lnTo>
+                <a:lnTo>
+                  <a:pt x="120000" y="120000"/>
+                </a:lnTo>
+                <a:lnTo>
+                  <a:pt x="0" y="120000"/>
+                </a:lnTo>
+                <a:close/>
+              </a:path>
+            </a:pathLst>
+          </a:custGeom>
+        </p:spPr>
+      </p:sp>
+      <p:sp>
+        <p:nvSpPr>
+          <p:cNvPr id="81" name="Google Shape;81;geed6aedbf_0_0:notes"/>
+          <p:cNvSpPr txBox="1">
+            <a:spLocks noGrp="1"/>
+          </p:cNvSpPr>
+          <p:nvPr>
+            <p:ph type="body" idx="1"/>
+          </p:nvPr>
+        </p:nvSpPr>
+        <p:spPr>
+          <a:xfrm>
+            <a:off x="685800" y="4343400"/>
+            <a:ext cx="5486400" cy="4114800"/>
+          </a:xfrm>
+          <a:prstGeom prst="rect">
+            <a:avLst/>
+          </a:prstGeom>
+        </p:spPr>
+        <p:txBody>
+          <a:bodyPr spcFirstLastPara="1" wrap="square" lIns="91425" tIns="91425" rIns="91425" bIns="91425" anchor="t" anchorCtr="0">
+            <a:noAutofit/>
+          </a:bodyPr>
+          <a:lstStyle/>
+          <a:p>
+            <a:pPr marL="0" lvl="0" indent="0" algn="l" rtl="0">
+              <a:spcBef>
+                <a:spcPts val="0"/>
+              </a:spcBef>
+              <a:spcAft>
+                <a:spcPts val="0"/>
+              </a:spcAft>
+              <a:buNone/>
+            </a:pPr>
+            <a:endParaRPr/>
+          </a:p>
+        </p:txBody>
+      </p:sp>
+    </p:spTree>
+    <p:extLst>
+      <p:ext uri="{BB962C8B-B14F-4D97-AF65-F5344CB8AC3E}">
         <p14:creationId xmlns:p14="http://schemas.microsoft.com/office/powerpoint/2010/main" val="929206250"/>
       </p:ext>
     </p:extLst>
@@ -2433,7 +2407,7 @@
 </p:notes>
 </file>
 
-<file path=ppt/notesSlides/notesSlide16.xml><?xml version="1.0" encoding="utf-8"?>
+<file path=ppt/notesSlides/notesSlide17.xml><?xml version="1.0" encoding="utf-8"?>
 <p:notes xmlns:a="http://schemas.openxmlformats.org/drawingml/2006/main" xmlns:r="http://schemas.openxmlformats.org/officeDocument/2006/relationships" xmlns:p="http://schemas.openxmlformats.org/presentationml/2006/main" showMasterSp="0" showMasterPhAnim="0">
   <p:cSld>
     <p:spTree>
@@ -2560,7 +2534,7 @@
 </p:notes>
 </file>
 
-<file path=ppt/notesSlides/notesSlide17.xml><?xml version="1.0" encoding="utf-8"?>
+<file path=ppt/notesSlides/notesSlide18.xml><?xml version="1.0" encoding="utf-8"?>
 <p:notes xmlns:a="http://schemas.openxmlformats.org/drawingml/2006/main" xmlns:r="http://schemas.openxmlformats.org/officeDocument/2006/relationships" xmlns:p="http://schemas.openxmlformats.org/presentationml/2006/main" showMasterSp="0" showMasterPhAnim="0">
   <p:cSld>
     <p:spTree>
@@ -3341,13 +3315,7 @@
   <p:cSld>
     <p:spTree>
       <p:nvGrpSpPr>
-        <p:cNvPr id="1" name="Shape 79">
-          <a:extLst>
-            <a:ext uri="{FF2B5EF4-FFF2-40B4-BE49-F238E27FC236}">
-              <a16:creationId xmlns:a16="http://schemas.microsoft.com/office/drawing/2014/main" id="{5CEC694F-0123-C88A-454F-5B2C08AD667D}"/>
-            </a:ext>
-          </a:extLst>
-        </p:cNvPr>
+        <p:cNvPr id="1" name="Shape 79"/>
         <p:cNvGrpSpPr/>
         <p:nvPr/>
       </p:nvGrpSpPr>
@@ -3361,13 +3329,7 @@
       </p:grpSpPr>
       <p:sp>
         <p:nvSpPr>
-          <p:cNvPr id="80" name="Google Shape;80;geed6aedbf_0_0:notes">
-            <a:extLst>
-              <a:ext uri="{FF2B5EF4-FFF2-40B4-BE49-F238E27FC236}">
-                <a16:creationId xmlns:a16="http://schemas.microsoft.com/office/drawing/2014/main" id="{7266874D-A86C-3107-699D-338189A112D7}"/>
-              </a:ext>
-            </a:extLst>
-          </p:cNvPr>
+          <p:cNvPr id="80" name="Google Shape;80;geed6aedbf_0_0:notes"/>
           <p:cNvSpPr>
             <a:spLocks noGrp="1" noRot="1" noChangeAspect="1"/>
           </p:cNvSpPr>
@@ -3408,13 +3370,7 @@
       </p:sp>
       <p:sp>
         <p:nvSpPr>
-          <p:cNvPr id="81" name="Google Shape;81;geed6aedbf_0_0:notes">
-            <a:extLst>
-              <a:ext uri="{FF2B5EF4-FFF2-40B4-BE49-F238E27FC236}">
-                <a16:creationId xmlns:a16="http://schemas.microsoft.com/office/drawing/2014/main" id="{9021568D-DC76-6B77-B679-5422C0F6621A}"/>
-              </a:ext>
-            </a:extLst>
-          </p:cNvPr>
+          <p:cNvPr id="81" name="Google Shape;81;geed6aedbf_0_0:notes"/>
           <p:cNvSpPr txBox="1">
             <a:spLocks noGrp="1"/>
           </p:cNvSpPr>
@@ -3453,7 +3409,7 @@
     </p:spTree>
     <p:extLst>
       <p:ext uri="{BB962C8B-B14F-4D97-AF65-F5344CB8AC3E}">
-        <p14:creationId xmlns:p14="http://schemas.microsoft.com/office/powerpoint/2010/main" val="983628660"/>
+        <p14:creationId xmlns:p14="http://schemas.microsoft.com/office/powerpoint/2010/main" val="1696855461"/>
       </p:ext>
     </p:extLst>
   </p:cSld>
@@ -3560,11 +3516,6 @@
         </p:txBody>
       </p:sp>
     </p:spTree>
-    <p:extLst>
-      <p:ext uri="{BB962C8B-B14F-4D97-AF65-F5344CB8AC3E}">
-        <p14:creationId xmlns:p14="http://schemas.microsoft.com/office/powerpoint/2010/main" val="1696855461"/>
-      </p:ext>
-    </p:extLst>
   </p:cSld>
   <p:clrMapOvr>
     <a:masterClrMapping/>
@@ -3631,6 +3582,13 @@
             <a:tailEnd type="none" w="sm" len="sm"/>
           </a:ln>
         </p:spPr>
+        <p:txBody>
+          <a:bodyPr/>
+          <a:lstStyle/>
+          <a:p>
+            <a:endParaRPr lang="it-IT"/>
+          </a:p>
+        </p:txBody>
       </p:sp>
       <p:sp>
         <p:nvSpPr>
@@ -3674,6 +3632,13 @@
             <a:tailEnd type="none" w="sm" len="sm"/>
           </a:ln>
         </p:spPr>
+        <p:txBody>
+          <a:bodyPr/>
+          <a:lstStyle/>
+          <a:p>
+            <a:endParaRPr lang="it-IT"/>
+          </a:p>
+        </p:txBody>
       </p:sp>
       <p:sp>
         <p:nvSpPr>
@@ -8774,331 +8739,6 @@
             </a:pPr>
             <a:r>
               <a:rPr lang="en-GB" dirty="0"/>
-              <a:t>Multiple inputs gates</a:t>
-            </a:r>
-            <a:endParaRPr dirty="0"/>
-          </a:p>
-        </p:txBody>
-      </p:sp>
-      <p:sp>
-        <p:nvSpPr>
-          <p:cNvPr id="84" name="Google Shape;84;p14"/>
-          <p:cNvSpPr txBox="1">
-            <a:spLocks noGrp="1"/>
-          </p:cNvSpPr>
-          <p:nvPr>
-            <p:ph type="body" idx="1"/>
-          </p:nvPr>
-        </p:nvSpPr>
-        <p:spPr>
-          <a:xfrm>
-            <a:off x="162750" y="1043733"/>
-            <a:ext cx="8818500" cy="5100000"/>
-          </a:xfrm>
-          <a:prstGeom prst="rect">
-            <a:avLst/>
-          </a:prstGeom>
-        </p:spPr>
-        <p:txBody>
-          <a:bodyPr spcFirstLastPara="1" wrap="square" lIns="91425" tIns="91425" rIns="91425" bIns="91425" anchor="t" anchorCtr="0">
-            <a:noAutofit/>
-          </a:bodyPr>
-          <a:lstStyle/>
-          <a:p>
-            <a:pPr lvl="0"/>
-            <a:r>
-              <a:rPr lang="en-GB" dirty="0"/>
-              <a:t>Many boolean functions of </a:t>
-            </a:r>
-            <a:r>
-              <a:rPr lang="en-GB" b="1" dirty="0"/>
-              <a:t>three or more inputs </a:t>
-            </a:r>
-            <a:r>
-              <a:rPr lang="en-GB" dirty="0"/>
-              <a:t>exist:</a:t>
-            </a:r>
-          </a:p>
-          <a:p>
-            <a:pPr lvl="1">
-              <a:spcBef>
-                <a:spcPts val="0"/>
-              </a:spcBef>
-            </a:pPr>
-            <a:r>
-              <a:rPr lang="en-GB" dirty="0"/>
-              <a:t>an </a:t>
-            </a:r>
-            <a:r>
-              <a:rPr lang="en-GB" b="1" dirty="0"/>
-              <a:t>N-input AND </a:t>
-            </a:r>
-            <a:r>
-              <a:rPr lang="en-GB" dirty="0"/>
-              <a:t>gate produces a </a:t>
-            </a:r>
-            <a:r>
-              <a:rPr lang="en-GB" b="1" dirty="0"/>
-              <a:t>TRUE output when all N inputs are TRUE</a:t>
-            </a:r>
-          </a:p>
-          <a:p>
-            <a:pPr lvl="1">
-              <a:spcBef>
-                <a:spcPts val="0"/>
-              </a:spcBef>
-            </a:pPr>
-            <a:endParaRPr lang="en-GB" b="1" dirty="0"/>
-          </a:p>
-          <a:p>
-            <a:pPr lvl="1">
-              <a:spcBef>
-                <a:spcPts val="0"/>
-              </a:spcBef>
-            </a:pPr>
-            <a:endParaRPr lang="en-GB" b="1" dirty="0"/>
-          </a:p>
-          <a:p>
-            <a:pPr lvl="1">
-              <a:spcBef>
-                <a:spcPts val="0"/>
-              </a:spcBef>
-            </a:pPr>
-            <a:endParaRPr lang="en-GB" b="1" dirty="0"/>
-          </a:p>
-          <a:p>
-            <a:pPr lvl="1">
-              <a:spcBef>
-                <a:spcPts val="0"/>
-              </a:spcBef>
-            </a:pPr>
-            <a:endParaRPr lang="en-GB" b="1" dirty="0"/>
-          </a:p>
-          <a:p>
-            <a:pPr lvl="1">
-              <a:spcBef>
-                <a:spcPts val="0"/>
-              </a:spcBef>
-            </a:pPr>
-            <a:endParaRPr lang="en-GB" b="1" dirty="0"/>
-          </a:p>
-          <a:p>
-            <a:pPr lvl="1">
-              <a:spcBef>
-                <a:spcPts val="0"/>
-              </a:spcBef>
-            </a:pPr>
-            <a:endParaRPr lang="en-GB" b="1" dirty="0"/>
-          </a:p>
-          <a:p>
-            <a:pPr lvl="1">
-              <a:spcBef>
-                <a:spcPts val="0"/>
-              </a:spcBef>
-            </a:pPr>
-            <a:endParaRPr lang="en-GB" b="1" dirty="0"/>
-          </a:p>
-          <a:p>
-            <a:pPr lvl="1">
-              <a:spcBef>
-                <a:spcPts val="0"/>
-              </a:spcBef>
-            </a:pPr>
-            <a:endParaRPr lang="en-GB" b="1" dirty="0"/>
-          </a:p>
-          <a:p>
-            <a:pPr lvl="1">
-              <a:spcBef>
-                <a:spcPts val="0"/>
-              </a:spcBef>
-            </a:pPr>
-            <a:endParaRPr lang="en-GB" b="1" dirty="0"/>
-          </a:p>
-          <a:p>
-            <a:pPr marL="590550" lvl="1" indent="0">
-              <a:spcBef>
-                <a:spcPts val="0"/>
-              </a:spcBef>
-              <a:buNone/>
-            </a:pPr>
-            <a:endParaRPr lang="en-GB" b="1" dirty="0"/>
-          </a:p>
-          <a:p>
-            <a:pPr marL="590550" lvl="1" indent="0">
-              <a:spcBef>
-                <a:spcPts val="0"/>
-              </a:spcBef>
-              <a:buNone/>
-            </a:pPr>
-            <a:endParaRPr lang="en-GB" b="1" dirty="0"/>
-          </a:p>
-          <a:p>
-            <a:pPr lvl="1">
-              <a:spcBef>
-                <a:spcPts val="0"/>
-              </a:spcBef>
-            </a:pPr>
-            <a:endParaRPr lang="en-GB" sz="800" b="1" dirty="0"/>
-          </a:p>
-          <a:p>
-            <a:pPr lvl="1">
-              <a:spcBef>
-                <a:spcPts val="0"/>
-              </a:spcBef>
-            </a:pPr>
-            <a:r>
-              <a:rPr lang="en-GB" dirty="0"/>
-              <a:t>An </a:t>
-            </a:r>
-            <a:r>
-              <a:rPr lang="en-GB" b="1" dirty="0"/>
-              <a:t>N-input OR</a:t>
-            </a:r>
-            <a:r>
-              <a:rPr lang="en-GB" dirty="0"/>
-              <a:t> gate produces a </a:t>
-            </a:r>
-            <a:r>
-              <a:rPr lang="en-GB" b="1" dirty="0"/>
-              <a:t>TRUE output when at least one input is TRUE</a:t>
-            </a:r>
-          </a:p>
-          <a:p>
-            <a:pPr lvl="1"/>
-            <a:endParaRPr lang="en-GB" dirty="0"/>
-          </a:p>
-          <a:p>
-            <a:pPr lvl="1"/>
-            <a:endParaRPr lang="en-GB" dirty="0"/>
-          </a:p>
-        </p:txBody>
-      </p:sp>
-      <p:pic>
-        <p:nvPicPr>
-          <p:cNvPr id="2" name="Immagine 1">
-            <a:extLst>
-              <a:ext uri="{FF2B5EF4-FFF2-40B4-BE49-F238E27FC236}">
-                <a16:creationId xmlns:a16="http://schemas.microsoft.com/office/drawing/2014/main" id="{91726287-ADDC-4EDF-603C-3DB0F80F223A}"/>
-              </a:ext>
-            </a:extLst>
-          </p:cNvPr>
-          <p:cNvPicPr>
-            <a:picLocks noChangeAspect="1"/>
-          </p:cNvPicPr>
-          <p:nvPr/>
-        </p:nvPicPr>
-        <p:blipFill>
-          <a:blip r:embed="rId3"/>
-          <a:stretch>
-            <a:fillRect/>
-          </a:stretch>
-        </p:blipFill>
-        <p:spPr>
-          <a:xfrm>
-            <a:off x="1059900" y="1764735"/>
-            <a:ext cx="7772400" cy="2842116"/>
-          </a:xfrm>
-          <a:prstGeom prst="rect">
-            <a:avLst/>
-          </a:prstGeom>
-        </p:spPr>
-      </p:pic>
-      <p:pic>
-        <p:nvPicPr>
-          <p:cNvPr id="3" name="Immagine 2">
-            <a:extLst>
-              <a:ext uri="{FF2B5EF4-FFF2-40B4-BE49-F238E27FC236}">
-                <a16:creationId xmlns:a16="http://schemas.microsoft.com/office/drawing/2014/main" id="{866DC63A-5F9A-9673-F9D7-6B5D9C2738DB}"/>
-              </a:ext>
-            </a:extLst>
-          </p:cNvPr>
-          <p:cNvPicPr>
-            <a:picLocks noChangeAspect="1"/>
-          </p:cNvPicPr>
-          <p:nvPr/>
-        </p:nvPicPr>
-        <p:blipFill>
-          <a:blip r:embed="rId4"/>
-          <a:stretch>
-            <a:fillRect/>
-          </a:stretch>
-        </p:blipFill>
-        <p:spPr>
-          <a:xfrm>
-            <a:off x="1059900" y="5031168"/>
-            <a:ext cx="7772400" cy="1566197"/>
-          </a:xfrm>
-          <a:prstGeom prst="rect">
-            <a:avLst/>
-          </a:prstGeom>
-        </p:spPr>
-      </p:pic>
-    </p:spTree>
-    <p:extLst>
-      <p:ext uri="{BB962C8B-B14F-4D97-AF65-F5344CB8AC3E}">
-        <p14:creationId xmlns:p14="http://schemas.microsoft.com/office/powerpoint/2010/main" val="2685277896"/>
-      </p:ext>
-    </p:extLst>
-  </p:cSld>
-  <p:clrMapOvr>
-    <a:masterClrMapping/>
-  </p:clrMapOvr>
-</p:sld>
-</file>
-
-<file path=ppt/slides/slide11.xml><?xml version="1.0" encoding="utf-8"?>
-<p:sld xmlns:a="http://schemas.openxmlformats.org/drawingml/2006/main" xmlns:r="http://schemas.openxmlformats.org/officeDocument/2006/relationships" xmlns:p="http://schemas.openxmlformats.org/presentationml/2006/main">
-  <p:cSld>
-    <p:spTree>
-      <p:nvGrpSpPr>
-        <p:cNvPr id="1" name="Shape 82"/>
-        <p:cNvGrpSpPr/>
-        <p:nvPr/>
-      </p:nvGrpSpPr>
-      <p:grpSpPr>
-        <a:xfrm>
-          <a:off x="0" y="0"/>
-          <a:ext cx="0" cy="0"/>
-          <a:chOff x="0" y="0"/>
-          <a:chExt cx="0" cy="0"/>
-        </a:xfrm>
-      </p:grpSpPr>
-      <p:sp>
-        <p:nvSpPr>
-          <p:cNvPr id="83" name="Google Shape;83;p14"/>
-          <p:cNvSpPr txBox="1">
-            <a:spLocks noGrp="1"/>
-          </p:cNvSpPr>
-          <p:nvPr>
-            <p:ph type="title" idx="4294967295"/>
-          </p:nvPr>
-        </p:nvSpPr>
-        <p:spPr>
-          <a:xfrm>
-            <a:off x="311700" y="421233"/>
-            <a:ext cx="8520600" cy="622500"/>
-          </a:xfrm>
-          <a:prstGeom prst="rect">
-            <a:avLst/>
-          </a:prstGeom>
-        </p:spPr>
-        <p:txBody>
-          <a:bodyPr spcFirstLastPara="1" wrap="square" lIns="91425" tIns="91425" rIns="91425" bIns="91425" anchor="b" anchorCtr="0">
-            <a:noAutofit/>
-          </a:bodyPr>
-          <a:lstStyle/>
-          <a:p>
-            <a:pPr marL="0" lvl="0" indent="0" algn="l" rtl="0">
-              <a:spcBef>
-                <a:spcPts val="0"/>
-              </a:spcBef>
-              <a:spcAft>
-                <a:spcPts val="0"/>
-              </a:spcAft>
-              <a:buNone/>
-            </a:pPr>
-            <a:r>
-              <a:rPr lang="en-GB" dirty="0"/>
               <a:t>Digital Circuit</a:t>
             </a:r>
             <a:endParaRPr dirty="0"/>
@@ -9527,6 +9167,263 @@
 </p:sld>
 </file>
 
+<file path=ppt/slides/slide11.xml><?xml version="1.0" encoding="utf-8"?>
+<p:sld xmlns:a="http://schemas.openxmlformats.org/drawingml/2006/main" xmlns:r="http://schemas.openxmlformats.org/officeDocument/2006/relationships" xmlns:p="http://schemas.openxmlformats.org/presentationml/2006/main">
+  <p:cSld>
+    <p:spTree>
+      <p:nvGrpSpPr>
+        <p:cNvPr id="1" name="Shape 82">
+          <a:extLst>
+            <a:ext uri="{FF2B5EF4-FFF2-40B4-BE49-F238E27FC236}">
+              <a16:creationId xmlns:a16="http://schemas.microsoft.com/office/drawing/2014/main" id="{FF031039-E8FD-81F1-9251-A057914DD44C}"/>
+            </a:ext>
+          </a:extLst>
+        </p:cNvPr>
+        <p:cNvGrpSpPr/>
+        <p:nvPr/>
+      </p:nvGrpSpPr>
+      <p:grpSpPr>
+        <a:xfrm>
+          <a:off x="0" y="0"/>
+          <a:ext cx="0" cy="0"/>
+          <a:chOff x="0" y="0"/>
+          <a:chExt cx="0" cy="0"/>
+        </a:xfrm>
+      </p:grpSpPr>
+      <p:sp>
+        <p:nvSpPr>
+          <p:cNvPr id="83" name="Google Shape;83;p14">
+            <a:extLst>
+              <a:ext uri="{FF2B5EF4-FFF2-40B4-BE49-F238E27FC236}">
+                <a16:creationId xmlns:a16="http://schemas.microsoft.com/office/drawing/2014/main" id="{A045D23C-97C2-7EA6-20DB-9693F83DCE5E}"/>
+              </a:ext>
+            </a:extLst>
+          </p:cNvPr>
+          <p:cNvSpPr txBox="1">
+            <a:spLocks noGrp="1"/>
+          </p:cNvSpPr>
+          <p:nvPr>
+            <p:ph type="title" idx="4294967295"/>
+          </p:nvPr>
+        </p:nvSpPr>
+        <p:spPr>
+          <a:xfrm>
+            <a:off x="311700" y="421233"/>
+            <a:ext cx="8520600" cy="622500"/>
+          </a:xfrm>
+          <a:prstGeom prst="rect">
+            <a:avLst/>
+          </a:prstGeom>
+        </p:spPr>
+        <p:txBody>
+          <a:bodyPr spcFirstLastPara="1" wrap="square" lIns="91425" tIns="91425" rIns="91425" bIns="91425" anchor="b" anchorCtr="0">
+            <a:noAutofit/>
+          </a:bodyPr>
+          <a:lstStyle/>
+          <a:p>
+            <a:pPr marL="0" lvl="0" indent="0" algn="l" rtl="0">
+              <a:spcBef>
+                <a:spcPts val="0"/>
+              </a:spcBef>
+              <a:spcAft>
+                <a:spcPts val="0"/>
+              </a:spcAft>
+              <a:buNone/>
+            </a:pPr>
+            <a:r>
+              <a:rPr lang="en-GB" dirty="0"/>
+              <a:t>Multiple implementations</a:t>
+            </a:r>
+            <a:endParaRPr dirty="0"/>
+          </a:p>
+        </p:txBody>
+      </p:sp>
+      <p:sp>
+        <p:nvSpPr>
+          <p:cNvPr id="84" name="Google Shape;84;p14">
+            <a:extLst>
+              <a:ext uri="{FF2B5EF4-FFF2-40B4-BE49-F238E27FC236}">
+                <a16:creationId xmlns:a16="http://schemas.microsoft.com/office/drawing/2014/main" id="{7B52A793-B9E3-083B-7C8B-8386632C6309}"/>
+              </a:ext>
+            </a:extLst>
+          </p:cNvPr>
+          <p:cNvSpPr txBox="1">
+            <a:spLocks noGrp="1"/>
+          </p:cNvSpPr>
+          <p:nvPr>
+            <p:ph type="body" idx="1"/>
+          </p:nvPr>
+        </p:nvSpPr>
+        <p:spPr>
+          <a:xfrm>
+            <a:off x="132809" y="1261838"/>
+            <a:ext cx="8878380" cy="5338530"/>
+          </a:xfrm>
+          <a:prstGeom prst="rect">
+            <a:avLst/>
+          </a:prstGeom>
+        </p:spPr>
+        <p:txBody>
+          <a:bodyPr spcFirstLastPara="1" wrap="square" lIns="91425" tIns="91425" rIns="91425" bIns="91425" anchor="t" anchorCtr="0">
+            <a:noAutofit/>
+          </a:bodyPr>
+          <a:lstStyle/>
+          <a:p>
+            <a:r>
+              <a:rPr lang="en-GB" dirty="0"/>
+              <a:t>There are often </a:t>
+            </a:r>
+            <a:r>
+              <a:rPr lang="en-GB" b="1" dirty="0"/>
+              <a:t>many implementations </a:t>
+            </a:r>
+            <a:r>
+              <a:rPr lang="en-GB" dirty="0"/>
+              <a:t>for a single function:</a:t>
+            </a:r>
+          </a:p>
+          <a:p>
+            <a:endParaRPr lang="en-GB" dirty="0"/>
+          </a:p>
+          <a:p>
+            <a:endParaRPr lang="en-GB" dirty="0"/>
+          </a:p>
+          <a:p>
+            <a:endParaRPr lang="en-GB" dirty="0"/>
+          </a:p>
+          <a:p>
+            <a:endParaRPr lang="en-GB" dirty="0"/>
+          </a:p>
+          <a:p>
+            <a:endParaRPr lang="en-GB" dirty="0"/>
+          </a:p>
+          <a:p>
+            <a:endParaRPr lang="en-GB" dirty="0"/>
+          </a:p>
+          <a:p>
+            <a:endParaRPr lang="en-GB" dirty="0"/>
+          </a:p>
+          <a:p>
+            <a:endParaRPr lang="en-GB" dirty="0"/>
+          </a:p>
+          <a:p>
+            <a:pPr marL="120650" indent="0">
+              <a:buNone/>
+            </a:pPr>
+            <a:endParaRPr lang="en-GB" dirty="0"/>
+          </a:p>
+          <a:p>
+            <a:pPr marL="120650" indent="0">
+              <a:buNone/>
+            </a:pPr>
+            <a:endParaRPr lang="en-GB" dirty="0"/>
+          </a:p>
+          <a:p>
+            <a:endParaRPr lang="en-GB" dirty="0"/>
+          </a:p>
+          <a:p>
+            <a:r>
+              <a:rPr lang="en-GB" dirty="0"/>
+              <a:t>We choose given the </a:t>
+            </a:r>
+            <a:r>
+              <a:rPr lang="en-GB" b="1" dirty="0"/>
+              <a:t>building blocks at our disposal </a:t>
+            </a:r>
+            <a:r>
+              <a:rPr lang="en-GB" dirty="0"/>
+              <a:t>and </a:t>
+            </a:r>
+            <a:r>
+              <a:rPr lang="en-GB" b="1" dirty="0"/>
+              <a:t>our design constraints </a:t>
+            </a:r>
+            <a:r>
+              <a:rPr lang="en-GB" dirty="0"/>
+              <a:t>(area, speed, power, etc)</a:t>
+            </a:r>
+          </a:p>
+          <a:p>
+            <a:endParaRPr lang="en-GB" dirty="0"/>
+          </a:p>
+          <a:p>
+            <a:endParaRPr lang="en-GB" b="1" dirty="0"/>
+          </a:p>
+        </p:txBody>
+      </p:sp>
+      <p:pic>
+        <p:nvPicPr>
+          <p:cNvPr id="3" name="Immagine 2">
+            <a:extLst>
+              <a:ext uri="{FF2B5EF4-FFF2-40B4-BE49-F238E27FC236}">
+                <a16:creationId xmlns:a16="http://schemas.microsoft.com/office/drawing/2014/main" id="{75ED1494-8711-623E-C57E-AEA545869382}"/>
+              </a:ext>
+            </a:extLst>
+          </p:cNvPr>
+          <p:cNvPicPr>
+            <a:picLocks noChangeAspect="1"/>
+          </p:cNvPicPr>
+          <p:nvPr/>
+        </p:nvPicPr>
+        <p:blipFill>
+          <a:blip r:embed="rId3"/>
+          <a:stretch>
+            <a:fillRect/>
+          </a:stretch>
+        </p:blipFill>
+        <p:spPr>
+          <a:xfrm>
+            <a:off x="311700" y="1798504"/>
+            <a:ext cx="8741026" cy="2531125"/>
+          </a:xfrm>
+          <a:prstGeom prst="rect">
+            <a:avLst/>
+          </a:prstGeom>
+        </p:spPr>
+      </p:pic>
+      <p:pic>
+        <p:nvPicPr>
+          <p:cNvPr id="4" name="Immagine 3">
+            <a:extLst>
+              <a:ext uri="{FF2B5EF4-FFF2-40B4-BE49-F238E27FC236}">
+                <a16:creationId xmlns:a16="http://schemas.microsoft.com/office/drawing/2014/main" id="{7A6E26B5-2DAB-6083-5F73-6BD521FDA3D3}"/>
+              </a:ext>
+            </a:extLst>
+          </p:cNvPr>
+          <p:cNvPicPr>
+            <a:picLocks noChangeAspect="1"/>
+          </p:cNvPicPr>
+          <p:nvPr/>
+        </p:nvPicPr>
+        <p:blipFill>
+          <a:blip r:embed="rId3"/>
+          <a:stretch>
+            <a:fillRect/>
+          </a:stretch>
+        </p:blipFill>
+        <p:spPr>
+          <a:xfrm>
+            <a:off x="311700" y="1930706"/>
+            <a:ext cx="8741026" cy="2531125"/>
+          </a:xfrm>
+          <a:prstGeom prst="rect">
+            <a:avLst/>
+          </a:prstGeom>
+        </p:spPr>
+      </p:pic>
+    </p:spTree>
+    <p:extLst>
+      <p:ext uri="{BB962C8B-B14F-4D97-AF65-F5344CB8AC3E}">
+        <p14:creationId xmlns:p14="http://schemas.microsoft.com/office/powerpoint/2010/main" val="1072935324"/>
+      </p:ext>
+    </p:extLst>
+  </p:cSld>
+  <p:clrMapOvr>
+    <a:masterClrMapping/>
+  </p:clrMapOvr>
+</p:sld>
+</file>
+
 <file path=ppt/slides/slide12.xml><?xml version="1.0" encoding="utf-8"?>
 <p:sld xmlns:a="http://schemas.openxmlformats.org/drawingml/2006/main" xmlns:r="http://schemas.openxmlformats.org/officeDocument/2006/relationships" xmlns:p="http://schemas.openxmlformats.org/presentationml/2006/main">
   <p:cSld>
@@ -9662,10 +9559,10 @@
       </p:sp>
       <p:pic>
         <p:nvPicPr>
-          <p:cNvPr id="4" name="Immagine 3">
+          <p:cNvPr id="3" name="Immagine 2">
             <a:extLst>
               <a:ext uri="{FF2B5EF4-FFF2-40B4-BE49-F238E27FC236}">
-                <a16:creationId xmlns:a16="http://schemas.microsoft.com/office/drawing/2014/main" id="{CF9EA23D-F201-0209-F112-B8F8D586CB2B}"/>
+                <a16:creationId xmlns:a16="http://schemas.microsoft.com/office/drawing/2014/main" id="{0F2F308E-5840-248C-87EB-A1EBFD2F644A}"/>
               </a:ext>
             </a:extLst>
           </p:cNvPr>
@@ -9682,7 +9579,7 @@
         </p:blipFill>
         <p:spPr>
           <a:xfrm>
-            <a:off x="403623" y="2273760"/>
+            <a:off x="311700" y="2251559"/>
             <a:ext cx="8619451" cy="1778695"/>
           </a:xfrm>
           <a:prstGeom prst="rect">
@@ -9708,7 +9605,13 @@
   <p:cSld>
     <p:spTree>
       <p:nvGrpSpPr>
-        <p:cNvPr id="1" name="Shape 82"/>
+        <p:cNvPr id="1" name="Shape 82">
+          <a:extLst>
+            <a:ext uri="{FF2B5EF4-FFF2-40B4-BE49-F238E27FC236}">
+              <a16:creationId xmlns:a16="http://schemas.microsoft.com/office/drawing/2014/main" id="{0A5F0A8A-B72A-B790-6032-968E6132AF0F}"/>
+            </a:ext>
+          </a:extLst>
+        </p:cNvPr>
         <p:cNvGrpSpPr/>
         <p:nvPr/>
       </p:nvGrpSpPr>
@@ -9722,7 +9625,13 @@
       </p:grpSpPr>
       <p:sp>
         <p:nvSpPr>
-          <p:cNvPr id="83" name="Google Shape;83;p14"/>
+          <p:cNvPr id="83" name="Google Shape;83;p14">
+            <a:extLst>
+              <a:ext uri="{FF2B5EF4-FFF2-40B4-BE49-F238E27FC236}">
+                <a16:creationId xmlns:a16="http://schemas.microsoft.com/office/drawing/2014/main" id="{B041C0E5-F984-3A17-4763-5BDD2D2FAF71}"/>
+              </a:ext>
+            </a:extLst>
+          </p:cNvPr>
           <p:cNvSpPr txBox="1">
             <a:spLocks noGrp="1"/>
           </p:cNvSpPr>
@@ -9745,10 +9654,18 @@
           </a:bodyPr>
           <a:lstStyle/>
           <a:p>
-            <a:pPr lvl="0"/>
-            <a:r>
-              <a:rPr lang="en-GB" dirty="0"/>
-              <a:t>Combinational or Sequential</a:t>
+            <a:pPr marL="0" lvl="0" indent="0" algn="l" rtl="0">
+              <a:spcBef>
+                <a:spcPts val="0"/>
+              </a:spcBef>
+              <a:spcAft>
+                <a:spcPts val="0"/>
+              </a:spcAft>
+              <a:buNone/>
+            </a:pPr>
+            <a:r>
+              <a:rPr lang="en-GB" dirty="0"/>
+              <a:t>Boolean Algebra</a:t>
             </a:r>
             <a:endParaRPr dirty="0"/>
           </a:p>
@@ -9756,7 +9673,13 @@
       </p:sp>
       <p:sp>
         <p:nvSpPr>
-          <p:cNvPr id="84" name="Google Shape;84;p14"/>
+          <p:cNvPr id="84" name="Google Shape;84;p14">
+            <a:extLst>
+              <a:ext uri="{FF2B5EF4-FFF2-40B4-BE49-F238E27FC236}">
+                <a16:creationId xmlns:a16="http://schemas.microsoft.com/office/drawing/2014/main" id="{DBE2D383-3C20-CCAC-7E0F-5C50D823D89C}"/>
+              </a:ext>
+            </a:extLst>
+          </p:cNvPr>
           <p:cNvSpPr txBox="1">
             <a:spLocks noGrp="1"/>
           </p:cNvSpPr>
@@ -9766,8 +9689,8 @@
         </p:nvSpPr>
         <p:spPr>
           <a:xfrm>
-            <a:off x="162750" y="1043733"/>
-            <a:ext cx="8818500" cy="5100000"/>
+            <a:off x="162750" y="1052517"/>
+            <a:ext cx="8878380" cy="5338530"/>
           </a:xfrm>
           <a:prstGeom prst="rect">
             <a:avLst/>
@@ -9779,193 +9702,192 @@
           </a:bodyPr>
           <a:lstStyle/>
           <a:p>
-            <a:pPr lvl="0"/>
+            <a:r>
+              <a:rPr lang="en-GB" dirty="0"/>
+              <a:t>The </a:t>
+            </a:r>
             <a:r>
               <a:rPr lang="en-GB" b="1" dirty="0"/>
-              <a:t>Combinational</a:t>
-            </a:r>
-            <a:r>
-              <a:rPr lang="en-GB" dirty="0"/>
-              <a:t> circuit: output </a:t>
+              <a:t>mathematical framework </a:t>
+            </a:r>
+            <a:r>
+              <a:rPr lang="en-GB" dirty="0"/>
+              <a:t>for representing and manipulating logical expressions</a:t>
+            </a:r>
+          </a:p>
+          <a:p>
+            <a:pPr lvl="1">
+              <a:spcBef>
+                <a:spcPts val="600"/>
+              </a:spcBef>
+            </a:pPr>
+            <a:r>
+              <a:rPr lang="en-GB" dirty="0"/>
+              <a:t>AND, OR, and NOT are the fundamental</a:t>
             </a:r>
             <a:r>
               <a:rPr lang="en-GB" b="1" dirty="0"/>
-              <a:t>depends only on the current values of the inputs</a:t>
+              <a:t> logical operators</a:t>
             </a:r>
           </a:p>
           <a:p>
             <a:pPr lvl="1">
-              <a:lnSpc>
-                <a:spcPct val="100000"/>
-              </a:lnSpc>
-              <a:spcBef>
-                <a:spcPts val="0"/>
-              </a:spcBef>
-              <a:spcAft>
+              <a:spcBef>
                 <a:spcPts val="600"/>
-              </a:spcAft>
-            </a:pPr>
-            <a:r>
-              <a:rPr lang="en-GB" dirty="0"/>
-              <a:t>combines the current input values to compute the output</a:t>
+              </a:spcBef>
+            </a:pPr>
+            <a:r>
+              <a:rPr lang="en-GB" dirty="0"/>
+              <a:t>it is an </a:t>
+            </a:r>
+            <a:r>
+              <a:rPr lang="en-GB" b="1" dirty="0"/>
+              <a:t>algebraic system</a:t>
+            </a:r>
+            <a:r>
+              <a:rPr lang="en-GB" dirty="0"/>
+              <a:t> (a set of elements to which a set of operations is associated), deﬁned by:</a:t>
+            </a:r>
+          </a:p>
+          <a:p>
+            <a:pPr lvl="2">
+              <a:spcBef>
+                <a:spcPts val="600"/>
+              </a:spcBef>
+            </a:pPr>
+            <a:r>
+              <a:rPr lang="en-GB" dirty="0"/>
+              <a:t>the set of values {0,1}</a:t>
+            </a:r>
+          </a:p>
+          <a:p>
+            <a:pPr lvl="2">
+              <a:spcBef>
+                <a:spcPts val="600"/>
+              </a:spcBef>
+            </a:pPr>
+            <a:r>
+              <a:rPr lang="en-GB" dirty="0"/>
+              <a:t>the operations OR, AND, and NOT</a:t>
+            </a:r>
+          </a:p>
+          <a:p>
+            <a:pPr lvl="2">
+              <a:spcBef>
+                <a:spcPts val="600"/>
+              </a:spcBef>
+            </a:pPr>
+            <a:r>
+              <a:rPr lang="en-GB" dirty="0"/>
+              <a:t>the equivalence operator “=”</a:t>
+            </a:r>
+          </a:p>
+          <a:p>
+            <a:pPr lvl="2">
+              <a:spcBef>
+                <a:spcPts val="600"/>
+              </a:spcBef>
+            </a:pPr>
+            <a:endParaRPr lang="en-GB" sz="1000" dirty="0"/>
+          </a:p>
+          <a:p>
+            <a:r>
+              <a:rPr lang="en-GB" dirty="0"/>
+              <a:t>We call </a:t>
+            </a:r>
+            <a:r>
+              <a:rPr lang="en-GB" b="1" dirty="0"/>
+              <a:t>Boolean variable</a:t>
+            </a:r>
+            <a:r>
+              <a:rPr lang="en-GB" dirty="0"/>
+              <a:t> any discreet variable that can assume only two values</a:t>
+            </a:r>
+          </a:p>
+          <a:p>
+            <a:endParaRPr lang="en-GB" sz="1000" dirty="0"/>
+          </a:p>
+          <a:p>
+            <a:r>
+              <a:rPr lang="en-GB" dirty="0"/>
+              <a:t>We call </a:t>
+            </a:r>
+            <a:r>
+              <a:rPr lang="en-GB" b="1" dirty="0"/>
+              <a:t>Boolean function </a:t>
+            </a:r>
+            <a:r>
+              <a:rPr lang="en-GB" dirty="0"/>
+              <a:t>any expression F expressed using the logical operations, that takes one or more binary inputs  (X1, X2, …, </a:t>
+            </a:r>
+            <a:r>
+              <a:rPr lang="en-GB" dirty="0" err="1"/>
+              <a:t>Xn</a:t>
+            </a:r>
+            <a:r>
+              <a:rPr lang="en-GB" dirty="0"/>
+              <a:t>) and produces a binary output (Y)</a:t>
             </a:r>
           </a:p>
           <a:p>
             <a:pPr lvl="1">
-              <a:lnSpc>
-                <a:spcPct val="100000"/>
-              </a:lnSpc>
-              <a:spcBef>
-                <a:spcPts val="0"/>
-              </a:spcBef>
-              <a:spcAft>
+              <a:spcBef>
                 <a:spcPts val="600"/>
-              </a:spcAft>
-            </a:pPr>
-            <a:r>
-              <a:rPr lang="en-GB" dirty="0"/>
-              <a:t>a logic gate is a combinational circuit</a:t>
+              </a:spcBef>
+            </a:pPr>
+            <a:r>
+              <a:rPr lang="en-GB" dirty="0"/>
+              <a:t>its domain is composed of all the 2^n combinations of the values of the variables</a:t>
             </a:r>
           </a:p>
           <a:p>
             <a:pPr lvl="1">
-              <a:lnSpc>
-                <a:spcPct val="100000"/>
-              </a:lnSpc>
-              <a:spcBef>
-                <a:spcPts val="0"/>
-              </a:spcBef>
-              <a:spcAft>
+              <a:spcBef>
                 <a:spcPts val="600"/>
-              </a:spcAft>
-            </a:pPr>
+              </a:spcBef>
+            </a:pPr>
+            <a:r>
+              <a:rPr lang="en-GB" dirty="0"/>
+              <a:t>the domain is </a:t>
+            </a:r>
             <a:r>
               <a:rPr lang="en-GB" b="1" dirty="0"/>
-              <a:t>memoryless</a:t>
-            </a:r>
-          </a:p>
-          <a:p>
+              <a:t>countable</a:t>
+            </a:r>
+            <a:r>
+              <a:rPr lang="en-GB" dirty="0"/>
+              <a:t> </a:t>
+            </a:r>
+          </a:p>
+          <a:p>
+            <a:pPr lvl="1">
+              <a:spcBef>
+                <a:spcPts val="600"/>
+              </a:spcBef>
+            </a:pPr>
+            <a:r>
+              <a:rPr lang="en-GB" dirty="0"/>
+              <a:t>it can be represented by its </a:t>
+            </a:r>
             <a:r>
               <a:rPr lang="en-GB" b="1" dirty="0"/>
-              <a:t>Sequential</a:t>
-            </a:r>
-            <a:r>
-              <a:rPr lang="en-GB" dirty="0"/>
-              <a:t> circuit: output </a:t>
+              <a:t>boolean expression</a:t>
+            </a:r>
+            <a:r>
+              <a:rPr lang="en-GB" dirty="0"/>
+              <a:t> or by its </a:t>
             </a:r>
             <a:r>
               <a:rPr lang="en-GB" b="1" dirty="0"/>
-              <a:t>depends on both current and previous values of the inputs</a:t>
-            </a:r>
-          </a:p>
-          <a:p>
-            <a:pPr lvl="1">
-              <a:lnSpc>
-                <a:spcPct val="100000"/>
-              </a:lnSpc>
-              <a:spcBef>
-                <a:spcPts val="0"/>
-              </a:spcBef>
-              <a:spcAft>
-                <a:spcPts val="600"/>
-              </a:spcAft>
-            </a:pPr>
-            <a:r>
-              <a:rPr lang="en-GB" dirty="0"/>
-              <a:t>depends on the input sequence</a:t>
-            </a:r>
-          </a:p>
-          <a:p>
-            <a:pPr lvl="1">
-              <a:lnSpc>
-                <a:spcPct val="100000"/>
-              </a:lnSpc>
-              <a:spcBef>
-                <a:spcPts val="0"/>
-              </a:spcBef>
-              <a:spcAft>
-                <a:spcPts val="600"/>
-              </a:spcAft>
-            </a:pPr>
-            <a:r>
-              <a:rPr lang="en-GB" dirty="0"/>
-              <a:t>has </a:t>
-            </a:r>
-            <a:r>
-              <a:rPr lang="en-GB" b="1" dirty="0"/>
-              <a:t>memory</a:t>
-            </a:r>
-          </a:p>
-          <a:p>
-            <a:r>
-              <a:rPr lang="en-GB" dirty="0"/>
-              <a:t>There are often many </a:t>
-            </a:r>
-            <a:r>
-              <a:rPr lang="en-GB" b="1" dirty="0"/>
-              <a:t>implementations</a:t>
-            </a:r>
-            <a:r>
-              <a:rPr lang="en-GB" dirty="0"/>
-              <a:t> for a single function</a:t>
-            </a:r>
-          </a:p>
-          <a:p>
-            <a:pPr lvl="1">
-              <a:lnSpc>
-                <a:spcPct val="100000"/>
-              </a:lnSpc>
-              <a:spcBef>
-                <a:spcPts val="0"/>
-              </a:spcBef>
-              <a:spcAft>
-                <a:spcPts val="600"/>
-              </a:spcAft>
-            </a:pPr>
-            <a:r>
-              <a:rPr lang="en-GB" dirty="0"/>
-              <a:t>we choose given the building blocks at our disposal and our design constraints (area, speed, power, etc).</a:t>
-            </a:r>
-          </a:p>
-          <a:p>
-            <a:endParaRPr lang="en-GB" dirty="0"/>
+              <a:t>truth table</a:t>
+            </a:r>
           </a:p>
         </p:txBody>
       </p:sp>
-      <p:pic>
-        <p:nvPicPr>
-          <p:cNvPr id="2" name="Immagine 1">
-            <a:extLst>
-              <a:ext uri="{FF2B5EF4-FFF2-40B4-BE49-F238E27FC236}">
-                <a16:creationId xmlns:a16="http://schemas.microsoft.com/office/drawing/2014/main" id="{2E231A66-02B1-2C3B-E3EB-8053F93BFC60}"/>
-              </a:ext>
-            </a:extLst>
-          </p:cNvPr>
-          <p:cNvPicPr>
-            <a:picLocks noChangeAspect="1"/>
-          </p:cNvPicPr>
-          <p:nvPr/>
-        </p:nvPicPr>
-        <p:blipFill>
-          <a:blip r:embed="rId3"/>
-          <a:stretch>
-            <a:fillRect/>
-          </a:stretch>
-        </p:blipFill>
-        <p:spPr>
-          <a:xfrm>
-            <a:off x="924791" y="4648923"/>
-            <a:ext cx="6774873" cy="1961789"/>
-          </a:xfrm>
-          <a:prstGeom prst="rect">
-            <a:avLst/>
-          </a:prstGeom>
-        </p:spPr>
-      </p:pic>
     </p:spTree>
     <p:extLst>
       <p:ext uri="{BB962C8B-B14F-4D97-AF65-F5344CB8AC3E}">
-        <p14:creationId xmlns:p14="http://schemas.microsoft.com/office/powerpoint/2010/main" val="3692252167"/>
+        <p14:creationId xmlns:p14="http://schemas.microsoft.com/office/powerpoint/2010/main" val="2011826885"/>
       </p:ext>
     </p:extLst>
   </p:cSld>
@@ -10020,6 +9942,223 @@
             <a:pPr lvl="0"/>
             <a:r>
               <a:rPr lang="en-GB" dirty="0"/>
+              <a:t>Combinational or Sequential</a:t>
+            </a:r>
+            <a:endParaRPr dirty="0"/>
+          </a:p>
+        </p:txBody>
+      </p:sp>
+      <p:sp>
+        <p:nvSpPr>
+          <p:cNvPr id="84" name="Google Shape;84;p14"/>
+          <p:cNvSpPr txBox="1">
+            <a:spLocks noGrp="1"/>
+          </p:cNvSpPr>
+          <p:nvPr>
+            <p:ph type="body" idx="1"/>
+          </p:nvPr>
+        </p:nvSpPr>
+        <p:spPr>
+          <a:xfrm>
+            <a:off x="162750" y="1336767"/>
+            <a:ext cx="8818500" cy="4513190"/>
+          </a:xfrm>
+          <a:prstGeom prst="rect">
+            <a:avLst/>
+          </a:prstGeom>
+        </p:spPr>
+        <p:txBody>
+          <a:bodyPr spcFirstLastPara="1" wrap="square" lIns="91425" tIns="91425" rIns="91425" bIns="91425" anchor="t" anchorCtr="0">
+            <a:noAutofit/>
+          </a:bodyPr>
+          <a:lstStyle/>
+          <a:p>
+            <a:pPr lvl="0"/>
+            <a:r>
+              <a:rPr lang="en-GB" b="1" dirty="0"/>
+              <a:t>Combinational</a:t>
+            </a:r>
+            <a:r>
+              <a:rPr lang="en-GB" dirty="0"/>
+              <a:t> circuit: output </a:t>
+            </a:r>
+            <a:r>
+              <a:rPr lang="en-GB" b="1" dirty="0"/>
+              <a:t>depends only on the current values of the inputs</a:t>
+            </a:r>
+          </a:p>
+          <a:p>
+            <a:pPr lvl="1">
+              <a:lnSpc>
+                <a:spcPct val="100000"/>
+              </a:lnSpc>
+              <a:spcBef>
+                <a:spcPts val="0"/>
+              </a:spcBef>
+              <a:spcAft>
+                <a:spcPts val="600"/>
+              </a:spcAft>
+            </a:pPr>
+            <a:r>
+              <a:rPr lang="en-GB" dirty="0"/>
+              <a:t>combines the current input values to compute the output</a:t>
+            </a:r>
+          </a:p>
+          <a:p>
+            <a:pPr lvl="1">
+              <a:lnSpc>
+                <a:spcPct val="100000"/>
+              </a:lnSpc>
+              <a:spcBef>
+                <a:spcPts val="0"/>
+              </a:spcBef>
+              <a:spcAft>
+                <a:spcPts val="600"/>
+              </a:spcAft>
+            </a:pPr>
+            <a:r>
+              <a:rPr lang="en-GB" dirty="0"/>
+              <a:t>a logic gate is a combinational circuit</a:t>
+            </a:r>
+          </a:p>
+          <a:p>
+            <a:pPr lvl="1">
+              <a:lnSpc>
+                <a:spcPct val="100000"/>
+              </a:lnSpc>
+              <a:spcBef>
+                <a:spcPts val="0"/>
+              </a:spcBef>
+              <a:spcAft>
+                <a:spcPts val="600"/>
+              </a:spcAft>
+            </a:pPr>
+            <a:r>
+              <a:rPr lang="en-GB" b="1" dirty="0"/>
+              <a:t>memoryless</a:t>
+            </a:r>
+          </a:p>
+          <a:p>
+            <a:endParaRPr lang="en-GB" b="1" dirty="0"/>
+          </a:p>
+          <a:p>
+            <a:r>
+              <a:rPr lang="en-GB" b="1" dirty="0"/>
+              <a:t>Sequential</a:t>
+            </a:r>
+            <a:r>
+              <a:rPr lang="en-GB" dirty="0"/>
+              <a:t> circuit: output </a:t>
+            </a:r>
+            <a:r>
+              <a:rPr lang="en-GB" b="1" dirty="0"/>
+              <a:t>depends on both current and previous values of the inputs</a:t>
+            </a:r>
+          </a:p>
+          <a:p>
+            <a:pPr lvl="1">
+              <a:lnSpc>
+                <a:spcPct val="100000"/>
+              </a:lnSpc>
+              <a:spcBef>
+                <a:spcPts val="0"/>
+              </a:spcBef>
+              <a:spcAft>
+                <a:spcPts val="600"/>
+              </a:spcAft>
+            </a:pPr>
+            <a:r>
+              <a:rPr lang="en-GB" dirty="0"/>
+              <a:t>depends on the input sequence</a:t>
+            </a:r>
+          </a:p>
+          <a:p>
+            <a:pPr lvl="1">
+              <a:lnSpc>
+                <a:spcPct val="100000"/>
+              </a:lnSpc>
+              <a:spcBef>
+                <a:spcPts val="0"/>
+              </a:spcBef>
+              <a:spcAft>
+                <a:spcPts val="600"/>
+              </a:spcAft>
+            </a:pPr>
+            <a:r>
+              <a:rPr lang="en-GB" dirty="0"/>
+              <a:t>has </a:t>
+            </a:r>
+            <a:r>
+              <a:rPr lang="en-GB" b="1" dirty="0"/>
+              <a:t>memory</a:t>
+            </a:r>
+          </a:p>
+          <a:p>
+            <a:pPr marL="120650" indent="0">
+              <a:buNone/>
+            </a:pPr>
+            <a:endParaRPr lang="en-GB" dirty="0"/>
+          </a:p>
+        </p:txBody>
+      </p:sp>
+    </p:spTree>
+    <p:extLst>
+      <p:ext uri="{BB962C8B-B14F-4D97-AF65-F5344CB8AC3E}">
+        <p14:creationId xmlns:p14="http://schemas.microsoft.com/office/powerpoint/2010/main" val="3692252167"/>
+      </p:ext>
+    </p:extLst>
+  </p:cSld>
+  <p:clrMapOvr>
+    <a:masterClrMapping/>
+  </p:clrMapOvr>
+</p:sld>
+</file>
+
+<file path=ppt/slides/slide15.xml><?xml version="1.0" encoding="utf-8"?>
+<p:sld xmlns:a="http://schemas.openxmlformats.org/drawingml/2006/main" xmlns:r="http://schemas.openxmlformats.org/officeDocument/2006/relationships" xmlns:p="http://schemas.openxmlformats.org/presentationml/2006/main">
+  <p:cSld>
+    <p:spTree>
+      <p:nvGrpSpPr>
+        <p:cNvPr id="1" name="Shape 82"/>
+        <p:cNvGrpSpPr/>
+        <p:nvPr/>
+      </p:nvGrpSpPr>
+      <p:grpSpPr>
+        <a:xfrm>
+          <a:off x="0" y="0"/>
+          <a:ext cx="0" cy="0"/>
+          <a:chOff x="0" y="0"/>
+          <a:chExt cx="0" cy="0"/>
+        </a:xfrm>
+      </p:grpSpPr>
+      <p:sp>
+        <p:nvSpPr>
+          <p:cNvPr id="83" name="Google Shape;83;p14"/>
+          <p:cNvSpPr txBox="1">
+            <a:spLocks noGrp="1"/>
+          </p:cNvSpPr>
+          <p:nvPr>
+            <p:ph type="title" idx="4294967295"/>
+          </p:nvPr>
+        </p:nvSpPr>
+        <p:spPr>
+          <a:xfrm>
+            <a:off x="311700" y="421233"/>
+            <a:ext cx="8520600" cy="622500"/>
+          </a:xfrm>
+          <a:prstGeom prst="rect">
+            <a:avLst/>
+          </a:prstGeom>
+        </p:spPr>
+        <p:txBody>
+          <a:bodyPr spcFirstLastPara="1" wrap="square" lIns="91425" tIns="91425" rIns="91425" bIns="91425" anchor="b" anchorCtr="0">
+            <a:noAutofit/>
+          </a:bodyPr>
+          <a:lstStyle/>
+          <a:p>
+            <a:pPr lvl="0"/>
+            <a:r>
+              <a:rPr lang="en-GB" dirty="0"/>
               <a:t>Rules of combinational composition</a:t>
             </a:r>
             <a:endParaRPr dirty="0"/>
@@ -10213,7 +10352,7 @@
 </p:sld>
 </file>
 
-<file path=ppt/slides/slide15.xml><?xml version="1.0" encoding="utf-8"?>
+<file path=ppt/slides/slide16.xml><?xml version="1.0" encoding="utf-8"?>
 <p:sld xmlns:a="http://schemas.openxmlformats.org/drawingml/2006/main" xmlns:r="http://schemas.openxmlformats.org/officeDocument/2006/relationships" xmlns:p="http://schemas.openxmlformats.org/presentationml/2006/main">
   <p:cSld>
     <p:spTree>
@@ -10337,7 +10476,7 @@
 </p:sld>
 </file>
 
-<file path=ppt/slides/slide16.xml><?xml version="1.0" encoding="utf-8"?>
+<file path=ppt/slides/slide17.xml><?xml version="1.0" encoding="utf-8"?>
 <p:sld xmlns:a="http://schemas.openxmlformats.org/drawingml/2006/main" xmlns:r="http://schemas.openxmlformats.org/officeDocument/2006/relationships" xmlns:p="http://schemas.openxmlformats.org/presentationml/2006/main">
   <p:cSld>
     <p:spTree>
@@ -10534,7 +10673,7 @@
 </p:sld>
 </file>
 
-<file path=ppt/slides/slide17.xml><?xml version="1.0" encoding="utf-8"?>
+<file path=ppt/slides/slide18.xml><?xml version="1.0" encoding="utf-8"?>
 <p:sld xmlns:a="http://schemas.openxmlformats.org/drawingml/2006/main" xmlns:r="http://schemas.openxmlformats.org/officeDocument/2006/relationships" xmlns:p="http://schemas.openxmlformats.org/presentationml/2006/main">
   <p:cSld>
     <p:spTree>
@@ -10666,7 +10805,7 @@
             </a:pPr>
             <a:r>
               <a:rPr lang="en-GB" dirty="0"/>
-              <a:t>visualize how signals change, and how propagation delays affect the output.</a:t>
+              <a:t>visualize how signals change, and how they affect the output</a:t>
             </a:r>
           </a:p>
           <a:p>
@@ -10685,6 +10824,14 @@
               <a:rPr lang="en-GB" dirty="0"/>
               <a:t>try variations, optimize the design, and gain intuition about circuit behaviour without worrying about damaging components</a:t>
             </a:r>
+          </a:p>
+          <a:p>
+            <a:pPr lvl="1">
+              <a:spcBef>
+                <a:spcPts val="0"/>
+              </a:spcBef>
+            </a:pPr>
+            <a:endParaRPr lang="en-GB" dirty="0"/>
           </a:p>
           <a:p>
             <a:r>
@@ -10716,8 +10863,8 @@
         </p:blipFill>
         <p:spPr>
           <a:xfrm>
-            <a:off x="516467" y="4202002"/>
-            <a:ext cx="7772400" cy="1614886"/>
+            <a:off x="423529" y="4400305"/>
+            <a:ext cx="8408771" cy="1747106"/>
           </a:xfrm>
           <a:prstGeom prst="rect">
             <a:avLst/>
@@ -10737,7 +10884,7 @@
 </p:sld>
 </file>
 
-<file path=ppt/slides/slide18.xml><?xml version="1.0" encoding="utf-8"?>
+<file path=ppt/slides/slide19.xml><?xml version="1.0" encoding="utf-8"?>
 <p:sld xmlns:a="http://schemas.openxmlformats.org/drawingml/2006/main" xmlns:r="http://schemas.openxmlformats.org/officeDocument/2006/relationships" xmlns:p="http://schemas.openxmlformats.org/presentationml/2006/main">
   <p:cSld>
     <p:spTree>
@@ -11075,43 +11222,51 @@
                 <a:spcPts val="0"/>
               </a:spcBef>
             </a:pPr>
+            <a:r>
+              <a:rPr lang="en-GB" dirty="0"/>
+              <a:t>Multiple inputs gates</a:t>
+            </a:r>
+          </a:p>
+          <a:p>
             <a:endParaRPr lang="en-GB" dirty="0"/>
           </a:p>
           <a:p>
             <a:r>
               <a:rPr lang="en-GB" dirty="0"/>
+              <a:t>Definition of digital circuits</a:t>
+            </a:r>
+          </a:p>
+          <a:p>
+            <a:pPr lvl="1">
+              <a:spcBef>
+                <a:spcPts val="0"/>
+              </a:spcBef>
+            </a:pPr>
+            <a:r>
+              <a:rPr lang="en-GB" dirty="0"/>
+              <a:t>Multiple implementations</a:t>
+            </a:r>
+          </a:p>
+          <a:p>
+            <a:pPr lvl="1">
+              <a:spcBef>
+                <a:spcPts val="0"/>
+              </a:spcBef>
+            </a:pPr>
+            <a:r>
+              <a:rPr lang="en-GB" dirty="0"/>
+              <a:t>Bus</a:t>
+            </a:r>
+          </a:p>
+          <a:p>
+            <a:pPr lvl="1">
+              <a:spcBef>
+                <a:spcPts val="0"/>
+              </a:spcBef>
+            </a:pPr>
+            <a:r>
+              <a:rPr lang="en-GB" dirty="0"/>
               <a:t>Boolean Algebra</a:t>
-            </a:r>
-          </a:p>
-          <a:p>
-            <a:pPr lvl="1">
-              <a:spcBef>
-                <a:spcPts val="0"/>
-              </a:spcBef>
-            </a:pPr>
-            <a:r>
-              <a:rPr lang="en-GB" dirty="0"/>
-              <a:t>Multiple inputs gates</a:t>
-            </a:r>
-          </a:p>
-          <a:p>
-            <a:endParaRPr lang="en-GB" dirty="0"/>
-          </a:p>
-          <a:p>
-            <a:r>
-              <a:rPr lang="en-GB" dirty="0"/>
-              <a:t>Definition of digital circuits</a:t>
-            </a:r>
-          </a:p>
-          <a:p>
-            <a:pPr lvl="1">
-              <a:spcBef>
-                <a:spcPts val="0"/>
-              </a:spcBef>
-            </a:pPr>
-            <a:r>
-              <a:rPr lang="en-GB" dirty="0"/>
-              <a:t>Bus</a:t>
             </a:r>
           </a:p>
           <a:p>
@@ -12627,13 +12782,7 @@
   <p:cSld>
     <p:spTree>
       <p:nvGrpSpPr>
-        <p:cNvPr id="1" name="Shape 82">
-          <a:extLst>
-            <a:ext uri="{FF2B5EF4-FFF2-40B4-BE49-F238E27FC236}">
-              <a16:creationId xmlns:a16="http://schemas.microsoft.com/office/drawing/2014/main" id="{0A5F0A8A-B72A-B790-6032-968E6132AF0F}"/>
-            </a:ext>
-          </a:extLst>
-        </p:cNvPr>
+        <p:cNvPr id="1" name="Shape 82"/>
         <p:cNvGrpSpPr/>
         <p:nvPr/>
       </p:nvGrpSpPr>
@@ -12647,13 +12796,7 @@
       </p:grpSpPr>
       <p:sp>
         <p:nvSpPr>
-          <p:cNvPr id="83" name="Google Shape;83;p14">
-            <a:extLst>
-              <a:ext uri="{FF2B5EF4-FFF2-40B4-BE49-F238E27FC236}">
-                <a16:creationId xmlns:a16="http://schemas.microsoft.com/office/drawing/2014/main" id="{B041C0E5-F984-3A17-4763-5BDD2D2FAF71}"/>
-              </a:ext>
-            </a:extLst>
-          </p:cNvPr>
+          <p:cNvPr id="83" name="Google Shape;83;p14"/>
           <p:cNvSpPr txBox="1">
             <a:spLocks noGrp="1"/>
           </p:cNvSpPr>
@@ -12687,7 +12830,7 @@
             </a:pPr>
             <a:r>
               <a:rPr lang="en-GB" dirty="0"/>
-              <a:t>Boolean Algebra</a:t>
+              <a:t>Multiple inputs gates</a:t>
             </a:r>
             <a:endParaRPr dirty="0"/>
           </a:p>
@@ -12695,13 +12838,7 @@
       </p:sp>
       <p:sp>
         <p:nvSpPr>
-          <p:cNvPr id="84" name="Google Shape;84;p14">
-            <a:extLst>
-              <a:ext uri="{FF2B5EF4-FFF2-40B4-BE49-F238E27FC236}">
-                <a16:creationId xmlns:a16="http://schemas.microsoft.com/office/drawing/2014/main" id="{DBE2D383-3C20-CCAC-7E0F-5C50D823D89C}"/>
-              </a:ext>
-            </a:extLst>
-          </p:cNvPr>
+          <p:cNvPr id="84" name="Google Shape;84;p14"/>
           <p:cNvSpPr txBox="1">
             <a:spLocks noGrp="1"/>
           </p:cNvSpPr>
@@ -12711,8 +12848,8 @@
         </p:nvSpPr>
         <p:spPr>
           <a:xfrm>
-            <a:off x="162750" y="1052517"/>
-            <a:ext cx="8878380" cy="5338530"/>
+            <a:off x="162750" y="1043733"/>
+            <a:ext cx="8818500" cy="5100000"/>
           </a:xfrm>
           <a:prstGeom prst="rect">
             <a:avLst/>
@@ -12724,192 +12861,238 @@
           </a:bodyPr>
           <a:lstStyle/>
           <a:p>
-            <a:r>
-              <a:rPr lang="en-GB" dirty="0"/>
-              <a:t>The </a:t>
+            <a:pPr lvl="0"/>
+            <a:r>
+              <a:rPr lang="en-GB" dirty="0"/>
+              <a:t>Many boolean functions of </a:t>
             </a:r>
             <a:r>
               <a:rPr lang="en-GB" b="1" dirty="0"/>
-              <a:t>mathematical framework </a:t>
-            </a:r>
-            <a:r>
-              <a:rPr lang="en-GB" dirty="0"/>
-              <a:t>for representing and manipulating logical expressions</a:t>
+              <a:t>three or more inputs </a:t>
+            </a:r>
+            <a:r>
+              <a:rPr lang="en-GB" dirty="0"/>
+              <a:t>exist:</a:t>
             </a:r>
           </a:p>
           <a:p>
             <a:pPr lvl="1">
               <a:spcBef>
-                <a:spcPts val="600"/>
-              </a:spcBef>
-            </a:pPr>
-            <a:r>
-              <a:rPr lang="en-GB" dirty="0"/>
-              <a:t>AND, OR, and NOT are the fundamental</a:t>
+                <a:spcPts val="0"/>
+              </a:spcBef>
+            </a:pPr>
+            <a:r>
+              <a:rPr lang="en-GB" dirty="0"/>
+              <a:t>an </a:t>
             </a:r>
             <a:r>
               <a:rPr lang="en-GB" b="1" dirty="0"/>
-              <a:t> logical operators</a:t>
+              <a:t>N-input AND </a:t>
+            </a:r>
+            <a:r>
+              <a:rPr lang="en-GB" dirty="0"/>
+              <a:t>gate produces a </a:t>
+            </a:r>
+            <a:r>
+              <a:rPr lang="en-GB" b="1" dirty="0"/>
+              <a:t>TRUE output when all N inputs are TRUE</a:t>
             </a:r>
           </a:p>
           <a:p>
             <a:pPr lvl="1">
               <a:spcBef>
-                <a:spcPts val="600"/>
-              </a:spcBef>
-            </a:pPr>
-            <a:r>
-              <a:rPr lang="en-GB" dirty="0"/>
-              <a:t>it is an </a:t>
+                <a:spcPts val="0"/>
+              </a:spcBef>
+            </a:pPr>
+            <a:endParaRPr lang="en-GB" b="1" dirty="0"/>
+          </a:p>
+          <a:p>
+            <a:pPr lvl="1">
+              <a:spcBef>
+                <a:spcPts val="0"/>
+              </a:spcBef>
+            </a:pPr>
+            <a:endParaRPr lang="en-GB" b="1" dirty="0"/>
+          </a:p>
+          <a:p>
+            <a:pPr lvl="1">
+              <a:spcBef>
+                <a:spcPts val="0"/>
+              </a:spcBef>
+            </a:pPr>
+            <a:endParaRPr lang="en-GB" b="1" dirty="0"/>
+          </a:p>
+          <a:p>
+            <a:pPr lvl="1">
+              <a:spcBef>
+                <a:spcPts val="0"/>
+              </a:spcBef>
+            </a:pPr>
+            <a:endParaRPr lang="en-GB" b="1" dirty="0"/>
+          </a:p>
+          <a:p>
+            <a:pPr lvl="1">
+              <a:spcBef>
+                <a:spcPts val="0"/>
+              </a:spcBef>
+            </a:pPr>
+            <a:endParaRPr lang="en-GB" b="1" dirty="0"/>
+          </a:p>
+          <a:p>
+            <a:pPr lvl="1">
+              <a:spcBef>
+                <a:spcPts val="0"/>
+              </a:spcBef>
+            </a:pPr>
+            <a:endParaRPr lang="en-GB" b="1" dirty="0"/>
+          </a:p>
+          <a:p>
+            <a:pPr lvl="1">
+              <a:spcBef>
+                <a:spcPts val="0"/>
+              </a:spcBef>
+            </a:pPr>
+            <a:endParaRPr lang="en-GB" b="1" dirty="0"/>
+          </a:p>
+          <a:p>
+            <a:pPr lvl="1">
+              <a:spcBef>
+                <a:spcPts val="0"/>
+              </a:spcBef>
+            </a:pPr>
+            <a:endParaRPr lang="en-GB" b="1" dirty="0"/>
+          </a:p>
+          <a:p>
+            <a:pPr lvl="1">
+              <a:spcBef>
+                <a:spcPts val="0"/>
+              </a:spcBef>
+            </a:pPr>
+            <a:endParaRPr lang="en-GB" b="1" dirty="0"/>
+          </a:p>
+          <a:p>
+            <a:pPr marL="590550" lvl="1" indent="0">
+              <a:spcBef>
+                <a:spcPts val="0"/>
+              </a:spcBef>
+              <a:buNone/>
+            </a:pPr>
+            <a:endParaRPr lang="en-GB" b="1" dirty="0"/>
+          </a:p>
+          <a:p>
+            <a:pPr marL="590550" lvl="1" indent="0">
+              <a:spcBef>
+                <a:spcPts val="0"/>
+              </a:spcBef>
+              <a:buNone/>
+            </a:pPr>
+            <a:endParaRPr lang="en-GB" b="1" dirty="0"/>
+          </a:p>
+          <a:p>
+            <a:pPr lvl="1">
+              <a:spcBef>
+                <a:spcPts val="0"/>
+              </a:spcBef>
+            </a:pPr>
+            <a:endParaRPr lang="en-GB" sz="800" b="1" dirty="0"/>
+          </a:p>
+          <a:p>
+            <a:pPr lvl="1">
+              <a:spcBef>
+                <a:spcPts val="0"/>
+              </a:spcBef>
+            </a:pPr>
+            <a:r>
+              <a:rPr lang="en-GB" dirty="0"/>
+              <a:t>An </a:t>
             </a:r>
             <a:r>
               <a:rPr lang="en-GB" b="1" dirty="0"/>
-              <a:t>algebraic system</a:t>
-            </a:r>
-            <a:r>
-              <a:rPr lang="en-GB" dirty="0"/>
-              <a:t> (a set of elements to which a set of operations is associated), deﬁned by:</a:t>
-            </a:r>
-          </a:p>
-          <a:p>
-            <a:pPr lvl="2">
-              <a:spcBef>
-                <a:spcPts val="600"/>
-              </a:spcBef>
-            </a:pPr>
-            <a:r>
-              <a:rPr lang="en-GB" dirty="0"/>
-              <a:t>the set of values {0,1}</a:t>
-            </a:r>
-          </a:p>
-          <a:p>
-            <a:pPr lvl="2">
-              <a:spcBef>
-                <a:spcPts val="600"/>
-              </a:spcBef>
-            </a:pPr>
-            <a:r>
-              <a:rPr lang="en-GB" dirty="0"/>
-              <a:t>the operations OR, AND, and NOT</a:t>
-            </a:r>
-          </a:p>
-          <a:p>
-            <a:pPr lvl="2">
-              <a:spcBef>
-                <a:spcPts val="600"/>
-              </a:spcBef>
-            </a:pPr>
-            <a:r>
-              <a:rPr lang="en-GB" dirty="0"/>
-              <a:t>the equivalence operator “=”</a:t>
-            </a:r>
-          </a:p>
-          <a:p>
-            <a:pPr lvl="2">
-              <a:spcBef>
-                <a:spcPts val="600"/>
-              </a:spcBef>
-            </a:pPr>
-            <a:endParaRPr lang="en-GB" sz="1000" dirty="0"/>
-          </a:p>
-          <a:p>
-            <a:r>
-              <a:rPr lang="en-GB" dirty="0"/>
-              <a:t>We call </a:t>
+              <a:t>N-input NOR</a:t>
+            </a:r>
+            <a:r>
+              <a:rPr lang="en-GB" dirty="0"/>
+              <a:t> gate produces a </a:t>
             </a:r>
             <a:r>
               <a:rPr lang="en-GB" b="1" dirty="0"/>
-              <a:t>Boolean variable</a:t>
-            </a:r>
-            <a:r>
-              <a:rPr lang="en-GB" dirty="0"/>
-              <a:t> any discreet variable that can assume only two values</a:t>
-            </a:r>
-          </a:p>
-          <a:p>
-            <a:endParaRPr lang="en-GB" sz="1000" dirty="0"/>
-          </a:p>
-          <a:p>
-            <a:r>
-              <a:rPr lang="en-GB" dirty="0"/>
-              <a:t>We call </a:t>
-            </a:r>
-            <a:r>
-              <a:rPr lang="en-GB" b="1" dirty="0"/>
-              <a:t>Boolean function </a:t>
-            </a:r>
-            <a:r>
-              <a:rPr lang="en-GB" dirty="0"/>
-              <a:t>any expression F expressed using the logical operations, that takes one or more binary inputs  (X1, X2, …, </a:t>
-            </a:r>
-            <a:r>
-              <a:rPr lang="en-GB" dirty="0" err="1"/>
-              <a:t>Xn</a:t>
-            </a:r>
-            <a:r>
-              <a:rPr lang="en-GB" dirty="0"/>
-              <a:t>) and produces a binary output (Y)</a:t>
-            </a:r>
-          </a:p>
-          <a:p>
-            <a:pPr lvl="1">
-              <a:spcBef>
-                <a:spcPts val="600"/>
-              </a:spcBef>
-            </a:pPr>
-            <a:r>
-              <a:rPr lang="en-GB" dirty="0"/>
-              <a:t>its domain is composed of all the 2^n combinations of the values of the variables</a:t>
-            </a:r>
-          </a:p>
-          <a:p>
-            <a:pPr lvl="1">
-              <a:spcBef>
-                <a:spcPts val="600"/>
-              </a:spcBef>
-            </a:pPr>
-            <a:r>
-              <a:rPr lang="en-GB" dirty="0"/>
-              <a:t>the domain is </a:t>
-            </a:r>
-            <a:r>
-              <a:rPr lang="en-GB" b="1" dirty="0"/>
-              <a:t>countable</a:t>
-            </a:r>
-            <a:r>
-              <a:rPr lang="en-GB" dirty="0"/>
-              <a:t> </a:t>
-            </a:r>
-          </a:p>
-          <a:p>
-            <a:pPr lvl="1">
-              <a:spcBef>
-                <a:spcPts val="600"/>
-              </a:spcBef>
-            </a:pPr>
-            <a:r>
-              <a:rPr lang="en-GB" dirty="0"/>
-              <a:t>it can be represented by its </a:t>
-            </a:r>
-            <a:r>
-              <a:rPr lang="en-GB" b="1" dirty="0"/>
-              <a:t>boolean expression</a:t>
-            </a:r>
-            <a:r>
-              <a:rPr lang="en-GB" dirty="0"/>
-              <a:t> or by its </a:t>
-            </a:r>
-            <a:r>
-              <a:rPr lang="en-GB" b="1" dirty="0"/>
-              <a:t>truth table</a:t>
-            </a:r>
+              <a:t>TRUE output when all N inputs are is FALSE</a:t>
+            </a:r>
+          </a:p>
+          <a:p>
+            <a:pPr lvl="1"/>
+            <a:endParaRPr lang="en-GB" dirty="0"/>
+          </a:p>
+          <a:p>
+            <a:pPr lvl="1"/>
+            <a:endParaRPr lang="en-GB" dirty="0"/>
           </a:p>
         </p:txBody>
       </p:sp>
+      <p:pic>
+        <p:nvPicPr>
+          <p:cNvPr id="2" name="Immagine 1">
+            <a:extLst>
+              <a:ext uri="{FF2B5EF4-FFF2-40B4-BE49-F238E27FC236}">
+                <a16:creationId xmlns:a16="http://schemas.microsoft.com/office/drawing/2014/main" id="{91726287-ADDC-4EDF-603C-3DB0F80F223A}"/>
+              </a:ext>
+            </a:extLst>
+          </p:cNvPr>
+          <p:cNvPicPr>
+            <a:picLocks noChangeAspect="1"/>
+          </p:cNvPicPr>
+          <p:nvPr/>
+        </p:nvPicPr>
+        <p:blipFill>
+          <a:blip r:embed="rId3"/>
+          <a:stretch>
+            <a:fillRect/>
+          </a:stretch>
+        </p:blipFill>
+        <p:spPr>
+          <a:xfrm>
+            <a:off x="1059900" y="1764735"/>
+            <a:ext cx="7772400" cy="2842116"/>
+          </a:xfrm>
+          <a:prstGeom prst="rect">
+            <a:avLst/>
+          </a:prstGeom>
+        </p:spPr>
+      </p:pic>
+      <p:pic>
+        <p:nvPicPr>
+          <p:cNvPr id="3" name="Immagine 2">
+            <a:extLst>
+              <a:ext uri="{FF2B5EF4-FFF2-40B4-BE49-F238E27FC236}">
+                <a16:creationId xmlns:a16="http://schemas.microsoft.com/office/drawing/2014/main" id="{866DC63A-5F9A-9673-F9D7-6B5D9C2738DB}"/>
+              </a:ext>
+            </a:extLst>
+          </p:cNvPr>
+          <p:cNvPicPr>
+            <a:picLocks noChangeAspect="1"/>
+          </p:cNvPicPr>
+          <p:nvPr/>
+        </p:nvPicPr>
+        <p:blipFill>
+          <a:blip r:embed="rId4"/>
+          <a:stretch>
+            <a:fillRect/>
+          </a:stretch>
+        </p:blipFill>
+        <p:spPr>
+          <a:xfrm>
+            <a:off x="1059900" y="5031168"/>
+            <a:ext cx="7772400" cy="1566197"/>
+          </a:xfrm>
+          <a:prstGeom prst="rect">
+            <a:avLst/>
+          </a:prstGeom>
+        </p:spPr>
+      </p:pic>
     </p:spTree>
     <p:extLst>
       <p:ext uri="{BB962C8B-B14F-4D97-AF65-F5344CB8AC3E}">
-        <p14:creationId xmlns:p14="http://schemas.microsoft.com/office/powerpoint/2010/main" val="2011826885"/>
+        <p14:creationId xmlns:p14="http://schemas.microsoft.com/office/powerpoint/2010/main" val="2685277896"/>
       </p:ext>
     </p:extLst>
   </p:cSld>
@@ -13482,6 +13665,15 @@
 </file>
 
 <file path=customXml/item1.xml><?xml version="1.0" encoding="utf-8"?>
+<?mso-contentType ?>
+<FormTemplates xmlns="http://schemas.microsoft.com/sharepoint/v3/contenttype/forms">
+  <Display>DocumentLibraryForm</Display>
+  <Edit>DocumentLibraryForm</Edit>
+  <New>DocumentLibraryForm</New>
+</FormTemplates>
+</file>
+
+<file path=customXml/item2.xml><?xml version="1.0" encoding="utf-8"?>
 <p:properties xmlns:p="http://schemas.microsoft.com/office/2006/metadata/properties" xmlns:xsi="http://www.w3.org/2001/XMLSchema-instance" xmlns:pc="http://schemas.microsoft.com/office/infopath/2007/PartnerControls">
   <documentManagement>
     <TaxCatchAll xmlns="e9b5433c-2372-4cb7-8bab-09518096b29b" xsi:nil="true"/>
@@ -13490,15 +13682,6 @@
     </lcf76f155ced4ddcb4097134ff3c332f>
   </documentManagement>
 </p:properties>
-</file>
-
-<file path=customXml/item2.xml><?xml version="1.0" encoding="utf-8"?>
-<?mso-contentType ?>
-<FormTemplates xmlns="http://schemas.microsoft.com/sharepoint/v3/contenttype/forms">
-  <Display>DocumentLibraryForm</Display>
-  <Edit>DocumentLibraryForm</Edit>
-  <New>DocumentLibraryForm</New>
-</FormTemplates>
 </file>
 
 <file path=customXml/item3.xml><?xml version="1.0" encoding="utf-8"?>
@@ -13703,26 +13886,26 @@
 </file>
 
 <file path=customXml/itemProps1.xml><?xml version="1.0" encoding="utf-8"?>
-<ds:datastoreItem xmlns:ds="http://schemas.openxmlformats.org/officeDocument/2006/customXml" ds:itemID="{5050C20A-3C88-462F-A38E-6E748FF1CEAD}">
+<ds:datastoreItem xmlns:ds="http://schemas.openxmlformats.org/officeDocument/2006/customXml" ds:itemID="{3350DDC4-6AF7-418C-A870-CE2A12430908}">
   <ds:schemaRefs>
-    <ds:schemaRef ds:uri="3bd0d43f-5e5b-43cd-b6fc-691bd77672c6"/>
-    <ds:schemaRef ds:uri="http://purl.org/dc/terms/"/>
-    <ds:schemaRef ds:uri="http://www.w3.org/XML/1998/namespace"/>
-    <ds:schemaRef ds:uri="http://schemas.microsoft.com/office/2006/documentManagement/types"/>
-    <ds:schemaRef ds:uri="http://purl.org/dc/elements/1.1/"/>
-    <ds:schemaRef ds:uri="http://purl.org/dc/dcmitype/"/>
-    <ds:schemaRef ds:uri="http://schemas.microsoft.com/office/infopath/2007/PartnerControls"/>
-    <ds:schemaRef ds:uri="http://schemas.openxmlformats.org/package/2006/metadata/core-properties"/>
-    <ds:schemaRef ds:uri="e9b5433c-2372-4cb7-8bab-09518096b29b"/>
-    <ds:schemaRef ds:uri="http://schemas.microsoft.com/office/2006/metadata/properties"/>
+    <ds:schemaRef ds:uri="http://schemas.microsoft.com/sharepoint/v3/contenttype/forms"/>
   </ds:schemaRefs>
 </ds:datastoreItem>
 </file>
 
 <file path=customXml/itemProps2.xml><?xml version="1.0" encoding="utf-8"?>
-<ds:datastoreItem xmlns:ds="http://schemas.openxmlformats.org/officeDocument/2006/customXml" ds:itemID="{3350DDC4-6AF7-418C-A870-CE2A12430908}">
+<ds:datastoreItem xmlns:ds="http://schemas.openxmlformats.org/officeDocument/2006/customXml" ds:itemID="{5050C20A-3C88-462F-A38E-6E748FF1CEAD}">
   <ds:schemaRefs>
-    <ds:schemaRef ds:uri="http://schemas.microsoft.com/sharepoint/v3/contenttype/forms"/>
+    <ds:schemaRef ds:uri="http://purl.org/dc/dcmitype/"/>
+    <ds:schemaRef ds:uri="http://purl.org/dc/terms/"/>
+    <ds:schemaRef ds:uri="http://schemas.openxmlformats.org/package/2006/metadata/core-properties"/>
+    <ds:schemaRef ds:uri="http://purl.org/dc/elements/1.1/"/>
+    <ds:schemaRef ds:uri="e9b5433c-2372-4cb7-8bab-09518096b29b"/>
+    <ds:schemaRef ds:uri="http://schemas.microsoft.com/office/2006/metadata/properties"/>
+    <ds:schemaRef ds:uri="http://www.w3.org/XML/1998/namespace"/>
+    <ds:schemaRef ds:uri="http://schemas.microsoft.com/office/2006/documentManagement/types"/>
+    <ds:schemaRef ds:uri="http://schemas.microsoft.com/office/infopath/2007/PartnerControls"/>
+    <ds:schemaRef ds:uri="3bd0d43f-5e5b-43cd-b6fc-691bd77672c6"/>
   </ds:schemaRefs>
 </ds:datastoreItem>
 </file>
